--- a/notes/csc402-ln008.pptx
+++ b/notes/csc402-ln008.pptx
@@ -226,17 +226,17 @@
           </a:ln>
           <a:extLst>
             <a:ext uri="{FAA26D3D-D897-4be2-8F04-BA451C77F1D7}">
-              <ma14:placeholderFlag xmlns:ma14="http://schemas.microsoft.com/office/mac/drawingml/2011/main" val="1"/>
+              <ma14:placeholderFlag xmlns:ma14="http://schemas.microsoft.com/office/mac/drawingml/2011/main" xmlns="" val="1"/>
             </a:ext>
             <a:ext uri="{909E8E84-426E-40dd-AFC4-6F175D3DCCD1}">
-              <a14:hiddenFill xmlns:a14="http://schemas.microsoft.com/office/drawing/2010/main" xmlns="">
+              <a14:hiddenFill xmlns="" xmlns:a14="http://schemas.microsoft.com/office/drawing/2010/main">
                 <a:solidFill>
                   <a:schemeClr val="accent1"/>
                 </a:solidFill>
               </a14:hiddenFill>
             </a:ext>
             <a:ext uri="{91240B29-F687-4f45-9708-019B960494DF}">
-              <a14:hiddenLine xmlns:a14="http://schemas.microsoft.com/office/drawing/2010/main" xmlns="" w="9525">
+              <a14:hiddenLine xmlns="" xmlns:a14="http://schemas.microsoft.com/office/drawing/2010/main" w="9525">
                 <a:solidFill>
                   <a:schemeClr val="tx1"/>
                 </a:solidFill>
@@ -287,17 +287,17 @@
           </a:ln>
           <a:extLst>
             <a:ext uri="{FAA26D3D-D897-4be2-8F04-BA451C77F1D7}">
-              <ma14:placeholderFlag xmlns:ma14="http://schemas.microsoft.com/office/mac/drawingml/2011/main" val="1"/>
+              <ma14:placeholderFlag xmlns:ma14="http://schemas.microsoft.com/office/mac/drawingml/2011/main" xmlns="" val="1"/>
             </a:ext>
             <a:ext uri="{909E8E84-426E-40dd-AFC4-6F175D3DCCD1}">
-              <a14:hiddenFill xmlns:a14="http://schemas.microsoft.com/office/drawing/2010/main" xmlns="">
+              <a14:hiddenFill xmlns="" xmlns:a14="http://schemas.microsoft.com/office/drawing/2010/main">
                 <a:solidFill>
                   <a:schemeClr val="accent1"/>
                 </a:solidFill>
               </a14:hiddenFill>
             </a:ext>
             <a:ext uri="{91240B29-F687-4f45-9708-019B960494DF}">
-              <a14:hiddenLine xmlns:a14="http://schemas.microsoft.com/office/drawing/2010/main" xmlns="" w="9525">
+              <a14:hiddenLine xmlns="" xmlns:a14="http://schemas.microsoft.com/office/drawing/2010/main" w="9525">
                 <a:solidFill>
                   <a:schemeClr val="tx1"/>
                 </a:solidFill>
@@ -354,7 +354,7 @@
           <a:effectLst/>
           <a:extLst>
             <a:ext uri="{AF507438-7753-43e0-B8FC-AC1667EBCBE1}">
-              <a14:hiddenEffects xmlns:a14="http://schemas.microsoft.com/office/drawing/2010/main" xmlns="">
+              <a14:hiddenEffects xmlns="" xmlns:a14="http://schemas.microsoft.com/office/drawing/2010/main">
                 <a:effectLst>
                   <a:outerShdw blurRad="63500" dist="38099" dir="2700000" algn="ctr" rotWithShape="0">
                     <a:srgbClr val="000000">
@@ -365,7 +365,7 @@
               </a14:hiddenEffects>
             </a:ext>
             <a:ext uri="{53640926-AAD7-44d8-BBD7-CCE9431645EC}">
-              <a14:shadowObscured xmlns:a14="http://schemas.microsoft.com/office/drawing/2010/main" xmlns="" val="1"/>
+              <a14:shadowObscured xmlns="" xmlns:a14="http://schemas.microsoft.com/office/drawing/2010/main" val="1"/>
             </a:ext>
           </a:extLst>
         </p:spPr>
@@ -394,17 +394,17 @@
           </a:ln>
           <a:extLst>
             <a:ext uri="{FAA26D3D-D897-4be2-8F04-BA451C77F1D7}">
-              <ma14:placeholderFlag xmlns:ma14="http://schemas.microsoft.com/office/mac/drawingml/2011/main" val="1"/>
+              <ma14:placeholderFlag xmlns:ma14="http://schemas.microsoft.com/office/mac/drawingml/2011/main" xmlns="" val="1"/>
             </a:ext>
             <a:ext uri="{909E8E84-426E-40dd-AFC4-6F175D3DCCD1}">
-              <a14:hiddenFill xmlns:a14="http://schemas.microsoft.com/office/drawing/2010/main" xmlns="">
+              <a14:hiddenFill xmlns="" xmlns:a14="http://schemas.microsoft.com/office/drawing/2010/main">
                 <a:solidFill>
                   <a:schemeClr val="accent1"/>
                 </a:solidFill>
               </a14:hiddenFill>
             </a:ext>
             <a:ext uri="{91240B29-F687-4f45-9708-019B960494DF}">
-              <a14:hiddenLine xmlns:a14="http://schemas.microsoft.com/office/drawing/2010/main" xmlns="" w="9525">
+              <a14:hiddenLine xmlns="" xmlns:a14="http://schemas.microsoft.com/office/drawing/2010/main" w="9525">
                 <a:solidFill>
                   <a:schemeClr val="tx1"/>
                 </a:solidFill>
@@ -483,17 +483,17 @@
           </a:ln>
           <a:extLst>
             <a:ext uri="{FAA26D3D-D897-4be2-8F04-BA451C77F1D7}">
-              <ma14:placeholderFlag xmlns:ma14="http://schemas.microsoft.com/office/mac/drawingml/2011/main" val="1"/>
+              <ma14:placeholderFlag xmlns:ma14="http://schemas.microsoft.com/office/mac/drawingml/2011/main" xmlns="" val="1"/>
             </a:ext>
             <a:ext uri="{909E8E84-426E-40dd-AFC4-6F175D3DCCD1}">
-              <a14:hiddenFill xmlns:a14="http://schemas.microsoft.com/office/drawing/2010/main" xmlns="">
+              <a14:hiddenFill xmlns="" xmlns:a14="http://schemas.microsoft.com/office/drawing/2010/main">
                 <a:solidFill>
                   <a:schemeClr val="accent1"/>
                 </a:solidFill>
               </a14:hiddenFill>
             </a:ext>
             <a:ext uri="{91240B29-F687-4f45-9708-019B960494DF}">
-              <a14:hiddenLine xmlns:a14="http://schemas.microsoft.com/office/drawing/2010/main" xmlns="" w="9525">
+              <a14:hiddenLine xmlns="" xmlns:a14="http://schemas.microsoft.com/office/drawing/2010/main" w="9525">
                 <a:solidFill>
                   <a:schemeClr val="tx1"/>
                 </a:solidFill>
@@ -544,17 +544,17 @@
           </a:ln>
           <a:extLst>
             <a:ext uri="{FAA26D3D-D897-4be2-8F04-BA451C77F1D7}">
-              <ma14:placeholderFlag xmlns:ma14="http://schemas.microsoft.com/office/mac/drawingml/2011/main" val="1"/>
+              <ma14:placeholderFlag xmlns:ma14="http://schemas.microsoft.com/office/mac/drawingml/2011/main" xmlns="" val="1"/>
             </a:ext>
             <a:ext uri="{909E8E84-426E-40dd-AFC4-6F175D3DCCD1}">
-              <a14:hiddenFill xmlns:a14="http://schemas.microsoft.com/office/drawing/2010/main" xmlns="">
+              <a14:hiddenFill xmlns="" xmlns:a14="http://schemas.microsoft.com/office/drawing/2010/main">
                 <a:solidFill>
                   <a:schemeClr val="accent1"/>
                 </a:solidFill>
               </a14:hiddenFill>
             </a:ext>
             <a:ext uri="{91240B29-F687-4f45-9708-019B960494DF}">
-              <a14:hiddenLine xmlns:a14="http://schemas.microsoft.com/office/drawing/2010/main" xmlns="" w="9525">
+              <a14:hiddenLine xmlns="" xmlns:a14="http://schemas.microsoft.com/office/drawing/2010/main" w="9525">
                 <a:solidFill>
                   <a:schemeClr val="tx1"/>
                 </a:solidFill>
@@ -776,7 +776,7 @@
           <a:ln/>
           <a:extLst>
             <a:ext uri="{FAA26D3D-D897-4be2-8F04-BA451C77F1D7}">
-              <ma14:placeholderFlag xmlns:ma14="http://schemas.microsoft.com/office/mac/drawingml/2011/main" val="1"/>
+              <ma14:placeholderFlag xmlns:ma14="http://schemas.microsoft.com/office/mac/drawingml/2011/main" xmlns="" val="1"/>
             </a:ext>
           </a:extLst>
         </p:spPr>
@@ -865,7 +865,7 @@
           <a:ln/>
           <a:extLst>
             <a:ext uri="{FAA26D3D-D897-4be2-8F04-BA451C77F1D7}">
-              <ma14:placeholderFlag xmlns:ma14="http://schemas.microsoft.com/office/mac/drawingml/2011/main" val="1"/>
+              <ma14:placeholderFlag xmlns:ma14="http://schemas.microsoft.com/office/mac/drawingml/2011/main" xmlns="" val="1"/>
             </a:ext>
           </a:extLst>
         </p:spPr>
@@ -954,7 +954,7 @@
           <a:ln/>
           <a:extLst>
             <a:ext uri="{FAA26D3D-D897-4be2-8F04-BA451C77F1D7}">
-              <ma14:placeholderFlag xmlns:ma14="http://schemas.microsoft.com/office/mac/drawingml/2011/main" val="1"/>
+              <ma14:placeholderFlag xmlns:ma14="http://schemas.microsoft.com/office/mac/drawingml/2011/main" xmlns="" val="1"/>
             </a:ext>
           </a:extLst>
         </p:spPr>
@@ -1128,7 +1128,7 @@
           <a:ln/>
           <a:extLst>
             <a:ext uri="{FAA26D3D-D897-4be2-8F04-BA451C77F1D7}">
-              <ma14:placeholderFlag xmlns:ma14="http://schemas.microsoft.com/office/mac/drawingml/2011/main" val="1"/>
+              <ma14:placeholderFlag xmlns:ma14="http://schemas.microsoft.com/office/mac/drawingml/2011/main" xmlns="" val="1"/>
             </a:ext>
           </a:extLst>
         </p:spPr>
@@ -1210,12 +1210,12 @@
           <a:effectLst/>
           <a:extLst>
             <a:ext uri="{909E8E84-426E-40dd-AFC4-6F175D3DCCD1}">
-              <a14:hiddenFill xmlns:a14="http://schemas.microsoft.com/office/drawing/2010/main" xmlns="">
+              <a14:hiddenFill xmlns="" xmlns:a14="http://schemas.microsoft.com/office/drawing/2010/main">
                 <a:noFill/>
               </a14:hiddenFill>
             </a:ext>
             <a:ext uri="{AF507438-7753-43e0-B8FC-AC1667EBCBE1}">
-              <a14:hiddenEffects xmlns:a14="http://schemas.microsoft.com/office/drawing/2010/main" xmlns="">
+              <a14:hiddenEffects xmlns="" xmlns:a14="http://schemas.microsoft.com/office/drawing/2010/main">
                 <a:effectLst>
                   <a:outerShdw blurRad="63500" dist="38099" dir="2700000" algn="ctr" rotWithShape="0">
                     <a:schemeClr val="bg2">
@@ -1261,7 +1261,7 @@
           <a:p>
             <a:pPr lvl="0"/>
             <a:r>
-              <a:rPr lang="en-US" noProof="0" smtClean="0"/>
+              <a:rPr lang="en-US" noProof="0"/>
               <a:t>Click to edit Master title style</a:t>
             </a:r>
           </a:p>
@@ -1295,7 +1295,7 @@
           <a:p>
             <a:pPr lvl="0"/>
             <a:r>
-              <a:rPr lang="en-US" noProof="0" smtClean="0"/>
+              <a:rPr lang="en-US" noProof="0"/>
               <a:t>Click to edit Master subtitle style</a:t>
             </a:r>
           </a:p>
@@ -1416,7 +1416,7 @@
             <a:effectLst/>
             <a:extLst>
               <a:ext uri="{91240B29-F687-4f45-9708-019B960494DF}">
-                <a14:hiddenLine xmlns:a14="http://schemas.microsoft.com/office/drawing/2010/main" xmlns="" w="9525">
+                <a14:hiddenLine xmlns="" xmlns:a14="http://schemas.microsoft.com/office/drawing/2010/main" w="9525">
                   <a:solidFill>
                     <a:schemeClr val="tx1"/>
                   </a:solidFill>
@@ -1426,7 +1426,7 @@
                 </a14:hiddenLine>
               </a:ext>
               <a:ext uri="{AF507438-7753-43e0-B8FC-AC1667EBCBE1}">
-                <a14:hiddenEffects xmlns:a14="http://schemas.microsoft.com/office/drawing/2010/main" xmlns="">
+                <a14:hiddenEffects xmlns="" xmlns:a14="http://schemas.microsoft.com/office/drawing/2010/main">
                   <a:effectLst>
                     <a:outerShdw blurRad="63500" dist="38099" dir="2700000" algn="ctr" rotWithShape="0">
                       <a:schemeClr val="bg2">
@@ -1471,7 +1471,7 @@
             <a:effectLst/>
             <a:extLst>
               <a:ext uri="{91240B29-F687-4f45-9708-019B960494DF}">
-                <a14:hiddenLine xmlns:a14="http://schemas.microsoft.com/office/drawing/2010/main" xmlns="" w="9525">
+                <a14:hiddenLine xmlns="" xmlns:a14="http://schemas.microsoft.com/office/drawing/2010/main" w="9525">
                   <a:solidFill>
                     <a:schemeClr val="tx1"/>
                   </a:solidFill>
@@ -1481,7 +1481,7 @@
                 </a14:hiddenLine>
               </a:ext>
               <a:ext uri="{AF507438-7753-43e0-B8FC-AC1667EBCBE1}">
-                <a14:hiddenEffects xmlns:a14="http://schemas.microsoft.com/office/drawing/2010/main" xmlns="">
+                <a14:hiddenEffects xmlns="" xmlns:a14="http://schemas.microsoft.com/office/drawing/2010/main">
                   <a:effectLst>
                     <a:outerShdw blurRad="63500" dist="38099" dir="2700000" algn="ctr" rotWithShape="0">
                       <a:schemeClr val="bg2">
@@ -1526,7 +1526,7 @@
             <a:effectLst/>
             <a:extLst>
               <a:ext uri="{91240B29-F687-4f45-9708-019B960494DF}">
-                <a14:hiddenLine xmlns:a14="http://schemas.microsoft.com/office/drawing/2010/main" xmlns="" w="9525">
+                <a14:hiddenLine xmlns="" xmlns:a14="http://schemas.microsoft.com/office/drawing/2010/main" w="9525">
                   <a:solidFill>
                     <a:schemeClr val="tx1"/>
                   </a:solidFill>
@@ -1536,7 +1536,7 @@
                 </a14:hiddenLine>
               </a:ext>
               <a:ext uri="{AF507438-7753-43e0-B8FC-AC1667EBCBE1}">
-                <a14:hiddenEffects xmlns:a14="http://schemas.microsoft.com/office/drawing/2010/main" xmlns="">
+                <a14:hiddenEffects xmlns="" xmlns:a14="http://schemas.microsoft.com/office/drawing/2010/main">
                   <a:effectLst>
                     <a:outerShdw blurRad="63500" dist="38099" dir="2700000" algn="ctr" rotWithShape="0">
                       <a:schemeClr val="bg2">
@@ -1581,7 +1581,7 @@
             <a:effectLst/>
             <a:extLst>
               <a:ext uri="{91240B29-F687-4f45-9708-019B960494DF}">
-                <a14:hiddenLine xmlns:a14="http://schemas.microsoft.com/office/drawing/2010/main" xmlns="" w="9525">
+                <a14:hiddenLine xmlns="" xmlns:a14="http://schemas.microsoft.com/office/drawing/2010/main" w="9525">
                   <a:solidFill>
                     <a:schemeClr val="tx1"/>
                   </a:solidFill>
@@ -1591,7 +1591,7 @@
                 </a14:hiddenLine>
               </a:ext>
               <a:ext uri="{AF507438-7753-43e0-B8FC-AC1667EBCBE1}">
-                <a14:hiddenEffects xmlns:a14="http://schemas.microsoft.com/office/drawing/2010/main" xmlns="">
+                <a14:hiddenEffects xmlns="" xmlns:a14="http://schemas.microsoft.com/office/drawing/2010/main">
                   <a:effectLst>
                     <a:outerShdw blurRad="63500" dist="38099" dir="2700000" algn="ctr" rotWithShape="0">
                       <a:schemeClr val="bg2">
@@ -1636,7 +1636,7 @@
             <a:effectLst/>
             <a:extLst>
               <a:ext uri="{91240B29-F687-4f45-9708-019B960494DF}">
-                <a14:hiddenLine xmlns:a14="http://schemas.microsoft.com/office/drawing/2010/main" xmlns="" w="9525">
+                <a14:hiddenLine xmlns="" xmlns:a14="http://schemas.microsoft.com/office/drawing/2010/main" w="9525">
                   <a:solidFill>
                     <a:schemeClr val="tx1"/>
                   </a:solidFill>
@@ -1646,7 +1646,7 @@
                 </a14:hiddenLine>
               </a:ext>
               <a:ext uri="{AF507438-7753-43e0-B8FC-AC1667EBCBE1}">
-                <a14:hiddenEffects xmlns:a14="http://schemas.microsoft.com/office/drawing/2010/main" xmlns="">
+                <a14:hiddenEffects xmlns="" xmlns:a14="http://schemas.microsoft.com/office/drawing/2010/main">
                   <a:effectLst>
                     <a:outerShdw blurRad="63500" dist="38099" dir="2700000" algn="ctr" rotWithShape="0">
                       <a:schemeClr val="bg2">
@@ -1691,7 +1691,7 @@
             <a:effectLst/>
             <a:extLst>
               <a:ext uri="{91240B29-F687-4f45-9708-019B960494DF}">
-                <a14:hiddenLine xmlns:a14="http://schemas.microsoft.com/office/drawing/2010/main" xmlns="" w="9525">
+                <a14:hiddenLine xmlns="" xmlns:a14="http://schemas.microsoft.com/office/drawing/2010/main" w="9525">
                   <a:solidFill>
                     <a:schemeClr val="tx1"/>
                   </a:solidFill>
@@ -1701,7 +1701,7 @@
                 </a14:hiddenLine>
               </a:ext>
               <a:ext uri="{AF507438-7753-43e0-B8FC-AC1667EBCBE1}">
-                <a14:hiddenEffects xmlns:a14="http://schemas.microsoft.com/office/drawing/2010/main" xmlns="">
+                <a14:hiddenEffects xmlns="" xmlns:a14="http://schemas.microsoft.com/office/drawing/2010/main">
                   <a:effectLst>
                     <a:outerShdw blurRad="63500" dist="38099" dir="2700000" algn="ctr" rotWithShape="0">
                       <a:schemeClr val="bg2">
@@ -1746,7 +1746,7 @@
             <a:effectLst/>
             <a:extLst>
               <a:ext uri="{91240B29-F687-4f45-9708-019B960494DF}">
-                <a14:hiddenLine xmlns:a14="http://schemas.microsoft.com/office/drawing/2010/main" xmlns="" w="9525">
+                <a14:hiddenLine xmlns="" xmlns:a14="http://schemas.microsoft.com/office/drawing/2010/main" w="9525">
                   <a:solidFill>
                     <a:schemeClr val="tx1"/>
                   </a:solidFill>
@@ -1756,7 +1756,7 @@
                 </a14:hiddenLine>
               </a:ext>
               <a:ext uri="{AF507438-7753-43e0-B8FC-AC1667EBCBE1}">
-                <a14:hiddenEffects xmlns:a14="http://schemas.microsoft.com/office/drawing/2010/main" xmlns="">
+                <a14:hiddenEffects xmlns="" xmlns:a14="http://schemas.microsoft.com/office/drawing/2010/main">
                   <a:effectLst>
                     <a:outerShdw blurRad="63500" dist="38099" dir="2700000" algn="ctr" rotWithShape="0">
                       <a:schemeClr val="bg2">
@@ -1801,7 +1801,7 @@
             <a:effectLst/>
             <a:extLst>
               <a:ext uri="{91240B29-F687-4f45-9708-019B960494DF}">
-                <a14:hiddenLine xmlns:a14="http://schemas.microsoft.com/office/drawing/2010/main" xmlns="" w="9525">
+                <a14:hiddenLine xmlns="" xmlns:a14="http://schemas.microsoft.com/office/drawing/2010/main" w="9525">
                   <a:solidFill>
                     <a:schemeClr val="tx1"/>
                   </a:solidFill>
@@ -1811,7 +1811,7 @@
                 </a14:hiddenLine>
               </a:ext>
               <a:ext uri="{AF507438-7753-43e0-B8FC-AC1667EBCBE1}">
-                <a14:hiddenEffects xmlns:a14="http://schemas.microsoft.com/office/drawing/2010/main" xmlns="">
+                <a14:hiddenEffects xmlns="" xmlns:a14="http://schemas.microsoft.com/office/drawing/2010/main">
                   <a:effectLst>
                     <a:outerShdw blurRad="63500" dist="38099" dir="2700000" algn="ctr" rotWithShape="0">
                       <a:schemeClr val="bg2">
@@ -1856,7 +1856,7 @@
             <a:effectLst/>
             <a:extLst>
               <a:ext uri="{91240B29-F687-4f45-9708-019B960494DF}">
-                <a14:hiddenLine xmlns:a14="http://schemas.microsoft.com/office/drawing/2010/main" xmlns="" w="9525">
+                <a14:hiddenLine xmlns="" xmlns:a14="http://schemas.microsoft.com/office/drawing/2010/main" w="9525">
                   <a:solidFill>
                     <a:schemeClr val="tx1"/>
                   </a:solidFill>
@@ -1866,7 +1866,7 @@
                 </a14:hiddenLine>
               </a:ext>
               <a:ext uri="{AF507438-7753-43e0-B8FC-AC1667EBCBE1}">
-                <a14:hiddenEffects xmlns:a14="http://schemas.microsoft.com/office/drawing/2010/main" xmlns="">
+                <a14:hiddenEffects xmlns="" xmlns:a14="http://schemas.microsoft.com/office/drawing/2010/main">
                   <a:effectLst>
                     <a:outerShdw blurRad="63500" dist="38099" dir="2700000" algn="ctr" rotWithShape="0">
                       <a:schemeClr val="bg2">
@@ -1911,7 +1911,7 @@
             <a:effectLst/>
             <a:extLst>
               <a:ext uri="{91240B29-F687-4f45-9708-019B960494DF}">
-                <a14:hiddenLine xmlns:a14="http://schemas.microsoft.com/office/drawing/2010/main" xmlns="" w="9525">
+                <a14:hiddenLine xmlns="" xmlns:a14="http://schemas.microsoft.com/office/drawing/2010/main" w="9525">
                   <a:solidFill>
                     <a:schemeClr val="tx1"/>
                   </a:solidFill>
@@ -1921,7 +1921,7 @@
                 </a14:hiddenLine>
               </a:ext>
               <a:ext uri="{AF507438-7753-43e0-B8FC-AC1667EBCBE1}">
-                <a14:hiddenEffects xmlns:a14="http://schemas.microsoft.com/office/drawing/2010/main" xmlns="">
+                <a14:hiddenEffects xmlns="" xmlns:a14="http://schemas.microsoft.com/office/drawing/2010/main">
                   <a:effectLst>
                     <a:outerShdw blurRad="63500" dist="38099" dir="2700000" algn="ctr" rotWithShape="0">
                       <a:schemeClr val="bg2">
@@ -1966,7 +1966,7 @@
             <a:effectLst/>
             <a:extLst>
               <a:ext uri="{91240B29-F687-4f45-9708-019B960494DF}">
-                <a14:hiddenLine xmlns:a14="http://schemas.microsoft.com/office/drawing/2010/main" xmlns="" w="9525">
+                <a14:hiddenLine xmlns="" xmlns:a14="http://schemas.microsoft.com/office/drawing/2010/main" w="9525">
                   <a:solidFill>
                     <a:schemeClr val="tx1"/>
                   </a:solidFill>
@@ -1976,7 +1976,7 @@
                 </a14:hiddenLine>
               </a:ext>
               <a:ext uri="{AF507438-7753-43e0-B8FC-AC1667EBCBE1}">
-                <a14:hiddenEffects xmlns:a14="http://schemas.microsoft.com/office/drawing/2010/main" xmlns="">
+                <a14:hiddenEffects xmlns="" xmlns:a14="http://schemas.microsoft.com/office/drawing/2010/main">
                   <a:effectLst>
                     <a:outerShdw blurRad="63500" dist="38099" dir="2700000" algn="ctr" rotWithShape="0">
                       <a:schemeClr val="bg2">
@@ -2021,7 +2021,7 @@
             <a:effectLst/>
             <a:extLst>
               <a:ext uri="{91240B29-F687-4f45-9708-019B960494DF}">
-                <a14:hiddenLine xmlns:a14="http://schemas.microsoft.com/office/drawing/2010/main" xmlns="" w="9525">
+                <a14:hiddenLine xmlns="" xmlns:a14="http://schemas.microsoft.com/office/drawing/2010/main" w="9525">
                   <a:solidFill>
                     <a:schemeClr val="tx1"/>
                   </a:solidFill>
@@ -2031,7 +2031,7 @@
                 </a14:hiddenLine>
               </a:ext>
               <a:ext uri="{AF507438-7753-43e0-B8FC-AC1667EBCBE1}">
-                <a14:hiddenEffects xmlns:a14="http://schemas.microsoft.com/office/drawing/2010/main" xmlns="">
+                <a14:hiddenEffects xmlns="" xmlns:a14="http://schemas.microsoft.com/office/drawing/2010/main">
                   <a:effectLst>
                     <a:outerShdw blurRad="63500" dist="38099" dir="2700000" algn="ctr" rotWithShape="0">
                       <a:schemeClr val="bg2">
@@ -2076,7 +2076,7 @@
             <a:effectLst/>
             <a:extLst>
               <a:ext uri="{91240B29-F687-4f45-9708-019B960494DF}">
-                <a14:hiddenLine xmlns:a14="http://schemas.microsoft.com/office/drawing/2010/main" xmlns="" w="9525">
+                <a14:hiddenLine xmlns="" xmlns:a14="http://schemas.microsoft.com/office/drawing/2010/main" w="9525">
                   <a:solidFill>
                     <a:schemeClr val="tx1"/>
                   </a:solidFill>
@@ -2086,7 +2086,7 @@
                 </a14:hiddenLine>
               </a:ext>
               <a:ext uri="{AF507438-7753-43e0-B8FC-AC1667EBCBE1}">
-                <a14:hiddenEffects xmlns:a14="http://schemas.microsoft.com/office/drawing/2010/main" xmlns="">
+                <a14:hiddenEffects xmlns="" xmlns:a14="http://schemas.microsoft.com/office/drawing/2010/main">
                   <a:effectLst>
                     <a:outerShdw blurRad="63500" dist="38099" dir="2700000" algn="ctr" rotWithShape="0">
                       <a:schemeClr val="bg2">
@@ -2131,7 +2131,7 @@
             <a:effectLst/>
             <a:extLst>
               <a:ext uri="{91240B29-F687-4f45-9708-019B960494DF}">
-                <a14:hiddenLine xmlns:a14="http://schemas.microsoft.com/office/drawing/2010/main" xmlns="" w="9525">
+                <a14:hiddenLine xmlns="" xmlns:a14="http://schemas.microsoft.com/office/drawing/2010/main" w="9525">
                   <a:solidFill>
                     <a:schemeClr val="tx1"/>
                   </a:solidFill>
@@ -2141,7 +2141,7 @@
                 </a14:hiddenLine>
               </a:ext>
               <a:ext uri="{AF507438-7753-43e0-B8FC-AC1667EBCBE1}">
-                <a14:hiddenEffects xmlns:a14="http://schemas.microsoft.com/office/drawing/2010/main" xmlns="">
+                <a14:hiddenEffects xmlns="" xmlns:a14="http://schemas.microsoft.com/office/drawing/2010/main">
                   <a:effectLst>
                     <a:outerShdw blurRad="63500" dist="38099" dir="2700000" algn="ctr" rotWithShape="0">
                       <a:schemeClr val="bg2">
@@ -2186,7 +2186,7 @@
             <a:effectLst/>
             <a:extLst>
               <a:ext uri="{91240B29-F687-4f45-9708-019B960494DF}">
-                <a14:hiddenLine xmlns:a14="http://schemas.microsoft.com/office/drawing/2010/main" xmlns="" w="9525">
+                <a14:hiddenLine xmlns="" xmlns:a14="http://schemas.microsoft.com/office/drawing/2010/main" w="9525">
                   <a:solidFill>
                     <a:schemeClr val="tx1"/>
                   </a:solidFill>
@@ -2196,7 +2196,7 @@
                 </a14:hiddenLine>
               </a:ext>
               <a:ext uri="{AF507438-7753-43e0-B8FC-AC1667EBCBE1}">
-                <a14:hiddenEffects xmlns:a14="http://schemas.microsoft.com/office/drawing/2010/main" xmlns="">
+                <a14:hiddenEffects xmlns="" xmlns:a14="http://schemas.microsoft.com/office/drawing/2010/main">
                   <a:effectLst>
                     <a:outerShdw blurRad="63500" dist="38099" dir="2700000" algn="ctr" rotWithShape="0">
                       <a:schemeClr val="bg2">
@@ -2241,7 +2241,7 @@
             <a:effectLst/>
             <a:extLst>
               <a:ext uri="{91240B29-F687-4f45-9708-019B960494DF}">
-                <a14:hiddenLine xmlns:a14="http://schemas.microsoft.com/office/drawing/2010/main" xmlns="" w="9525">
+                <a14:hiddenLine xmlns="" xmlns:a14="http://schemas.microsoft.com/office/drawing/2010/main" w="9525">
                   <a:solidFill>
                     <a:schemeClr val="tx1"/>
                   </a:solidFill>
@@ -2251,7 +2251,7 @@
                 </a14:hiddenLine>
               </a:ext>
               <a:ext uri="{AF507438-7753-43e0-B8FC-AC1667EBCBE1}">
-                <a14:hiddenEffects xmlns:a14="http://schemas.microsoft.com/office/drawing/2010/main" xmlns="">
+                <a14:hiddenEffects xmlns="" xmlns:a14="http://schemas.microsoft.com/office/drawing/2010/main">
                   <a:effectLst>
                     <a:outerShdw blurRad="63500" dist="38099" dir="2700000" algn="ctr" rotWithShape="0">
                       <a:schemeClr val="bg2">
@@ -2296,7 +2296,7 @@
             <a:effectLst/>
             <a:extLst>
               <a:ext uri="{91240B29-F687-4f45-9708-019B960494DF}">
-                <a14:hiddenLine xmlns:a14="http://schemas.microsoft.com/office/drawing/2010/main" xmlns="" w="9525">
+                <a14:hiddenLine xmlns="" xmlns:a14="http://schemas.microsoft.com/office/drawing/2010/main" w="9525">
                   <a:solidFill>
                     <a:schemeClr val="tx1"/>
                   </a:solidFill>
@@ -2306,7 +2306,7 @@
                 </a14:hiddenLine>
               </a:ext>
               <a:ext uri="{AF507438-7753-43e0-B8FC-AC1667EBCBE1}">
-                <a14:hiddenEffects xmlns:a14="http://schemas.microsoft.com/office/drawing/2010/main" xmlns="">
+                <a14:hiddenEffects xmlns="" xmlns:a14="http://schemas.microsoft.com/office/drawing/2010/main">
                   <a:effectLst>
                     <a:outerShdw blurRad="63500" dist="38099" dir="2700000" algn="ctr" rotWithShape="0">
                       <a:schemeClr val="bg2">
@@ -2351,7 +2351,7 @@
             <a:effectLst/>
             <a:extLst>
               <a:ext uri="{91240B29-F687-4f45-9708-019B960494DF}">
-                <a14:hiddenLine xmlns:a14="http://schemas.microsoft.com/office/drawing/2010/main" xmlns="" w="9525">
+                <a14:hiddenLine xmlns="" xmlns:a14="http://schemas.microsoft.com/office/drawing/2010/main" w="9525">
                   <a:solidFill>
                     <a:schemeClr val="tx1"/>
                   </a:solidFill>
@@ -2361,7 +2361,7 @@
                 </a14:hiddenLine>
               </a:ext>
               <a:ext uri="{AF507438-7753-43e0-B8FC-AC1667EBCBE1}">
-                <a14:hiddenEffects xmlns:a14="http://schemas.microsoft.com/office/drawing/2010/main" xmlns="">
+                <a14:hiddenEffects xmlns="" xmlns:a14="http://schemas.microsoft.com/office/drawing/2010/main">
                   <a:effectLst>
                     <a:outerShdw blurRad="63500" dist="38099" dir="2700000" algn="ctr" rotWithShape="0">
                       <a:schemeClr val="bg2">
@@ -2406,7 +2406,7 @@
             <a:effectLst/>
             <a:extLst>
               <a:ext uri="{91240B29-F687-4f45-9708-019B960494DF}">
-                <a14:hiddenLine xmlns:a14="http://schemas.microsoft.com/office/drawing/2010/main" xmlns="" w="9525">
+                <a14:hiddenLine xmlns="" xmlns:a14="http://schemas.microsoft.com/office/drawing/2010/main" w="9525">
                   <a:solidFill>
                     <a:schemeClr val="tx1"/>
                   </a:solidFill>
@@ -2416,7 +2416,7 @@
                 </a14:hiddenLine>
               </a:ext>
               <a:ext uri="{AF507438-7753-43e0-B8FC-AC1667EBCBE1}">
-                <a14:hiddenEffects xmlns:a14="http://schemas.microsoft.com/office/drawing/2010/main" xmlns="">
+                <a14:hiddenEffects xmlns="" xmlns:a14="http://schemas.microsoft.com/office/drawing/2010/main">
                   <a:effectLst>
                     <a:outerShdw blurRad="63500" dist="38099" dir="2700000" algn="ctr" rotWithShape="0">
                       <a:schemeClr val="bg2">
@@ -2461,7 +2461,7 @@
             <a:effectLst/>
             <a:extLst>
               <a:ext uri="{91240B29-F687-4f45-9708-019B960494DF}">
-                <a14:hiddenLine xmlns:a14="http://schemas.microsoft.com/office/drawing/2010/main" xmlns="" w="9525">
+                <a14:hiddenLine xmlns="" xmlns:a14="http://schemas.microsoft.com/office/drawing/2010/main" w="9525">
                   <a:solidFill>
                     <a:schemeClr val="tx1"/>
                   </a:solidFill>
@@ -2471,7 +2471,7 @@
                 </a14:hiddenLine>
               </a:ext>
               <a:ext uri="{AF507438-7753-43e0-B8FC-AC1667EBCBE1}">
-                <a14:hiddenEffects xmlns:a14="http://schemas.microsoft.com/office/drawing/2010/main" xmlns="">
+                <a14:hiddenEffects xmlns="" xmlns:a14="http://schemas.microsoft.com/office/drawing/2010/main">
                   <a:effectLst>
                     <a:outerShdw blurRad="63500" dist="38099" dir="2700000" algn="ctr" rotWithShape="0">
                       <a:schemeClr val="bg2">
@@ -2516,7 +2516,7 @@
             <a:effectLst/>
             <a:extLst>
               <a:ext uri="{91240B29-F687-4f45-9708-019B960494DF}">
-                <a14:hiddenLine xmlns:a14="http://schemas.microsoft.com/office/drawing/2010/main" xmlns="" w="9525">
+                <a14:hiddenLine xmlns="" xmlns:a14="http://schemas.microsoft.com/office/drawing/2010/main" w="9525">
                   <a:solidFill>
                     <a:schemeClr val="tx1"/>
                   </a:solidFill>
@@ -2526,7 +2526,7 @@
                 </a14:hiddenLine>
               </a:ext>
               <a:ext uri="{AF507438-7753-43e0-B8FC-AC1667EBCBE1}">
-                <a14:hiddenEffects xmlns:a14="http://schemas.microsoft.com/office/drawing/2010/main" xmlns="">
+                <a14:hiddenEffects xmlns="" xmlns:a14="http://schemas.microsoft.com/office/drawing/2010/main">
                   <a:effectLst>
                     <a:outerShdw blurRad="63500" dist="38099" dir="2700000" algn="ctr" rotWithShape="0">
                       <a:schemeClr val="bg2">
@@ -2571,7 +2571,7 @@
             <a:effectLst/>
             <a:extLst>
               <a:ext uri="{91240B29-F687-4f45-9708-019B960494DF}">
-                <a14:hiddenLine xmlns:a14="http://schemas.microsoft.com/office/drawing/2010/main" xmlns="" w="9525">
+                <a14:hiddenLine xmlns="" xmlns:a14="http://schemas.microsoft.com/office/drawing/2010/main" w="9525">
                   <a:solidFill>
                     <a:schemeClr val="tx1"/>
                   </a:solidFill>
@@ -2581,7 +2581,7 @@
                 </a14:hiddenLine>
               </a:ext>
               <a:ext uri="{AF507438-7753-43e0-B8FC-AC1667EBCBE1}">
-                <a14:hiddenEffects xmlns:a14="http://schemas.microsoft.com/office/drawing/2010/main" xmlns="">
+                <a14:hiddenEffects xmlns="" xmlns:a14="http://schemas.microsoft.com/office/drawing/2010/main">
                   <a:effectLst>
                     <a:outerShdw blurRad="63500" dist="38099" dir="2700000" algn="ctr" rotWithShape="0">
                       <a:schemeClr val="bg2">
@@ -2626,7 +2626,7 @@
             <a:effectLst/>
             <a:extLst>
               <a:ext uri="{91240B29-F687-4f45-9708-019B960494DF}">
-                <a14:hiddenLine xmlns:a14="http://schemas.microsoft.com/office/drawing/2010/main" xmlns="" w="9525">
+                <a14:hiddenLine xmlns="" xmlns:a14="http://schemas.microsoft.com/office/drawing/2010/main" w="9525">
                   <a:solidFill>
                     <a:schemeClr val="tx1"/>
                   </a:solidFill>
@@ -2636,7 +2636,7 @@
                 </a14:hiddenLine>
               </a:ext>
               <a:ext uri="{AF507438-7753-43e0-B8FC-AC1667EBCBE1}">
-                <a14:hiddenEffects xmlns:a14="http://schemas.microsoft.com/office/drawing/2010/main" xmlns="">
+                <a14:hiddenEffects xmlns="" xmlns:a14="http://schemas.microsoft.com/office/drawing/2010/main">
                   <a:effectLst>
                     <a:outerShdw blurRad="63500" dist="38099" dir="2700000" algn="ctr" rotWithShape="0">
                       <a:schemeClr val="bg2">
@@ -2681,7 +2681,7 @@
             <a:effectLst/>
             <a:extLst>
               <a:ext uri="{91240B29-F687-4f45-9708-019B960494DF}">
-                <a14:hiddenLine xmlns:a14="http://schemas.microsoft.com/office/drawing/2010/main" xmlns="" w="9525">
+                <a14:hiddenLine xmlns="" xmlns:a14="http://schemas.microsoft.com/office/drawing/2010/main" w="9525">
                   <a:solidFill>
                     <a:schemeClr val="tx1"/>
                   </a:solidFill>
@@ -2691,7 +2691,7 @@
                 </a14:hiddenLine>
               </a:ext>
               <a:ext uri="{AF507438-7753-43e0-B8FC-AC1667EBCBE1}">
-                <a14:hiddenEffects xmlns:a14="http://schemas.microsoft.com/office/drawing/2010/main" xmlns="">
+                <a14:hiddenEffects xmlns="" xmlns:a14="http://schemas.microsoft.com/office/drawing/2010/main">
                   <a:effectLst>
                     <a:outerShdw blurRad="63500" dist="38099" dir="2700000" algn="ctr" rotWithShape="0">
                       <a:schemeClr val="bg2">
@@ -2736,7 +2736,7 @@
             <a:effectLst/>
             <a:extLst>
               <a:ext uri="{91240B29-F687-4f45-9708-019B960494DF}">
-                <a14:hiddenLine xmlns:a14="http://schemas.microsoft.com/office/drawing/2010/main" xmlns="" w="9525">
+                <a14:hiddenLine xmlns="" xmlns:a14="http://schemas.microsoft.com/office/drawing/2010/main" w="9525">
                   <a:solidFill>
                     <a:schemeClr val="tx1"/>
                   </a:solidFill>
@@ -2746,7 +2746,7 @@
                 </a14:hiddenLine>
               </a:ext>
               <a:ext uri="{AF507438-7753-43e0-B8FC-AC1667EBCBE1}">
-                <a14:hiddenEffects xmlns:a14="http://schemas.microsoft.com/office/drawing/2010/main" xmlns="">
+                <a14:hiddenEffects xmlns="" xmlns:a14="http://schemas.microsoft.com/office/drawing/2010/main">
                   <a:effectLst>
                     <a:outerShdw blurRad="63500" dist="38099" dir="2700000" algn="ctr" rotWithShape="0">
                       <a:schemeClr val="bg2">
@@ -2791,7 +2791,7 @@
             <a:effectLst/>
             <a:extLst>
               <a:ext uri="{91240B29-F687-4f45-9708-019B960494DF}">
-                <a14:hiddenLine xmlns:a14="http://schemas.microsoft.com/office/drawing/2010/main" xmlns="" w="9525">
+                <a14:hiddenLine xmlns="" xmlns:a14="http://schemas.microsoft.com/office/drawing/2010/main" w="9525">
                   <a:solidFill>
                     <a:schemeClr val="tx1"/>
                   </a:solidFill>
@@ -2801,7 +2801,7 @@
                 </a14:hiddenLine>
               </a:ext>
               <a:ext uri="{AF507438-7753-43e0-B8FC-AC1667EBCBE1}">
-                <a14:hiddenEffects xmlns:a14="http://schemas.microsoft.com/office/drawing/2010/main" xmlns="">
+                <a14:hiddenEffects xmlns="" xmlns:a14="http://schemas.microsoft.com/office/drawing/2010/main">
                   <a:effectLst>
                     <a:outerShdw blurRad="63500" dist="38099" dir="2700000" algn="ctr" rotWithShape="0">
                       <a:schemeClr val="bg2">
@@ -2846,7 +2846,7 @@
             <a:effectLst/>
             <a:extLst>
               <a:ext uri="{91240B29-F687-4f45-9708-019B960494DF}">
-                <a14:hiddenLine xmlns:a14="http://schemas.microsoft.com/office/drawing/2010/main" xmlns="" w="9525">
+                <a14:hiddenLine xmlns="" xmlns:a14="http://schemas.microsoft.com/office/drawing/2010/main" w="9525">
                   <a:solidFill>
                     <a:schemeClr val="tx1"/>
                   </a:solidFill>
@@ -2856,7 +2856,7 @@
                 </a14:hiddenLine>
               </a:ext>
               <a:ext uri="{AF507438-7753-43e0-B8FC-AC1667EBCBE1}">
-                <a14:hiddenEffects xmlns:a14="http://schemas.microsoft.com/office/drawing/2010/main" xmlns="">
+                <a14:hiddenEffects xmlns="" xmlns:a14="http://schemas.microsoft.com/office/drawing/2010/main">
                   <a:effectLst>
                     <a:outerShdw blurRad="63500" dist="38099" dir="2700000" algn="ctr" rotWithShape="0">
                       <a:schemeClr val="bg2">
@@ -2901,7 +2901,7 @@
             <a:effectLst/>
             <a:extLst>
               <a:ext uri="{91240B29-F687-4f45-9708-019B960494DF}">
-                <a14:hiddenLine xmlns:a14="http://schemas.microsoft.com/office/drawing/2010/main" xmlns="" w="9525">
+                <a14:hiddenLine xmlns="" xmlns:a14="http://schemas.microsoft.com/office/drawing/2010/main" w="9525">
                   <a:solidFill>
                     <a:schemeClr val="tx1"/>
                   </a:solidFill>
@@ -2911,7 +2911,7 @@
                 </a14:hiddenLine>
               </a:ext>
               <a:ext uri="{AF507438-7753-43e0-B8FC-AC1667EBCBE1}">
-                <a14:hiddenEffects xmlns:a14="http://schemas.microsoft.com/office/drawing/2010/main" xmlns="">
+                <a14:hiddenEffects xmlns="" xmlns:a14="http://schemas.microsoft.com/office/drawing/2010/main">
                   <a:effectLst>
                     <a:outerShdw blurRad="63500" dist="38099" dir="2700000" algn="ctr" rotWithShape="0">
                       <a:schemeClr val="bg2">
@@ -2956,7 +2956,7 @@
             <a:effectLst/>
             <a:extLst>
               <a:ext uri="{91240B29-F687-4f45-9708-019B960494DF}">
-                <a14:hiddenLine xmlns:a14="http://schemas.microsoft.com/office/drawing/2010/main" xmlns="" w="9525">
+                <a14:hiddenLine xmlns="" xmlns:a14="http://schemas.microsoft.com/office/drawing/2010/main" w="9525">
                   <a:solidFill>
                     <a:schemeClr val="tx1"/>
                   </a:solidFill>
@@ -2966,7 +2966,7 @@
                 </a14:hiddenLine>
               </a:ext>
               <a:ext uri="{AF507438-7753-43e0-B8FC-AC1667EBCBE1}">
-                <a14:hiddenEffects xmlns:a14="http://schemas.microsoft.com/office/drawing/2010/main" xmlns="">
+                <a14:hiddenEffects xmlns="" xmlns:a14="http://schemas.microsoft.com/office/drawing/2010/main">
                   <a:effectLst>
                     <a:outerShdw blurRad="63500" dist="38099" dir="2700000" algn="ctr" rotWithShape="0">
                       <a:schemeClr val="bg2">
@@ -3011,7 +3011,7 @@
             <a:effectLst/>
             <a:extLst>
               <a:ext uri="{91240B29-F687-4f45-9708-019B960494DF}">
-                <a14:hiddenLine xmlns:a14="http://schemas.microsoft.com/office/drawing/2010/main" xmlns="" w="9525">
+                <a14:hiddenLine xmlns="" xmlns:a14="http://schemas.microsoft.com/office/drawing/2010/main" w="9525">
                   <a:solidFill>
                     <a:schemeClr val="tx1"/>
                   </a:solidFill>
@@ -3021,7 +3021,7 @@
                 </a14:hiddenLine>
               </a:ext>
               <a:ext uri="{AF507438-7753-43e0-B8FC-AC1667EBCBE1}">
-                <a14:hiddenEffects xmlns:a14="http://schemas.microsoft.com/office/drawing/2010/main" xmlns="">
+                <a14:hiddenEffects xmlns="" xmlns:a14="http://schemas.microsoft.com/office/drawing/2010/main">
                   <a:effectLst>
                     <a:outerShdw blurRad="63500" dist="38099" dir="2700000" algn="ctr" rotWithShape="0">
                       <a:schemeClr val="bg2">
@@ -3066,7 +3066,7 @@
             <a:effectLst/>
             <a:extLst>
               <a:ext uri="{91240B29-F687-4f45-9708-019B960494DF}">
-                <a14:hiddenLine xmlns:a14="http://schemas.microsoft.com/office/drawing/2010/main" xmlns="" w="9525">
+                <a14:hiddenLine xmlns="" xmlns:a14="http://schemas.microsoft.com/office/drawing/2010/main" w="9525">
                   <a:solidFill>
                     <a:schemeClr val="tx1"/>
                   </a:solidFill>
@@ -3076,7 +3076,7 @@
                 </a14:hiddenLine>
               </a:ext>
               <a:ext uri="{AF507438-7753-43e0-B8FC-AC1667EBCBE1}">
-                <a14:hiddenEffects xmlns:a14="http://schemas.microsoft.com/office/drawing/2010/main" xmlns="">
+                <a14:hiddenEffects xmlns="" xmlns:a14="http://schemas.microsoft.com/office/drawing/2010/main">
                   <a:effectLst>
                     <a:outerShdw blurRad="63500" dist="38099" dir="2700000" algn="ctr" rotWithShape="0">
                       <a:schemeClr val="bg2">
@@ -3125,12 +3125,12 @@
           <a:effectLst/>
           <a:extLst>
             <a:ext uri="{909E8E84-426E-40dd-AFC4-6F175D3DCCD1}">
-              <a14:hiddenFill xmlns:a14="http://schemas.microsoft.com/office/drawing/2010/main" xmlns="">
+              <a14:hiddenFill xmlns="" xmlns:a14="http://schemas.microsoft.com/office/drawing/2010/main">
                 <a:noFill/>
               </a14:hiddenFill>
             </a:ext>
             <a:ext uri="{AF507438-7753-43e0-B8FC-AC1667EBCBE1}">
-              <a14:hiddenEffects xmlns:a14="http://schemas.microsoft.com/office/drawing/2010/main" xmlns="">
+              <a14:hiddenEffects xmlns="" xmlns:a14="http://schemas.microsoft.com/office/drawing/2010/main">
                 <a:effectLst>
                   <a:outerShdw blurRad="63500" dist="38099" dir="2700000" algn="ctr" rotWithShape="0">
                     <a:schemeClr val="bg2">
@@ -3155,13 +3155,6 @@
   <p:clrMapOvr>
     <a:masterClrMapping/>
   </p:clrMapOvr>
-  <p:timing>
-    <p:tnLst>
-      <p:par>
-        <p:cTn id="1" dur="indefinite" restart="never" nodeType="tmRoot"/>
-      </p:par>
-    </p:tnLst>
-  </p:timing>
 </p:sldLayout>
 </file>
 
@@ -3198,10 +3191,9 @@
           <a:lstStyle/>
           <a:p>
             <a:r>
-              <a:rPr lang="en-US" smtClean="0"/>
+              <a:rPr lang="en-US"/>
               <a:t>Click to edit Master title style</a:t>
             </a:r>
-            <a:endParaRPr lang="en-US"/>
           </a:p>
         </p:txBody>
       </p:sp>
@@ -3222,38 +3214,37 @@
           <a:p>
             <a:pPr lvl="0"/>
             <a:r>
-              <a:rPr lang="en-US" smtClean="0"/>
+              <a:rPr lang="en-US"/>
               <a:t>Click to edit Master text styles</a:t>
             </a:r>
           </a:p>
           <a:p>
             <a:pPr lvl="1"/>
             <a:r>
-              <a:rPr lang="en-US" smtClean="0"/>
+              <a:rPr lang="en-US"/>
               <a:t>Second level</a:t>
             </a:r>
           </a:p>
           <a:p>
             <a:pPr lvl="2"/>
             <a:r>
-              <a:rPr lang="en-US" smtClean="0"/>
+              <a:rPr lang="en-US"/>
               <a:t>Third level</a:t>
             </a:r>
           </a:p>
           <a:p>
             <a:pPr lvl="3"/>
             <a:r>
-              <a:rPr lang="en-US" smtClean="0"/>
+              <a:rPr lang="en-US"/>
               <a:t>Fourth level</a:t>
             </a:r>
           </a:p>
           <a:p>
             <a:pPr lvl="4"/>
             <a:r>
-              <a:rPr lang="en-US" smtClean="0"/>
+              <a:rPr lang="en-US"/>
               <a:t>Fifth level</a:t>
             </a:r>
-            <a:endParaRPr lang="en-US"/>
           </a:p>
         </p:txBody>
       </p:sp>
@@ -3382,10 +3373,9 @@
           <a:lstStyle/>
           <a:p>
             <a:r>
-              <a:rPr lang="en-US" smtClean="0"/>
+              <a:rPr lang="en-US"/>
               <a:t>Click to edit Master title style</a:t>
             </a:r>
-            <a:endParaRPr lang="en-US"/>
           </a:p>
         </p:txBody>
       </p:sp>
@@ -3411,38 +3401,37 @@
           <a:p>
             <a:pPr lvl="0"/>
             <a:r>
-              <a:rPr lang="en-US" smtClean="0"/>
+              <a:rPr lang="en-US"/>
               <a:t>Click to edit Master text styles</a:t>
             </a:r>
           </a:p>
           <a:p>
             <a:pPr lvl="1"/>
             <a:r>
-              <a:rPr lang="en-US" smtClean="0"/>
+              <a:rPr lang="en-US"/>
               <a:t>Second level</a:t>
             </a:r>
           </a:p>
           <a:p>
             <a:pPr lvl="2"/>
             <a:r>
-              <a:rPr lang="en-US" smtClean="0"/>
+              <a:rPr lang="en-US"/>
               <a:t>Third level</a:t>
             </a:r>
           </a:p>
           <a:p>
             <a:pPr lvl="3"/>
             <a:r>
-              <a:rPr lang="en-US" smtClean="0"/>
+              <a:rPr lang="en-US"/>
               <a:t>Fourth level</a:t>
             </a:r>
           </a:p>
           <a:p>
             <a:pPr lvl="4"/>
             <a:r>
-              <a:rPr lang="en-US" smtClean="0"/>
+              <a:rPr lang="en-US"/>
               <a:t>Fifth level</a:t>
             </a:r>
-            <a:endParaRPr lang="en-US"/>
           </a:p>
         </p:txBody>
       </p:sp>
@@ -3566,10 +3555,9 @@
           <a:lstStyle/>
           <a:p>
             <a:r>
-              <a:rPr lang="en-US" smtClean="0"/>
+              <a:rPr lang="en-US"/>
               <a:t>Click to edit Master title style</a:t>
             </a:r>
-            <a:endParaRPr lang="en-US"/>
           </a:p>
         </p:txBody>
       </p:sp>
@@ -3590,38 +3578,37 @@
           <a:p>
             <a:pPr lvl="0"/>
             <a:r>
-              <a:rPr lang="en-US" smtClean="0"/>
+              <a:rPr lang="en-US"/>
               <a:t>Click to edit Master text styles</a:t>
             </a:r>
           </a:p>
           <a:p>
             <a:pPr lvl="1"/>
             <a:r>
-              <a:rPr lang="en-US" smtClean="0"/>
+              <a:rPr lang="en-US"/>
               <a:t>Second level</a:t>
             </a:r>
           </a:p>
           <a:p>
             <a:pPr lvl="2"/>
             <a:r>
-              <a:rPr lang="en-US" smtClean="0"/>
+              <a:rPr lang="en-US"/>
               <a:t>Third level</a:t>
             </a:r>
           </a:p>
           <a:p>
             <a:pPr lvl="3"/>
             <a:r>
-              <a:rPr lang="en-US" smtClean="0"/>
+              <a:rPr lang="en-US"/>
               <a:t>Fourth level</a:t>
             </a:r>
           </a:p>
           <a:p>
             <a:pPr lvl="4"/>
             <a:r>
-              <a:rPr lang="en-US" smtClean="0"/>
+              <a:rPr lang="en-US"/>
               <a:t>Fifth level</a:t>
             </a:r>
-            <a:endParaRPr lang="en-US"/>
           </a:p>
         </p:txBody>
       </p:sp>
@@ -3754,10 +3741,9 @@
           </a:lstStyle>
           <a:p>
             <a:r>
-              <a:rPr lang="en-US" smtClean="0"/>
+              <a:rPr lang="en-US"/>
               <a:t>Click to edit Master title style</a:t>
             </a:r>
-            <a:endParaRPr lang="en-US"/>
           </a:p>
         </p:txBody>
       </p:sp>
@@ -3820,7 +3806,7 @@
           <a:p>
             <a:pPr lvl="0"/>
             <a:r>
-              <a:rPr lang="en-US" smtClean="0"/>
+              <a:rPr lang="en-US"/>
               <a:t>Click to edit Master text styles</a:t>
             </a:r>
           </a:p>
@@ -3946,10 +3932,9 @@
           <a:lstStyle/>
           <a:p>
             <a:r>
-              <a:rPr lang="en-US" smtClean="0"/>
+              <a:rPr lang="en-US"/>
               <a:t>Click to edit Master title style</a:t>
             </a:r>
-            <a:endParaRPr lang="en-US"/>
           </a:p>
         </p:txBody>
       </p:sp>
@@ -4003,38 +3988,37 @@
           <a:p>
             <a:pPr lvl="0"/>
             <a:r>
-              <a:rPr lang="en-US" smtClean="0"/>
+              <a:rPr lang="en-US"/>
               <a:t>Click to edit Master text styles</a:t>
             </a:r>
           </a:p>
           <a:p>
             <a:pPr lvl="1"/>
             <a:r>
-              <a:rPr lang="en-US" smtClean="0"/>
+              <a:rPr lang="en-US"/>
               <a:t>Second level</a:t>
             </a:r>
           </a:p>
           <a:p>
             <a:pPr lvl="2"/>
             <a:r>
-              <a:rPr lang="en-US" smtClean="0"/>
+              <a:rPr lang="en-US"/>
               <a:t>Third level</a:t>
             </a:r>
           </a:p>
           <a:p>
             <a:pPr lvl="3"/>
             <a:r>
-              <a:rPr lang="en-US" smtClean="0"/>
+              <a:rPr lang="en-US"/>
               <a:t>Fourth level</a:t>
             </a:r>
           </a:p>
           <a:p>
             <a:pPr lvl="4"/>
             <a:r>
-              <a:rPr lang="en-US" smtClean="0"/>
+              <a:rPr lang="en-US"/>
               <a:t>Fifth level</a:t>
             </a:r>
-            <a:endParaRPr lang="en-US"/>
           </a:p>
         </p:txBody>
       </p:sp>
@@ -4088,38 +4072,37 @@
           <a:p>
             <a:pPr lvl="0"/>
             <a:r>
-              <a:rPr lang="en-US" smtClean="0"/>
+              <a:rPr lang="en-US"/>
               <a:t>Click to edit Master text styles</a:t>
             </a:r>
           </a:p>
           <a:p>
             <a:pPr lvl="1"/>
             <a:r>
-              <a:rPr lang="en-US" smtClean="0"/>
+              <a:rPr lang="en-US"/>
               <a:t>Second level</a:t>
             </a:r>
           </a:p>
           <a:p>
             <a:pPr lvl="2"/>
             <a:r>
-              <a:rPr lang="en-US" smtClean="0"/>
+              <a:rPr lang="en-US"/>
               <a:t>Third level</a:t>
             </a:r>
           </a:p>
           <a:p>
             <a:pPr lvl="3"/>
             <a:r>
-              <a:rPr lang="en-US" smtClean="0"/>
+              <a:rPr lang="en-US"/>
               <a:t>Fourth level</a:t>
             </a:r>
           </a:p>
           <a:p>
             <a:pPr lvl="4"/>
             <a:r>
-              <a:rPr lang="en-US" smtClean="0"/>
+              <a:rPr lang="en-US"/>
               <a:t>Fifth level</a:t>
             </a:r>
-            <a:endParaRPr lang="en-US"/>
           </a:p>
         </p:txBody>
       </p:sp>
@@ -4252,10 +4235,9 @@
           </a:lstStyle>
           <a:p>
             <a:r>
-              <a:rPr lang="en-US" smtClean="0"/>
+              <a:rPr lang="en-US"/>
               <a:t>Click to edit Master title style</a:t>
             </a:r>
-            <a:endParaRPr lang="en-US"/>
           </a:p>
         </p:txBody>
       </p:sp>
@@ -4318,7 +4300,7 @@
           <a:p>
             <a:pPr lvl="0"/>
             <a:r>
-              <a:rPr lang="en-US" smtClean="0"/>
+              <a:rPr lang="en-US"/>
               <a:t>Click to edit Master text styles</a:t>
             </a:r>
           </a:p>
@@ -4374,38 +4356,37 @@
           <a:p>
             <a:pPr lvl="0"/>
             <a:r>
-              <a:rPr lang="en-US" smtClean="0"/>
+              <a:rPr lang="en-US"/>
               <a:t>Click to edit Master text styles</a:t>
             </a:r>
           </a:p>
           <a:p>
             <a:pPr lvl="1"/>
             <a:r>
-              <a:rPr lang="en-US" smtClean="0"/>
+              <a:rPr lang="en-US"/>
               <a:t>Second level</a:t>
             </a:r>
           </a:p>
           <a:p>
             <a:pPr lvl="2"/>
             <a:r>
-              <a:rPr lang="en-US" smtClean="0"/>
+              <a:rPr lang="en-US"/>
               <a:t>Third level</a:t>
             </a:r>
           </a:p>
           <a:p>
             <a:pPr lvl="3"/>
             <a:r>
-              <a:rPr lang="en-US" smtClean="0"/>
+              <a:rPr lang="en-US"/>
               <a:t>Fourth level</a:t>
             </a:r>
           </a:p>
           <a:p>
             <a:pPr lvl="4"/>
             <a:r>
-              <a:rPr lang="en-US" smtClean="0"/>
+              <a:rPr lang="en-US"/>
               <a:t>Fifth level</a:t>
             </a:r>
-            <a:endParaRPr lang="en-US"/>
           </a:p>
         </p:txBody>
       </p:sp>
@@ -4468,7 +4449,7 @@
           <a:p>
             <a:pPr lvl="0"/>
             <a:r>
-              <a:rPr lang="en-US" smtClean="0"/>
+              <a:rPr lang="en-US"/>
               <a:t>Click to edit Master text styles</a:t>
             </a:r>
           </a:p>
@@ -4524,38 +4505,37 @@
           <a:p>
             <a:pPr lvl="0"/>
             <a:r>
-              <a:rPr lang="en-US" smtClean="0"/>
+              <a:rPr lang="en-US"/>
               <a:t>Click to edit Master text styles</a:t>
             </a:r>
           </a:p>
           <a:p>
             <a:pPr lvl="1"/>
             <a:r>
-              <a:rPr lang="en-US" smtClean="0"/>
+              <a:rPr lang="en-US"/>
               <a:t>Second level</a:t>
             </a:r>
           </a:p>
           <a:p>
             <a:pPr lvl="2"/>
             <a:r>
-              <a:rPr lang="en-US" smtClean="0"/>
+              <a:rPr lang="en-US"/>
               <a:t>Third level</a:t>
             </a:r>
           </a:p>
           <a:p>
             <a:pPr lvl="3"/>
             <a:r>
-              <a:rPr lang="en-US" smtClean="0"/>
+              <a:rPr lang="en-US"/>
               <a:t>Fourth level</a:t>
             </a:r>
           </a:p>
           <a:p>
             <a:pPr lvl="4"/>
             <a:r>
-              <a:rPr lang="en-US" smtClean="0"/>
+              <a:rPr lang="en-US"/>
               <a:t>Fifth level</a:t>
             </a:r>
-            <a:endParaRPr lang="en-US"/>
           </a:p>
         </p:txBody>
       </p:sp>
@@ -4679,10 +4659,9 @@
           <a:lstStyle/>
           <a:p>
             <a:r>
-              <a:rPr lang="en-US" smtClean="0"/>
+              <a:rPr lang="en-US"/>
               <a:t>Click to edit Master title style</a:t>
             </a:r>
-            <a:endParaRPr lang="en-US"/>
           </a:p>
         </p:txBody>
       </p:sp>
@@ -4919,10 +4898,9 @@
           </a:lstStyle>
           <a:p>
             <a:r>
-              <a:rPr lang="en-US" smtClean="0"/>
+              <a:rPr lang="en-US"/>
               <a:t>Click to edit Master title style</a:t>
             </a:r>
-            <a:endParaRPr lang="en-US"/>
           </a:p>
         </p:txBody>
       </p:sp>
@@ -4976,38 +4954,37 @@
           <a:p>
             <a:pPr lvl="0"/>
             <a:r>
-              <a:rPr lang="en-US" smtClean="0"/>
+              <a:rPr lang="en-US"/>
               <a:t>Click to edit Master text styles</a:t>
             </a:r>
           </a:p>
           <a:p>
             <a:pPr lvl="1"/>
             <a:r>
-              <a:rPr lang="en-US" smtClean="0"/>
+              <a:rPr lang="en-US"/>
               <a:t>Second level</a:t>
             </a:r>
           </a:p>
           <a:p>
             <a:pPr lvl="2"/>
             <a:r>
-              <a:rPr lang="en-US" smtClean="0"/>
+              <a:rPr lang="en-US"/>
               <a:t>Third level</a:t>
             </a:r>
           </a:p>
           <a:p>
             <a:pPr lvl="3"/>
             <a:r>
-              <a:rPr lang="en-US" smtClean="0"/>
+              <a:rPr lang="en-US"/>
               <a:t>Fourth level</a:t>
             </a:r>
           </a:p>
           <a:p>
             <a:pPr lvl="4"/>
             <a:r>
-              <a:rPr lang="en-US" smtClean="0"/>
+              <a:rPr lang="en-US"/>
               <a:t>Fifth level</a:t>
             </a:r>
-            <a:endParaRPr lang="en-US"/>
           </a:p>
         </p:txBody>
       </p:sp>
@@ -5070,7 +5047,7 @@
           <a:p>
             <a:pPr lvl="0"/>
             <a:r>
-              <a:rPr lang="en-US" smtClean="0"/>
+              <a:rPr lang="en-US"/>
               <a:t>Click to edit Master text styles</a:t>
             </a:r>
           </a:p>
@@ -5205,10 +5182,9 @@
           </a:lstStyle>
           <a:p>
             <a:r>
-              <a:rPr lang="en-US" smtClean="0"/>
+              <a:rPr lang="en-US"/>
               <a:t>Click to edit Master title style</a:t>
             </a:r>
-            <a:endParaRPr lang="en-US"/>
           </a:p>
         </p:txBody>
       </p:sp>
@@ -5332,7 +5308,7 @@
           <a:p>
             <a:pPr lvl="0"/>
             <a:r>
-              <a:rPr lang="en-US" smtClean="0"/>
+              <a:rPr lang="en-US"/>
               <a:t>Click to edit Master text styles</a:t>
             </a:r>
           </a:p>
@@ -5478,12 +5454,12 @@
           <a:effectLst/>
           <a:extLst>
             <a:ext uri="{909E8E84-426E-40dd-AFC4-6F175D3DCCD1}">
-              <a14:hiddenFill xmlns:a14="http://schemas.microsoft.com/office/drawing/2010/main" xmlns="">
+              <a14:hiddenFill xmlns="" xmlns:a14="http://schemas.microsoft.com/office/drawing/2010/main">
                 <a:noFill/>
               </a14:hiddenFill>
             </a:ext>
             <a:ext uri="{AF507438-7753-43e0-B8FC-AC1667EBCBE1}">
-              <a14:hiddenEffects xmlns:a14="http://schemas.microsoft.com/office/drawing/2010/main" xmlns="">
+              <a14:hiddenEffects xmlns="" xmlns:a14="http://schemas.microsoft.com/office/drawing/2010/main">
                 <a:effectLst>
                   <a:outerShdw blurRad="63500" dist="38099" dir="2700000" algn="ctr" rotWithShape="0">
                     <a:schemeClr val="bg2">
@@ -5528,17 +5504,17 @@
           <a:effectLst/>
           <a:extLst>
             <a:ext uri="{FAA26D3D-D897-4be2-8F04-BA451C77F1D7}">
-              <ma14:placeholderFlag xmlns:ma14="http://schemas.microsoft.com/office/mac/drawingml/2011/main" val="1"/>
+              <ma14:placeholderFlag xmlns:ma14="http://schemas.microsoft.com/office/mac/drawingml/2011/main" xmlns="" val="1"/>
             </a:ext>
             <a:ext uri="{909E8E84-426E-40dd-AFC4-6F175D3DCCD1}">
-              <a14:hiddenFill xmlns:a14="http://schemas.microsoft.com/office/drawing/2010/main" xmlns="">
+              <a14:hiddenFill xmlns="" xmlns:a14="http://schemas.microsoft.com/office/drawing/2010/main">
                 <a:solidFill>
                   <a:schemeClr val="accent1"/>
                 </a:solidFill>
               </a14:hiddenFill>
             </a:ext>
             <a:ext uri="{91240B29-F687-4f45-9708-019B960494DF}">
-              <a14:hiddenLine xmlns:a14="http://schemas.microsoft.com/office/drawing/2010/main" xmlns="" w="9525">
+              <a14:hiddenLine xmlns="" xmlns:a14="http://schemas.microsoft.com/office/drawing/2010/main" w="9525">
                 <a:solidFill>
                   <a:schemeClr val="tx1"/>
                 </a:solidFill>
@@ -5548,7 +5524,7 @@
               </a14:hiddenLine>
             </a:ext>
             <a:ext uri="{AF507438-7753-43e0-B8FC-AC1667EBCBE1}">
-              <a14:hiddenEffects xmlns:a14="http://schemas.microsoft.com/office/drawing/2010/main" xmlns="">
+              <a14:hiddenEffects xmlns="" xmlns:a14="http://schemas.microsoft.com/office/drawing/2010/main">
                 <a:effectLst>
                   <a:outerShdw blurRad="63500" dist="38099" dir="2700000" algn="ctr" rotWithShape="0">
                     <a:schemeClr val="bg2">
@@ -5601,17 +5577,17 @@
           <a:effectLst/>
           <a:extLst>
             <a:ext uri="{FAA26D3D-D897-4be2-8F04-BA451C77F1D7}">
-              <ma14:placeholderFlag xmlns:ma14="http://schemas.microsoft.com/office/mac/drawingml/2011/main" val="1"/>
+              <ma14:placeholderFlag xmlns:ma14="http://schemas.microsoft.com/office/mac/drawingml/2011/main" xmlns="" val="1"/>
             </a:ext>
             <a:ext uri="{909E8E84-426E-40dd-AFC4-6F175D3DCCD1}">
-              <a14:hiddenFill xmlns:a14="http://schemas.microsoft.com/office/drawing/2010/main" xmlns="">
+              <a14:hiddenFill xmlns="" xmlns:a14="http://schemas.microsoft.com/office/drawing/2010/main">
                 <a:solidFill>
                   <a:schemeClr val="accent1"/>
                 </a:solidFill>
               </a14:hiddenFill>
             </a:ext>
             <a:ext uri="{91240B29-F687-4f45-9708-019B960494DF}">
-              <a14:hiddenLine xmlns:a14="http://schemas.microsoft.com/office/drawing/2010/main" xmlns="" w="9525">
+              <a14:hiddenLine xmlns="" xmlns:a14="http://schemas.microsoft.com/office/drawing/2010/main" w="9525">
                 <a:solidFill>
                   <a:schemeClr val="tx1"/>
                 </a:solidFill>
@@ -5621,7 +5597,7 @@
               </a14:hiddenLine>
             </a:ext>
             <a:ext uri="{AF507438-7753-43e0-B8FC-AC1667EBCBE1}">
-              <a14:hiddenEffects xmlns:a14="http://schemas.microsoft.com/office/drawing/2010/main" xmlns="">
+              <a14:hiddenEffects xmlns="" xmlns:a14="http://schemas.microsoft.com/office/drawing/2010/main">
                 <a:effectLst>
                   <a:outerShdw blurRad="63500" dist="38099" dir="2700000" algn="ctr" rotWithShape="0">
                     <a:schemeClr val="bg2">
@@ -5702,17 +5678,17 @@
           <a:effectLst/>
           <a:extLst>
             <a:ext uri="{FAA26D3D-D897-4be2-8F04-BA451C77F1D7}">
-              <ma14:placeholderFlag xmlns:ma14="http://schemas.microsoft.com/office/mac/drawingml/2011/main" val="1"/>
+              <ma14:placeholderFlag xmlns:ma14="http://schemas.microsoft.com/office/mac/drawingml/2011/main" xmlns="" val="1"/>
             </a:ext>
             <a:ext uri="{909E8E84-426E-40dd-AFC4-6F175D3DCCD1}">
-              <a14:hiddenFill xmlns:a14="http://schemas.microsoft.com/office/drawing/2010/main" xmlns="">
+              <a14:hiddenFill xmlns="" xmlns:a14="http://schemas.microsoft.com/office/drawing/2010/main">
                 <a:solidFill>
                   <a:schemeClr val="accent1"/>
                 </a:solidFill>
               </a14:hiddenFill>
             </a:ext>
             <a:ext uri="{91240B29-F687-4f45-9708-019B960494DF}">
-              <a14:hiddenLine xmlns:a14="http://schemas.microsoft.com/office/drawing/2010/main" xmlns="" w="9525">
+              <a14:hiddenLine xmlns="" xmlns:a14="http://schemas.microsoft.com/office/drawing/2010/main" w="9525">
                 <a:solidFill>
                   <a:schemeClr val="tx1"/>
                 </a:solidFill>
@@ -5722,7 +5698,7 @@
               </a14:hiddenLine>
             </a:ext>
             <a:ext uri="{AF507438-7753-43e0-B8FC-AC1667EBCBE1}">
-              <a14:hiddenEffects xmlns:a14="http://schemas.microsoft.com/office/drawing/2010/main" xmlns="">
+              <a14:hiddenEffects xmlns="" xmlns:a14="http://schemas.microsoft.com/office/drawing/2010/main">
                 <a:effectLst>
                   <a:outerShdw blurRad="63500" dist="38099" dir="2700000" algn="ctr" rotWithShape="0">
                     <a:schemeClr val="bg2">
@@ -5775,17 +5751,17 @@
           <a:effectLst/>
           <a:extLst>
             <a:ext uri="{FAA26D3D-D897-4be2-8F04-BA451C77F1D7}">
-              <ma14:placeholderFlag xmlns:ma14="http://schemas.microsoft.com/office/mac/drawingml/2011/main" val="1"/>
+              <ma14:placeholderFlag xmlns:ma14="http://schemas.microsoft.com/office/mac/drawingml/2011/main" xmlns="" val="1"/>
             </a:ext>
             <a:ext uri="{909E8E84-426E-40dd-AFC4-6F175D3DCCD1}">
-              <a14:hiddenFill xmlns:a14="http://schemas.microsoft.com/office/drawing/2010/main" xmlns="">
+              <a14:hiddenFill xmlns="" xmlns:a14="http://schemas.microsoft.com/office/drawing/2010/main">
                 <a:solidFill>
                   <a:schemeClr val="accent1"/>
                 </a:solidFill>
               </a14:hiddenFill>
             </a:ext>
             <a:ext uri="{91240B29-F687-4f45-9708-019B960494DF}">
-              <a14:hiddenLine xmlns:a14="http://schemas.microsoft.com/office/drawing/2010/main" xmlns="" w="9525">
+              <a14:hiddenLine xmlns="" xmlns:a14="http://schemas.microsoft.com/office/drawing/2010/main" w="9525">
                 <a:solidFill>
                   <a:schemeClr val="tx1"/>
                 </a:solidFill>
@@ -5795,7 +5771,7 @@
               </a14:hiddenLine>
             </a:ext>
             <a:ext uri="{AF507438-7753-43e0-B8FC-AC1667EBCBE1}">
-              <a14:hiddenEffects xmlns:a14="http://schemas.microsoft.com/office/drawing/2010/main" xmlns="">
+              <a14:hiddenEffects xmlns="" xmlns:a14="http://schemas.microsoft.com/office/drawing/2010/main">
                 <a:effectLst>
                   <a:outerShdw blurRad="63500" dist="38099" dir="2700000" algn="ctr" rotWithShape="0">
                     <a:schemeClr val="bg2">
@@ -5848,17 +5824,17 @@
           <a:effectLst/>
           <a:extLst>
             <a:ext uri="{FAA26D3D-D897-4be2-8F04-BA451C77F1D7}">
-              <ma14:placeholderFlag xmlns:ma14="http://schemas.microsoft.com/office/mac/drawingml/2011/main" val="1"/>
+              <ma14:placeholderFlag xmlns:ma14="http://schemas.microsoft.com/office/mac/drawingml/2011/main" xmlns="" val="1"/>
             </a:ext>
             <a:ext uri="{909E8E84-426E-40dd-AFC4-6F175D3DCCD1}">
-              <a14:hiddenFill xmlns:a14="http://schemas.microsoft.com/office/drawing/2010/main" xmlns="">
+              <a14:hiddenFill xmlns="" xmlns:a14="http://schemas.microsoft.com/office/drawing/2010/main">
                 <a:solidFill>
                   <a:schemeClr val="accent1"/>
                 </a:solidFill>
               </a14:hiddenFill>
             </a:ext>
             <a:ext uri="{91240B29-F687-4f45-9708-019B960494DF}">
-              <a14:hiddenLine xmlns:a14="http://schemas.microsoft.com/office/drawing/2010/main" xmlns="" w="9525">
+              <a14:hiddenLine xmlns="" xmlns:a14="http://schemas.microsoft.com/office/drawing/2010/main" w="9525">
                 <a:solidFill>
                   <a:schemeClr val="tx1"/>
                 </a:solidFill>
@@ -5868,7 +5844,7 @@
               </a14:hiddenLine>
             </a:ext>
             <a:ext uri="{AF507438-7753-43e0-B8FC-AC1667EBCBE1}">
-              <a14:hiddenEffects xmlns:a14="http://schemas.microsoft.com/office/drawing/2010/main" xmlns="">
+              <a14:hiddenEffects xmlns="" xmlns:a14="http://schemas.microsoft.com/office/drawing/2010/main">
                 <a:effectLst>
                   <a:outerShdw blurRad="63500" dist="38099" dir="2700000" algn="ctr" rotWithShape="0">
                     <a:schemeClr val="bg2">
@@ -5942,7 +5918,7 @@
             <a:effectLst/>
             <a:extLst>
               <a:ext uri="{91240B29-F687-4f45-9708-019B960494DF}">
-                <a14:hiddenLine xmlns:a14="http://schemas.microsoft.com/office/drawing/2010/main" xmlns="" w="9525">
+                <a14:hiddenLine xmlns="" xmlns:a14="http://schemas.microsoft.com/office/drawing/2010/main" w="9525">
                   <a:solidFill>
                     <a:schemeClr val="tx1"/>
                   </a:solidFill>
@@ -5952,7 +5928,7 @@
                 </a14:hiddenLine>
               </a:ext>
               <a:ext uri="{AF507438-7753-43e0-B8FC-AC1667EBCBE1}">
-                <a14:hiddenEffects xmlns:a14="http://schemas.microsoft.com/office/drawing/2010/main" xmlns="">
+                <a14:hiddenEffects xmlns="" xmlns:a14="http://schemas.microsoft.com/office/drawing/2010/main">
                   <a:effectLst>
                     <a:outerShdw blurRad="63500" dist="38099" dir="2700000" algn="ctr" rotWithShape="0">
                       <a:schemeClr val="bg2">
@@ -5997,7 +5973,7 @@
             <a:effectLst/>
             <a:extLst>
               <a:ext uri="{91240B29-F687-4f45-9708-019B960494DF}">
-                <a14:hiddenLine xmlns:a14="http://schemas.microsoft.com/office/drawing/2010/main" xmlns="" w="9525">
+                <a14:hiddenLine xmlns="" xmlns:a14="http://schemas.microsoft.com/office/drawing/2010/main" w="9525">
                   <a:solidFill>
                     <a:schemeClr val="tx1"/>
                   </a:solidFill>
@@ -6007,7 +5983,7 @@
                 </a14:hiddenLine>
               </a:ext>
               <a:ext uri="{AF507438-7753-43e0-B8FC-AC1667EBCBE1}">
-                <a14:hiddenEffects xmlns:a14="http://schemas.microsoft.com/office/drawing/2010/main" xmlns="">
+                <a14:hiddenEffects xmlns="" xmlns:a14="http://schemas.microsoft.com/office/drawing/2010/main">
                   <a:effectLst>
                     <a:outerShdw blurRad="63500" dist="38099" dir="2700000" algn="ctr" rotWithShape="0">
                       <a:schemeClr val="bg2">
@@ -6052,7 +6028,7 @@
             <a:effectLst/>
             <a:extLst>
               <a:ext uri="{91240B29-F687-4f45-9708-019B960494DF}">
-                <a14:hiddenLine xmlns:a14="http://schemas.microsoft.com/office/drawing/2010/main" xmlns="" w="9525">
+                <a14:hiddenLine xmlns="" xmlns:a14="http://schemas.microsoft.com/office/drawing/2010/main" w="9525">
                   <a:solidFill>
                     <a:schemeClr val="tx1"/>
                   </a:solidFill>
@@ -6062,7 +6038,7 @@
                 </a14:hiddenLine>
               </a:ext>
               <a:ext uri="{AF507438-7753-43e0-B8FC-AC1667EBCBE1}">
-                <a14:hiddenEffects xmlns:a14="http://schemas.microsoft.com/office/drawing/2010/main" xmlns="">
+                <a14:hiddenEffects xmlns="" xmlns:a14="http://schemas.microsoft.com/office/drawing/2010/main">
                   <a:effectLst>
                     <a:outerShdw blurRad="63500" dist="38099" dir="2700000" algn="ctr" rotWithShape="0">
                       <a:schemeClr val="bg2">
@@ -6107,7 +6083,7 @@
             <a:effectLst/>
             <a:extLst>
               <a:ext uri="{91240B29-F687-4f45-9708-019B960494DF}">
-                <a14:hiddenLine xmlns:a14="http://schemas.microsoft.com/office/drawing/2010/main" xmlns="" w="9525">
+                <a14:hiddenLine xmlns="" xmlns:a14="http://schemas.microsoft.com/office/drawing/2010/main" w="9525">
                   <a:solidFill>
                     <a:schemeClr val="tx1"/>
                   </a:solidFill>
@@ -6117,7 +6093,7 @@
                 </a14:hiddenLine>
               </a:ext>
               <a:ext uri="{AF507438-7753-43e0-B8FC-AC1667EBCBE1}">
-                <a14:hiddenEffects xmlns:a14="http://schemas.microsoft.com/office/drawing/2010/main" xmlns="">
+                <a14:hiddenEffects xmlns="" xmlns:a14="http://schemas.microsoft.com/office/drawing/2010/main">
                   <a:effectLst>
                     <a:outerShdw blurRad="63500" dist="38099" dir="2700000" algn="ctr" rotWithShape="0">
                       <a:schemeClr val="bg2">
@@ -6162,7 +6138,7 @@
             <a:effectLst/>
             <a:extLst>
               <a:ext uri="{91240B29-F687-4f45-9708-019B960494DF}">
-                <a14:hiddenLine xmlns:a14="http://schemas.microsoft.com/office/drawing/2010/main" xmlns="" w="9525">
+                <a14:hiddenLine xmlns="" xmlns:a14="http://schemas.microsoft.com/office/drawing/2010/main" w="9525">
                   <a:solidFill>
                     <a:schemeClr val="tx1"/>
                   </a:solidFill>
@@ -6172,7 +6148,7 @@
                 </a14:hiddenLine>
               </a:ext>
               <a:ext uri="{AF507438-7753-43e0-B8FC-AC1667EBCBE1}">
-                <a14:hiddenEffects xmlns:a14="http://schemas.microsoft.com/office/drawing/2010/main" xmlns="">
+                <a14:hiddenEffects xmlns="" xmlns:a14="http://schemas.microsoft.com/office/drawing/2010/main">
                   <a:effectLst>
                     <a:outerShdw blurRad="63500" dist="38099" dir="2700000" algn="ctr" rotWithShape="0">
                       <a:schemeClr val="bg2">
@@ -6217,7 +6193,7 @@
             <a:effectLst/>
             <a:extLst>
               <a:ext uri="{91240B29-F687-4f45-9708-019B960494DF}">
-                <a14:hiddenLine xmlns:a14="http://schemas.microsoft.com/office/drawing/2010/main" xmlns="" w="9525">
+                <a14:hiddenLine xmlns="" xmlns:a14="http://schemas.microsoft.com/office/drawing/2010/main" w="9525">
                   <a:solidFill>
                     <a:schemeClr val="tx1"/>
                   </a:solidFill>
@@ -6227,7 +6203,7 @@
                 </a14:hiddenLine>
               </a:ext>
               <a:ext uri="{AF507438-7753-43e0-B8FC-AC1667EBCBE1}">
-                <a14:hiddenEffects xmlns:a14="http://schemas.microsoft.com/office/drawing/2010/main" xmlns="">
+                <a14:hiddenEffects xmlns="" xmlns:a14="http://schemas.microsoft.com/office/drawing/2010/main">
                   <a:effectLst>
                     <a:outerShdw blurRad="63500" dist="38099" dir="2700000" algn="ctr" rotWithShape="0">
                       <a:schemeClr val="bg2">
@@ -6272,7 +6248,7 @@
             <a:effectLst/>
             <a:extLst>
               <a:ext uri="{91240B29-F687-4f45-9708-019B960494DF}">
-                <a14:hiddenLine xmlns:a14="http://schemas.microsoft.com/office/drawing/2010/main" xmlns="" w="9525">
+                <a14:hiddenLine xmlns="" xmlns:a14="http://schemas.microsoft.com/office/drawing/2010/main" w="9525">
                   <a:solidFill>
                     <a:schemeClr val="tx1"/>
                   </a:solidFill>
@@ -6282,7 +6258,7 @@
                 </a14:hiddenLine>
               </a:ext>
               <a:ext uri="{AF507438-7753-43e0-B8FC-AC1667EBCBE1}">
-                <a14:hiddenEffects xmlns:a14="http://schemas.microsoft.com/office/drawing/2010/main" xmlns="">
+                <a14:hiddenEffects xmlns="" xmlns:a14="http://schemas.microsoft.com/office/drawing/2010/main">
                   <a:effectLst>
                     <a:outerShdw blurRad="63500" dist="38099" dir="2700000" algn="ctr" rotWithShape="0">
                       <a:schemeClr val="bg2">
@@ -6327,7 +6303,7 @@
             <a:effectLst/>
             <a:extLst>
               <a:ext uri="{91240B29-F687-4f45-9708-019B960494DF}">
-                <a14:hiddenLine xmlns:a14="http://schemas.microsoft.com/office/drawing/2010/main" xmlns="" w="9525">
+                <a14:hiddenLine xmlns="" xmlns:a14="http://schemas.microsoft.com/office/drawing/2010/main" w="9525">
                   <a:solidFill>
                     <a:schemeClr val="tx1"/>
                   </a:solidFill>
@@ -6337,7 +6313,7 @@
                 </a14:hiddenLine>
               </a:ext>
               <a:ext uri="{AF507438-7753-43e0-B8FC-AC1667EBCBE1}">
-                <a14:hiddenEffects xmlns:a14="http://schemas.microsoft.com/office/drawing/2010/main" xmlns="">
+                <a14:hiddenEffects xmlns="" xmlns:a14="http://schemas.microsoft.com/office/drawing/2010/main">
                   <a:effectLst>
                     <a:outerShdw blurRad="63500" dist="38099" dir="2700000" algn="ctr" rotWithShape="0">
                       <a:schemeClr val="bg2">
@@ -6382,7 +6358,7 @@
             <a:effectLst/>
             <a:extLst>
               <a:ext uri="{91240B29-F687-4f45-9708-019B960494DF}">
-                <a14:hiddenLine xmlns:a14="http://schemas.microsoft.com/office/drawing/2010/main" xmlns="" w="9525">
+                <a14:hiddenLine xmlns="" xmlns:a14="http://schemas.microsoft.com/office/drawing/2010/main" w="9525">
                   <a:solidFill>
                     <a:schemeClr val="tx1"/>
                   </a:solidFill>
@@ -6392,7 +6368,7 @@
                 </a14:hiddenLine>
               </a:ext>
               <a:ext uri="{AF507438-7753-43e0-B8FC-AC1667EBCBE1}">
-                <a14:hiddenEffects xmlns:a14="http://schemas.microsoft.com/office/drawing/2010/main" xmlns="">
+                <a14:hiddenEffects xmlns="" xmlns:a14="http://schemas.microsoft.com/office/drawing/2010/main">
                   <a:effectLst>
                     <a:outerShdw blurRad="63500" dist="38099" dir="2700000" algn="ctr" rotWithShape="0">
                       <a:schemeClr val="bg2">
@@ -6437,7 +6413,7 @@
             <a:effectLst/>
             <a:extLst>
               <a:ext uri="{91240B29-F687-4f45-9708-019B960494DF}">
-                <a14:hiddenLine xmlns:a14="http://schemas.microsoft.com/office/drawing/2010/main" xmlns="" w="9525">
+                <a14:hiddenLine xmlns="" xmlns:a14="http://schemas.microsoft.com/office/drawing/2010/main" w="9525">
                   <a:solidFill>
                     <a:schemeClr val="tx1"/>
                   </a:solidFill>
@@ -6447,7 +6423,7 @@
                 </a14:hiddenLine>
               </a:ext>
               <a:ext uri="{AF507438-7753-43e0-B8FC-AC1667EBCBE1}">
-                <a14:hiddenEffects xmlns:a14="http://schemas.microsoft.com/office/drawing/2010/main" xmlns="">
+                <a14:hiddenEffects xmlns="" xmlns:a14="http://schemas.microsoft.com/office/drawing/2010/main">
                   <a:effectLst>
                     <a:outerShdw blurRad="63500" dist="38099" dir="2700000" algn="ctr" rotWithShape="0">
                       <a:schemeClr val="bg2">
@@ -6492,7 +6468,7 @@
             <a:effectLst/>
             <a:extLst>
               <a:ext uri="{91240B29-F687-4f45-9708-019B960494DF}">
-                <a14:hiddenLine xmlns:a14="http://schemas.microsoft.com/office/drawing/2010/main" xmlns="" w="9525">
+                <a14:hiddenLine xmlns="" xmlns:a14="http://schemas.microsoft.com/office/drawing/2010/main" w="9525">
                   <a:solidFill>
                     <a:schemeClr val="tx1"/>
                   </a:solidFill>
@@ -6502,7 +6478,7 @@
                 </a14:hiddenLine>
               </a:ext>
               <a:ext uri="{AF507438-7753-43e0-B8FC-AC1667EBCBE1}">
-                <a14:hiddenEffects xmlns:a14="http://schemas.microsoft.com/office/drawing/2010/main" xmlns="">
+                <a14:hiddenEffects xmlns="" xmlns:a14="http://schemas.microsoft.com/office/drawing/2010/main">
                   <a:effectLst>
                     <a:outerShdw blurRad="63500" dist="38099" dir="2700000" algn="ctr" rotWithShape="0">
                       <a:schemeClr val="bg2">
@@ -6547,7 +6523,7 @@
             <a:effectLst/>
             <a:extLst>
               <a:ext uri="{91240B29-F687-4f45-9708-019B960494DF}">
-                <a14:hiddenLine xmlns:a14="http://schemas.microsoft.com/office/drawing/2010/main" xmlns="" w="9525">
+                <a14:hiddenLine xmlns="" xmlns:a14="http://schemas.microsoft.com/office/drawing/2010/main" w="9525">
                   <a:solidFill>
                     <a:schemeClr val="tx1"/>
                   </a:solidFill>
@@ -6557,7 +6533,7 @@
                 </a14:hiddenLine>
               </a:ext>
               <a:ext uri="{AF507438-7753-43e0-B8FC-AC1667EBCBE1}">
-                <a14:hiddenEffects xmlns:a14="http://schemas.microsoft.com/office/drawing/2010/main" xmlns="">
+                <a14:hiddenEffects xmlns="" xmlns:a14="http://schemas.microsoft.com/office/drawing/2010/main">
                   <a:effectLst>
                     <a:outerShdw blurRad="63500" dist="38099" dir="2700000" algn="ctr" rotWithShape="0">
                       <a:schemeClr val="bg2">
@@ -6602,7 +6578,7 @@
             <a:effectLst/>
             <a:extLst>
               <a:ext uri="{91240B29-F687-4f45-9708-019B960494DF}">
-                <a14:hiddenLine xmlns:a14="http://schemas.microsoft.com/office/drawing/2010/main" xmlns="" w="9525">
+                <a14:hiddenLine xmlns="" xmlns:a14="http://schemas.microsoft.com/office/drawing/2010/main" w="9525">
                   <a:solidFill>
                     <a:schemeClr val="tx1"/>
                   </a:solidFill>
@@ -6612,7 +6588,7 @@
                 </a14:hiddenLine>
               </a:ext>
               <a:ext uri="{AF507438-7753-43e0-B8FC-AC1667EBCBE1}">
-                <a14:hiddenEffects xmlns:a14="http://schemas.microsoft.com/office/drawing/2010/main" xmlns="">
+                <a14:hiddenEffects xmlns="" xmlns:a14="http://schemas.microsoft.com/office/drawing/2010/main">
                   <a:effectLst>
                     <a:outerShdw blurRad="63500" dist="38099" dir="2700000" algn="ctr" rotWithShape="0">
                       <a:schemeClr val="bg2">
@@ -6657,7 +6633,7 @@
             <a:effectLst/>
             <a:extLst>
               <a:ext uri="{91240B29-F687-4f45-9708-019B960494DF}">
-                <a14:hiddenLine xmlns:a14="http://schemas.microsoft.com/office/drawing/2010/main" xmlns="" w="9525">
+                <a14:hiddenLine xmlns="" xmlns:a14="http://schemas.microsoft.com/office/drawing/2010/main" w="9525">
                   <a:solidFill>
                     <a:schemeClr val="tx1"/>
                   </a:solidFill>
@@ -6667,7 +6643,7 @@
                 </a14:hiddenLine>
               </a:ext>
               <a:ext uri="{AF507438-7753-43e0-B8FC-AC1667EBCBE1}">
-                <a14:hiddenEffects xmlns:a14="http://schemas.microsoft.com/office/drawing/2010/main" xmlns="">
+                <a14:hiddenEffects xmlns="" xmlns:a14="http://schemas.microsoft.com/office/drawing/2010/main">
                   <a:effectLst>
                     <a:outerShdw blurRad="63500" dist="38099" dir="2700000" algn="ctr" rotWithShape="0">
                       <a:schemeClr val="bg2">
@@ -6712,7 +6688,7 @@
             <a:effectLst/>
             <a:extLst>
               <a:ext uri="{91240B29-F687-4f45-9708-019B960494DF}">
-                <a14:hiddenLine xmlns:a14="http://schemas.microsoft.com/office/drawing/2010/main" xmlns="" w="9525">
+                <a14:hiddenLine xmlns="" xmlns:a14="http://schemas.microsoft.com/office/drawing/2010/main" w="9525">
                   <a:solidFill>
                     <a:schemeClr val="tx1"/>
                   </a:solidFill>
@@ -6722,7 +6698,7 @@
                 </a14:hiddenLine>
               </a:ext>
               <a:ext uri="{AF507438-7753-43e0-B8FC-AC1667EBCBE1}">
-                <a14:hiddenEffects xmlns:a14="http://schemas.microsoft.com/office/drawing/2010/main" xmlns="">
+                <a14:hiddenEffects xmlns="" xmlns:a14="http://schemas.microsoft.com/office/drawing/2010/main">
                   <a:effectLst>
                     <a:outerShdw blurRad="63500" dist="38099" dir="2700000" algn="ctr" rotWithShape="0">
                       <a:schemeClr val="bg2">
@@ -6767,7 +6743,7 @@
             <a:effectLst/>
             <a:extLst>
               <a:ext uri="{91240B29-F687-4f45-9708-019B960494DF}">
-                <a14:hiddenLine xmlns:a14="http://schemas.microsoft.com/office/drawing/2010/main" xmlns="" w="9525">
+                <a14:hiddenLine xmlns="" xmlns:a14="http://schemas.microsoft.com/office/drawing/2010/main" w="9525">
                   <a:solidFill>
                     <a:schemeClr val="tx1"/>
                   </a:solidFill>
@@ -6777,7 +6753,7 @@
                 </a14:hiddenLine>
               </a:ext>
               <a:ext uri="{AF507438-7753-43e0-B8FC-AC1667EBCBE1}">
-                <a14:hiddenEffects xmlns:a14="http://schemas.microsoft.com/office/drawing/2010/main" xmlns="">
+                <a14:hiddenEffects xmlns="" xmlns:a14="http://schemas.microsoft.com/office/drawing/2010/main">
                   <a:effectLst>
                     <a:outerShdw blurRad="63500" dist="38099" dir="2700000" algn="ctr" rotWithShape="0">
                       <a:schemeClr val="bg2">
@@ -6822,7 +6798,7 @@
             <a:effectLst/>
             <a:extLst>
               <a:ext uri="{91240B29-F687-4f45-9708-019B960494DF}">
-                <a14:hiddenLine xmlns:a14="http://schemas.microsoft.com/office/drawing/2010/main" xmlns="" w="9525">
+                <a14:hiddenLine xmlns="" xmlns:a14="http://schemas.microsoft.com/office/drawing/2010/main" w="9525">
                   <a:solidFill>
                     <a:schemeClr val="tx1"/>
                   </a:solidFill>
@@ -6832,7 +6808,7 @@
                 </a14:hiddenLine>
               </a:ext>
               <a:ext uri="{AF507438-7753-43e0-B8FC-AC1667EBCBE1}">
-                <a14:hiddenEffects xmlns:a14="http://schemas.microsoft.com/office/drawing/2010/main" xmlns="">
+                <a14:hiddenEffects xmlns="" xmlns:a14="http://schemas.microsoft.com/office/drawing/2010/main">
                   <a:effectLst>
                     <a:outerShdw blurRad="63500" dist="38099" dir="2700000" algn="ctr" rotWithShape="0">
                       <a:schemeClr val="bg2">
@@ -6877,7 +6853,7 @@
             <a:effectLst/>
             <a:extLst>
               <a:ext uri="{91240B29-F687-4f45-9708-019B960494DF}">
-                <a14:hiddenLine xmlns:a14="http://schemas.microsoft.com/office/drawing/2010/main" xmlns="" w="9525">
+                <a14:hiddenLine xmlns="" xmlns:a14="http://schemas.microsoft.com/office/drawing/2010/main" w="9525">
                   <a:solidFill>
                     <a:schemeClr val="tx1"/>
                   </a:solidFill>
@@ -6887,7 +6863,7 @@
                 </a14:hiddenLine>
               </a:ext>
               <a:ext uri="{AF507438-7753-43e0-B8FC-AC1667EBCBE1}">
-                <a14:hiddenEffects xmlns:a14="http://schemas.microsoft.com/office/drawing/2010/main" xmlns="">
+                <a14:hiddenEffects xmlns="" xmlns:a14="http://schemas.microsoft.com/office/drawing/2010/main">
                   <a:effectLst>
                     <a:outerShdw blurRad="63500" dist="38099" dir="2700000" algn="ctr" rotWithShape="0">
                       <a:schemeClr val="bg2">
@@ -6932,7 +6908,7 @@
             <a:effectLst/>
             <a:extLst>
               <a:ext uri="{91240B29-F687-4f45-9708-019B960494DF}">
-                <a14:hiddenLine xmlns:a14="http://schemas.microsoft.com/office/drawing/2010/main" xmlns="" w="9525">
+                <a14:hiddenLine xmlns="" xmlns:a14="http://schemas.microsoft.com/office/drawing/2010/main" w="9525">
                   <a:solidFill>
                     <a:schemeClr val="tx1"/>
                   </a:solidFill>
@@ -6942,7 +6918,7 @@
                 </a14:hiddenLine>
               </a:ext>
               <a:ext uri="{AF507438-7753-43e0-B8FC-AC1667EBCBE1}">
-                <a14:hiddenEffects xmlns:a14="http://schemas.microsoft.com/office/drawing/2010/main" xmlns="">
+                <a14:hiddenEffects xmlns="" xmlns:a14="http://schemas.microsoft.com/office/drawing/2010/main">
                   <a:effectLst>
                     <a:outerShdw blurRad="63500" dist="38099" dir="2700000" algn="ctr" rotWithShape="0">
                       <a:schemeClr val="bg2">
@@ -6987,7 +6963,7 @@
             <a:effectLst/>
             <a:extLst>
               <a:ext uri="{91240B29-F687-4f45-9708-019B960494DF}">
-                <a14:hiddenLine xmlns:a14="http://schemas.microsoft.com/office/drawing/2010/main" xmlns="" w="9525">
+                <a14:hiddenLine xmlns="" xmlns:a14="http://schemas.microsoft.com/office/drawing/2010/main" w="9525">
                   <a:solidFill>
                     <a:schemeClr val="tx1"/>
                   </a:solidFill>
@@ -6997,7 +6973,7 @@
                 </a14:hiddenLine>
               </a:ext>
               <a:ext uri="{AF507438-7753-43e0-B8FC-AC1667EBCBE1}">
-                <a14:hiddenEffects xmlns:a14="http://schemas.microsoft.com/office/drawing/2010/main" xmlns="">
+                <a14:hiddenEffects xmlns="" xmlns:a14="http://schemas.microsoft.com/office/drawing/2010/main">
                   <a:effectLst>
                     <a:outerShdw blurRad="63500" dist="38099" dir="2700000" algn="ctr" rotWithShape="0">
                       <a:schemeClr val="bg2">
@@ -7042,7 +7018,7 @@
             <a:effectLst/>
             <a:extLst>
               <a:ext uri="{91240B29-F687-4f45-9708-019B960494DF}">
-                <a14:hiddenLine xmlns:a14="http://schemas.microsoft.com/office/drawing/2010/main" xmlns="" w="9525">
+                <a14:hiddenLine xmlns="" xmlns:a14="http://schemas.microsoft.com/office/drawing/2010/main" w="9525">
                   <a:solidFill>
                     <a:schemeClr val="tx1"/>
                   </a:solidFill>
@@ -7052,7 +7028,7 @@
                 </a14:hiddenLine>
               </a:ext>
               <a:ext uri="{AF507438-7753-43e0-B8FC-AC1667EBCBE1}">
-                <a14:hiddenEffects xmlns:a14="http://schemas.microsoft.com/office/drawing/2010/main" xmlns="">
+                <a14:hiddenEffects xmlns="" xmlns:a14="http://schemas.microsoft.com/office/drawing/2010/main">
                   <a:effectLst>
                     <a:outerShdw blurRad="63500" dist="38099" dir="2700000" algn="ctr" rotWithShape="0">
                       <a:schemeClr val="bg2">
@@ -7097,7 +7073,7 @@
             <a:effectLst/>
             <a:extLst>
               <a:ext uri="{91240B29-F687-4f45-9708-019B960494DF}">
-                <a14:hiddenLine xmlns:a14="http://schemas.microsoft.com/office/drawing/2010/main" xmlns="" w="9525">
+                <a14:hiddenLine xmlns="" xmlns:a14="http://schemas.microsoft.com/office/drawing/2010/main" w="9525">
                   <a:solidFill>
                     <a:schemeClr val="tx1"/>
                   </a:solidFill>
@@ -7107,7 +7083,7 @@
                 </a14:hiddenLine>
               </a:ext>
               <a:ext uri="{AF507438-7753-43e0-B8FC-AC1667EBCBE1}">
-                <a14:hiddenEffects xmlns:a14="http://schemas.microsoft.com/office/drawing/2010/main" xmlns="">
+                <a14:hiddenEffects xmlns="" xmlns:a14="http://schemas.microsoft.com/office/drawing/2010/main">
                   <a:effectLst>
                     <a:outerShdw blurRad="63500" dist="38099" dir="2700000" algn="ctr" rotWithShape="0">
                       <a:schemeClr val="bg2">
@@ -7152,7 +7128,7 @@
             <a:effectLst/>
             <a:extLst>
               <a:ext uri="{91240B29-F687-4f45-9708-019B960494DF}">
-                <a14:hiddenLine xmlns:a14="http://schemas.microsoft.com/office/drawing/2010/main" xmlns="" w="9525">
+                <a14:hiddenLine xmlns="" xmlns:a14="http://schemas.microsoft.com/office/drawing/2010/main" w="9525">
                   <a:solidFill>
                     <a:schemeClr val="tx1"/>
                   </a:solidFill>
@@ -7162,7 +7138,7 @@
                 </a14:hiddenLine>
               </a:ext>
               <a:ext uri="{AF507438-7753-43e0-B8FC-AC1667EBCBE1}">
-                <a14:hiddenEffects xmlns:a14="http://schemas.microsoft.com/office/drawing/2010/main" xmlns="">
+                <a14:hiddenEffects xmlns="" xmlns:a14="http://schemas.microsoft.com/office/drawing/2010/main">
                   <a:effectLst>
                     <a:outerShdw blurRad="63500" dist="38099" dir="2700000" algn="ctr" rotWithShape="0">
                       <a:schemeClr val="bg2">
@@ -7207,7 +7183,7 @@
             <a:effectLst/>
             <a:extLst>
               <a:ext uri="{91240B29-F687-4f45-9708-019B960494DF}">
-                <a14:hiddenLine xmlns:a14="http://schemas.microsoft.com/office/drawing/2010/main" xmlns="" w="9525">
+                <a14:hiddenLine xmlns="" xmlns:a14="http://schemas.microsoft.com/office/drawing/2010/main" w="9525">
                   <a:solidFill>
                     <a:schemeClr val="tx1"/>
                   </a:solidFill>
@@ -7217,7 +7193,7 @@
                 </a14:hiddenLine>
               </a:ext>
               <a:ext uri="{AF507438-7753-43e0-B8FC-AC1667EBCBE1}">
-                <a14:hiddenEffects xmlns:a14="http://schemas.microsoft.com/office/drawing/2010/main" xmlns="">
+                <a14:hiddenEffects xmlns="" xmlns:a14="http://schemas.microsoft.com/office/drawing/2010/main">
                   <a:effectLst>
                     <a:outerShdw blurRad="63500" dist="38099" dir="2700000" algn="ctr" rotWithShape="0">
                       <a:schemeClr val="bg2">
@@ -7262,7 +7238,7 @@
             <a:effectLst/>
             <a:extLst>
               <a:ext uri="{91240B29-F687-4f45-9708-019B960494DF}">
-                <a14:hiddenLine xmlns:a14="http://schemas.microsoft.com/office/drawing/2010/main" xmlns="" w="9525">
+                <a14:hiddenLine xmlns="" xmlns:a14="http://schemas.microsoft.com/office/drawing/2010/main" w="9525">
                   <a:solidFill>
                     <a:schemeClr val="tx1"/>
                   </a:solidFill>
@@ -7272,7 +7248,7 @@
                 </a14:hiddenLine>
               </a:ext>
               <a:ext uri="{AF507438-7753-43e0-B8FC-AC1667EBCBE1}">
-                <a14:hiddenEffects xmlns:a14="http://schemas.microsoft.com/office/drawing/2010/main" xmlns="">
+                <a14:hiddenEffects xmlns="" xmlns:a14="http://schemas.microsoft.com/office/drawing/2010/main">
                   <a:effectLst>
                     <a:outerShdw blurRad="63500" dist="38099" dir="2700000" algn="ctr" rotWithShape="0">
                       <a:schemeClr val="bg2">
@@ -7317,7 +7293,7 @@
             <a:effectLst/>
             <a:extLst>
               <a:ext uri="{91240B29-F687-4f45-9708-019B960494DF}">
-                <a14:hiddenLine xmlns:a14="http://schemas.microsoft.com/office/drawing/2010/main" xmlns="" w="9525">
+                <a14:hiddenLine xmlns="" xmlns:a14="http://schemas.microsoft.com/office/drawing/2010/main" w="9525">
                   <a:solidFill>
                     <a:schemeClr val="tx1"/>
                   </a:solidFill>
@@ -7327,7 +7303,7 @@
                 </a14:hiddenLine>
               </a:ext>
               <a:ext uri="{AF507438-7753-43e0-B8FC-AC1667EBCBE1}">
-                <a14:hiddenEffects xmlns:a14="http://schemas.microsoft.com/office/drawing/2010/main" xmlns="">
+                <a14:hiddenEffects xmlns="" xmlns:a14="http://schemas.microsoft.com/office/drawing/2010/main">
                   <a:effectLst>
                     <a:outerShdw blurRad="63500" dist="38099" dir="2700000" algn="ctr" rotWithShape="0">
                       <a:schemeClr val="bg2">
@@ -7372,7 +7348,7 @@
             <a:effectLst/>
             <a:extLst>
               <a:ext uri="{91240B29-F687-4f45-9708-019B960494DF}">
-                <a14:hiddenLine xmlns:a14="http://schemas.microsoft.com/office/drawing/2010/main" xmlns="" w="9525">
+                <a14:hiddenLine xmlns="" xmlns:a14="http://schemas.microsoft.com/office/drawing/2010/main" w="9525">
                   <a:solidFill>
                     <a:schemeClr val="tx1"/>
                   </a:solidFill>
@@ -7382,7 +7358,7 @@
                 </a14:hiddenLine>
               </a:ext>
               <a:ext uri="{AF507438-7753-43e0-B8FC-AC1667EBCBE1}">
-                <a14:hiddenEffects xmlns:a14="http://schemas.microsoft.com/office/drawing/2010/main" xmlns="">
+                <a14:hiddenEffects xmlns="" xmlns:a14="http://schemas.microsoft.com/office/drawing/2010/main">
                   <a:effectLst>
                     <a:outerShdw blurRad="63500" dist="38099" dir="2700000" algn="ctr" rotWithShape="0">
                       <a:schemeClr val="bg2">
@@ -7427,7 +7403,7 @@
             <a:effectLst/>
             <a:extLst>
               <a:ext uri="{91240B29-F687-4f45-9708-019B960494DF}">
-                <a14:hiddenLine xmlns:a14="http://schemas.microsoft.com/office/drawing/2010/main" xmlns="" w="9525">
+                <a14:hiddenLine xmlns="" xmlns:a14="http://schemas.microsoft.com/office/drawing/2010/main" w="9525">
                   <a:solidFill>
                     <a:schemeClr val="tx1"/>
                   </a:solidFill>
@@ -7437,7 +7413,7 @@
                 </a14:hiddenLine>
               </a:ext>
               <a:ext uri="{AF507438-7753-43e0-B8FC-AC1667EBCBE1}">
-                <a14:hiddenEffects xmlns:a14="http://schemas.microsoft.com/office/drawing/2010/main" xmlns="">
+                <a14:hiddenEffects xmlns="" xmlns:a14="http://schemas.microsoft.com/office/drawing/2010/main">
                   <a:effectLst>
                     <a:outerShdw blurRad="63500" dist="38099" dir="2700000" algn="ctr" rotWithShape="0">
                       <a:schemeClr val="bg2">
@@ -7482,7 +7458,7 @@
             <a:effectLst/>
             <a:extLst>
               <a:ext uri="{91240B29-F687-4f45-9708-019B960494DF}">
-                <a14:hiddenLine xmlns:a14="http://schemas.microsoft.com/office/drawing/2010/main" xmlns="" w="9525">
+                <a14:hiddenLine xmlns="" xmlns:a14="http://schemas.microsoft.com/office/drawing/2010/main" w="9525">
                   <a:solidFill>
                     <a:schemeClr val="tx1"/>
                   </a:solidFill>
@@ -7492,7 +7468,7 @@
                 </a14:hiddenLine>
               </a:ext>
               <a:ext uri="{AF507438-7753-43e0-B8FC-AC1667EBCBE1}">
-                <a14:hiddenEffects xmlns:a14="http://schemas.microsoft.com/office/drawing/2010/main" xmlns="">
+                <a14:hiddenEffects xmlns="" xmlns:a14="http://schemas.microsoft.com/office/drawing/2010/main">
                   <a:effectLst>
                     <a:outerShdw blurRad="63500" dist="38099" dir="2700000" algn="ctr" rotWithShape="0">
                       <a:schemeClr val="bg2">
@@ -7537,7 +7513,7 @@
             <a:effectLst/>
             <a:extLst>
               <a:ext uri="{91240B29-F687-4f45-9708-019B960494DF}">
-                <a14:hiddenLine xmlns:a14="http://schemas.microsoft.com/office/drawing/2010/main" xmlns="" w="9525">
+                <a14:hiddenLine xmlns="" xmlns:a14="http://schemas.microsoft.com/office/drawing/2010/main" w="9525">
                   <a:solidFill>
                     <a:schemeClr val="tx1"/>
                   </a:solidFill>
@@ -7547,7 +7523,7 @@
                 </a14:hiddenLine>
               </a:ext>
               <a:ext uri="{AF507438-7753-43e0-B8FC-AC1667EBCBE1}">
-                <a14:hiddenEffects xmlns:a14="http://schemas.microsoft.com/office/drawing/2010/main" xmlns="">
+                <a14:hiddenEffects xmlns="" xmlns:a14="http://schemas.microsoft.com/office/drawing/2010/main">
                   <a:effectLst>
                     <a:outerShdw blurRad="63500" dist="38099" dir="2700000" algn="ctr" rotWithShape="0">
                       <a:schemeClr val="bg2">
@@ -7592,7 +7568,7 @@
             <a:effectLst/>
             <a:extLst>
               <a:ext uri="{91240B29-F687-4f45-9708-019B960494DF}">
-                <a14:hiddenLine xmlns:a14="http://schemas.microsoft.com/office/drawing/2010/main" xmlns="" w="9525">
+                <a14:hiddenLine xmlns="" xmlns:a14="http://schemas.microsoft.com/office/drawing/2010/main" w="9525">
                   <a:solidFill>
                     <a:schemeClr val="tx1"/>
                   </a:solidFill>
@@ -7602,7 +7578,7 @@
                 </a14:hiddenLine>
               </a:ext>
               <a:ext uri="{AF507438-7753-43e0-B8FC-AC1667EBCBE1}">
-                <a14:hiddenEffects xmlns:a14="http://schemas.microsoft.com/office/drawing/2010/main" xmlns="">
+                <a14:hiddenEffects xmlns="" xmlns:a14="http://schemas.microsoft.com/office/drawing/2010/main">
                   <a:effectLst>
                     <a:outerShdw blurRad="63500" dist="38099" dir="2700000" algn="ctr" rotWithShape="0">
                       <a:schemeClr val="bg2">
@@ -7639,13 +7615,6 @@
     <p:sldLayoutId id="2147483659" r:id="rId10"/>
     <p:sldLayoutId id="2147483660" r:id="rId11"/>
   </p:sldLayoutIdLst>
-  <p:timing>
-    <p:tnLst>
-      <p:par>
-        <p:cTn id="1" dur="indefinite" restart="never" nodeType="tmRoot"/>
-      </p:par>
-    </p:tnLst>
-  </p:timing>
   <p:txStyles>
     <p:titleStyle>
       <a:lvl1pPr algn="l" rtl="0" fontAlgn="base">
@@ -8109,10 +8078,9 @@
           <a:lstStyle/>
           <a:p>
             <a:r>
-              <a:rPr lang="en-US" dirty="0" smtClean="0"/>
+              <a:rPr lang="en-US" dirty="0"/>
               <a:t>An Optimizing Compiler</a:t>
             </a:r>
-            <a:endParaRPr lang="en-US" dirty="0"/>
           </a:p>
         </p:txBody>
       </p:sp>
@@ -8135,94 +8103,112 @@
           <a:p>
             <a:r>
               <a:rPr lang="en-US" dirty="0"/>
-              <a:t>The big difference between </a:t>
-            </a:r>
-            <a:r>
-              <a:rPr lang="en-US" dirty="0" smtClean="0"/>
-              <a:t>interpreters </a:t>
-            </a:r>
+              <a:t>The big difference between interpreters and compilers is that compilers have the ability to think about how to translate a source program into target code in the most effective way. </a:t>
+            </a:r>
+          </a:p>
+          <a:p>
             <a:r>
               <a:rPr lang="en-US" dirty="0"/>
-              <a:t>and compilers is that compilers have the ability to think about how to translate a source program into target code in the most effective way. </a:t>
-            </a:r>
-            <a:endParaRPr lang="en-US" dirty="0" smtClean="0"/>
-          </a:p>
-          <a:p>
-            <a:r>
-              <a:rPr lang="en-US" dirty="0" smtClean="0"/>
-              <a:t>Usually </a:t>
-            </a:r>
+              <a:t>Usually that means trying to translate the program in such a way that it executes as fast as possible on the target machine.</a:t>
+            </a:r>
+          </a:p>
+          <a:p>
             <a:r>
               <a:rPr lang="en-US" dirty="0"/>
-              <a:t>that means trying to translate the program in such a way that it executes as fast as possible on the target machine</a:t>
-            </a:r>
-            <a:r>
-              <a:rPr lang="en-US" dirty="0" smtClean="0"/>
+              <a:t>This usually implies either one or both of the following tasks:</a:t>
+            </a:r>
+          </a:p>
+          <a:p>
+            <a:pPr lvl="1"/>
+            <a:r>
+              <a:rPr lang="en-US" dirty="0"/>
+              <a:t>Rewrite the AST so that it represents a more efficient program </a:t>
+            </a:r>
+            <a:r>
+              <a:rPr lang="mr-IN" dirty="0"/>
+              <a:t>–</a:t>
+            </a:r>
+            <a:r>
+              <a:rPr lang="en-US" dirty="0"/>
+              <a:t> Tree Rewriting</a:t>
+            </a:r>
+          </a:p>
+          <a:p>
+            <a:pPr lvl="1"/>
+            <a:r>
+              <a:rPr lang="en-US" dirty="0"/>
+              <a:t>Reorganize the generated instructions so that they represent the most efficient target program possible </a:t>
+            </a:r>
+          </a:p>
+          <a:p>
+            <a:r>
+              <a:rPr lang="en-US" dirty="0"/>
+              <a:t>This is referred to as </a:t>
+            </a:r>
+            <a:r>
+              <a:rPr lang="en-US" i="1" dirty="0"/>
+              <a:t>Optimization</a:t>
+            </a:r>
+            <a:r>
+              <a:rPr lang="en-US" dirty="0"/>
               <a:t>.</a:t>
             </a:r>
           </a:p>
           <a:p>
             <a:r>
-              <a:rPr lang="en-US" dirty="0" smtClean="0"/>
-              <a:t>This usually implies either one or both of the following tasks:</a:t>
+              <a:rPr lang="en-US" dirty="0"/>
+              <a:t>There are many optimization techniques available to compilers in addition to the two mentioned above:</a:t>
             </a:r>
           </a:p>
           <a:p>
             <a:pPr lvl="1"/>
             <a:r>
-              <a:rPr lang="en-US" dirty="0" smtClean="0"/>
-              <a:t>Rewrite the AST so that it represents a more efficient program </a:t>
-            </a:r>
-            <a:r>
-              <a:rPr lang="mr-IN" dirty="0" smtClean="0"/>
-              <a:t>–</a:t>
-            </a:r>
-            <a:r>
-              <a:rPr lang="en-US" dirty="0" smtClean="0"/>
-              <a:t> Tree Rewriting</a:t>
-            </a:r>
-          </a:p>
-          <a:p>
-            <a:pPr lvl="1"/>
-            <a:r>
-              <a:rPr lang="en-US" dirty="0" smtClean="0"/>
-              <a:t>Reorganize the generated instructions so that they represent the most efficient target program possible </a:t>
-            </a:r>
-          </a:p>
-          <a:p>
-            <a:r>
-              <a:rPr lang="en-US" dirty="0" smtClean="0"/>
-              <a:t>This is referred to as </a:t>
-            </a:r>
-            <a:r>
-              <a:rPr lang="en-US" i="1" dirty="0" smtClean="0"/>
-              <a:t>Optimization</a:t>
-            </a:r>
-            <a:r>
-              <a:rPr lang="en-US" dirty="0" smtClean="0"/>
-              <a:t>.</a:t>
-            </a:r>
-          </a:p>
-          <a:p>
-            <a:r>
-              <a:rPr lang="en-US" dirty="0" smtClean="0"/>
-              <a:t>There are many optimization techniques available to compilers in addition to the two mentioned above:</a:t>
-            </a:r>
-          </a:p>
-          <a:p>
-            <a:pPr lvl="1"/>
-            <a:r>
-              <a:rPr lang="en-US" dirty="0" smtClean="0"/>
+              <a:rPr lang="en-US" dirty="0"/>
               <a:t>Register allocation, loop optimization, common subexpression elimination, dead code elimination, </a:t>
             </a:r>
             <a:r>
-              <a:rPr lang="en-US" i="1" dirty="0" err="1" smtClean="0"/>
+              <a:rPr lang="en-US" i="1" dirty="0" err="1"/>
               <a:t>etc</a:t>
             </a:r>
-            <a:endParaRPr lang="en-US" dirty="0" smtClean="0"/>
-          </a:p>
-          <a:p>
             <a:endParaRPr lang="en-US" dirty="0"/>
+          </a:p>
+          <a:p>
+            <a:endParaRPr lang="en-US" dirty="0"/>
+          </a:p>
+        </p:txBody>
+      </p:sp>
+      <p:sp>
+        <p:nvSpPr>
+          <p:cNvPr id="2" name="TextBox 1">
+            <a:extLst>
+              <a:ext uri="{FF2B5EF4-FFF2-40B4-BE49-F238E27FC236}">
+                <a16:creationId xmlns:a16="http://schemas.microsoft.com/office/drawing/2014/main" id="{B4323BE0-747A-B749-A6D0-D801CE042A9B}"/>
+              </a:ext>
+            </a:extLst>
+          </p:cNvPr>
+          <p:cNvSpPr txBox="1"/>
+          <p:nvPr/>
+        </p:nvSpPr>
+        <p:spPr>
+          <a:xfrm>
+            <a:off x="1066800" y="6248400"/>
+            <a:ext cx="761747" cy="307777"/>
+          </a:xfrm>
+          <a:prstGeom prst="rect">
+            <a:avLst/>
+          </a:prstGeom>
+          <a:noFill/>
+        </p:spPr>
+        <p:txBody>
+          <a:bodyPr wrap="none" rtlCol="0">
+            <a:spAutoFit/>
+          </a:bodyPr>
+          <a:lstStyle/>
+          <a:p>
+            <a:r>
+              <a:rPr lang="en-US" dirty="0"/>
+              <a:t>Chap 6</a:t>
+            </a:r>
           </a:p>
         </p:txBody>
       </p:sp>
@@ -8272,10 +8258,9 @@
           <a:lstStyle/>
           <a:p>
             <a:r>
-              <a:rPr lang="en-US" dirty="0" smtClean="0"/>
+              <a:rPr lang="en-US" dirty="0"/>
               <a:t>Constant Folding</a:t>
             </a:r>
-            <a:endParaRPr lang="en-US" dirty="0"/>
           </a:p>
         </p:txBody>
       </p:sp>
@@ -8378,10 +8363,9 @@
           <a:lstStyle/>
           <a:p>
             <a:r>
-              <a:rPr lang="en-US" dirty="0" smtClean="0"/>
+              <a:rPr lang="en-US" dirty="0"/>
               <a:t>Compiler Architecture</a:t>
             </a:r>
-            <a:endParaRPr lang="en-US" dirty="0"/>
           </a:p>
         </p:txBody>
       </p:sp>
@@ -8412,21 +8396,8 @@
             </a:pPr>
             <a:r>
               <a:rPr lang="en-US" sz="2600" dirty="0"/>
-              <a:t>As an example we insert a constant folding tree rewriting phase into our </a:t>
-            </a:r>
-            <a:r>
-              <a:rPr lang="en-US" sz="2600" dirty="0" smtClean="0"/>
-              <a:t>Cuppa1 compiler as </a:t>
-            </a:r>
-            <a:r>
-              <a:rPr lang="en-US" sz="2600" dirty="0"/>
-              <a:t>a </a:t>
-            </a:r>
-            <a:r>
-              <a:rPr lang="en-US" sz="2600" dirty="0" smtClean="0"/>
-              <a:t>tree walker.</a:t>
-            </a:r>
-            <a:endParaRPr lang="en-US" sz="2600" dirty="0"/>
+              <a:t>As an example we insert a constant folding tree rewriting phase into our Cuppa1 compiler as a tree walker.</a:t>
+            </a:r>
           </a:p>
         </p:txBody>
       </p:sp>
@@ -8473,7 +8444,7 @@
             </a:ln>
             <a:extLst>
               <a:ext uri="{909E8E84-426E-40dd-AFC4-6F175D3DCCD1}">
-                <a14:hiddenFill xmlns:a14="http://schemas.microsoft.com/office/drawing/2010/main" xmlns="">
+                <a14:hiddenFill xmlns="" xmlns:a14="http://schemas.microsoft.com/office/drawing/2010/main">
                   <a:solidFill>
                     <a:schemeClr val="accent1"/>
                   </a:solidFill>
@@ -8511,14 +8482,14 @@
             </a:ln>
             <a:extLst>
               <a:ext uri="{909E8E84-426E-40dd-AFC4-6F175D3DCCD1}">
-                <a14:hiddenFill xmlns:a14="http://schemas.microsoft.com/office/drawing/2010/main" xmlns="">
+                <a14:hiddenFill xmlns="" xmlns:a14="http://schemas.microsoft.com/office/drawing/2010/main">
                   <a:solidFill>
                     <a:schemeClr val="accent1"/>
                   </a:solidFill>
                 </a14:hiddenFill>
               </a:ext>
               <a:ext uri="{91240B29-F687-4f45-9708-019B960494DF}">
-                <a14:hiddenLine xmlns:a14="http://schemas.microsoft.com/office/drawing/2010/main" xmlns="" w="9525">
+                <a14:hiddenLine xmlns="" xmlns:a14="http://schemas.microsoft.com/office/drawing/2010/main" w="9525">
                   <a:solidFill>
                     <a:schemeClr val="tx1"/>
                   </a:solidFill>
@@ -8570,7 +8541,7 @@
           </a:ln>
           <a:extLst>
             <a:ext uri="{909E8E84-426E-40dd-AFC4-6F175D3DCCD1}">
-              <a14:hiddenFill xmlns:a14="http://schemas.microsoft.com/office/drawing/2010/main" xmlns="">
+              <a14:hiddenFill xmlns="" xmlns:a14="http://schemas.microsoft.com/office/drawing/2010/main">
                 <a:noFill/>
               </a14:hiddenFill>
             </a:ext>
@@ -8604,7 +8575,7 @@
           </a:ln>
           <a:extLst>
             <a:ext uri="{909E8E84-426E-40dd-AFC4-6F175D3DCCD1}">
-              <a14:hiddenFill xmlns:a14="http://schemas.microsoft.com/office/drawing/2010/main" xmlns="">
+              <a14:hiddenFill xmlns="" xmlns:a14="http://schemas.microsoft.com/office/drawing/2010/main">
                 <a:noFill/>
               </a14:hiddenFill>
             </a:ext>
@@ -8722,7 +8693,7 @@
           </a:ln>
           <a:extLst>
             <a:ext uri="{909E8E84-426E-40dd-AFC4-6F175D3DCCD1}">
-              <a14:hiddenFill xmlns:a14="http://schemas.microsoft.com/office/drawing/2010/main" xmlns="">
+              <a14:hiddenFill xmlns="" xmlns:a14="http://schemas.microsoft.com/office/drawing/2010/main">
                 <a:noFill/>
               </a14:hiddenFill>
             </a:ext>
@@ -8751,14 +8722,14 @@
           </a:ln>
           <a:extLst>
             <a:ext uri="{909E8E84-426E-40dd-AFC4-6F175D3DCCD1}">
-              <a14:hiddenFill xmlns:a14="http://schemas.microsoft.com/office/drawing/2010/main" xmlns="">
+              <a14:hiddenFill xmlns="" xmlns:a14="http://schemas.microsoft.com/office/drawing/2010/main">
                 <a:solidFill>
                   <a:schemeClr val="accent1"/>
                 </a:solidFill>
               </a14:hiddenFill>
             </a:ext>
             <a:ext uri="{91240B29-F687-4f45-9708-019B960494DF}">
-              <a14:hiddenLine xmlns:a14="http://schemas.microsoft.com/office/drawing/2010/main" xmlns="" w="9525">
+              <a14:hiddenLine xmlns="" xmlns:a14="http://schemas.microsoft.com/office/drawing/2010/main" w="9525">
                 <a:solidFill>
                   <a:schemeClr val="tx1"/>
                 </a:solidFill>
@@ -8812,7 +8783,7 @@
           </a:ln>
           <a:extLst>
             <a:ext uri="{909E8E84-426E-40dd-AFC4-6F175D3DCCD1}">
-              <a14:hiddenFill xmlns:a14="http://schemas.microsoft.com/office/drawing/2010/main" xmlns="">
+              <a14:hiddenFill xmlns="" xmlns:a14="http://schemas.microsoft.com/office/drawing/2010/main">
                 <a:solidFill>
                   <a:schemeClr val="accent1"/>
                 </a:solidFill>
@@ -8857,7 +8828,7 @@
           </a:ln>
           <a:extLst>
             <a:ext uri="{909E8E84-426E-40dd-AFC4-6F175D3DCCD1}">
-              <a14:hiddenFill xmlns:a14="http://schemas.microsoft.com/office/drawing/2010/main" xmlns="">
+              <a14:hiddenFill xmlns="" xmlns:a14="http://schemas.microsoft.com/office/drawing/2010/main">
                 <a:noFill/>
               </a14:hiddenFill>
             </a:ext>
@@ -8886,14 +8857,14 @@
           </a:ln>
           <a:extLst>
             <a:ext uri="{909E8E84-426E-40dd-AFC4-6F175D3DCCD1}">
-              <a14:hiddenFill xmlns:a14="http://schemas.microsoft.com/office/drawing/2010/main" xmlns="">
+              <a14:hiddenFill xmlns="" xmlns:a14="http://schemas.microsoft.com/office/drawing/2010/main">
                 <a:solidFill>
                   <a:schemeClr val="accent1"/>
                 </a:solidFill>
               </a14:hiddenFill>
             </a:ext>
             <a:ext uri="{91240B29-F687-4f45-9708-019B960494DF}">
-              <a14:hiddenLine xmlns:a14="http://schemas.microsoft.com/office/drawing/2010/main" xmlns="" w="9525">
+              <a14:hiddenLine xmlns="" xmlns:a14="http://schemas.microsoft.com/office/drawing/2010/main" w="9525">
                 <a:solidFill>
                   <a:schemeClr val="tx1"/>
                 </a:solidFill>
@@ -8939,14 +8910,14 @@
           </a:ln>
           <a:extLst>
             <a:ext uri="{909E8E84-426E-40dd-AFC4-6F175D3DCCD1}">
-              <a14:hiddenFill xmlns:a14="http://schemas.microsoft.com/office/drawing/2010/main" xmlns="">
+              <a14:hiddenFill xmlns="" xmlns:a14="http://schemas.microsoft.com/office/drawing/2010/main">
                 <a:solidFill>
                   <a:schemeClr val="accent1"/>
                 </a:solidFill>
               </a14:hiddenFill>
             </a:ext>
             <a:ext uri="{91240B29-F687-4f45-9708-019B960494DF}">
-              <a14:hiddenLine xmlns:a14="http://schemas.microsoft.com/office/drawing/2010/main" xmlns="" w="9525">
+              <a14:hiddenLine xmlns="" xmlns:a14="http://schemas.microsoft.com/office/drawing/2010/main" w="9525">
                 <a:solidFill>
                   <a:schemeClr val="tx1"/>
                 </a:solidFill>
@@ -8971,7 +8942,7 @@
               <a:rPr lang="en-US" dirty="0"/>
             </a:br>
             <a:r>
-              <a:rPr lang="en-US" dirty="0" smtClean="0"/>
+              <a:rPr lang="en-US" dirty="0"/>
               <a:t>Walker</a:t>
             </a:r>
             <a:endParaRPr lang="en-US" sz="1600" dirty="0"/>
@@ -9000,14 +8971,14 @@
           </a:ln>
           <a:extLst>
             <a:ext uri="{909E8E84-426E-40dd-AFC4-6F175D3DCCD1}">
-              <a14:hiddenFill xmlns:a14="http://schemas.microsoft.com/office/drawing/2010/main" xmlns="">
+              <a14:hiddenFill xmlns="" xmlns:a14="http://schemas.microsoft.com/office/drawing/2010/main">
                 <a:solidFill>
                   <a:schemeClr val="accent1"/>
                 </a:solidFill>
               </a14:hiddenFill>
             </a:ext>
             <a:ext uri="{91240B29-F687-4f45-9708-019B960494DF}">
-              <a14:hiddenLine xmlns:a14="http://schemas.microsoft.com/office/drawing/2010/main" xmlns="" w="9525">
+              <a14:hiddenLine xmlns="" xmlns:a14="http://schemas.microsoft.com/office/drawing/2010/main" w="9525">
                 <a:solidFill>
                   <a:schemeClr val="tx1"/>
                 </a:solidFill>
@@ -9025,17 +8996,16 @@
           <a:lstStyle/>
           <a:p>
             <a:r>
-              <a:rPr lang="en-US" dirty="0" err="1" smtClean="0"/>
+              <a:rPr lang="en-US" dirty="0" err="1"/>
               <a:t>CodeGen</a:t>
             </a:r>
-            <a:endParaRPr lang="en-US" dirty="0" smtClean="0"/>
-          </a:p>
-          <a:p>
-            <a:r>
-              <a:rPr lang="en-US" dirty="0" smtClean="0"/>
+            <a:endParaRPr lang="en-US" dirty="0"/>
+          </a:p>
+          <a:p>
+            <a:r>
+              <a:rPr lang="en-US" dirty="0"/>
               <a:t>Walker</a:t>
             </a:r>
-            <a:endParaRPr lang="en-US" dirty="0"/>
           </a:p>
         </p:txBody>
       </p:sp>
@@ -9217,7 +9187,7 @@
             <a:effectLst/>
             <a:extLst>
               <a:ext uri="{AF507438-7753-43e0-B8FC-AC1667EBCBE1}">
-                <a14:hiddenEffects xmlns:a14="http://schemas.microsoft.com/office/drawing/2010/main" xmlns="">
+                <a14:hiddenEffects xmlns="" xmlns:a14="http://schemas.microsoft.com/office/drawing/2010/main">
                   <a:effectLst>
                     <a:outerShdw blurRad="63500" dist="38099" dir="2700000" algn="ctr" rotWithShape="0">
                       <a:schemeClr val="bg2">
@@ -9259,7 +9229,7 @@
             <a:effectLst/>
             <a:extLst>
               <a:ext uri="{AF507438-7753-43e0-B8FC-AC1667EBCBE1}">
-                <a14:hiddenEffects xmlns:a14="http://schemas.microsoft.com/office/drawing/2010/main" xmlns="">
+                <a14:hiddenEffects xmlns="" xmlns:a14="http://schemas.microsoft.com/office/drawing/2010/main">
                   <a:effectLst>
                     <a:outerShdw blurRad="63500" dist="38099" dir="2700000" algn="ctr" rotWithShape="0">
                       <a:schemeClr val="bg2">
@@ -9301,7 +9271,7 @@
             <a:effectLst/>
             <a:extLst>
               <a:ext uri="{AF507438-7753-43e0-B8FC-AC1667EBCBE1}">
-                <a14:hiddenEffects xmlns:a14="http://schemas.microsoft.com/office/drawing/2010/main" xmlns="">
+                <a14:hiddenEffects xmlns="" xmlns:a14="http://schemas.microsoft.com/office/drawing/2010/main">
                   <a:effectLst>
                     <a:outerShdw blurRad="63500" dist="38099" dir="2700000" algn="ctr" rotWithShape="0">
                       <a:schemeClr val="bg2">
@@ -9343,7 +9313,7 @@
             <a:effectLst/>
             <a:extLst>
               <a:ext uri="{AF507438-7753-43e0-B8FC-AC1667EBCBE1}">
-                <a14:hiddenEffects xmlns:a14="http://schemas.microsoft.com/office/drawing/2010/main" xmlns="">
+                <a14:hiddenEffects xmlns="" xmlns:a14="http://schemas.microsoft.com/office/drawing/2010/main">
                   <a:effectLst>
                     <a:outerShdw blurRad="63500" dist="38099" dir="2700000" algn="ctr" rotWithShape="0">
                       <a:schemeClr val="bg2">
@@ -9385,7 +9355,7 @@
             <a:effectLst/>
             <a:extLst>
               <a:ext uri="{AF507438-7753-43e0-B8FC-AC1667EBCBE1}">
-                <a14:hiddenEffects xmlns:a14="http://schemas.microsoft.com/office/drawing/2010/main" xmlns="">
+                <a14:hiddenEffects xmlns="" xmlns:a14="http://schemas.microsoft.com/office/drawing/2010/main">
                   <a:effectLst>
                     <a:outerShdw blurRad="63500" dist="38099" dir="2700000" algn="ctr" rotWithShape="0">
                       <a:schemeClr val="bg2">
@@ -9427,7 +9397,7 @@
             <a:effectLst/>
             <a:extLst>
               <a:ext uri="{AF507438-7753-43e0-B8FC-AC1667EBCBE1}">
-                <a14:hiddenEffects xmlns:a14="http://schemas.microsoft.com/office/drawing/2010/main" xmlns="">
+                <a14:hiddenEffects xmlns="" xmlns:a14="http://schemas.microsoft.com/office/drawing/2010/main">
                   <a:effectLst>
                     <a:outerShdw blurRad="63500" dist="38099" dir="2700000" algn="ctr" rotWithShape="0">
                       <a:schemeClr val="bg2">
@@ -9469,7 +9439,7 @@
             <a:effectLst/>
             <a:extLst>
               <a:ext uri="{AF507438-7753-43e0-B8FC-AC1667EBCBE1}">
-                <a14:hiddenEffects xmlns:a14="http://schemas.microsoft.com/office/drawing/2010/main" xmlns="">
+                <a14:hiddenEffects xmlns="" xmlns:a14="http://schemas.microsoft.com/office/drawing/2010/main">
                   <a:effectLst>
                     <a:outerShdw blurRad="63500" dist="38099" dir="2700000" algn="ctr" rotWithShape="0">
                       <a:schemeClr val="bg2">
@@ -9511,7 +9481,7 @@
             <a:effectLst/>
             <a:extLst>
               <a:ext uri="{AF507438-7753-43e0-B8FC-AC1667EBCBE1}">
-                <a14:hiddenEffects xmlns:a14="http://schemas.microsoft.com/office/drawing/2010/main" xmlns="">
+                <a14:hiddenEffects xmlns="" xmlns:a14="http://schemas.microsoft.com/office/drawing/2010/main">
                   <a:effectLst>
                     <a:outerShdw blurRad="63500" dist="38099" dir="2700000" algn="ctr" rotWithShape="0">
                       <a:schemeClr val="bg2">
@@ -9703,7 +9673,7 @@
             <a:effectLst/>
             <a:extLst>
               <a:ext uri="{AF507438-7753-43e0-B8FC-AC1667EBCBE1}">
-                <a14:hiddenEffects xmlns:a14="http://schemas.microsoft.com/office/drawing/2010/main" xmlns="">
+                <a14:hiddenEffects xmlns="" xmlns:a14="http://schemas.microsoft.com/office/drawing/2010/main">
                   <a:effectLst>
                     <a:outerShdw blurRad="63500" dist="38099" dir="2700000" algn="ctr" rotWithShape="0">
                       <a:schemeClr val="bg2">
@@ -9745,7 +9715,7 @@
             <a:effectLst/>
             <a:extLst>
               <a:ext uri="{AF507438-7753-43e0-B8FC-AC1667EBCBE1}">
-                <a14:hiddenEffects xmlns:a14="http://schemas.microsoft.com/office/drawing/2010/main" xmlns="">
+                <a14:hiddenEffects xmlns="" xmlns:a14="http://schemas.microsoft.com/office/drawing/2010/main">
                   <a:effectLst>
                     <a:outerShdw blurRad="63500" dist="38099" dir="2700000" algn="ctr" rotWithShape="0">
                       <a:schemeClr val="bg2">
@@ -9787,7 +9757,7 @@
             <a:effectLst/>
             <a:extLst>
               <a:ext uri="{AF507438-7753-43e0-B8FC-AC1667EBCBE1}">
-                <a14:hiddenEffects xmlns:a14="http://schemas.microsoft.com/office/drawing/2010/main" xmlns="">
+                <a14:hiddenEffects xmlns="" xmlns:a14="http://schemas.microsoft.com/office/drawing/2010/main">
                   <a:effectLst>
                     <a:outerShdw blurRad="63500" dist="38099" dir="2700000" algn="ctr" rotWithShape="0">
                       <a:schemeClr val="bg2">
@@ -9829,7 +9799,7 @@
             <a:effectLst/>
             <a:extLst>
               <a:ext uri="{AF507438-7753-43e0-B8FC-AC1667EBCBE1}">
-                <a14:hiddenEffects xmlns:a14="http://schemas.microsoft.com/office/drawing/2010/main" xmlns="">
+                <a14:hiddenEffects xmlns="" xmlns:a14="http://schemas.microsoft.com/office/drawing/2010/main">
                   <a:effectLst>
                     <a:outerShdw blurRad="63500" dist="38099" dir="2700000" algn="ctr" rotWithShape="0">
                       <a:schemeClr val="bg2">
@@ -9871,7 +9841,7 @@
             <a:effectLst/>
             <a:extLst>
               <a:ext uri="{AF507438-7753-43e0-B8FC-AC1667EBCBE1}">
-                <a14:hiddenEffects xmlns:a14="http://schemas.microsoft.com/office/drawing/2010/main" xmlns="">
+                <a14:hiddenEffects xmlns="" xmlns:a14="http://schemas.microsoft.com/office/drawing/2010/main">
                   <a:effectLst>
                     <a:outerShdw blurRad="63500" dist="38099" dir="2700000" algn="ctr" rotWithShape="0">
                       <a:schemeClr val="bg2">
@@ -9913,7 +9883,7 @@
             <a:effectLst/>
             <a:extLst>
               <a:ext uri="{AF507438-7753-43e0-B8FC-AC1667EBCBE1}">
-                <a14:hiddenEffects xmlns:a14="http://schemas.microsoft.com/office/drawing/2010/main" xmlns="">
+                <a14:hiddenEffects xmlns="" xmlns:a14="http://schemas.microsoft.com/office/drawing/2010/main">
                   <a:effectLst>
                     <a:outerShdw blurRad="63500" dist="38099" dir="2700000" algn="ctr" rotWithShape="0">
                       <a:schemeClr val="bg2">
@@ -9955,7 +9925,7 @@
             <a:effectLst/>
             <a:extLst>
               <a:ext uri="{AF507438-7753-43e0-B8FC-AC1667EBCBE1}">
-                <a14:hiddenEffects xmlns:a14="http://schemas.microsoft.com/office/drawing/2010/main" xmlns="">
+                <a14:hiddenEffects xmlns="" xmlns:a14="http://schemas.microsoft.com/office/drawing/2010/main">
                   <a:effectLst>
                     <a:outerShdw blurRad="63500" dist="38099" dir="2700000" algn="ctr" rotWithShape="0">
                       <a:schemeClr val="bg2">
@@ -9997,7 +9967,7 @@
             <a:effectLst/>
             <a:extLst>
               <a:ext uri="{AF507438-7753-43e0-B8FC-AC1667EBCBE1}">
-                <a14:hiddenEffects xmlns:a14="http://schemas.microsoft.com/office/drawing/2010/main" xmlns="">
+                <a14:hiddenEffects xmlns="" xmlns:a14="http://schemas.microsoft.com/office/drawing/2010/main">
                   <a:effectLst>
                     <a:outerShdw blurRad="63500" dist="38099" dir="2700000" algn="ctr" rotWithShape="0">
                       <a:schemeClr val="bg2">
@@ -10034,10 +10004,9 @@
           <a:lstStyle/>
           <a:p>
             <a:r>
-              <a:rPr lang="en-US" dirty="0" smtClean="0"/>
+              <a:rPr lang="en-US" dirty="0"/>
               <a:t>Frontend</a:t>
             </a:r>
-            <a:endParaRPr lang="en-US" dirty="0"/>
           </a:p>
         </p:txBody>
       </p:sp>
@@ -10046,13 +10015,6 @@
   <p:clrMapOvr>
     <a:masterClrMapping/>
   </p:clrMapOvr>
-  <p:timing>
-    <p:tnLst>
-      <p:par>
-        <p:cTn id="1" dur="indefinite" restart="never" nodeType="tmRoot"/>
-      </p:par>
-    </p:tnLst>
-  </p:timing>
 </p:sld>
 </file>
 
@@ -10089,10 +10051,9 @@
           <a:lstStyle/>
           <a:p>
             <a:r>
-              <a:rPr lang="en-US" dirty="0" smtClean="0"/>
+              <a:rPr lang="en-US" dirty="0"/>
               <a:t>Peephole Code Optimization</a:t>
             </a:r>
-            <a:endParaRPr lang="en-US" dirty="0"/>
           </a:p>
         </p:txBody>
       </p:sp>
@@ -10112,7 +10073,7 @@
           <a:lstStyle/>
           <a:p>
             <a:r>
-              <a:rPr lang="en-US" dirty="0" smtClean="0"/>
+              <a:rPr lang="en-US" dirty="0"/>
               <a:t>A peephole optimizer improves the generated code by reorganizing the generated instructions.</a:t>
             </a:r>
           </a:p>
@@ -10121,16 +10082,11 @@
               <a:rPr lang="en-US" dirty="0"/>
               <a:t>If you recall the code generator for our Cuppa1 compiler translates Cuppa1 AST patterns into Exp1bytecode patterns and simply composes the generated bytecode patterns into a list of instructions. </a:t>
             </a:r>
-            <a:endParaRPr lang="en-US" dirty="0" smtClean="0"/>
-          </a:p>
-          <a:p>
-            <a:r>
-              <a:rPr lang="en-US" dirty="0" smtClean="0"/>
-              <a:t>That </a:t>
-            </a:r>
+          </a:p>
+          <a:p>
             <a:r>
               <a:rPr lang="en-US" dirty="0"/>
-              <a:t>can lead to very silly looking code.</a:t>
+              <a:t>That can lead to very silly looking code.</a:t>
             </a:r>
           </a:p>
         </p:txBody>
@@ -10181,10 +10137,9 @@
           <a:lstStyle/>
           <a:p>
             <a:r>
-              <a:rPr lang="en-US" dirty="0" smtClean="0"/>
+              <a:rPr lang="en-US" dirty="0"/>
               <a:t>Peephole Code Optimization</a:t>
             </a:r>
-            <a:endParaRPr lang="en-US" dirty="0"/>
           </a:p>
         </p:txBody>
       </p:sp>
@@ -10211,10 +10166,9 @@
           <a:lstStyle/>
           <a:p>
             <a:r>
-              <a:rPr lang="en-US" dirty="0" smtClean="0"/>
+              <a:rPr lang="en-US" dirty="0"/>
               <a:t>Consider:</a:t>
             </a:r>
-            <a:endParaRPr lang="en-US" dirty="0"/>
           </a:p>
         </p:txBody>
       </p:sp>
@@ -10305,7 +10259,7 @@
           <a:effectLst/>
           <a:extLst>
             <a:ext uri="{AF507438-7753-43e0-B8FC-AC1667EBCBE1}">
-              <a14:hiddenEffects xmlns:a14="http://schemas.microsoft.com/office/drawing/2010/main" xmlns="">
+              <a14:hiddenEffects xmlns="" xmlns:a14="http://schemas.microsoft.com/office/drawing/2010/main">
                 <a:effectLst>
                   <a:outerShdw blurRad="63500" dist="38099" dir="2700000" algn="ctr" rotWithShape="0">
                     <a:schemeClr val="bg2">
@@ -10379,10 +10333,9 @@
           <a:lstStyle/>
           <a:p>
             <a:r>
-              <a:rPr lang="en-US" dirty="0" smtClean="0"/>
+              <a:rPr lang="en-US" dirty="0"/>
               <a:t>Really Silly!</a:t>
             </a:r>
-            <a:endParaRPr lang="en-US" dirty="0"/>
           </a:p>
         </p:txBody>
       </p:sp>
@@ -10432,10 +10385,9 @@
           <a:lstStyle/>
           <a:p>
             <a:r>
-              <a:rPr lang="en-US" dirty="0" smtClean="0"/>
+              <a:rPr lang="en-US" dirty="0"/>
               <a:t>Peephole Code Optimization</a:t>
             </a:r>
-            <a:endParaRPr lang="en-US" dirty="0"/>
           </a:p>
         </p:txBody>
       </p:sp>
@@ -10526,7 +10478,7 @@
           <a:effectLst/>
           <a:extLst>
             <a:ext uri="{AF507438-7753-43e0-B8FC-AC1667EBCBE1}">
-              <a14:hiddenEffects xmlns:a14="http://schemas.microsoft.com/office/drawing/2010/main" xmlns="">
+              <a14:hiddenEffects xmlns="" xmlns:a14="http://schemas.microsoft.com/office/drawing/2010/main">
                 <a:effectLst>
                   <a:outerShdw blurRad="63500" dist="38099" dir="2700000" algn="ctr" rotWithShape="0">
                     <a:schemeClr val="bg2">
@@ -10600,10 +10552,9 @@
           <a:lstStyle/>
           <a:p>
             <a:r>
-              <a:rPr lang="en-US" dirty="0" smtClean="0"/>
+              <a:rPr lang="en-US" dirty="0"/>
               <a:t>There is a rule for that:</a:t>
             </a:r>
-            <a:endParaRPr lang="en-US" dirty="0"/>
           </a:p>
         </p:txBody>
       </p:sp>
@@ -10692,10 +10643,9 @@
           <a:lstStyle/>
           <a:p>
             <a:r>
-              <a:rPr lang="en-US" dirty="0" smtClean="0"/>
+              <a:rPr lang="en-US" dirty="0"/>
               <a:t>Peephole Code Optimization</a:t>
             </a:r>
-            <a:endParaRPr lang="en-US" dirty="0"/>
           </a:p>
         </p:txBody>
       </p:sp>
@@ -10786,7 +10736,7 @@
           <a:effectLst/>
           <a:extLst>
             <a:ext uri="{AF507438-7753-43e0-B8FC-AC1667EBCBE1}">
-              <a14:hiddenEffects xmlns:a14="http://schemas.microsoft.com/office/drawing/2010/main" xmlns="">
+              <a14:hiddenEffects xmlns="" xmlns:a14="http://schemas.microsoft.com/office/drawing/2010/main">
                 <a:effectLst>
                   <a:outerShdw blurRad="63500" dist="38099" dir="2700000" algn="ctr" rotWithShape="0">
                     <a:schemeClr val="bg2">
@@ -10860,10 +10810,9 @@
           <a:lstStyle/>
           <a:p>
             <a:r>
-              <a:rPr lang="en-US" dirty="0" smtClean="0"/>
+              <a:rPr lang="en-US" dirty="0"/>
               <a:t>Even Sillier!</a:t>
             </a:r>
-            <a:endParaRPr lang="en-US" dirty="0"/>
           </a:p>
         </p:txBody>
       </p:sp>
@@ -10890,10 +10839,9 @@
           <a:lstStyle/>
           <a:p>
             <a:r>
-              <a:rPr lang="en-US" dirty="0" smtClean="0"/>
+              <a:rPr lang="en-US" dirty="0"/>
               <a:t>Consider:</a:t>
             </a:r>
-            <a:endParaRPr lang="en-US" dirty="0"/>
           </a:p>
         </p:txBody>
       </p:sp>
@@ -10943,10 +10891,9 @@
           <a:lstStyle/>
           <a:p>
             <a:r>
-              <a:rPr lang="en-US" dirty="0" smtClean="0"/>
+              <a:rPr lang="en-US" dirty="0"/>
               <a:t>Peephole Code Optimization</a:t>
             </a:r>
-            <a:endParaRPr lang="en-US" dirty="0"/>
           </a:p>
         </p:txBody>
       </p:sp>
@@ -10979,7 +10926,7 @@
           <a:effectLst/>
           <a:extLst>
             <a:ext uri="{AF507438-7753-43e0-B8FC-AC1667EBCBE1}">
-              <a14:hiddenEffects xmlns:a14="http://schemas.microsoft.com/office/drawing/2010/main" xmlns="">
+              <a14:hiddenEffects xmlns="" xmlns:a14="http://schemas.microsoft.com/office/drawing/2010/main">
                 <a:effectLst>
                   <a:outerShdw blurRad="63500" dist="38099" dir="2700000" algn="ctr" rotWithShape="0">
                     <a:schemeClr val="bg2">
@@ -11053,10 +11000,9 @@
           <a:lstStyle/>
           <a:p>
             <a:r>
-              <a:rPr lang="en-US" dirty="0" smtClean="0"/>
+              <a:rPr lang="en-US" dirty="0"/>
               <a:t>There is a rule for that:</a:t>
             </a:r>
-            <a:endParaRPr lang="en-US" dirty="0"/>
           </a:p>
         </p:txBody>
       </p:sp>
@@ -11243,20 +11189,11 @@
               <a:rPr lang="en-US" dirty="0"/>
               <a:t>like the ones we developed above to the code within the window. </a:t>
             </a:r>
-            <a:endParaRPr lang="en-US" dirty="0" smtClean="0"/>
-          </a:p>
-          <a:p>
-            <a:r>
-              <a:rPr lang="en-US" dirty="0" smtClean="0"/>
-              <a:t>The </a:t>
-            </a:r>
+          </a:p>
+          <a:p>
             <a:r>
               <a:rPr lang="en-US" dirty="0"/>
-              <a:t>peephole optimizer terminates once no longer any code is being rewritten</a:t>
-            </a:r>
-            <a:r>
-              <a:rPr lang="en-US" dirty="0" smtClean="0"/>
-              <a:t>.</a:t>
+              <a:t>The peephole optimizer terminates once no longer any code is being rewritten.</a:t>
             </a:r>
           </a:p>
           <a:p>
@@ -11264,26 +11201,12 @@
               <a:rPr lang="en-US" dirty="0"/>
               <a:t>The repeated nature of the process is necessary because applying one rewrite rule to the instruction list can expose opportunities to apply other rewrite rules. </a:t>
             </a:r>
-            <a:endParaRPr lang="en-US" dirty="0" smtClean="0"/>
-          </a:p>
-          <a:p>
-            <a:r>
-              <a:rPr lang="en-US" dirty="0" smtClean="0"/>
-              <a:t>So </a:t>
-            </a:r>
+          </a:p>
+          <a:p>
             <a:r>
               <a:rPr lang="en-US" dirty="0"/>
-              <a:t>we need to keep sliding the window </a:t>
-            </a:r>
-            <a:r>
-              <a:rPr lang="en-US" dirty="0" smtClean="0"/>
-              <a:t>across </a:t>
-            </a:r>
-            <a:r>
-              <a:rPr lang="en-US" dirty="0"/>
-              <a:t>the instructions until no further rewrites are possible.</a:t>
-            </a:r>
-            <a:endParaRPr lang="en-US" dirty="0"/>
+              <a:t>So we need to keep sliding the window across the instructions until no further rewrites are possible.</a:t>
+            </a:r>
           </a:p>
         </p:txBody>
       </p:sp>
@@ -11438,7 +11361,7 @@
           <a:lstStyle/>
           <a:p>
             <a:r>
-              <a:rPr lang="en-US" dirty="0" smtClean="0"/>
+              <a:rPr lang="en-US" dirty="0"/>
               <a:t>Rewrite Rules:</a:t>
             </a:r>
           </a:p>
@@ -11599,37 +11522,37 @@
           <a:lstStyle/>
           <a:p>
             <a:r>
-              <a:rPr lang="en-US" dirty="0" smtClean="0"/>
+              <a:rPr lang="en-US" dirty="0"/>
               <a:t>In our optimizing compiler we study:</a:t>
             </a:r>
           </a:p>
           <a:p>
             <a:pPr lvl="1"/>
             <a:r>
-              <a:rPr lang="en-US" dirty="0" smtClean="0"/>
+              <a:rPr lang="en-US" dirty="0"/>
               <a:t>Tree rewriting in the context of </a:t>
             </a:r>
             <a:r>
-              <a:rPr lang="en-US" i="1" dirty="0" smtClean="0"/>
+              <a:rPr lang="en-US" i="1" dirty="0"/>
               <a:t>constant folding, </a:t>
             </a:r>
             <a:r>
-              <a:rPr lang="en-US" dirty="0" smtClean="0"/>
+              <a:rPr lang="en-US" dirty="0"/>
               <a:t>and</a:t>
             </a:r>
           </a:p>
           <a:p>
             <a:pPr lvl="1"/>
             <a:r>
-              <a:rPr lang="en-US" dirty="0" smtClean="0"/>
+              <a:rPr lang="en-US" dirty="0"/>
               <a:t>Target code optimization in the context of </a:t>
             </a:r>
             <a:r>
-              <a:rPr lang="en-US" i="1" dirty="0" smtClean="0"/>
+              <a:rPr lang="en-US" i="1" dirty="0"/>
               <a:t>peephole optimization</a:t>
             </a:r>
             <a:r>
-              <a:rPr lang="en-US" dirty="0" smtClean="0"/>
+              <a:rPr lang="en-US" dirty="0"/>
               <a:t>.</a:t>
             </a:r>
           </a:p>
@@ -12066,7 +11989,7 @@
               <a:t>    </a:t>
             </a:r>
             <a:r>
-              <a:rPr lang="en-US" sz="1000" dirty="0" smtClean="0">
+              <a:rPr lang="en-US" sz="1000" dirty="0">
                 <a:solidFill>
                   <a:srgbClr val="000000"/>
                 </a:solidFill>
@@ -12075,7 +11998,7 @@
               <a:t>    </a:t>
             </a:r>
             <a:r>
-              <a:rPr lang="mr-IN" sz="1000" dirty="0" smtClean="0">
+              <a:rPr lang="mr-IN" sz="1000" dirty="0">
                 <a:solidFill>
                   <a:srgbClr val="000000"/>
                 </a:solidFill>
@@ -12413,7 +12336,7 @@
           </a:p>
           <a:p>
             <a:r>
-              <a:rPr lang="en-US" sz="1000" dirty="0" smtClean="0"/>
+              <a:rPr lang="en-US" sz="1000" dirty="0"/>
               <a:t>&lt;** rewrite rules here **&gt;</a:t>
             </a:r>
           </a:p>
@@ -12431,7 +12354,7 @@
               <a:t> </a:t>
             </a:r>
             <a:r>
-              <a:rPr lang="en-US" sz="1000" dirty="0" smtClean="0">
+              <a:rPr lang="en-US" sz="1000" dirty="0">
                 <a:solidFill>
                   <a:srgbClr val="000000"/>
                 </a:solidFill>
@@ -12440,7 +12363,7 @@
               <a:t>        </a:t>
             </a:r>
             <a:r>
-              <a:rPr lang="mr-IN" sz="1000" dirty="0" smtClean="0">
+              <a:rPr lang="mr-IN" sz="1000" dirty="0">
                 <a:solidFill>
                   <a:srgbClr val="007400"/>
                 </a:solidFill>
@@ -12582,7 +12505,7 @@
               <a:t>            </a:t>
             </a:r>
             <a:r>
-              <a:rPr lang="en-US" sz="1000" dirty="0" smtClean="0">
+              <a:rPr lang="en-US" sz="1000" dirty="0">
                 <a:solidFill>
                   <a:srgbClr val="000000"/>
                 </a:solidFill>
@@ -12591,7 +12514,7 @@
               <a:t>	</a:t>
             </a:r>
             <a:r>
-              <a:rPr lang="mr-IN" sz="1000" dirty="0" err="1" smtClean="0">
+              <a:rPr lang="mr-IN" sz="1000" dirty="0" err="1">
                 <a:solidFill>
                   <a:srgbClr val="AA0D91"/>
                 </a:solidFill>
@@ -12678,7 +12601,7 @@
               <a:t>            </a:t>
             </a:r>
             <a:r>
-              <a:rPr lang="en-US" sz="1000" dirty="0" smtClean="0">
+              <a:rPr lang="en-US" sz="1000" dirty="0">
                 <a:solidFill>
                   <a:srgbClr val="000000"/>
                 </a:solidFill>
@@ -12687,7 +12610,7 @@
               <a:t>	</a:t>
             </a:r>
             <a:r>
-              <a:rPr lang="mr-IN" sz="1000" dirty="0" err="1" smtClean="0">
+              <a:rPr lang="mr-IN" sz="1000" dirty="0" err="1">
                 <a:solidFill>
                   <a:srgbClr val="000000"/>
                 </a:solidFill>
@@ -12696,22 +12619,13 @@
               <a:t>ix</a:t>
             </a:r>
             <a:r>
-              <a:rPr lang="mr-IN" sz="1000" dirty="0" smtClean="0">
-                <a:solidFill>
-                  <a:srgbClr val="000000"/>
-                </a:solidFill>
-                <a:latin typeface="Menlo-Regular" charset="0"/>
-              </a:rPr>
-              <a:t> </a:t>
-            </a:r>
-            <a:r>
               <a:rPr lang="mr-IN" sz="1000" dirty="0">
                 <a:solidFill>
                   <a:srgbClr val="000000"/>
                 </a:solidFill>
                 <a:latin typeface="Menlo-Regular" charset="0"/>
               </a:rPr>
-              <a:t>= </a:t>
+              <a:t> = </a:t>
             </a:r>
             <a:r>
               <a:rPr lang="mr-IN" sz="1000" dirty="0">
@@ -12740,7 +12654,7 @@
               <a:t>            </a:t>
             </a:r>
             <a:r>
-              <a:rPr lang="en-US" sz="1000" dirty="0" smtClean="0">
+              <a:rPr lang="en-US" sz="1000" dirty="0">
                 <a:solidFill>
                   <a:srgbClr val="000000"/>
                 </a:solidFill>
@@ -12749,7 +12663,7 @@
               <a:t>	</a:t>
             </a:r>
             <a:r>
-              <a:rPr lang="mr-IN" sz="1000" dirty="0" err="1" smtClean="0">
+              <a:rPr lang="mr-IN" sz="1000" dirty="0" err="1">
                 <a:solidFill>
                   <a:srgbClr val="000000"/>
                 </a:solidFill>
@@ -12758,22 +12672,13 @@
               <a:t>change</a:t>
             </a:r>
             <a:r>
-              <a:rPr lang="mr-IN" sz="1000" dirty="0" smtClean="0">
-                <a:solidFill>
-                  <a:srgbClr val="000000"/>
-                </a:solidFill>
-                <a:latin typeface="Menlo-Regular" charset="0"/>
-              </a:rPr>
-              <a:t> </a:t>
-            </a:r>
-            <a:r>
               <a:rPr lang="mr-IN" sz="1000" dirty="0">
                 <a:solidFill>
                   <a:srgbClr val="000000"/>
                 </a:solidFill>
                 <a:latin typeface="Menlo-Regular" charset="0"/>
               </a:rPr>
-              <a:t>= </a:t>
+              <a:t> = </a:t>
             </a:r>
             <a:r>
               <a:rPr lang="mr-IN" sz="1000" dirty="0" err="1">
@@ -12816,19 +12721,10 @@
                 </a:solidFill>
                 <a:latin typeface="Menlo-Regular" charset="0"/>
               </a:rPr>
-              <a:t> </a:t>
-            </a:r>
-            <a:r>
-              <a:rPr lang="en-US" sz="1000" dirty="0" smtClean="0">
-                <a:solidFill>
-                  <a:srgbClr val="000000"/>
-                </a:solidFill>
-                <a:latin typeface="Menlo-Regular" charset="0"/>
-              </a:rPr>
-              <a:t>   </a:t>
-            </a:r>
-            <a:r>
-              <a:rPr lang="mr-IN" sz="1000" dirty="0" err="1" smtClean="0">
+              <a:t>    </a:t>
+            </a:r>
+            <a:r>
+              <a:rPr lang="mr-IN" sz="1000" dirty="0" err="1">
                 <a:solidFill>
                   <a:srgbClr val="AA0D91"/>
                 </a:solidFill>
@@ -12863,7 +12759,7 @@
               <a:t>            </a:t>
             </a:r>
             <a:r>
-              <a:rPr lang="en-US" sz="1000" dirty="0" smtClean="0">
+              <a:rPr lang="en-US" sz="1000" dirty="0">
                 <a:solidFill>
                   <a:srgbClr val="000000"/>
                 </a:solidFill>
@@ -12872,7 +12768,7 @@
               <a:t>	</a:t>
             </a:r>
             <a:r>
-              <a:rPr lang="mr-IN" sz="1000" dirty="0" err="1" smtClean="0">
+              <a:rPr lang="mr-IN" sz="1000" dirty="0" err="1">
                 <a:solidFill>
                   <a:srgbClr val="000000"/>
                 </a:solidFill>
@@ -12881,22 +12777,13 @@
               <a:t>ix</a:t>
             </a:r>
             <a:r>
-              <a:rPr lang="mr-IN" sz="1000" dirty="0" smtClean="0">
-                <a:solidFill>
-                  <a:srgbClr val="000000"/>
-                </a:solidFill>
-                <a:latin typeface="Menlo-Regular" charset="0"/>
-              </a:rPr>
-              <a:t> </a:t>
-            </a:r>
-            <a:r>
               <a:rPr lang="mr-IN" sz="1000" dirty="0">
                 <a:solidFill>
                   <a:srgbClr val="000000"/>
                 </a:solidFill>
                 <a:latin typeface="Menlo-Regular" charset="0"/>
               </a:rPr>
-              <a:t>+= </a:t>
+              <a:t> += </a:t>
             </a:r>
             <a:r>
               <a:rPr lang="mr-IN" sz="1000" dirty="0">
@@ -12986,14 +12873,9 @@
           <a:lstStyle/>
           <a:p>
             <a:r>
-              <a:rPr lang="en-US" dirty="0" smtClean="0"/>
-              <a:t>Optimizing Compiler </a:t>
-            </a:r>
-            <a:r>
-              <a:rPr lang="en-US" dirty="0" smtClean="0"/>
-              <a:t>Architecture</a:t>
-            </a:r>
-            <a:endParaRPr lang="en-US" dirty="0"/>
+              <a:rPr lang="en-US" dirty="0"/>
+              <a:t>Optimizing Compiler Architecture</a:t>
+            </a:r>
           </a:p>
         </p:txBody>
       </p:sp>
@@ -13023,10 +12905,9 @@
               </a:lnSpc>
             </a:pPr>
             <a:r>
-              <a:rPr lang="en-US" sz="2600" dirty="0" smtClean="0"/>
+              <a:rPr lang="en-US" sz="2600" dirty="0"/>
               <a:t>We insert our peephole optimizer between the code generator and the output phase</a:t>
             </a:r>
-            <a:endParaRPr lang="en-US" sz="2600" dirty="0"/>
           </a:p>
         </p:txBody>
       </p:sp>
@@ -13073,7 +12954,7 @@
             </a:ln>
             <a:extLst>
               <a:ext uri="{909E8E84-426E-40dd-AFC4-6F175D3DCCD1}">
-                <a14:hiddenFill xmlns:a14="http://schemas.microsoft.com/office/drawing/2010/main" xmlns="">
+                <a14:hiddenFill xmlns="" xmlns:a14="http://schemas.microsoft.com/office/drawing/2010/main">
                   <a:solidFill>
                     <a:schemeClr val="accent1"/>
                   </a:solidFill>
@@ -13111,14 +12992,14 @@
             </a:ln>
             <a:extLst>
               <a:ext uri="{909E8E84-426E-40dd-AFC4-6F175D3DCCD1}">
-                <a14:hiddenFill xmlns:a14="http://schemas.microsoft.com/office/drawing/2010/main" xmlns="">
+                <a14:hiddenFill xmlns="" xmlns:a14="http://schemas.microsoft.com/office/drawing/2010/main">
                   <a:solidFill>
                     <a:schemeClr val="accent1"/>
                   </a:solidFill>
                 </a14:hiddenFill>
               </a:ext>
               <a:ext uri="{91240B29-F687-4f45-9708-019B960494DF}">
-                <a14:hiddenLine xmlns:a14="http://schemas.microsoft.com/office/drawing/2010/main" xmlns="" w="9525">
+                <a14:hiddenLine xmlns="" xmlns:a14="http://schemas.microsoft.com/office/drawing/2010/main" w="9525">
                   <a:solidFill>
                     <a:schemeClr val="tx1"/>
                   </a:solidFill>
@@ -13170,7 +13051,7 @@
           </a:ln>
           <a:extLst>
             <a:ext uri="{909E8E84-426E-40dd-AFC4-6F175D3DCCD1}">
-              <a14:hiddenFill xmlns:a14="http://schemas.microsoft.com/office/drawing/2010/main" xmlns="">
+              <a14:hiddenFill xmlns="" xmlns:a14="http://schemas.microsoft.com/office/drawing/2010/main">
                 <a:noFill/>
               </a14:hiddenFill>
             </a:ext>
@@ -13204,7 +13085,7 @@
           </a:ln>
           <a:extLst>
             <a:ext uri="{909E8E84-426E-40dd-AFC4-6F175D3DCCD1}">
-              <a14:hiddenFill xmlns:a14="http://schemas.microsoft.com/office/drawing/2010/main" xmlns="">
+              <a14:hiddenFill xmlns="" xmlns:a14="http://schemas.microsoft.com/office/drawing/2010/main">
                 <a:noFill/>
               </a14:hiddenFill>
             </a:ext>
@@ -13286,17 +13167,16 @@
           <a:p>
             <a:pPr algn="ctr"/>
             <a:r>
-              <a:rPr lang="en-US" sz="1800" dirty="0" smtClean="0"/>
+              <a:rPr lang="en-US" sz="1800" dirty="0"/>
               <a:t>Peephole</a:t>
             </a:r>
           </a:p>
           <a:p>
             <a:pPr algn="ctr"/>
             <a:r>
-              <a:rPr lang="en-US" sz="1800" dirty="0" smtClean="0"/>
+              <a:rPr lang="en-US" sz="1800" dirty="0"/>
               <a:t>Opt</a:t>
             </a:r>
-            <a:endParaRPr lang="en-US" sz="1800" dirty="0"/>
           </a:p>
         </p:txBody>
       </p:sp>
@@ -13329,7 +13209,7 @@
           </a:ln>
           <a:extLst>
             <a:ext uri="{909E8E84-426E-40dd-AFC4-6F175D3DCCD1}">
-              <a14:hiddenFill xmlns:a14="http://schemas.microsoft.com/office/drawing/2010/main" xmlns="">
+              <a14:hiddenFill xmlns="" xmlns:a14="http://schemas.microsoft.com/office/drawing/2010/main">
                 <a:noFill/>
               </a14:hiddenFill>
             </a:ext>
@@ -13358,14 +13238,14 @@
           </a:ln>
           <a:extLst>
             <a:ext uri="{909E8E84-426E-40dd-AFC4-6F175D3DCCD1}">
-              <a14:hiddenFill xmlns:a14="http://schemas.microsoft.com/office/drawing/2010/main" xmlns="">
+              <a14:hiddenFill xmlns="" xmlns:a14="http://schemas.microsoft.com/office/drawing/2010/main">
                 <a:solidFill>
                   <a:schemeClr val="accent1"/>
                 </a:solidFill>
               </a14:hiddenFill>
             </a:ext>
             <a:ext uri="{91240B29-F687-4f45-9708-019B960494DF}">
-              <a14:hiddenLine xmlns:a14="http://schemas.microsoft.com/office/drawing/2010/main" xmlns="" w="9525">
+              <a14:hiddenLine xmlns="" xmlns:a14="http://schemas.microsoft.com/office/drawing/2010/main" w="9525">
                 <a:solidFill>
                   <a:schemeClr val="tx1"/>
                 </a:solidFill>
@@ -13419,7 +13299,7 @@
           </a:ln>
           <a:extLst>
             <a:ext uri="{909E8E84-426E-40dd-AFC4-6F175D3DCCD1}">
-              <a14:hiddenFill xmlns:a14="http://schemas.microsoft.com/office/drawing/2010/main" xmlns="">
+              <a14:hiddenFill xmlns="" xmlns:a14="http://schemas.microsoft.com/office/drawing/2010/main">
                 <a:solidFill>
                   <a:schemeClr val="accent1"/>
                 </a:solidFill>
@@ -13464,7 +13344,7 @@
           </a:ln>
           <a:extLst>
             <a:ext uri="{909E8E84-426E-40dd-AFC4-6F175D3DCCD1}">
-              <a14:hiddenFill xmlns:a14="http://schemas.microsoft.com/office/drawing/2010/main" xmlns="">
+              <a14:hiddenFill xmlns="" xmlns:a14="http://schemas.microsoft.com/office/drawing/2010/main">
                 <a:noFill/>
               </a14:hiddenFill>
             </a:ext>
@@ -13493,14 +13373,14 @@
           </a:ln>
           <a:extLst>
             <a:ext uri="{909E8E84-426E-40dd-AFC4-6F175D3DCCD1}">
-              <a14:hiddenFill xmlns:a14="http://schemas.microsoft.com/office/drawing/2010/main" xmlns="">
+              <a14:hiddenFill xmlns="" xmlns:a14="http://schemas.microsoft.com/office/drawing/2010/main">
                 <a:solidFill>
                   <a:schemeClr val="accent1"/>
                 </a:solidFill>
               </a14:hiddenFill>
             </a:ext>
             <a:ext uri="{91240B29-F687-4f45-9708-019B960494DF}">
-              <a14:hiddenLine xmlns:a14="http://schemas.microsoft.com/office/drawing/2010/main" xmlns="" w="9525">
+              <a14:hiddenLine xmlns="" xmlns:a14="http://schemas.microsoft.com/office/drawing/2010/main" w="9525">
                 <a:solidFill>
                   <a:schemeClr val="tx1"/>
                 </a:solidFill>
@@ -13525,7 +13405,7 @@
               <a:rPr lang="en-US" dirty="0"/>
             </a:br>
             <a:r>
-              <a:rPr lang="en-US" dirty="0" smtClean="0"/>
+              <a:rPr lang="en-US" dirty="0"/>
               <a:t>Walker</a:t>
             </a:r>
             <a:endParaRPr lang="en-US" sz="1600" dirty="0"/>
@@ -13554,14 +13434,14 @@
           </a:ln>
           <a:extLst>
             <a:ext uri="{909E8E84-426E-40dd-AFC4-6F175D3DCCD1}">
-              <a14:hiddenFill xmlns:a14="http://schemas.microsoft.com/office/drawing/2010/main" xmlns="">
+              <a14:hiddenFill xmlns="" xmlns:a14="http://schemas.microsoft.com/office/drawing/2010/main">
                 <a:solidFill>
                   <a:schemeClr val="accent1"/>
                 </a:solidFill>
               </a14:hiddenFill>
             </a:ext>
             <a:ext uri="{91240B29-F687-4f45-9708-019B960494DF}">
-              <a14:hiddenLine xmlns:a14="http://schemas.microsoft.com/office/drawing/2010/main" xmlns="" w="9525">
+              <a14:hiddenLine xmlns="" xmlns:a14="http://schemas.microsoft.com/office/drawing/2010/main" w="9525">
                 <a:solidFill>
                   <a:schemeClr val="tx1"/>
                 </a:solidFill>
@@ -13579,17 +13459,16 @@
           <a:lstStyle/>
           <a:p>
             <a:r>
-              <a:rPr lang="en-US" dirty="0" err="1" smtClean="0"/>
+              <a:rPr lang="en-US" dirty="0" err="1"/>
               <a:t>CodeGen</a:t>
             </a:r>
-            <a:endParaRPr lang="en-US" dirty="0" smtClean="0"/>
-          </a:p>
-          <a:p>
-            <a:r>
-              <a:rPr lang="en-US" dirty="0" smtClean="0"/>
+            <a:endParaRPr lang="en-US" dirty="0"/>
+          </a:p>
+          <a:p>
+            <a:r>
+              <a:rPr lang="en-US" dirty="0"/>
               <a:t>Walker</a:t>
             </a:r>
-            <a:endParaRPr lang="en-US" dirty="0"/>
           </a:p>
         </p:txBody>
       </p:sp>
@@ -13771,7 +13650,7 @@
             <a:effectLst/>
             <a:extLst>
               <a:ext uri="{AF507438-7753-43e0-B8FC-AC1667EBCBE1}">
-                <a14:hiddenEffects xmlns:a14="http://schemas.microsoft.com/office/drawing/2010/main" xmlns="">
+                <a14:hiddenEffects xmlns="" xmlns:a14="http://schemas.microsoft.com/office/drawing/2010/main">
                   <a:effectLst>
                     <a:outerShdw blurRad="63500" dist="38099" dir="2700000" algn="ctr" rotWithShape="0">
                       <a:schemeClr val="bg2">
@@ -13813,7 +13692,7 @@
             <a:effectLst/>
             <a:extLst>
               <a:ext uri="{AF507438-7753-43e0-B8FC-AC1667EBCBE1}">
-                <a14:hiddenEffects xmlns:a14="http://schemas.microsoft.com/office/drawing/2010/main" xmlns="">
+                <a14:hiddenEffects xmlns="" xmlns:a14="http://schemas.microsoft.com/office/drawing/2010/main">
                   <a:effectLst>
                     <a:outerShdw blurRad="63500" dist="38099" dir="2700000" algn="ctr" rotWithShape="0">
                       <a:schemeClr val="bg2">
@@ -13855,7 +13734,7 @@
             <a:effectLst/>
             <a:extLst>
               <a:ext uri="{AF507438-7753-43e0-B8FC-AC1667EBCBE1}">
-                <a14:hiddenEffects xmlns:a14="http://schemas.microsoft.com/office/drawing/2010/main" xmlns="">
+                <a14:hiddenEffects xmlns="" xmlns:a14="http://schemas.microsoft.com/office/drawing/2010/main">
                   <a:effectLst>
                     <a:outerShdw blurRad="63500" dist="38099" dir="2700000" algn="ctr" rotWithShape="0">
                       <a:schemeClr val="bg2">
@@ -13897,7 +13776,7 @@
             <a:effectLst/>
             <a:extLst>
               <a:ext uri="{AF507438-7753-43e0-B8FC-AC1667EBCBE1}">
-                <a14:hiddenEffects xmlns:a14="http://schemas.microsoft.com/office/drawing/2010/main" xmlns="">
+                <a14:hiddenEffects xmlns="" xmlns:a14="http://schemas.microsoft.com/office/drawing/2010/main">
                   <a:effectLst>
                     <a:outerShdw blurRad="63500" dist="38099" dir="2700000" algn="ctr" rotWithShape="0">
                       <a:schemeClr val="bg2">
@@ -13939,7 +13818,7 @@
             <a:effectLst/>
             <a:extLst>
               <a:ext uri="{AF507438-7753-43e0-B8FC-AC1667EBCBE1}">
-                <a14:hiddenEffects xmlns:a14="http://schemas.microsoft.com/office/drawing/2010/main" xmlns="">
+                <a14:hiddenEffects xmlns="" xmlns:a14="http://schemas.microsoft.com/office/drawing/2010/main">
                   <a:effectLst>
                     <a:outerShdw blurRad="63500" dist="38099" dir="2700000" algn="ctr" rotWithShape="0">
                       <a:schemeClr val="bg2">
@@ -13981,7 +13860,7 @@
             <a:effectLst/>
             <a:extLst>
               <a:ext uri="{AF507438-7753-43e0-B8FC-AC1667EBCBE1}">
-                <a14:hiddenEffects xmlns:a14="http://schemas.microsoft.com/office/drawing/2010/main" xmlns="">
+                <a14:hiddenEffects xmlns="" xmlns:a14="http://schemas.microsoft.com/office/drawing/2010/main">
                   <a:effectLst>
                     <a:outerShdw blurRad="63500" dist="38099" dir="2700000" algn="ctr" rotWithShape="0">
                       <a:schemeClr val="bg2">
@@ -14023,7 +13902,7 @@
             <a:effectLst/>
             <a:extLst>
               <a:ext uri="{AF507438-7753-43e0-B8FC-AC1667EBCBE1}">
-                <a14:hiddenEffects xmlns:a14="http://schemas.microsoft.com/office/drawing/2010/main" xmlns="">
+                <a14:hiddenEffects xmlns="" xmlns:a14="http://schemas.microsoft.com/office/drawing/2010/main">
                   <a:effectLst>
                     <a:outerShdw blurRad="63500" dist="38099" dir="2700000" algn="ctr" rotWithShape="0">
                       <a:schemeClr val="bg2">
@@ -14065,7 +13944,7 @@
             <a:effectLst/>
             <a:extLst>
               <a:ext uri="{AF507438-7753-43e0-B8FC-AC1667EBCBE1}">
-                <a14:hiddenEffects xmlns:a14="http://schemas.microsoft.com/office/drawing/2010/main" xmlns="">
+                <a14:hiddenEffects xmlns="" xmlns:a14="http://schemas.microsoft.com/office/drawing/2010/main">
                   <a:effectLst>
                     <a:outerShdw blurRad="63500" dist="38099" dir="2700000" algn="ctr" rotWithShape="0">
                       <a:schemeClr val="bg2">
@@ -14257,7 +14136,7 @@
             <a:effectLst/>
             <a:extLst>
               <a:ext uri="{AF507438-7753-43e0-B8FC-AC1667EBCBE1}">
-                <a14:hiddenEffects xmlns:a14="http://schemas.microsoft.com/office/drawing/2010/main" xmlns="">
+                <a14:hiddenEffects xmlns="" xmlns:a14="http://schemas.microsoft.com/office/drawing/2010/main">
                   <a:effectLst>
                     <a:outerShdw blurRad="63500" dist="38099" dir="2700000" algn="ctr" rotWithShape="0">
                       <a:schemeClr val="bg2">
@@ -14299,7 +14178,7 @@
             <a:effectLst/>
             <a:extLst>
               <a:ext uri="{AF507438-7753-43e0-B8FC-AC1667EBCBE1}">
-                <a14:hiddenEffects xmlns:a14="http://schemas.microsoft.com/office/drawing/2010/main" xmlns="">
+                <a14:hiddenEffects xmlns="" xmlns:a14="http://schemas.microsoft.com/office/drawing/2010/main">
                   <a:effectLst>
                     <a:outerShdw blurRad="63500" dist="38099" dir="2700000" algn="ctr" rotWithShape="0">
                       <a:schemeClr val="bg2">
@@ -14341,7 +14220,7 @@
             <a:effectLst/>
             <a:extLst>
               <a:ext uri="{AF507438-7753-43e0-B8FC-AC1667EBCBE1}">
-                <a14:hiddenEffects xmlns:a14="http://schemas.microsoft.com/office/drawing/2010/main" xmlns="">
+                <a14:hiddenEffects xmlns="" xmlns:a14="http://schemas.microsoft.com/office/drawing/2010/main">
                   <a:effectLst>
                     <a:outerShdw blurRad="63500" dist="38099" dir="2700000" algn="ctr" rotWithShape="0">
                       <a:schemeClr val="bg2">
@@ -14383,7 +14262,7 @@
             <a:effectLst/>
             <a:extLst>
               <a:ext uri="{AF507438-7753-43e0-B8FC-AC1667EBCBE1}">
-                <a14:hiddenEffects xmlns:a14="http://schemas.microsoft.com/office/drawing/2010/main" xmlns="">
+                <a14:hiddenEffects xmlns="" xmlns:a14="http://schemas.microsoft.com/office/drawing/2010/main">
                   <a:effectLst>
                     <a:outerShdw blurRad="63500" dist="38099" dir="2700000" algn="ctr" rotWithShape="0">
                       <a:schemeClr val="bg2">
@@ -14425,7 +14304,7 @@
             <a:effectLst/>
             <a:extLst>
               <a:ext uri="{AF507438-7753-43e0-B8FC-AC1667EBCBE1}">
-                <a14:hiddenEffects xmlns:a14="http://schemas.microsoft.com/office/drawing/2010/main" xmlns="">
+                <a14:hiddenEffects xmlns="" xmlns:a14="http://schemas.microsoft.com/office/drawing/2010/main">
                   <a:effectLst>
                     <a:outerShdw blurRad="63500" dist="38099" dir="2700000" algn="ctr" rotWithShape="0">
                       <a:schemeClr val="bg2">
@@ -14467,7 +14346,7 @@
             <a:effectLst/>
             <a:extLst>
               <a:ext uri="{AF507438-7753-43e0-B8FC-AC1667EBCBE1}">
-                <a14:hiddenEffects xmlns:a14="http://schemas.microsoft.com/office/drawing/2010/main" xmlns="">
+                <a14:hiddenEffects xmlns="" xmlns:a14="http://schemas.microsoft.com/office/drawing/2010/main">
                   <a:effectLst>
                     <a:outerShdw blurRad="63500" dist="38099" dir="2700000" algn="ctr" rotWithShape="0">
                       <a:schemeClr val="bg2">
@@ -14509,7 +14388,7 @@
             <a:effectLst/>
             <a:extLst>
               <a:ext uri="{AF507438-7753-43e0-B8FC-AC1667EBCBE1}">
-                <a14:hiddenEffects xmlns:a14="http://schemas.microsoft.com/office/drawing/2010/main" xmlns="">
+                <a14:hiddenEffects xmlns="" xmlns:a14="http://schemas.microsoft.com/office/drawing/2010/main">
                   <a:effectLst>
                     <a:outerShdw blurRad="63500" dist="38099" dir="2700000" algn="ctr" rotWithShape="0">
                       <a:schemeClr val="bg2">
@@ -14551,7 +14430,7 @@
             <a:effectLst/>
             <a:extLst>
               <a:ext uri="{AF507438-7753-43e0-B8FC-AC1667EBCBE1}">
-                <a14:hiddenEffects xmlns:a14="http://schemas.microsoft.com/office/drawing/2010/main" xmlns="">
+                <a14:hiddenEffects xmlns="" xmlns:a14="http://schemas.microsoft.com/office/drawing/2010/main">
                   <a:effectLst>
                     <a:outerShdw blurRad="63500" dist="38099" dir="2700000" algn="ctr" rotWithShape="0">
                       <a:schemeClr val="bg2">
@@ -14588,10 +14467,9 @@
           <a:lstStyle/>
           <a:p>
             <a:r>
-              <a:rPr lang="en-US" dirty="0" smtClean="0"/>
+              <a:rPr lang="en-US" dirty="0"/>
               <a:t>Frontend</a:t>
             </a:r>
-            <a:endParaRPr lang="en-US" dirty="0"/>
           </a:p>
         </p:txBody>
       </p:sp>
@@ -14668,7 +14546,7 @@
           <a:effectLst/>
           <a:extLst>
             <a:ext uri="{AF507438-7753-43e0-B8FC-AC1667EBCBE1}">
-              <a14:hiddenEffects xmlns:a14="http://schemas.microsoft.com/office/drawing/2010/main" xmlns="">
+              <a14:hiddenEffects xmlns="" xmlns:a14="http://schemas.microsoft.com/office/drawing/2010/main">
                 <a:effectLst>
                   <a:outerShdw blurRad="63500" dist="38099" dir="2700000" algn="ctr" rotWithShape="0">
                     <a:schemeClr val="bg2">
@@ -14691,13 +14569,6 @@
   <p:clrMapOvr>
     <a:masterClrMapping/>
   </p:clrMapOvr>
-  <p:timing>
-    <p:tnLst>
-      <p:par>
-        <p:cTn id="1" dur="indefinite" restart="never" nodeType="tmRoot"/>
-      </p:par>
-    </p:tnLst>
-  </p:timing>
 </p:sld>
 </file>
 
@@ -14734,10 +14605,9 @@
           <a:lstStyle/>
           <a:p>
             <a:r>
-              <a:rPr lang="en-US" dirty="0" smtClean="0"/>
+              <a:rPr lang="en-US" dirty="0"/>
               <a:t>Optimizing Compiler</a:t>
             </a:r>
-            <a:endParaRPr lang="en-US" dirty="0"/>
           </a:p>
         </p:txBody>
       </p:sp>
@@ -14793,10 +14663,9 @@
           <a:lstStyle/>
           <a:p>
             <a:r>
-              <a:rPr lang="en-US" smtClean="0"/>
+              <a:rPr lang="en-US"/>
               <a:t>Top-level Driver Function</a:t>
             </a:r>
-            <a:endParaRPr lang="en-US"/>
           </a:p>
         </p:txBody>
       </p:sp>
@@ -14824,13 +14693,8 @@
           <a:p>
             <a:r>
               <a:rPr lang="en-US" dirty="0"/>
-              <a:t>c</a:t>
-            </a:r>
-            <a:r>
-              <a:rPr lang="en-US" dirty="0" smtClean="0"/>
-              <a:t>uppa1_cc.py</a:t>
-            </a:r>
-            <a:endParaRPr lang="en-US" dirty="0"/>
+              <a:t>cuppa1_cc.py</a:t>
+            </a:r>
           </a:p>
         </p:txBody>
       </p:sp>
@@ -14905,13 +14769,8 @@
           <a:p>
             <a:r>
               <a:rPr lang="en-US" dirty="0"/>
-              <a:t>So far our applications only have looked at the AST as </a:t>
-            </a:r>
-            <a:r>
-              <a:rPr lang="en-US" dirty="0" smtClean="0"/>
-              <a:t>an immutable data structure</a:t>
-            </a:r>
-            <a:endParaRPr lang="en-US" dirty="0"/>
+              <a:t>So far our applications only have looked at the AST as an immutable data structure</a:t>
+            </a:r>
           </a:p>
           <a:p>
             <a:pPr lvl="1"/>
@@ -14927,29 +14786,20 @@
           <a:p>
             <a:pPr lvl="1"/>
             <a:r>
-              <a:rPr lang="en-US" dirty="0" smtClean="0"/>
+              <a:rPr lang="en-US" dirty="0"/>
               <a:t>The Cuppa1 interpreter used it as an abstract representation of the original program</a:t>
             </a:r>
           </a:p>
           <a:p>
             <a:pPr lvl="1"/>
             <a:r>
-              <a:rPr lang="en-US" dirty="0" err="1" smtClean="0"/>
+              <a:rPr lang="en-US" dirty="0" err="1"/>
               <a:t>PrettyPrinter</a:t>
             </a:r>
             <a:r>
-              <a:rPr lang="en-US" dirty="0" smtClean="0"/>
-              <a:t> </a:t>
-            </a:r>
-            <a:r>
               <a:rPr lang="en-US" dirty="0"/>
-              <a:t>used it to regenerate </a:t>
-            </a:r>
-            <a:r>
-              <a:rPr lang="en-US" dirty="0" smtClean="0"/>
-              <a:t>programs</a:t>
-            </a:r>
-            <a:endParaRPr lang="en-US" dirty="0"/>
+              <a:t> used it to regenerate programs</a:t>
+            </a:r>
           </a:p>
           <a:p>
             <a:r>
@@ -14976,13 +14826,6 @@
   <p:clrMapOvr>
     <a:masterClrMapping/>
   </p:clrMapOvr>
-  <p:timing>
-    <p:tnLst>
-      <p:par>
-        <p:cTn id="1" dur="indefinite" restart="never" nodeType="tmRoot"/>
-      </p:par>
-    </p:tnLst>
-  </p:timing>
 </p:sld>
 </file>
 
@@ -15018,18 +14861,13 @@
           <a:bodyPr/>
           <a:lstStyle/>
           <a:p>
-            <a:r>
-              <a:rPr lang="en-US" dirty="0" smtClean="0"/>
-              <a:t/>
-            </a:r>
             <a:br>
-              <a:rPr lang="en-US" dirty="0" smtClean="0"/>
+              <a:rPr lang="en-US" dirty="0"/>
             </a:br>
             <a:r>
-              <a:rPr lang="en-US" dirty="0" smtClean="0"/>
+              <a:rPr lang="en-US" dirty="0"/>
               <a:t>Constant Folding</a:t>
             </a:r>
-            <a:endParaRPr lang="en-US" dirty="0"/>
           </a:p>
         </p:txBody>
       </p:sp>
@@ -15224,14 +15062,14 @@
             </a:ln>
             <a:extLst>
               <a:ext uri="{909E8E84-426E-40dd-AFC4-6F175D3DCCD1}">
-                <a14:hiddenFill xmlns:a14="http://schemas.microsoft.com/office/drawing/2010/main" xmlns="">
+                <a14:hiddenFill xmlns="" xmlns:a14="http://schemas.microsoft.com/office/drawing/2010/main">
                   <a:solidFill>
                     <a:schemeClr val="accent1"/>
                   </a:solidFill>
                 </a14:hiddenFill>
               </a:ext>
               <a:ext uri="{91240B29-F687-4f45-9708-019B960494DF}">
-                <a14:hiddenLine xmlns:a14="http://schemas.microsoft.com/office/drawing/2010/main" xmlns="" w="9525">
+                <a14:hiddenLine xmlns="" xmlns:a14="http://schemas.microsoft.com/office/drawing/2010/main" w="9525">
                   <a:solidFill>
                     <a:schemeClr val="tx1"/>
                   </a:solidFill>
@@ -15277,14 +15115,14 @@
             </a:ln>
             <a:extLst>
               <a:ext uri="{909E8E84-426E-40dd-AFC4-6F175D3DCCD1}">
-                <a14:hiddenFill xmlns:a14="http://schemas.microsoft.com/office/drawing/2010/main" xmlns="">
+                <a14:hiddenFill xmlns="" xmlns:a14="http://schemas.microsoft.com/office/drawing/2010/main">
                   <a:solidFill>
                     <a:schemeClr val="accent1"/>
                   </a:solidFill>
                 </a14:hiddenFill>
               </a:ext>
               <a:ext uri="{91240B29-F687-4f45-9708-019B960494DF}">
-                <a14:hiddenLine xmlns:a14="http://schemas.microsoft.com/office/drawing/2010/main" xmlns="" w="9525">
+                <a14:hiddenLine xmlns="" xmlns:a14="http://schemas.microsoft.com/office/drawing/2010/main" w="9525">
                   <a:solidFill>
                     <a:schemeClr val="tx1"/>
                   </a:solidFill>
@@ -15330,14 +15168,14 @@
             </a:ln>
             <a:extLst>
               <a:ext uri="{909E8E84-426E-40dd-AFC4-6F175D3DCCD1}">
-                <a14:hiddenFill xmlns:a14="http://schemas.microsoft.com/office/drawing/2010/main" xmlns="">
+                <a14:hiddenFill xmlns="" xmlns:a14="http://schemas.microsoft.com/office/drawing/2010/main">
                   <a:solidFill>
                     <a:schemeClr val="accent1"/>
                   </a:solidFill>
                 </a14:hiddenFill>
               </a:ext>
               <a:ext uri="{91240B29-F687-4f45-9708-019B960494DF}">
-                <a14:hiddenLine xmlns:a14="http://schemas.microsoft.com/office/drawing/2010/main" xmlns="" w="9525">
+                <a14:hiddenLine xmlns="" xmlns:a14="http://schemas.microsoft.com/office/drawing/2010/main" w="9525">
                   <a:solidFill>
                     <a:schemeClr val="tx1"/>
                   </a:solidFill>
@@ -15383,14 +15221,14 @@
             </a:ln>
             <a:extLst>
               <a:ext uri="{909E8E84-426E-40dd-AFC4-6F175D3DCCD1}">
-                <a14:hiddenFill xmlns:a14="http://schemas.microsoft.com/office/drawing/2010/main" xmlns="">
+                <a14:hiddenFill xmlns="" xmlns:a14="http://schemas.microsoft.com/office/drawing/2010/main">
                   <a:solidFill>
                     <a:schemeClr val="accent1"/>
                   </a:solidFill>
                 </a14:hiddenFill>
               </a:ext>
               <a:ext uri="{91240B29-F687-4f45-9708-019B960494DF}">
-                <a14:hiddenLine xmlns:a14="http://schemas.microsoft.com/office/drawing/2010/main" xmlns="" w="9525">
+                <a14:hiddenLine xmlns="" xmlns:a14="http://schemas.microsoft.com/office/drawing/2010/main" w="9525">
                   <a:solidFill>
                     <a:schemeClr val="tx1"/>
                   </a:solidFill>
@@ -15436,14 +15274,14 @@
             </a:ln>
             <a:extLst>
               <a:ext uri="{909E8E84-426E-40dd-AFC4-6F175D3DCCD1}">
-                <a14:hiddenFill xmlns:a14="http://schemas.microsoft.com/office/drawing/2010/main" xmlns="">
+                <a14:hiddenFill xmlns="" xmlns:a14="http://schemas.microsoft.com/office/drawing/2010/main">
                   <a:solidFill>
                     <a:schemeClr val="accent1"/>
                   </a:solidFill>
                 </a14:hiddenFill>
               </a:ext>
               <a:ext uri="{91240B29-F687-4f45-9708-019B960494DF}">
-                <a14:hiddenLine xmlns:a14="http://schemas.microsoft.com/office/drawing/2010/main" xmlns="" w="9525">
+                <a14:hiddenLine xmlns="" xmlns:a14="http://schemas.microsoft.com/office/drawing/2010/main" w="9525">
                   <a:solidFill>
                     <a:schemeClr val="tx1"/>
                   </a:solidFill>
@@ -15489,14 +15327,14 @@
             </a:ln>
             <a:extLst>
               <a:ext uri="{909E8E84-426E-40dd-AFC4-6F175D3DCCD1}">
-                <a14:hiddenFill xmlns:a14="http://schemas.microsoft.com/office/drawing/2010/main" xmlns="">
+                <a14:hiddenFill xmlns="" xmlns:a14="http://schemas.microsoft.com/office/drawing/2010/main">
                   <a:solidFill>
                     <a:schemeClr val="accent1"/>
                   </a:solidFill>
                 </a14:hiddenFill>
               </a:ext>
               <a:ext uri="{91240B29-F687-4f45-9708-019B960494DF}">
-                <a14:hiddenLine xmlns:a14="http://schemas.microsoft.com/office/drawing/2010/main" xmlns="" w="9525">
+                <a14:hiddenLine xmlns="" xmlns:a14="http://schemas.microsoft.com/office/drawing/2010/main" w="9525">
                   <a:solidFill>
                     <a:schemeClr val="tx1"/>
                   </a:solidFill>
@@ -15542,14 +15380,14 @@
             </a:ln>
             <a:extLst>
               <a:ext uri="{909E8E84-426E-40dd-AFC4-6F175D3DCCD1}">
-                <a14:hiddenFill xmlns:a14="http://schemas.microsoft.com/office/drawing/2010/main" xmlns="">
+                <a14:hiddenFill xmlns="" xmlns:a14="http://schemas.microsoft.com/office/drawing/2010/main">
                   <a:solidFill>
                     <a:schemeClr val="accent1"/>
                   </a:solidFill>
                 </a14:hiddenFill>
               </a:ext>
               <a:ext uri="{91240B29-F687-4f45-9708-019B960494DF}">
-                <a14:hiddenLine xmlns:a14="http://schemas.microsoft.com/office/drawing/2010/main" xmlns="" w="9525">
+                <a14:hiddenLine xmlns="" xmlns:a14="http://schemas.microsoft.com/office/drawing/2010/main" w="9525">
                   <a:solidFill>
                     <a:schemeClr val="tx1"/>
                   </a:solidFill>
@@ -15595,14 +15433,14 @@
             </a:ln>
             <a:extLst>
               <a:ext uri="{909E8E84-426E-40dd-AFC4-6F175D3DCCD1}">
-                <a14:hiddenFill xmlns:a14="http://schemas.microsoft.com/office/drawing/2010/main" xmlns="">
+                <a14:hiddenFill xmlns="" xmlns:a14="http://schemas.microsoft.com/office/drawing/2010/main">
                   <a:solidFill>
                     <a:schemeClr val="accent1"/>
                   </a:solidFill>
                 </a14:hiddenFill>
               </a:ext>
               <a:ext uri="{91240B29-F687-4f45-9708-019B960494DF}">
-                <a14:hiddenLine xmlns:a14="http://schemas.microsoft.com/office/drawing/2010/main" xmlns="" w="9525">
+                <a14:hiddenLine xmlns="" xmlns:a14="http://schemas.microsoft.com/office/drawing/2010/main" w="9525">
                   <a:solidFill>
                     <a:schemeClr val="tx1"/>
                   </a:solidFill>
@@ -15655,7 +15493,7 @@
             </a:ln>
             <a:extLst>
               <a:ext uri="{909E8E84-426E-40dd-AFC4-6F175D3DCCD1}">
-                <a14:hiddenFill xmlns:a14="http://schemas.microsoft.com/office/drawing/2010/main" xmlns="">
+                <a14:hiddenFill xmlns="" xmlns:a14="http://schemas.microsoft.com/office/drawing/2010/main">
                   <a:noFill/>
                 </a14:hiddenFill>
               </a:ext>
@@ -15691,7 +15529,7 @@
             </a:ln>
             <a:extLst>
               <a:ext uri="{909E8E84-426E-40dd-AFC4-6F175D3DCCD1}">
-                <a14:hiddenFill xmlns:a14="http://schemas.microsoft.com/office/drawing/2010/main" xmlns="">
+                <a14:hiddenFill xmlns="" xmlns:a14="http://schemas.microsoft.com/office/drawing/2010/main">
                   <a:noFill/>
                 </a14:hiddenFill>
               </a:ext>
@@ -15727,7 +15565,7 @@
             </a:ln>
             <a:extLst>
               <a:ext uri="{909E8E84-426E-40dd-AFC4-6F175D3DCCD1}">
-                <a14:hiddenFill xmlns:a14="http://schemas.microsoft.com/office/drawing/2010/main" xmlns="">
+                <a14:hiddenFill xmlns="" xmlns:a14="http://schemas.microsoft.com/office/drawing/2010/main">
                   <a:noFill/>
                 </a14:hiddenFill>
               </a:ext>
@@ -15763,7 +15601,7 @@
             </a:ln>
             <a:extLst>
               <a:ext uri="{909E8E84-426E-40dd-AFC4-6F175D3DCCD1}">
-                <a14:hiddenFill xmlns:a14="http://schemas.microsoft.com/office/drawing/2010/main" xmlns="">
+                <a14:hiddenFill xmlns="" xmlns:a14="http://schemas.microsoft.com/office/drawing/2010/main">
                   <a:noFill/>
                 </a14:hiddenFill>
               </a:ext>
@@ -15799,7 +15637,7 @@
             </a:ln>
             <a:extLst>
               <a:ext uri="{909E8E84-426E-40dd-AFC4-6F175D3DCCD1}">
-                <a14:hiddenFill xmlns:a14="http://schemas.microsoft.com/office/drawing/2010/main" xmlns="">
+                <a14:hiddenFill xmlns="" xmlns:a14="http://schemas.microsoft.com/office/drawing/2010/main">
                   <a:noFill/>
                 </a14:hiddenFill>
               </a:ext>
@@ -15835,7 +15673,7 @@
             </a:ln>
             <a:extLst>
               <a:ext uri="{909E8E84-426E-40dd-AFC4-6F175D3DCCD1}">
-                <a14:hiddenFill xmlns:a14="http://schemas.microsoft.com/office/drawing/2010/main" xmlns="">
+                <a14:hiddenFill xmlns="" xmlns:a14="http://schemas.microsoft.com/office/drawing/2010/main">
                   <a:noFill/>
                 </a14:hiddenFill>
               </a:ext>
@@ -15871,7 +15709,7 @@
             </a:ln>
             <a:extLst>
               <a:ext uri="{909E8E84-426E-40dd-AFC4-6F175D3DCCD1}">
-                <a14:hiddenFill xmlns:a14="http://schemas.microsoft.com/office/drawing/2010/main" xmlns="">
+                <a14:hiddenFill xmlns="" xmlns:a14="http://schemas.microsoft.com/office/drawing/2010/main">
                   <a:solidFill>
                     <a:schemeClr val="accent1"/>
                   </a:solidFill>
@@ -15916,7 +15754,7 @@
             </a:ln>
             <a:extLst>
               <a:ext uri="{909E8E84-426E-40dd-AFC4-6F175D3DCCD1}">
-                <a14:hiddenFill xmlns:a14="http://schemas.microsoft.com/office/drawing/2010/main" xmlns="">
+                <a14:hiddenFill xmlns="" xmlns:a14="http://schemas.microsoft.com/office/drawing/2010/main">
                   <a:solidFill>
                     <a:schemeClr val="accent1"/>
                   </a:solidFill>
@@ -15964,7 +15802,7 @@
             </a:ln>
             <a:extLst>
               <a:ext uri="{909E8E84-426E-40dd-AFC4-6F175D3DCCD1}">
-                <a14:hiddenFill xmlns:a14="http://schemas.microsoft.com/office/drawing/2010/main" xmlns="">
+                <a14:hiddenFill xmlns="" xmlns:a14="http://schemas.microsoft.com/office/drawing/2010/main">
                   <a:noFill/>
                 </a14:hiddenFill>
               </a:ext>
@@ -16010,14 +15848,14 @@
             </a:ln>
             <a:extLst>
               <a:ext uri="{909E8E84-426E-40dd-AFC4-6F175D3DCCD1}">
-                <a14:hiddenFill xmlns:a14="http://schemas.microsoft.com/office/drawing/2010/main" xmlns="">
+                <a14:hiddenFill xmlns="" xmlns:a14="http://schemas.microsoft.com/office/drawing/2010/main">
                   <a:solidFill>
                     <a:schemeClr val="accent1"/>
                   </a:solidFill>
                 </a14:hiddenFill>
               </a:ext>
               <a:ext uri="{91240B29-F687-4f45-9708-019B960494DF}">
-                <a14:hiddenLine xmlns:a14="http://schemas.microsoft.com/office/drawing/2010/main" xmlns="" w="9525">
+                <a14:hiddenLine xmlns="" xmlns:a14="http://schemas.microsoft.com/office/drawing/2010/main" w="9525">
                   <a:solidFill>
                     <a:schemeClr val="tx1"/>
                   </a:solidFill>
@@ -16063,14 +15901,14 @@
             </a:ln>
             <a:extLst>
               <a:ext uri="{909E8E84-426E-40dd-AFC4-6F175D3DCCD1}">
-                <a14:hiddenFill xmlns:a14="http://schemas.microsoft.com/office/drawing/2010/main" xmlns="">
+                <a14:hiddenFill xmlns="" xmlns:a14="http://schemas.microsoft.com/office/drawing/2010/main">
                   <a:solidFill>
                     <a:schemeClr val="accent1"/>
                   </a:solidFill>
                 </a14:hiddenFill>
               </a:ext>
               <a:ext uri="{91240B29-F687-4f45-9708-019B960494DF}">
-                <a14:hiddenLine xmlns:a14="http://schemas.microsoft.com/office/drawing/2010/main" xmlns="" w="9525">
+                <a14:hiddenLine xmlns="" xmlns:a14="http://schemas.microsoft.com/office/drawing/2010/main" w="9525">
                   <a:solidFill>
                     <a:schemeClr val="tx1"/>
                   </a:solidFill>
@@ -16387,10 +16225,9 @@
           <a:lstStyle/>
           <a:p>
             <a:r>
-              <a:rPr lang="en-US" dirty="0" smtClean="0"/>
+              <a:rPr lang="en-US" dirty="0"/>
               <a:t>Constant Folding</a:t>
             </a:r>
-            <a:endParaRPr lang="en-US" dirty="0"/>
           </a:p>
         </p:txBody>
       </p:sp>
@@ -16413,57 +16250,31 @@
           <a:p>
             <a:r>
               <a:rPr lang="en-US" dirty="0"/>
-              <a:t>One way to view constant folding is as a AST </a:t>
-            </a:r>
-            <a:r>
-              <a:rPr lang="en-US" dirty="0" smtClean="0"/>
-              <a:t>rewriting. </a:t>
-            </a:r>
-          </a:p>
-          <a:p>
-            <a:r>
-              <a:rPr lang="en-US" dirty="0" smtClean="0"/>
-              <a:t>Here </a:t>
-            </a:r>
+              <a:t>One way to view constant folding is as a AST rewriting. </a:t>
+            </a:r>
+          </a:p>
+          <a:p>
             <a:r>
               <a:rPr lang="en-US" dirty="0"/>
-              <a:t>the AST for the expression 10 + 5 is replaced by an AST node for the constant 15</a:t>
-            </a:r>
-            <a:r>
-              <a:rPr lang="en-US" dirty="0" smtClean="0"/>
-              <a:t>.</a:t>
-            </a:r>
-          </a:p>
-          <a:p>
-            <a:r>
-              <a:rPr lang="en-US" dirty="0" smtClean="0"/>
-              <a:t> </a:t>
-            </a:r>
+              <a:t>Here the AST for the expression 10 + 5 is replaced by an AST node for the constant 15.</a:t>
+            </a:r>
+          </a:p>
+          <a:p>
             <a:r>
               <a:rPr lang="en-US" dirty="0"/>
-              <a:t>In order to accomplish this we need to walk the AST for a Cuppa1 program and look for patterns that allow us to rewrite the tree. </a:t>
-            </a:r>
-            <a:endParaRPr lang="en-US" dirty="0" smtClean="0"/>
-          </a:p>
-          <a:p>
-            <a:r>
-              <a:rPr lang="en-US" dirty="0" smtClean="0"/>
-              <a:t>This </a:t>
-            </a:r>
+              <a:t> In order to accomplish this we need to walk the AST for a Cuppa1 program and look for patterns that allow us to rewrite the tree. </a:t>
+            </a:r>
+          </a:p>
+          <a:p>
             <a:r>
               <a:rPr lang="en-US" dirty="0"/>
-              <a:t>is very similar to code generation tree walker where we walked the tree and looked for AST patterns that we could translate into Exp1bytecode. </a:t>
-            </a:r>
-            <a:endParaRPr lang="en-US" dirty="0" smtClean="0"/>
-          </a:p>
-          <a:p>
-            <a:r>
-              <a:rPr lang="en-US" dirty="0" smtClean="0"/>
-              <a:t>The </a:t>
-            </a:r>
+              <a:t>This is very similar to code generation tree walker where we walked the tree and looked for AST patterns that we could translate into Exp1bytecode. </a:t>
+            </a:r>
+          </a:p>
+          <a:p>
             <a:r>
               <a:rPr lang="en-US" dirty="0"/>
-              <a:t>big difference being that in the constant folder we will be </a:t>
+              <a:t>The big difference being that in the constant folder we will be </a:t>
             </a:r>
             <a:r>
               <a:rPr lang="en-US" i="1" dirty="0"/>
@@ -16522,10 +16333,9 @@
           <a:lstStyle/>
           <a:p>
             <a:r>
-              <a:rPr lang="en-US" dirty="0" smtClean="0"/>
+              <a:rPr lang="en-US" dirty="0"/>
               <a:t>Constant Folding</a:t>
             </a:r>
-            <a:endParaRPr lang="en-US" dirty="0"/>
           </a:p>
         </p:txBody>
       </p:sp>
@@ -16581,10 +16391,9 @@
           <a:lstStyle/>
           <a:p>
             <a:r>
-              <a:rPr lang="en-US" dirty="0" smtClean="0"/>
+              <a:rPr lang="en-US" dirty="0"/>
               <a:t>Consider:</a:t>
             </a:r>
-            <a:endParaRPr lang="en-US" dirty="0"/>
           </a:p>
         </p:txBody>
       </p:sp>
@@ -16692,10 +16501,9 @@
           <a:lstStyle/>
           <a:p>
             <a:r>
-              <a:rPr lang="en-US" dirty="0" smtClean="0"/>
+              <a:rPr lang="en-US" dirty="0"/>
               <a:t>Constant Folding</a:t>
             </a:r>
-            <a:endParaRPr lang="en-US" dirty="0"/>
           </a:p>
         </p:txBody>
       </p:sp>
@@ -16722,10 +16530,9 @@
           <a:lstStyle/>
           <a:p>
             <a:r>
-              <a:rPr lang="en-US" dirty="0" smtClean="0"/>
+              <a:rPr lang="en-US" dirty="0"/>
               <a:t>Consider:</a:t>
             </a:r>
-            <a:endParaRPr lang="en-US" dirty="0"/>
           </a:p>
         </p:txBody>
       </p:sp>
@@ -16844,7 +16651,7 @@
           <a:effectLst/>
           <a:extLst>
             <a:ext uri="{AF507438-7753-43e0-B8FC-AC1667EBCBE1}">
-              <a14:hiddenEffects xmlns:a14="http://schemas.microsoft.com/office/drawing/2010/main" xmlns="">
+              <a14:hiddenEffects xmlns="" xmlns:a14="http://schemas.microsoft.com/office/drawing/2010/main">
                 <a:effectLst>
                   <a:outerShdw blurRad="63500" dist="38099" dir="2700000" algn="ctr" rotWithShape="0">
                     <a:schemeClr val="bg2">
@@ -16953,7 +16760,7 @@
           <a:effectLst/>
           <a:extLst>
             <a:ext uri="{AF507438-7753-43e0-B8FC-AC1667EBCBE1}">
-              <a14:hiddenEffects xmlns:a14="http://schemas.microsoft.com/office/drawing/2010/main" xmlns="">
+              <a14:hiddenEffects xmlns="" xmlns:a14="http://schemas.microsoft.com/office/drawing/2010/main">
                 <a:effectLst>
                   <a:outerShdw blurRad="63500" dist="38099" dir="2700000" algn="ctr" rotWithShape="0">
                     <a:schemeClr val="bg2">
@@ -17050,10 +16857,9 @@
           <a:lstStyle/>
           <a:p>
             <a:r>
-              <a:rPr lang="en-US" dirty="0" smtClean="0"/>
+              <a:rPr lang="en-US" dirty="0"/>
               <a:t>Constant Folding</a:t>
             </a:r>
-            <a:endParaRPr lang="en-US" dirty="0"/>
           </a:p>
         </p:txBody>
       </p:sp>
@@ -17080,10 +16886,9 @@
           <a:lstStyle/>
           <a:p>
             <a:r>
-              <a:rPr lang="en-US" dirty="0" smtClean="0"/>
+              <a:rPr lang="en-US" dirty="0"/>
               <a:t>Consider:</a:t>
             </a:r>
-            <a:endParaRPr lang="en-US" dirty="0"/>
           </a:p>
         </p:txBody>
       </p:sp>
@@ -17404,7 +17209,7 @@
         <a:effectLst/>
         <a:extLst>
           <a:ext uri="{AF507438-7753-43e0-B8FC-AC1667EBCBE1}">
-            <a14:hiddenEffects xmlns:a14="http://schemas.microsoft.com/office/drawing/2010/main" xmlns="">
+            <a14:hiddenEffects xmlns="" xmlns:a14="http://schemas.microsoft.com/office/drawing/2010/main">
               <a:effectLst>
                 <a:outerShdw blurRad="63500" dist="38099" dir="2700000" algn="ctr" rotWithShape="0">
                   <a:schemeClr val="bg2">
@@ -17481,7 +17286,7 @@
         <a:effectLst/>
         <a:extLst>
           <a:ext uri="{AF507438-7753-43e0-B8FC-AC1667EBCBE1}">
-            <a14:hiddenEffects xmlns:a14="http://schemas.microsoft.com/office/drawing/2010/main" xmlns="">
+            <a14:hiddenEffects xmlns="" xmlns:a14="http://schemas.microsoft.com/office/drawing/2010/main">
               <a:effectLst>
                 <a:outerShdw blurRad="63500" dist="38099" dir="2700000" algn="ctr" rotWithShape="0">
                   <a:schemeClr val="bg2">

--- a/notes/csc402-ln008.pptx
+++ b/notes/csc402-ln008.pptx
@@ -16451,6 +16451,92 @@
             <a:r>
               <a:rPr lang="en-US" dirty="0"/>
               <a:t>cuppa1_cc_fold.py</a:t>
+            </a:r>
+          </a:p>
+        </p:txBody>
+      </p:sp>
+      <p:sp>
+        <p:nvSpPr>
+          <p:cNvPr id="3" name="TextBox 2">
+            <a:extLst>
+              <a:ext uri="{FF2B5EF4-FFF2-40B4-BE49-F238E27FC236}">
+                <a16:creationId xmlns:a16="http://schemas.microsoft.com/office/drawing/2014/main" id="{DAED9BA6-4FD6-414C-95CE-CDED62820D71}"/>
+              </a:ext>
+            </a:extLst>
+          </p:cNvPr>
+          <p:cNvSpPr txBox="1"/>
+          <p:nvPr/>
+        </p:nvSpPr>
+        <p:spPr>
+          <a:xfrm>
+            <a:off x="6032810" y="3066585"/>
+            <a:ext cx="1672509" cy="307777"/>
+          </a:xfrm>
+          <a:prstGeom prst="rect">
+            <a:avLst/>
+          </a:prstGeom>
+          <a:noFill/>
+        </p:spPr>
+        <p:txBody>
+          <a:bodyPr wrap="none" rtlCol="0">
+            <a:spAutoFit/>
+          </a:bodyPr>
+          <a:lstStyle/>
+          <a:p>
+            <a:r>
+              <a:rPr lang="en-US" dirty="0"/>
+              <a:t>(‘integer’, &lt;value&gt;)</a:t>
+            </a:r>
+          </a:p>
+        </p:txBody>
+      </p:sp>
+      <p:sp>
+        <p:nvSpPr>
+          <p:cNvPr id="4" name="TextBox 3">
+            <a:extLst>
+              <a:ext uri="{FF2B5EF4-FFF2-40B4-BE49-F238E27FC236}">
+                <a16:creationId xmlns:a16="http://schemas.microsoft.com/office/drawing/2014/main" id="{F6B141CE-6330-7844-BA4E-E72EBDBA2D03}"/>
+              </a:ext>
+            </a:extLst>
+          </p:cNvPr>
+          <p:cNvSpPr txBox="1"/>
+          <p:nvPr/>
+        </p:nvSpPr>
+        <p:spPr>
+          <a:xfrm>
+            <a:off x="6088566" y="2698595"/>
+            <a:ext cx="1382110" cy="307777"/>
+          </a:xfrm>
+          <a:prstGeom prst="rect">
+            <a:avLst/>
+          </a:prstGeom>
+          <a:noFill/>
+        </p:spPr>
+        <p:txBody>
+          <a:bodyPr wrap="none" rtlCol="0">
+            <a:spAutoFit/>
+          </a:bodyPr>
+          <a:lstStyle/>
+          <a:p>
+            <a:r>
+              <a:rPr lang="en-US" dirty="0"/>
+              <a:t>(‘+’, &lt;</a:t>
+            </a:r>
+            <a:r>
+              <a:rPr lang="en-US" dirty="0" err="1"/>
+              <a:t>lc</a:t>
+            </a:r>
+            <a:r>
+              <a:rPr lang="en-US" dirty="0"/>
+              <a:t>&gt;, &lt;</a:t>
+            </a:r>
+            <a:r>
+              <a:rPr lang="en-US" dirty="0" err="1"/>
+              <a:t>rc</a:t>
+            </a:r>
+            <a:r>
+              <a:rPr lang="en-US" dirty="0"/>
+              <a:t>&gt;)</a:t>
             </a:r>
           </a:p>
         </p:txBody>

--- a/notes/csc402-ln008.pptx
+++ b/notes/csc402-ln008.pptx
@@ -5,32 +5,33 @@
     <p:sldMasterId id="2147483649" r:id="rId1"/>
   </p:sldMasterIdLst>
   <p:notesMasterIdLst>
-    <p:notesMasterId r:id="rId25"/>
+    <p:notesMasterId r:id="rId26"/>
   </p:notesMasterIdLst>
   <p:sldIdLst>
     <p:sldId id="292" r:id="rId2"/>
-    <p:sldId id="293" r:id="rId3"/>
-    <p:sldId id="256" r:id="rId4"/>
-    <p:sldId id="294" r:id="rId5"/>
-    <p:sldId id="257" r:id="rId6"/>
-    <p:sldId id="295" r:id="rId7"/>
-    <p:sldId id="298" r:id="rId8"/>
-    <p:sldId id="296" r:id="rId9"/>
-    <p:sldId id="297" r:id="rId10"/>
-    <p:sldId id="299" r:id="rId11"/>
-    <p:sldId id="258" r:id="rId12"/>
-    <p:sldId id="300" r:id="rId13"/>
-    <p:sldId id="301" r:id="rId14"/>
-    <p:sldId id="302" r:id="rId15"/>
-    <p:sldId id="303" r:id="rId16"/>
-    <p:sldId id="304" r:id="rId17"/>
-    <p:sldId id="305" r:id="rId18"/>
-    <p:sldId id="306" r:id="rId19"/>
-    <p:sldId id="307" r:id="rId20"/>
-    <p:sldId id="308" r:id="rId21"/>
-    <p:sldId id="309" r:id="rId22"/>
-    <p:sldId id="310" r:id="rId23"/>
-    <p:sldId id="311" r:id="rId24"/>
+    <p:sldId id="312" r:id="rId3"/>
+    <p:sldId id="293" r:id="rId4"/>
+    <p:sldId id="256" r:id="rId5"/>
+    <p:sldId id="294" r:id="rId6"/>
+    <p:sldId id="257" r:id="rId7"/>
+    <p:sldId id="295" r:id="rId8"/>
+    <p:sldId id="298" r:id="rId9"/>
+    <p:sldId id="296" r:id="rId10"/>
+    <p:sldId id="297" r:id="rId11"/>
+    <p:sldId id="299" r:id="rId12"/>
+    <p:sldId id="258" r:id="rId13"/>
+    <p:sldId id="300" r:id="rId14"/>
+    <p:sldId id="301" r:id="rId15"/>
+    <p:sldId id="302" r:id="rId16"/>
+    <p:sldId id="303" r:id="rId17"/>
+    <p:sldId id="304" r:id="rId18"/>
+    <p:sldId id="305" r:id="rId19"/>
+    <p:sldId id="306" r:id="rId20"/>
+    <p:sldId id="307" r:id="rId21"/>
+    <p:sldId id="308" r:id="rId22"/>
+    <p:sldId id="309" r:id="rId23"/>
+    <p:sldId id="310" r:id="rId24"/>
+    <p:sldId id="311" r:id="rId25"/>
   </p:sldIdLst>
   <p:sldSz cx="9144000" cy="6858000" type="screen4x3"/>
   <p:notesSz cx="6858000" cy="9144000"/>
@@ -227,17 +228,17 @@
           </a:ln>
           <a:extLst>
             <a:ext uri="{FAA26D3D-D897-4be2-8F04-BA451C77F1D7}">
-              <ma14:placeholderFlag xmlns="" xmlns:ma14="http://schemas.microsoft.com/office/mac/drawingml/2011/main" val="1"/>
+              <ma14:placeholderFlag xmlns:ma14="http://schemas.microsoft.com/office/mac/drawingml/2011/main" xmlns="" val="1"/>
             </a:ext>
             <a:ext uri="{909E8E84-426E-40dd-AFC4-6F175D3DCCD1}">
-              <a14:hiddenFill xmlns:a14="http://schemas.microsoft.com/office/drawing/2010/main" xmlns="">
+              <a14:hiddenFill xmlns="" xmlns:a14="http://schemas.microsoft.com/office/drawing/2010/main">
                 <a:solidFill>
                   <a:schemeClr val="accent1"/>
                 </a:solidFill>
               </a14:hiddenFill>
             </a:ext>
             <a:ext uri="{91240B29-F687-4f45-9708-019B960494DF}">
-              <a14:hiddenLine xmlns:a14="http://schemas.microsoft.com/office/drawing/2010/main" xmlns="" w="9525">
+              <a14:hiddenLine xmlns="" xmlns:a14="http://schemas.microsoft.com/office/drawing/2010/main" w="9525">
                 <a:solidFill>
                   <a:schemeClr val="tx1"/>
                 </a:solidFill>
@@ -288,17 +289,17 @@
           </a:ln>
           <a:extLst>
             <a:ext uri="{FAA26D3D-D897-4be2-8F04-BA451C77F1D7}">
-              <ma14:placeholderFlag xmlns="" xmlns:ma14="http://schemas.microsoft.com/office/mac/drawingml/2011/main" val="1"/>
+              <ma14:placeholderFlag xmlns:ma14="http://schemas.microsoft.com/office/mac/drawingml/2011/main" xmlns="" val="1"/>
             </a:ext>
             <a:ext uri="{909E8E84-426E-40dd-AFC4-6F175D3DCCD1}">
-              <a14:hiddenFill xmlns:a14="http://schemas.microsoft.com/office/drawing/2010/main" xmlns="">
+              <a14:hiddenFill xmlns="" xmlns:a14="http://schemas.microsoft.com/office/drawing/2010/main">
                 <a:solidFill>
                   <a:schemeClr val="accent1"/>
                 </a:solidFill>
               </a14:hiddenFill>
             </a:ext>
             <a:ext uri="{91240B29-F687-4f45-9708-019B960494DF}">
-              <a14:hiddenLine xmlns:a14="http://schemas.microsoft.com/office/drawing/2010/main" xmlns="" w="9525">
+              <a14:hiddenLine xmlns="" xmlns:a14="http://schemas.microsoft.com/office/drawing/2010/main" w="9525">
                 <a:solidFill>
                   <a:schemeClr val="tx1"/>
                 </a:solidFill>
@@ -355,7 +356,7 @@
           <a:effectLst/>
           <a:extLst>
             <a:ext uri="{AF507438-7753-43e0-B8FC-AC1667EBCBE1}">
-              <a14:hiddenEffects xmlns:a14="http://schemas.microsoft.com/office/drawing/2010/main" xmlns="">
+              <a14:hiddenEffects xmlns="" xmlns:a14="http://schemas.microsoft.com/office/drawing/2010/main">
                 <a:effectLst>
                   <a:outerShdw blurRad="63500" dist="38099" dir="2700000" algn="ctr" rotWithShape="0">
                     <a:srgbClr val="000000">
@@ -366,7 +367,7 @@
               </a14:hiddenEffects>
             </a:ext>
             <a:ext uri="{53640926-AAD7-44d8-BBD7-CCE9431645EC}">
-              <a14:shadowObscured xmlns:a14="http://schemas.microsoft.com/office/drawing/2010/main" xmlns="" val="1"/>
+              <a14:shadowObscured xmlns="" xmlns:a14="http://schemas.microsoft.com/office/drawing/2010/main" val="1"/>
             </a:ext>
           </a:extLst>
         </p:spPr>
@@ -395,17 +396,17 @@
           </a:ln>
           <a:extLst>
             <a:ext uri="{FAA26D3D-D897-4be2-8F04-BA451C77F1D7}">
-              <ma14:placeholderFlag xmlns="" xmlns:ma14="http://schemas.microsoft.com/office/mac/drawingml/2011/main" val="1"/>
+              <ma14:placeholderFlag xmlns:ma14="http://schemas.microsoft.com/office/mac/drawingml/2011/main" xmlns="" val="1"/>
             </a:ext>
             <a:ext uri="{909E8E84-426E-40dd-AFC4-6F175D3DCCD1}">
-              <a14:hiddenFill xmlns:a14="http://schemas.microsoft.com/office/drawing/2010/main" xmlns="">
+              <a14:hiddenFill xmlns="" xmlns:a14="http://schemas.microsoft.com/office/drawing/2010/main">
                 <a:solidFill>
                   <a:schemeClr val="accent1"/>
                 </a:solidFill>
               </a14:hiddenFill>
             </a:ext>
             <a:ext uri="{91240B29-F687-4f45-9708-019B960494DF}">
-              <a14:hiddenLine xmlns:a14="http://schemas.microsoft.com/office/drawing/2010/main" xmlns="" w="9525">
+              <a14:hiddenLine xmlns="" xmlns:a14="http://schemas.microsoft.com/office/drawing/2010/main" w="9525">
                 <a:solidFill>
                   <a:schemeClr val="tx1"/>
                 </a:solidFill>
@@ -484,17 +485,17 @@
           </a:ln>
           <a:extLst>
             <a:ext uri="{FAA26D3D-D897-4be2-8F04-BA451C77F1D7}">
-              <ma14:placeholderFlag xmlns="" xmlns:ma14="http://schemas.microsoft.com/office/mac/drawingml/2011/main" val="1"/>
+              <ma14:placeholderFlag xmlns:ma14="http://schemas.microsoft.com/office/mac/drawingml/2011/main" xmlns="" val="1"/>
             </a:ext>
             <a:ext uri="{909E8E84-426E-40dd-AFC4-6F175D3DCCD1}">
-              <a14:hiddenFill xmlns:a14="http://schemas.microsoft.com/office/drawing/2010/main" xmlns="">
+              <a14:hiddenFill xmlns="" xmlns:a14="http://schemas.microsoft.com/office/drawing/2010/main">
                 <a:solidFill>
                   <a:schemeClr val="accent1"/>
                 </a:solidFill>
               </a14:hiddenFill>
             </a:ext>
             <a:ext uri="{91240B29-F687-4f45-9708-019B960494DF}">
-              <a14:hiddenLine xmlns:a14="http://schemas.microsoft.com/office/drawing/2010/main" xmlns="" w="9525">
+              <a14:hiddenLine xmlns="" xmlns:a14="http://schemas.microsoft.com/office/drawing/2010/main" w="9525">
                 <a:solidFill>
                   <a:schemeClr val="tx1"/>
                 </a:solidFill>
@@ -545,17 +546,17 @@
           </a:ln>
           <a:extLst>
             <a:ext uri="{FAA26D3D-D897-4be2-8F04-BA451C77F1D7}">
-              <ma14:placeholderFlag xmlns="" xmlns:ma14="http://schemas.microsoft.com/office/mac/drawingml/2011/main" val="1"/>
+              <ma14:placeholderFlag xmlns:ma14="http://schemas.microsoft.com/office/mac/drawingml/2011/main" xmlns="" val="1"/>
             </a:ext>
             <a:ext uri="{909E8E84-426E-40dd-AFC4-6F175D3DCCD1}">
-              <a14:hiddenFill xmlns:a14="http://schemas.microsoft.com/office/drawing/2010/main" xmlns="">
+              <a14:hiddenFill xmlns="" xmlns:a14="http://schemas.microsoft.com/office/drawing/2010/main">
                 <a:solidFill>
                   <a:schemeClr val="accent1"/>
                 </a:solidFill>
               </a14:hiddenFill>
             </a:ext>
             <a:ext uri="{91240B29-F687-4f45-9708-019B960494DF}">
-              <a14:hiddenLine xmlns:a14="http://schemas.microsoft.com/office/drawing/2010/main" xmlns="" w="9525">
+              <a14:hiddenLine xmlns="" xmlns:a14="http://schemas.microsoft.com/office/drawing/2010/main" w="9525">
                 <a:solidFill>
                   <a:schemeClr val="tx1"/>
                 </a:solidFill>
@@ -757,7 +758,7 @@
             <a:fld id="{39BE5283-B4E4-EB4F-98B7-9B51920E5CDF}" type="slidenum">
               <a:rPr lang="en-US"/>
               <a:pPr/>
-              <a:t>3</a:t>
+              <a:t>4</a:t>
             </a:fld>
             <a:endParaRPr lang="en-US"/>
           </a:p>
@@ -777,7 +778,7 @@
           <a:ln/>
           <a:extLst>
             <a:ext uri="{FAA26D3D-D897-4be2-8F04-BA451C77F1D7}">
-              <ma14:placeholderFlag xmlns="" xmlns:ma14="http://schemas.microsoft.com/office/mac/drawingml/2011/main" val="1"/>
+              <ma14:placeholderFlag xmlns:ma14="http://schemas.microsoft.com/office/mac/drawingml/2011/main" xmlns="" val="1"/>
             </a:ext>
           </a:extLst>
         </p:spPr>
@@ -846,7 +847,7 @@
             <a:fld id="{22F4D6BE-A4D1-B442-841E-2EB70BCE4235}" type="slidenum">
               <a:rPr lang="en-US"/>
               <a:pPr/>
-              <a:t>5</a:t>
+              <a:t>6</a:t>
             </a:fld>
             <a:endParaRPr lang="en-US"/>
           </a:p>
@@ -866,7 +867,7 @@
           <a:ln/>
           <a:extLst>
             <a:ext uri="{FAA26D3D-D897-4be2-8F04-BA451C77F1D7}">
-              <ma14:placeholderFlag xmlns="" xmlns:ma14="http://schemas.microsoft.com/office/mac/drawingml/2011/main" val="1"/>
+              <ma14:placeholderFlag xmlns:ma14="http://schemas.microsoft.com/office/mac/drawingml/2011/main" xmlns="" val="1"/>
             </a:ext>
           </a:extLst>
         </p:spPr>
@@ -935,7 +936,7 @@
             <a:fld id="{BB754242-1434-8A45-AB07-E436A212CE8D}" type="slidenum">
               <a:rPr lang="en-US"/>
               <a:pPr/>
-              <a:t>11</a:t>
+              <a:t>12</a:t>
             </a:fld>
             <a:endParaRPr lang="en-US"/>
           </a:p>
@@ -955,7 +956,7 @@
           <a:ln/>
           <a:extLst>
             <a:ext uri="{FAA26D3D-D897-4be2-8F04-BA451C77F1D7}">
-              <ma14:placeholderFlag xmlns="" xmlns:ma14="http://schemas.microsoft.com/office/mac/drawingml/2011/main" val="1"/>
+              <ma14:placeholderFlag xmlns:ma14="http://schemas.microsoft.com/office/mac/drawingml/2011/main" xmlns="" val="1"/>
             </a:ext>
           </a:extLst>
         </p:spPr>
@@ -1053,7 +1054,7 @@
             <a:fld id="{0A32AC2C-6A9D-5140-A968-18508A6ACF7A}" type="slidenum">
               <a:rPr lang="en-US" smtClean="0"/>
               <a:pPr/>
-              <a:t>19</a:t>
+              <a:t>20</a:t>
             </a:fld>
             <a:endParaRPr lang="en-US"/>
           </a:p>
@@ -1109,7 +1110,7 @@
             <a:fld id="{BB754242-1434-8A45-AB07-E436A212CE8D}" type="slidenum">
               <a:rPr lang="en-US"/>
               <a:pPr/>
-              <a:t>21</a:t>
+              <a:t>22</a:t>
             </a:fld>
             <a:endParaRPr lang="en-US"/>
           </a:p>
@@ -1129,7 +1130,7 @@
           <a:ln/>
           <a:extLst>
             <a:ext uri="{FAA26D3D-D897-4be2-8F04-BA451C77F1D7}">
-              <ma14:placeholderFlag xmlns="" xmlns:ma14="http://schemas.microsoft.com/office/mac/drawingml/2011/main" val="1"/>
+              <ma14:placeholderFlag xmlns:ma14="http://schemas.microsoft.com/office/mac/drawingml/2011/main" xmlns="" val="1"/>
             </a:ext>
           </a:extLst>
         </p:spPr>
@@ -1211,12 +1212,12 @@
           <a:effectLst/>
           <a:extLst>
             <a:ext uri="{909E8E84-426E-40dd-AFC4-6F175D3DCCD1}">
-              <a14:hiddenFill xmlns:a14="http://schemas.microsoft.com/office/drawing/2010/main" xmlns="">
+              <a14:hiddenFill xmlns="" xmlns:a14="http://schemas.microsoft.com/office/drawing/2010/main">
                 <a:noFill/>
               </a14:hiddenFill>
             </a:ext>
             <a:ext uri="{AF507438-7753-43e0-B8FC-AC1667EBCBE1}">
-              <a14:hiddenEffects xmlns:a14="http://schemas.microsoft.com/office/drawing/2010/main" xmlns="">
+              <a14:hiddenEffects xmlns="" xmlns:a14="http://schemas.microsoft.com/office/drawing/2010/main">
                 <a:effectLst>
                   <a:outerShdw blurRad="63500" dist="38099" dir="2700000" algn="ctr" rotWithShape="0">
                     <a:schemeClr val="bg2">
@@ -1417,7 +1418,7 @@
             <a:effectLst/>
             <a:extLst>
               <a:ext uri="{91240B29-F687-4f45-9708-019B960494DF}">
-                <a14:hiddenLine xmlns:a14="http://schemas.microsoft.com/office/drawing/2010/main" xmlns="" w="9525">
+                <a14:hiddenLine xmlns="" xmlns:a14="http://schemas.microsoft.com/office/drawing/2010/main" w="9525">
                   <a:solidFill>
                     <a:schemeClr val="tx1"/>
                   </a:solidFill>
@@ -1427,7 +1428,7 @@
                 </a14:hiddenLine>
               </a:ext>
               <a:ext uri="{AF507438-7753-43e0-B8FC-AC1667EBCBE1}">
-                <a14:hiddenEffects xmlns:a14="http://schemas.microsoft.com/office/drawing/2010/main" xmlns="">
+                <a14:hiddenEffects xmlns="" xmlns:a14="http://schemas.microsoft.com/office/drawing/2010/main">
                   <a:effectLst>
                     <a:outerShdw blurRad="63500" dist="38099" dir="2700000" algn="ctr" rotWithShape="0">
                       <a:schemeClr val="bg2">
@@ -1472,7 +1473,7 @@
             <a:effectLst/>
             <a:extLst>
               <a:ext uri="{91240B29-F687-4f45-9708-019B960494DF}">
-                <a14:hiddenLine xmlns:a14="http://schemas.microsoft.com/office/drawing/2010/main" xmlns="" w="9525">
+                <a14:hiddenLine xmlns="" xmlns:a14="http://schemas.microsoft.com/office/drawing/2010/main" w="9525">
                   <a:solidFill>
                     <a:schemeClr val="tx1"/>
                   </a:solidFill>
@@ -1482,7 +1483,7 @@
                 </a14:hiddenLine>
               </a:ext>
               <a:ext uri="{AF507438-7753-43e0-B8FC-AC1667EBCBE1}">
-                <a14:hiddenEffects xmlns:a14="http://schemas.microsoft.com/office/drawing/2010/main" xmlns="">
+                <a14:hiddenEffects xmlns="" xmlns:a14="http://schemas.microsoft.com/office/drawing/2010/main">
                   <a:effectLst>
                     <a:outerShdw blurRad="63500" dist="38099" dir="2700000" algn="ctr" rotWithShape="0">
                       <a:schemeClr val="bg2">
@@ -1527,7 +1528,7 @@
             <a:effectLst/>
             <a:extLst>
               <a:ext uri="{91240B29-F687-4f45-9708-019B960494DF}">
-                <a14:hiddenLine xmlns:a14="http://schemas.microsoft.com/office/drawing/2010/main" xmlns="" w="9525">
+                <a14:hiddenLine xmlns="" xmlns:a14="http://schemas.microsoft.com/office/drawing/2010/main" w="9525">
                   <a:solidFill>
                     <a:schemeClr val="tx1"/>
                   </a:solidFill>
@@ -1537,7 +1538,7 @@
                 </a14:hiddenLine>
               </a:ext>
               <a:ext uri="{AF507438-7753-43e0-B8FC-AC1667EBCBE1}">
-                <a14:hiddenEffects xmlns:a14="http://schemas.microsoft.com/office/drawing/2010/main" xmlns="">
+                <a14:hiddenEffects xmlns="" xmlns:a14="http://schemas.microsoft.com/office/drawing/2010/main">
                   <a:effectLst>
                     <a:outerShdw blurRad="63500" dist="38099" dir="2700000" algn="ctr" rotWithShape="0">
                       <a:schemeClr val="bg2">
@@ -1582,7 +1583,7 @@
             <a:effectLst/>
             <a:extLst>
               <a:ext uri="{91240B29-F687-4f45-9708-019B960494DF}">
-                <a14:hiddenLine xmlns:a14="http://schemas.microsoft.com/office/drawing/2010/main" xmlns="" w="9525">
+                <a14:hiddenLine xmlns="" xmlns:a14="http://schemas.microsoft.com/office/drawing/2010/main" w="9525">
                   <a:solidFill>
                     <a:schemeClr val="tx1"/>
                   </a:solidFill>
@@ -1592,7 +1593,7 @@
                 </a14:hiddenLine>
               </a:ext>
               <a:ext uri="{AF507438-7753-43e0-B8FC-AC1667EBCBE1}">
-                <a14:hiddenEffects xmlns:a14="http://schemas.microsoft.com/office/drawing/2010/main" xmlns="">
+                <a14:hiddenEffects xmlns="" xmlns:a14="http://schemas.microsoft.com/office/drawing/2010/main">
                   <a:effectLst>
                     <a:outerShdw blurRad="63500" dist="38099" dir="2700000" algn="ctr" rotWithShape="0">
                       <a:schemeClr val="bg2">
@@ -1637,7 +1638,7 @@
             <a:effectLst/>
             <a:extLst>
               <a:ext uri="{91240B29-F687-4f45-9708-019B960494DF}">
-                <a14:hiddenLine xmlns:a14="http://schemas.microsoft.com/office/drawing/2010/main" xmlns="" w="9525">
+                <a14:hiddenLine xmlns="" xmlns:a14="http://schemas.microsoft.com/office/drawing/2010/main" w="9525">
                   <a:solidFill>
                     <a:schemeClr val="tx1"/>
                   </a:solidFill>
@@ -1647,7 +1648,7 @@
                 </a14:hiddenLine>
               </a:ext>
               <a:ext uri="{AF507438-7753-43e0-B8FC-AC1667EBCBE1}">
-                <a14:hiddenEffects xmlns:a14="http://schemas.microsoft.com/office/drawing/2010/main" xmlns="">
+                <a14:hiddenEffects xmlns="" xmlns:a14="http://schemas.microsoft.com/office/drawing/2010/main">
                   <a:effectLst>
                     <a:outerShdw blurRad="63500" dist="38099" dir="2700000" algn="ctr" rotWithShape="0">
                       <a:schemeClr val="bg2">
@@ -1692,7 +1693,7 @@
             <a:effectLst/>
             <a:extLst>
               <a:ext uri="{91240B29-F687-4f45-9708-019B960494DF}">
-                <a14:hiddenLine xmlns:a14="http://schemas.microsoft.com/office/drawing/2010/main" xmlns="" w="9525">
+                <a14:hiddenLine xmlns="" xmlns:a14="http://schemas.microsoft.com/office/drawing/2010/main" w="9525">
                   <a:solidFill>
                     <a:schemeClr val="tx1"/>
                   </a:solidFill>
@@ -1702,7 +1703,7 @@
                 </a14:hiddenLine>
               </a:ext>
               <a:ext uri="{AF507438-7753-43e0-B8FC-AC1667EBCBE1}">
-                <a14:hiddenEffects xmlns:a14="http://schemas.microsoft.com/office/drawing/2010/main" xmlns="">
+                <a14:hiddenEffects xmlns="" xmlns:a14="http://schemas.microsoft.com/office/drawing/2010/main">
                   <a:effectLst>
                     <a:outerShdw blurRad="63500" dist="38099" dir="2700000" algn="ctr" rotWithShape="0">
                       <a:schemeClr val="bg2">
@@ -1747,7 +1748,7 @@
             <a:effectLst/>
             <a:extLst>
               <a:ext uri="{91240B29-F687-4f45-9708-019B960494DF}">
-                <a14:hiddenLine xmlns:a14="http://schemas.microsoft.com/office/drawing/2010/main" xmlns="" w="9525">
+                <a14:hiddenLine xmlns="" xmlns:a14="http://schemas.microsoft.com/office/drawing/2010/main" w="9525">
                   <a:solidFill>
                     <a:schemeClr val="tx1"/>
                   </a:solidFill>
@@ -1757,7 +1758,7 @@
                 </a14:hiddenLine>
               </a:ext>
               <a:ext uri="{AF507438-7753-43e0-B8FC-AC1667EBCBE1}">
-                <a14:hiddenEffects xmlns:a14="http://schemas.microsoft.com/office/drawing/2010/main" xmlns="">
+                <a14:hiddenEffects xmlns="" xmlns:a14="http://schemas.microsoft.com/office/drawing/2010/main">
                   <a:effectLst>
                     <a:outerShdw blurRad="63500" dist="38099" dir="2700000" algn="ctr" rotWithShape="0">
                       <a:schemeClr val="bg2">
@@ -1802,7 +1803,7 @@
             <a:effectLst/>
             <a:extLst>
               <a:ext uri="{91240B29-F687-4f45-9708-019B960494DF}">
-                <a14:hiddenLine xmlns:a14="http://schemas.microsoft.com/office/drawing/2010/main" xmlns="" w="9525">
+                <a14:hiddenLine xmlns="" xmlns:a14="http://schemas.microsoft.com/office/drawing/2010/main" w="9525">
                   <a:solidFill>
                     <a:schemeClr val="tx1"/>
                   </a:solidFill>
@@ -1812,7 +1813,7 @@
                 </a14:hiddenLine>
               </a:ext>
               <a:ext uri="{AF507438-7753-43e0-B8FC-AC1667EBCBE1}">
-                <a14:hiddenEffects xmlns:a14="http://schemas.microsoft.com/office/drawing/2010/main" xmlns="">
+                <a14:hiddenEffects xmlns="" xmlns:a14="http://schemas.microsoft.com/office/drawing/2010/main">
                   <a:effectLst>
                     <a:outerShdw blurRad="63500" dist="38099" dir="2700000" algn="ctr" rotWithShape="0">
                       <a:schemeClr val="bg2">
@@ -1857,7 +1858,7 @@
             <a:effectLst/>
             <a:extLst>
               <a:ext uri="{91240B29-F687-4f45-9708-019B960494DF}">
-                <a14:hiddenLine xmlns:a14="http://schemas.microsoft.com/office/drawing/2010/main" xmlns="" w="9525">
+                <a14:hiddenLine xmlns="" xmlns:a14="http://schemas.microsoft.com/office/drawing/2010/main" w="9525">
                   <a:solidFill>
                     <a:schemeClr val="tx1"/>
                   </a:solidFill>
@@ -1867,7 +1868,7 @@
                 </a14:hiddenLine>
               </a:ext>
               <a:ext uri="{AF507438-7753-43e0-B8FC-AC1667EBCBE1}">
-                <a14:hiddenEffects xmlns:a14="http://schemas.microsoft.com/office/drawing/2010/main" xmlns="">
+                <a14:hiddenEffects xmlns="" xmlns:a14="http://schemas.microsoft.com/office/drawing/2010/main">
                   <a:effectLst>
                     <a:outerShdw blurRad="63500" dist="38099" dir="2700000" algn="ctr" rotWithShape="0">
                       <a:schemeClr val="bg2">
@@ -1912,7 +1913,7 @@
             <a:effectLst/>
             <a:extLst>
               <a:ext uri="{91240B29-F687-4f45-9708-019B960494DF}">
-                <a14:hiddenLine xmlns:a14="http://schemas.microsoft.com/office/drawing/2010/main" xmlns="" w="9525">
+                <a14:hiddenLine xmlns="" xmlns:a14="http://schemas.microsoft.com/office/drawing/2010/main" w="9525">
                   <a:solidFill>
                     <a:schemeClr val="tx1"/>
                   </a:solidFill>
@@ -1922,7 +1923,7 @@
                 </a14:hiddenLine>
               </a:ext>
               <a:ext uri="{AF507438-7753-43e0-B8FC-AC1667EBCBE1}">
-                <a14:hiddenEffects xmlns:a14="http://schemas.microsoft.com/office/drawing/2010/main" xmlns="">
+                <a14:hiddenEffects xmlns="" xmlns:a14="http://schemas.microsoft.com/office/drawing/2010/main">
                   <a:effectLst>
                     <a:outerShdw blurRad="63500" dist="38099" dir="2700000" algn="ctr" rotWithShape="0">
                       <a:schemeClr val="bg2">
@@ -1967,7 +1968,7 @@
             <a:effectLst/>
             <a:extLst>
               <a:ext uri="{91240B29-F687-4f45-9708-019B960494DF}">
-                <a14:hiddenLine xmlns:a14="http://schemas.microsoft.com/office/drawing/2010/main" xmlns="" w="9525">
+                <a14:hiddenLine xmlns="" xmlns:a14="http://schemas.microsoft.com/office/drawing/2010/main" w="9525">
                   <a:solidFill>
                     <a:schemeClr val="tx1"/>
                   </a:solidFill>
@@ -1977,7 +1978,7 @@
                 </a14:hiddenLine>
               </a:ext>
               <a:ext uri="{AF507438-7753-43e0-B8FC-AC1667EBCBE1}">
-                <a14:hiddenEffects xmlns:a14="http://schemas.microsoft.com/office/drawing/2010/main" xmlns="">
+                <a14:hiddenEffects xmlns="" xmlns:a14="http://schemas.microsoft.com/office/drawing/2010/main">
                   <a:effectLst>
                     <a:outerShdw blurRad="63500" dist="38099" dir="2700000" algn="ctr" rotWithShape="0">
                       <a:schemeClr val="bg2">
@@ -2022,7 +2023,7 @@
             <a:effectLst/>
             <a:extLst>
               <a:ext uri="{91240B29-F687-4f45-9708-019B960494DF}">
-                <a14:hiddenLine xmlns:a14="http://schemas.microsoft.com/office/drawing/2010/main" xmlns="" w="9525">
+                <a14:hiddenLine xmlns="" xmlns:a14="http://schemas.microsoft.com/office/drawing/2010/main" w="9525">
                   <a:solidFill>
                     <a:schemeClr val="tx1"/>
                   </a:solidFill>
@@ -2032,7 +2033,7 @@
                 </a14:hiddenLine>
               </a:ext>
               <a:ext uri="{AF507438-7753-43e0-B8FC-AC1667EBCBE1}">
-                <a14:hiddenEffects xmlns:a14="http://schemas.microsoft.com/office/drawing/2010/main" xmlns="">
+                <a14:hiddenEffects xmlns="" xmlns:a14="http://schemas.microsoft.com/office/drawing/2010/main">
                   <a:effectLst>
                     <a:outerShdw blurRad="63500" dist="38099" dir="2700000" algn="ctr" rotWithShape="0">
                       <a:schemeClr val="bg2">
@@ -2077,7 +2078,7 @@
             <a:effectLst/>
             <a:extLst>
               <a:ext uri="{91240B29-F687-4f45-9708-019B960494DF}">
-                <a14:hiddenLine xmlns:a14="http://schemas.microsoft.com/office/drawing/2010/main" xmlns="" w="9525">
+                <a14:hiddenLine xmlns="" xmlns:a14="http://schemas.microsoft.com/office/drawing/2010/main" w="9525">
                   <a:solidFill>
                     <a:schemeClr val="tx1"/>
                   </a:solidFill>
@@ -2087,7 +2088,7 @@
                 </a14:hiddenLine>
               </a:ext>
               <a:ext uri="{AF507438-7753-43e0-B8FC-AC1667EBCBE1}">
-                <a14:hiddenEffects xmlns:a14="http://schemas.microsoft.com/office/drawing/2010/main" xmlns="">
+                <a14:hiddenEffects xmlns="" xmlns:a14="http://schemas.microsoft.com/office/drawing/2010/main">
                   <a:effectLst>
                     <a:outerShdw blurRad="63500" dist="38099" dir="2700000" algn="ctr" rotWithShape="0">
                       <a:schemeClr val="bg2">
@@ -2132,7 +2133,7 @@
             <a:effectLst/>
             <a:extLst>
               <a:ext uri="{91240B29-F687-4f45-9708-019B960494DF}">
-                <a14:hiddenLine xmlns:a14="http://schemas.microsoft.com/office/drawing/2010/main" xmlns="" w="9525">
+                <a14:hiddenLine xmlns="" xmlns:a14="http://schemas.microsoft.com/office/drawing/2010/main" w="9525">
                   <a:solidFill>
                     <a:schemeClr val="tx1"/>
                   </a:solidFill>
@@ -2142,7 +2143,7 @@
                 </a14:hiddenLine>
               </a:ext>
               <a:ext uri="{AF507438-7753-43e0-B8FC-AC1667EBCBE1}">
-                <a14:hiddenEffects xmlns:a14="http://schemas.microsoft.com/office/drawing/2010/main" xmlns="">
+                <a14:hiddenEffects xmlns="" xmlns:a14="http://schemas.microsoft.com/office/drawing/2010/main">
                   <a:effectLst>
                     <a:outerShdw blurRad="63500" dist="38099" dir="2700000" algn="ctr" rotWithShape="0">
                       <a:schemeClr val="bg2">
@@ -2187,7 +2188,7 @@
             <a:effectLst/>
             <a:extLst>
               <a:ext uri="{91240B29-F687-4f45-9708-019B960494DF}">
-                <a14:hiddenLine xmlns:a14="http://schemas.microsoft.com/office/drawing/2010/main" xmlns="" w="9525">
+                <a14:hiddenLine xmlns="" xmlns:a14="http://schemas.microsoft.com/office/drawing/2010/main" w="9525">
                   <a:solidFill>
                     <a:schemeClr val="tx1"/>
                   </a:solidFill>
@@ -2197,7 +2198,7 @@
                 </a14:hiddenLine>
               </a:ext>
               <a:ext uri="{AF507438-7753-43e0-B8FC-AC1667EBCBE1}">
-                <a14:hiddenEffects xmlns:a14="http://schemas.microsoft.com/office/drawing/2010/main" xmlns="">
+                <a14:hiddenEffects xmlns="" xmlns:a14="http://schemas.microsoft.com/office/drawing/2010/main">
                   <a:effectLst>
                     <a:outerShdw blurRad="63500" dist="38099" dir="2700000" algn="ctr" rotWithShape="0">
                       <a:schemeClr val="bg2">
@@ -2242,7 +2243,7 @@
             <a:effectLst/>
             <a:extLst>
               <a:ext uri="{91240B29-F687-4f45-9708-019B960494DF}">
-                <a14:hiddenLine xmlns:a14="http://schemas.microsoft.com/office/drawing/2010/main" xmlns="" w="9525">
+                <a14:hiddenLine xmlns="" xmlns:a14="http://schemas.microsoft.com/office/drawing/2010/main" w="9525">
                   <a:solidFill>
                     <a:schemeClr val="tx1"/>
                   </a:solidFill>
@@ -2252,7 +2253,7 @@
                 </a14:hiddenLine>
               </a:ext>
               <a:ext uri="{AF507438-7753-43e0-B8FC-AC1667EBCBE1}">
-                <a14:hiddenEffects xmlns:a14="http://schemas.microsoft.com/office/drawing/2010/main" xmlns="">
+                <a14:hiddenEffects xmlns="" xmlns:a14="http://schemas.microsoft.com/office/drawing/2010/main">
                   <a:effectLst>
                     <a:outerShdw blurRad="63500" dist="38099" dir="2700000" algn="ctr" rotWithShape="0">
                       <a:schemeClr val="bg2">
@@ -2297,7 +2298,7 @@
             <a:effectLst/>
             <a:extLst>
               <a:ext uri="{91240B29-F687-4f45-9708-019B960494DF}">
-                <a14:hiddenLine xmlns:a14="http://schemas.microsoft.com/office/drawing/2010/main" xmlns="" w="9525">
+                <a14:hiddenLine xmlns="" xmlns:a14="http://schemas.microsoft.com/office/drawing/2010/main" w="9525">
                   <a:solidFill>
                     <a:schemeClr val="tx1"/>
                   </a:solidFill>
@@ -2307,7 +2308,7 @@
                 </a14:hiddenLine>
               </a:ext>
               <a:ext uri="{AF507438-7753-43e0-B8FC-AC1667EBCBE1}">
-                <a14:hiddenEffects xmlns:a14="http://schemas.microsoft.com/office/drawing/2010/main" xmlns="">
+                <a14:hiddenEffects xmlns="" xmlns:a14="http://schemas.microsoft.com/office/drawing/2010/main">
                   <a:effectLst>
                     <a:outerShdw blurRad="63500" dist="38099" dir="2700000" algn="ctr" rotWithShape="0">
                       <a:schemeClr val="bg2">
@@ -2352,7 +2353,7 @@
             <a:effectLst/>
             <a:extLst>
               <a:ext uri="{91240B29-F687-4f45-9708-019B960494DF}">
-                <a14:hiddenLine xmlns:a14="http://schemas.microsoft.com/office/drawing/2010/main" xmlns="" w="9525">
+                <a14:hiddenLine xmlns="" xmlns:a14="http://schemas.microsoft.com/office/drawing/2010/main" w="9525">
                   <a:solidFill>
                     <a:schemeClr val="tx1"/>
                   </a:solidFill>
@@ -2362,7 +2363,7 @@
                 </a14:hiddenLine>
               </a:ext>
               <a:ext uri="{AF507438-7753-43e0-B8FC-AC1667EBCBE1}">
-                <a14:hiddenEffects xmlns:a14="http://schemas.microsoft.com/office/drawing/2010/main" xmlns="">
+                <a14:hiddenEffects xmlns="" xmlns:a14="http://schemas.microsoft.com/office/drawing/2010/main">
                   <a:effectLst>
                     <a:outerShdw blurRad="63500" dist="38099" dir="2700000" algn="ctr" rotWithShape="0">
                       <a:schemeClr val="bg2">
@@ -2407,7 +2408,7 @@
             <a:effectLst/>
             <a:extLst>
               <a:ext uri="{91240B29-F687-4f45-9708-019B960494DF}">
-                <a14:hiddenLine xmlns:a14="http://schemas.microsoft.com/office/drawing/2010/main" xmlns="" w="9525">
+                <a14:hiddenLine xmlns="" xmlns:a14="http://schemas.microsoft.com/office/drawing/2010/main" w="9525">
                   <a:solidFill>
                     <a:schemeClr val="tx1"/>
                   </a:solidFill>
@@ -2417,7 +2418,7 @@
                 </a14:hiddenLine>
               </a:ext>
               <a:ext uri="{AF507438-7753-43e0-B8FC-AC1667EBCBE1}">
-                <a14:hiddenEffects xmlns:a14="http://schemas.microsoft.com/office/drawing/2010/main" xmlns="">
+                <a14:hiddenEffects xmlns="" xmlns:a14="http://schemas.microsoft.com/office/drawing/2010/main">
                   <a:effectLst>
                     <a:outerShdw blurRad="63500" dist="38099" dir="2700000" algn="ctr" rotWithShape="0">
                       <a:schemeClr val="bg2">
@@ -2462,7 +2463,7 @@
             <a:effectLst/>
             <a:extLst>
               <a:ext uri="{91240B29-F687-4f45-9708-019B960494DF}">
-                <a14:hiddenLine xmlns:a14="http://schemas.microsoft.com/office/drawing/2010/main" xmlns="" w="9525">
+                <a14:hiddenLine xmlns="" xmlns:a14="http://schemas.microsoft.com/office/drawing/2010/main" w="9525">
                   <a:solidFill>
                     <a:schemeClr val="tx1"/>
                   </a:solidFill>
@@ -2472,7 +2473,7 @@
                 </a14:hiddenLine>
               </a:ext>
               <a:ext uri="{AF507438-7753-43e0-B8FC-AC1667EBCBE1}">
-                <a14:hiddenEffects xmlns:a14="http://schemas.microsoft.com/office/drawing/2010/main" xmlns="">
+                <a14:hiddenEffects xmlns="" xmlns:a14="http://schemas.microsoft.com/office/drawing/2010/main">
                   <a:effectLst>
                     <a:outerShdw blurRad="63500" dist="38099" dir="2700000" algn="ctr" rotWithShape="0">
                       <a:schemeClr val="bg2">
@@ -2517,7 +2518,7 @@
             <a:effectLst/>
             <a:extLst>
               <a:ext uri="{91240B29-F687-4f45-9708-019B960494DF}">
-                <a14:hiddenLine xmlns:a14="http://schemas.microsoft.com/office/drawing/2010/main" xmlns="" w="9525">
+                <a14:hiddenLine xmlns="" xmlns:a14="http://schemas.microsoft.com/office/drawing/2010/main" w="9525">
                   <a:solidFill>
                     <a:schemeClr val="tx1"/>
                   </a:solidFill>
@@ -2527,7 +2528,7 @@
                 </a14:hiddenLine>
               </a:ext>
               <a:ext uri="{AF507438-7753-43e0-B8FC-AC1667EBCBE1}">
-                <a14:hiddenEffects xmlns:a14="http://schemas.microsoft.com/office/drawing/2010/main" xmlns="">
+                <a14:hiddenEffects xmlns="" xmlns:a14="http://schemas.microsoft.com/office/drawing/2010/main">
                   <a:effectLst>
                     <a:outerShdw blurRad="63500" dist="38099" dir="2700000" algn="ctr" rotWithShape="0">
                       <a:schemeClr val="bg2">
@@ -2572,7 +2573,7 @@
             <a:effectLst/>
             <a:extLst>
               <a:ext uri="{91240B29-F687-4f45-9708-019B960494DF}">
-                <a14:hiddenLine xmlns:a14="http://schemas.microsoft.com/office/drawing/2010/main" xmlns="" w="9525">
+                <a14:hiddenLine xmlns="" xmlns:a14="http://schemas.microsoft.com/office/drawing/2010/main" w="9525">
                   <a:solidFill>
                     <a:schemeClr val="tx1"/>
                   </a:solidFill>
@@ -2582,7 +2583,7 @@
                 </a14:hiddenLine>
               </a:ext>
               <a:ext uri="{AF507438-7753-43e0-B8FC-AC1667EBCBE1}">
-                <a14:hiddenEffects xmlns:a14="http://schemas.microsoft.com/office/drawing/2010/main" xmlns="">
+                <a14:hiddenEffects xmlns="" xmlns:a14="http://schemas.microsoft.com/office/drawing/2010/main">
                   <a:effectLst>
                     <a:outerShdw blurRad="63500" dist="38099" dir="2700000" algn="ctr" rotWithShape="0">
                       <a:schemeClr val="bg2">
@@ -2627,7 +2628,7 @@
             <a:effectLst/>
             <a:extLst>
               <a:ext uri="{91240B29-F687-4f45-9708-019B960494DF}">
-                <a14:hiddenLine xmlns:a14="http://schemas.microsoft.com/office/drawing/2010/main" xmlns="" w="9525">
+                <a14:hiddenLine xmlns="" xmlns:a14="http://schemas.microsoft.com/office/drawing/2010/main" w="9525">
                   <a:solidFill>
                     <a:schemeClr val="tx1"/>
                   </a:solidFill>
@@ -2637,7 +2638,7 @@
                 </a14:hiddenLine>
               </a:ext>
               <a:ext uri="{AF507438-7753-43e0-B8FC-AC1667EBCBE1}">
-                <a14:hiddenEffects xmlns:a14="http://schemas.microsoft.com/office/drawing/2010/main" xmlns="">
+                <a14:hiddenEffects xmlns="" xmlns:a14="http://schemas.microsoft.com/office/drawing/2010/main">
                   <a:effectLst>
                     <a:outerShdw blurRad="63500" dist="38099" dir="2700000" algn="ctr" rotWithShape="0">
                       <a:schemeClr val="bg2">
@@ -2682,7 +2683,7 @@
             <a:effectLst/>
             <a:extLst>
               <a:ext uri="{91240B29-F687-4f45-9708-019B960494DF}">
-                <a14:hiddenLine xmlns:a14="http://schemas.microsoft.com/office/drawing/2010/main" xmlns="" w="9525">
+                <a14:hiddenLine xmlns="" xmlns:a14="http://schemas.microsoft.com/office/drawing/2010/main" w="9525">
                   <a:solidFill>
                     <a:schemeClr val="tx1"/>
                   </a:solidFill>
@@ -2692,7 +2693,7 @@
                 </a14:hiddenLine>
               </a:ext>
               <a:ext uri="{AF507438-7753-43e0-B8FC-AC1667EBCBE1}">
-                <a14:hiddenEffects xmlns:a14="http://schemas.microsoft.com/office/drawing/2010/main" xmlns="">
+                <a14:hiddenEffects xmlns="" xmlns:a14="http://schemas.microsoft.com/office/drawing/2010/main">
                   <a:effectLst>
                     <a:outerShdw blurRad="63500" dist="38099" dir="2700000" algn="ctr" rotWithShape="0">
                       <a:schemeClr val="bg2">
@@ -2737,7 +2738,7 @@
             <a:effectLst/>
             <a:extLst>
               <a:ext uri="{91240B29-F687-4f45-9708-019B960494DF}">
-                <a14:hiddenLine xmlns:a14="http://schemas.microsoft.com/office/drawing/2010/main" xmlns="" w="9525">
+                <a14:hiddenLine xmlns="" xmlns:a14="http://schemas.microsoft.com/office/drawing/2010/main" w="9525">
                   <a:solidFill>
                     <a:schemeClr val="tx1"/>
                   </a:solidFill>
@@ -2747,7 +2748,7 @@
                 </a14:hiddenLine>
               </a:ext>
               <a:ext uri="{AF507438-7753-43e0-B8FC-AC1667EBCBE1}">
-                <a14:hiddenEffects xmlns:a14="http://schemas.microsoft.com/office/drawing/2010/main" xmlns="">
+                <a14:hiddenEffects xmlns="" xmlns:a14="http://schemas.microsoft.com/office/drawing/2010/main">
                   <a:effectLst>
                     <a:outerShdw blurRad="63500" dist="38099" dir="2700000" algn="ctr" rotWithShape="0">
                       <a:schemeClr val="bg2">
@@ -2792,7 +2793,7 @@
             <a:effectLst/>
             <a:extLst>
               <a:ext uri="{91240B29-F687-4f45-9708-019B960494DF}">
-                <a14:hiddenLine xmlns:a14="http://schemas.microsoft.com/office/drawing/2010/main" xmlns="" w="9525">
+                <a14:hiddenLine xmlns="" xmlns:a14="http://schemas.microsoft.com/office/drawing/2010/main" w="9525">
                   <a:solidFill>
                     <a:schemeClr val="tx1"/>
                   </a:solidFill>
@@ -2802,7 +2803,7 @@
                 </a14:hiddenLine>
               </a:ext>
               <a:ext uri="{AF507438-7753-43e0-B8FC-AC1667EBCBE1}">
-                <a14:hiddenEffects xmlns:a14="http://schemas.microsoft.com/office/drawing/2010/main" xmlns="">
+                <a14:hiddenEffects xmlns="" xmlns:a14="http://schemas.microsoft.com/office/drawing/2010/main">
                   <a:effectLst>
                     <a:outerShdw blurRad="63500" dist="38099" dir="2700000" algn="ctr" rotWithShape="0">
                       <a:schemeClr val="bg2">
@@ -2847,7 +2848,7 @@
             <a:effectLst/>
             <a:extLst>
               <a:ext uri="{91240B29-F687-4f45-9708-019B960494DF}">
-                <a14:hiddenLine xmlns:a14="http://schemas.microsoft.com/office/drawing/2010/main" xmlns="" w="9525">
+                <a14:hiddenLine xmlns="" xmlns:a14="http://schemas.microsoft.com/office/drawing/2010/main" w="9525">
                   <a:solidFill>
                     <a:schemeClr val="tx1"/>
                   </a:solidFill>
@@ -2857,7 +2858,7 @@
                 </a14:hiddenLine>
               </a:ext>
               <a:ext uri="{AF507438-7753-43e0-B8FC-AC1667EBCBE1}">
-                <a14:hiddenEffects xmlns:a14="http://schemas.microsoft.com/office/drawing/2010/main" xmlns="">
+                <a14:hiddenEffects xmlns="" xmlns:a14="http://schemas.microsoft.com/office/drawing/2010/main">
                   <a:effectLst>
                     <a:outerShdw blurRad="63500" dist="38099" dir="2700000" algn="ctr" rotWithShape="0">
                       <a:schemeClr val="bg2">
@@ -2902,7 +2903,7 @@
             <a:effectLst/>
             <a:extLst>
               <a:ext uri="{91240B29-F687-4f45-9708-019B960494DF}">
-                <a14:hiddenLine xmlns:a14="http://schemas.microsoft.com/office/drawing/2010/main" xmlns="" w="9525">
+                <a14:hiddenLine xmlns="" xmlns:a14="http://schemas.microsoft.com/office/drawing/2010/main" w="9525">
                   <a:solidFill>
                     <a:schemeClr val="tx1"/>
                   </a:solidFill>
@@ -2912,7 +2913,7 @@
                 </a14:hiddenLine>
               </a:ext>
               <a:ext uri="{AF507438-7753-43e0-B8FC-AC1667EBCBE1}">
-                <a14:hiddenEffects xmlns:a14="http://schemas.microsoft.com/office/drawing/2010/main" xmlns="">
+                <a14:hiddenEffects xmlns="" xmlns:a14="http://schemas.microsoft.com/office/drawing/2010/main">
                   <a:effectLst>
                     <a:outerShdw blurRad="63500" dist="38099" dir="2700000" algn="ctr" rotWithShape="0">
                       <a:schemeClr val="bg2">
@@ -2957,7 +2958,7 @@
             <a:effectLst/>
             <a:extLst>
               <a:ext uri="{91240B29-F687-4f45-9708-019B960494DF}">
-                <a14:hiddenLine xmlns:a14="http://schemas.microsoft.com/office/drawing/2010/main" xmlns="" w="9525">
+                <a14:hiddenLine xmlns="" xmlns:a14="http://schemas.microsoft.com/office/drawing/2010/main" w="9525">
                   <a:solidFill>
                     <a:schemeClr val="tx1"/>
                   </a:solidFill>
@@ -2967,7 +2968,7 @@
                 </a14:hiddenLine>
               </a:ext>
               <a:ext uri="{AF507438-7753-43e0-B8FC-AC1667EBCBE1}">
-                <a14:hiddenEffects xmlns:a14="http://schemas.microsoft.com/office/drawing/2010/main" xmlns="">
+                <a14:hiddenEffects xmlns="" xmlns:a14="http://schemas.microsoft.com/office/drawing/2010/main">
                   <a:effectLst>
                     <a:outerShdw blurRad="63500" dist="38099" dir="2700000" algn="ctr" rotWithShape="0">
                       <a:schemeClr val="bg2">
@@ -3012,7 +3013,7 @@
             <a:effectLst/>
             <a:extLst>
               <a:ext uri="{91240B29-F687-4f45-9708-019B960494DF}">
-                <a14:hiddenLine xmlns:a14="http://schemas.microsoft.com/office/drawing/2010/main" xmlns="" w="9525">
+                <a14:hiddenLine xmlns="" xmlns:a14="http://schemas.microsoft.com/office/drawing/2010/main" w="9525">
                   <a:solidFill>
                     <a:schemeClr val="tx1"/>
                   </a:solidFill>
@@ -3022,7 +3023,7 @@
                 </a14:hiddenLine>
               </a:ext>
               <a:ext uri="{AF507438-7753-43e0-B8FC-AC1667EBCBE1}">
-                <a14:hiddenEffects xmlns:a14="http://schemas.microsoft.com/office/drawing/2010/main" xmlns="">
+                <a14:hiddenEffects xmlns="" xmlns:a14="http://schemas.microsoft.com/office/drawing/2010/main">
                   <a:effectLst>
                     <a:outerShdw blurRad="63500" dist="38099" dir="2700000" algn="ctr" rotWithShape="0">
                       <a:schemeClr val="bg2">
@@ -3067,7 +3068,7 @@
             <a:effectLst/>
             <a:extLst>
               <a:ext uri="{91240B29-F687-4f45-9708-019B960494DF}">
-                <a14:hiddenLine xmlns:a14="http://schemas.microsoft.com/office/drawing/2010/main" xmlns="" w="9525">
+                <a14:hiddenLine xmlns="" xmlns:a14="http://schemas.microsoft.com/office/drawing/2010/main" w="9525">
                   <a:solidFill>
                     <a:schemeClr val="tx1"/>
                   </a:solidFill>
@@ -3077,7 +3078,7 @@
                 </a14:hiddenLine>
               </a:ext>
               <a:ext uri="{AF507438-7753-43e0-B8FC-AC1667EBCBE1}">
-                <a14:hiddenEffects xmlns:a14="http://schemas.microsoft.com/office/drawing/2010/main" xmlns="">
+                <a14:hiddenEffects xmlns="" xmlns:a14="http://schemas.microsoft.com/office/drawing/2010/main">
                   <a:effectLst>
                     <a:outerShdw blurRad="63500" dist="38099" dir="2700000" algn="ctr" rotWithShape="0">
                       <a:schemeClr val="bg2">
@@ -3126,12 +3127,12 @@
           <a:effectLst/>
           <a:extLst>
             <a:ext uri="{909E8E84-426E-40dd-AFC4-6F175D3DCCD1}">
-              <a14:hiddenFill xmlns:a14="http://schemas.microsoft.com/office/drawing/2010/main" xmlns="">
+              <a14:hiddenFill xmlns="" xmlns:a14="http://schemas.microsoft.com/office/drawing/2010/main">
                 <a:noFill/>
               </a14:hiddenFill>
             </a:ext>
             <a:ext uri="{AF507438-7753-43e0-B8FC-AC1667EBCBE1}">
-              <a14:hiddenEffects xmlns:a14="http://schemas.microsoft.com/office/drawing/2010/main" xmlns="">
+              <a14:hiddenEffects xmlns="" xmlns:a14="http://schemas.microsoft.com/office/drawing/2010/main">
                 <a:effectLst>
                   <a:outerShdw blurRad="63500" dist="38099" dir="2700000" algn="ctr" rotWithShape="0">
                     <a:schemeClr val="bg2">
@@ -5455,12 +5456,12 @@
           <a:effectLst/>
           <a:extLst>
             <a:ext uri="{909E8E84-426E-40dd-AFC4-6F175D3DCCD1}">
-              <a14:hiddenFill xmlns:a14="http://schemas.microsoft.com/office/drawing/2010/main" xmlns="">
+              <a14:hiddenFill xmlns="" xmlns:a14="http://schemas.microsoft.com/office/drawing/2010/main">
                 <a:noFill/>
               </a14:hiddenFill>
             </a:ext>
             <a:ext uri="{AF507438-7753-43e0-B8FC-AC1667EBCBE1}">
-              <a14:hiddenEffects xmlns:a14="http://schemas.microsoft.com/office/drawing/2010/main" xmlns="">
+              <a14:hiddenEffects xmlns="" xmlns:a14="http://schemas.microsoft.com/office/drawing/2010/main">
                 <a:effectLst>
                   <a:outerShdw blurRad="63500" dist="38099" dir="2700000" algn="ctr" rotWithShape="0">
                     <a:schemeClr val="bg2">
@@ -5505,17 +5506,17 @@
           <a:effectLst/>
           <a:extLst>
             <a:ext uri="{FAA26D3D-D897-4be2-8F04-BA451C77F1D7}">
-              <ma14:placeholderFlag xmlns="" xmlns:ma14="http://schemas.microsoft.com/office/mac/drawingml/2011/main" val="1"/>
+              <ma14:placeholderFlag xmlns:ma14="http://schemas.microsoft.com/office/mac/drawingml/2011/main" xmlns="" val="1"/>
             </a:ext>
             <a:ext uri="{909E8E84-426E-40dd-AFC4-6F175D3DCCD1}">
-              <a14:hiddenFill xmlns:a14="http://schemas.microsoft.com/office/drawing/2010/main" xmlns="">
+              <a14:hiddenFill xmlns="" xmlns:a14="http://schemas.microsoft.com/office/drawing/2010/main">
                 <a:solidFill>
                   <a:schemeClr val="accent1"/>
                 </a:solidFill>
               </a14:hiddenFill>
             </a:ext>
             <a:ext uri="{91240B29-F687-4f45-9708-019B960494DF}">
-              <a14:hiddenLine xmlns:a14="http://schemas.microsoft.com/office/drawing/2010/main" xmlns="" w="9525">
+              <a14:hiddenLine xmlns="" xmlns:a14="http://schemas.microsoft.com/office/drawing/2010/main" w="9525">
                 <a:solidFill>
                   <a:schemeClr val="tx1"/>
                 </a:solidFill>
@@ -5525,7 +5526,7 @@
               </a14:hiddenLine>
             </a:ext>
             <a:ext uri="{AF507438-7753-43e0-B8FC-AC1667EBCBE1}">
-              <a14:hiddenEffects xmlns:a14="http://schemas.microsoft.com/office/drawing/2010/main" xmlns="">
+              <a14:hiddenEffects xmlns="" xmlns:a14="http://schemas.microsoft.com/office/drawing/2010/main">
                 <a:effectLst>
                   <a:outerShdw blurRad="63500" dist="38099" dir="2700000" algn="ctr" rotWithShape="0">
                     <a:schemeClr val="bg2">
@@ -5578,17 +5579,17 @@
           <a:effectLst/>
           <a:extLst>
             <a:ext uri="{FAA26D3D-D897-4be2-8F04-BA451C77F1D7}">
-              <ma14:placeholderFlag xmlns="" xmlns:ma14="http://schemas.microsoft.com/office/mac/drawingml/2011/main" val="1"/>
+              <ma14:placeholderFlag xmlns:ma14="http://schemas.microsoft.com/office/mac/drawingml/2011/main" xmlns="" val="1"/>
             </a:ext>
             <a:ext uri="{909E8E84-426E-40dd-AFC4-6F175D3DCCD1}">
-              <a14:hiddenFill xmlns:a14="http://schemas.microsoft.com/office/drawing/2010/main" xmlns="">
+              <a14:hiddenFill xmlns="" xmlns:a14="http://schemas.microsoft.com/office/drawing/2010/main">
                 <a:solidFill>
                   <a:schemeClr val="accent1"/>
                 </a:solidFill>
               </a14:hiddenFill>
             </a:ext>
             <a:ext uri="{91240B29-F687-4f45-9708-019B960494DF}">
-              <a14:hiddenLine xmlns:a14="http://schemas.microsoft.com/office/drawing/2010/main" xmlns="" w="9525">
+              <a14:hiddenLine xmlns="" xmlns:a14="http://schemas.microsoft.com/office/drawing/2010/main" w="9525">
                 <a:solidFill>
                   <a:schemeClr val="tx1"/>
                 </a:solidFill>
@@ -5598,7 +5599,7 @@
               </a14:hiddenLine>
             </a:ext>
             <a:ext uri="{AF507438-7753-43e0-B8FC-AC1667EBCBE1}">
-              <a14:hiddenEffects xmlns:a14="http://schemas.microsoft.com/office/drawing/2010/main" xmlns="">
+              <a14:hiddenEffects xmlns="" xmlns:a14="http://schemas.microsoft.com/office/drawing/2010/main">
                 <a:effectLst>
                   <a:outerShdw blurRad="63500" dist="38099" dir="2700000" algn="ctr" rotWithShape="0">
                     <a:schemeClr val="bg2">
@@ -5679,17 +5680,17 @@
           <a:effectLst/>
           <a:extLst>
             <a:ext uri="{FAA26D3D-D897-4be2-8F04-BA451C77F1D7}">
-              <ma14:placeholderFlag xmlns="" xmlns:ma14="http://schemas.microsoft.com/office/mac/drawingml/2011/main" val="1"/>
+              <ma14:placeholderFlag xmlns:ma14="http://schemas.microsoft.com/office/mac/drawingml/2011/main" xmlns="" val="1"/>
             </a:ext>
             <a:ext uri="{909E8E84-426E-40dd-AFC4-6F175D3DCCD1}">
-              <a14:hiddenFill xmlns:a14="http://schemas.microsoft.com/office/drawing/2010/main" xmlns="">
+              <a14:hiddenFill xmlns="" xmlns:a14="http://schemas.microsoft.com/office/drawing/2010/main">
                 <a:solidFill>
                   <a:schemeClr val="accent1"/>
                 </a:solidFill>
               </a14:hiddenFill>
             </a:ext>
             <a:ext uri="{91240B29-F687-4f45-9708-019B960494DF}">
-              <a14:hiddenLine xmlns:a14="http://schemas.microsoft.com/office/drawing/2010/main" xmlns="" w="9525">
+              <a14:hiddenLine xmlns="" xmlns:a14="http://schemas.microsoft.com/office/drawing/2010/main" w="9525">
                 <a:solidFill>
                   <a:schemeClr val="tx1"/>
                 </a:solidFill>
@@ -5699,7 +5700,7 @@
               </a14:hiddenLine>
             </a:ext>
             <a:ext uri="{AF507438-7753-43e0-B8FC-AC1667EBCBE1}">
-              <a14:hiddenEffects xmlns:a14="http://schemas.microsoft.com/office/drawing/2010/main" xmlns="">
+              <a14:hiddenEffects xmlns="" xmlns:a14="http://schemas.microsoft.com/office/drawing/2010/main">
                 <a:effectLst>
                   <a:outerShdw blurRad="63500" dist="38099" dir="2700000" algn="ctr" rotWithShape="0">
                     <a:schemeClr val="bg2">
@@ -5752,17 +5753,17 @@
           <a:effectLst/>
           <a:extLst>
             <a:ext uri="{FAA26D3D-D897-4be2-8F04-BA451C77F1D7}">
-              <ma14:placeholderFlag xmlns="" xmlns:ma14="http://schemas.microsoft.com/office/mac/drawingml/2011/main" val="1"/>
+              <ma14:placeholderFlag xmlns:ma14="http://schemas.microsoft.com/office/mac/drawingml/2011/main" xmlns="" val="1"/>
             </a:ext>
             <a:ext uri="{909E8E84-426E-40dd-AFC4-6F175D3DCCD1}">
-              <a14:hiddenFill xmlns:a14="http://schemas.microsoft.com/office/drawing/2010/main" xmlns="">
+              <a14:hiddenFill xmlns="" xmlns:a14="http://schemas.microsoft.com/office/drawing/2010/main">
                 <a:solidFill>
                   <a:schemeClr val="accent1"/>
                 </a:solidFill>
               </a14:hiddenFill>
             </a:ext>
             <a:ext uri="{91240B29-F687-4f45-9708-019B960494DF}">
-              <a14:hiddenLine xmlns:a14="http://schemas.microsoft.com/office/drawing/2010/main" xmlns="" w="9525">
+              <a14:hiddenLine xmlns="" xmlns:a14="http://schemas.microsoft.com/office/drawing/2010/main" w="9525">
                 <a:solidFill>
                   <a:schemeClr val="tx1"/>
                 </a:solidFill>
@@ -5772,7 +5773,7 @@
               </a14:hiddenLine>
             </a:ext>
             <a:ext uri="{AF507438-7753-43e0-B8FC-AC1667EBCBE1}">
-              <a14:hiddenEffects xmlns:a14="http://schemas.microsoft.com/office/drawing/2010/main" xmlns="">
+              <a14:hiddenEffects xmlns="" xmlns:a14="http://schemas.microsoft.com/office/drawing/2010/main">
                 <a:effectLst>
                   <a:outerShdw blurRad="63500" dist="38099" dir="2700000" algn="ctr" rotWithShape="0">
                     <a:schemeClr val="bg2">
@@ -5825,17 +5826,17 @@
           <a:effectLst/>
           <a:extLst>
             <a:ext uri="{FAA26D3D-D897-4be2-8F04-BA451C77F1D7}">
-              <ma14:placeholderFlag xmlns="" xmlns:ma14="http://schemas.microsoft.com/office/mac/drawingml/2011/main" val="1"/>
+              <ma14:placeholderFlag xmlns:ma14="http://schemas.microsoft.com/office/mac/drawingml/2011/main" xmlns="" val="1"/>
             </a:ext>
             <a:ext uri="{909E8E84-426E-40dd-AFC4-6F175D3DCCD1}">
-              <a14:hiddenFill xmlns:a14="http://schemas.microsoft.com/office/drawing/2010/main" xmlns="">
+              <a14:hiddenFill xmlns="" xmlns:a14="http://schemas.microsoft.com/office/drawing/2010/main">
                 <a:solidFill>
                   <a:schemeClr val="accent1"/>
                 </a:solidFill>
               </a14:hiddenFill>
             </a:ext>
             <a:ext uri="{91240B29-F687-4f45-9708-019B960494DF}">
-              <a14:hiddenLine xmlns:a14="http://schemas.microsoft.com/office/drawing/2010/main" xmlns="" w="9525">
+              <a14:hiddenLine xmlns="" xmlns:a14="http://schemas.microsoft.com/office/drawing/2010/main" w="9525">
                 <a:solidFill>
                   <a:schemeClr val="tx1"/>
                 </a:solidFill>
@@ -5845,7 +5846,7 @@
               </a14:hiddenLine>
             </a:ext>
             <a:ext uri="{AF507438-7753-43e0-B8FC-AC1667EBCBE1}">
-              <a14:hiddenEffects xmlns:a14="http://schemas.microsoft.com/office/drawing/2010/main" xmlns="">
+              <a14:hiddenEffects xmlns="" xmlns:a14="http://schemas.microsoft.com/office/drawing/2010/main">
                 <a:effectLst>
                   <a:outerShdw blurRad="63500" dist="38099" dir="2700000" algn="ctr" rotWithShape="0">
                     <a:schemeClr val="bg2">
@@ -5919,7 +5920,7 @@
             <a:effectLst/>
             <a:extLst>
               <a:ext uri="{91240B29-F687-4f45-9708-019B960494DF}">
-                <a14:hiddenLine xmlns:a14="http://schemas.microsoft.com/office/drawing/2010/main" xmlns="" w="9525">
+                <a14:hiddenLine xmlns="" xmlns:a14="http://schemas.microsoft.com/office/drawing/2010/main" w="9525">
                   <a:solidFill>
                     <a:schemeClr val="tx1"/>
                   </a:solidFill>
@@ -5929,7 +5930,7 @@
                 </a14:hiddenLine>
               </a:ext>
               <a:ext uri="{AF507438-7753-43e0-B8FC-AC1667EBCBE1}">
-                <a14:hiddenEffects xmlns:a14="http://schemas.microsoft.com/office/drawing/2010/main" xmlns="">
+                <a14:hiddenEffects xmlns="" xmlns:a14="http://schemas.microsoft.com/office/drawing/2010/main">
                   <a:effectLst>
                     <a:outerShdw blurRad="63500" dist="38099" dir="2700000" algn="ctr" rotWithShape="0">
                       <a:schemeClr val="bg2">
@@ -5974,7 +5975,7 @@
             <a:effectLst/>
             <a:extLst>
               <a:ext uri="{91240B29-F687-4f45-9708-019B960494DF}">
-                <a14:hiddenLine xmlns:a14="http://schemas.microsoft.com/office/drawing/2010/main" xmlns="" w="9525">
+                <a14:hiddenLine xmlns="" xmlns:a14="http://schemas.microsoft.com/office/drawing/2010/main" w="9525">
                   <a:solidFill>
                     <a:schemeClr val="tx1"/>
                   </a:solidFill>
@@ -5984,7 +5985,7 @@
                 </a14:hiddenLine>
               </a:ext>
               <a:ext uri="{AF507438-7753-43e0-B8FC-AC1667EBCBE1}">
-                <a14:hiddenEffects xmlns:a14="http://schemas.microsoft.com/office/drawing/2010/main" xmlns="">
+                <a14:hiddenEffects xmlns="" xmlns:a14="http://schemas.microsoft.com/office/drawing/2010/main">
                   <a:effectLst>
                     <a:outerShdw blurRad="63500" dist="38099" dir="2700000" algn="ctr" rotWithShape="0">
                       <a:schemeClr val="bg2">
@@ -6029,7 +6030,7 @@
             <a:effectLst/>
             <a:extLst>
               <a:ext uri="{91240B29-F687-4f45-9708-019B960494DF}">
-                <a14:hiddenLine xmlns:a14="http://schemas.microsoft.com/office/drawing/2010/main" xmlns="" w="9525">
+                <a14:hiddenLine xmlns="" xmlns:a14="http://schemas.microsoft.com/office/drawing/2010/main" w="9525">
                   <a:solidFill>
                     <a:schemeClr val="tx1"/>
                   </a:solidFill>
@@ -6039,7 +6040,7 @@
                 </a14:hiddenLine>
               </a:ext>
               <a:ext uri="{AF507438-7753-43e0-B8FC-AC1667EBCBE1}">
-                <a14:hiddenEffects xmlns:a14="http://schemas.microsoft.com/office/drawing/2010/main" xmlns="">
+                <a14:hiddenEffects xmlns="" xmlns:a14="http://schemas.microsoft.com/office/drawing/2010/main">
                   <a:effectLst>
                     <a:outerShdw blurRad="63500" dist="38099" dir="2700000" algn="ctr" rotWithShape="0">
                       <a:schemeClr val="bg2">
@@ -6084,7 +6085,7 @@
             <a:effectLst/>
             <a:extLst>
               <a:ext uri="{91240B29-F687-4f45-9708-019B960494DF}">
-                <a14:hiddenLine xmlns:a14="http://schemas.microsoft.com/office/drawing/2010/main" xmlns="" w="9525">
+                <a14:hiddenLine xmlns="" xmlns:a14="http://schemas.microsoft.com/office/drawing/2010/main" w="9525">
                   <a:solidFill>
                     <a:schemeClr val="tx1"/>
                   </a:solidFill>
@@ -6094,7 +6095,7 @@
                 </a14:hiddenLine>
               </a:ext>
               <a:ext uri="{AF507438-7753-43e0-B8FC-AC1667EBCBE1}">
-                <a14:hiddenEffects xmlns:a14="http://schemas.microsoft.com/office/drawing/2010/main" xmlns="">
+                <a14:hiddenEffects xmlns="" xmlns:a14="http://schemas.microsoft.com/office/drawing/2010/main">
                   <a:effectLst>
                     <a:outerShdw blurRad="63500" dist="38099" dir="2700000" algn="ctr" rotWithShape="0">
                       <a:schemeClr val="bg2">
@@ -6139,7 +6140,7 @@
             <a:effectLst/>
             <a:extLst>
               <a:ext uri="{91240B29-F687-4f45-9708-019B960494DF}">
-                <a14:hiddenLine xmlns:a14="http://schemas.microsoft.com/office/drawing/2010/main" xmlns="" w="9525">
+                <a14:hiddenLine xmlns="" xmlns:a14="http://schemas.microsoft.com/office/drawing/2010/main" w="9525">
                   <a:solidFill>
                     <a:schemeClr val="tx1"/>
                   </a:solidFill>
@@ -6149,7 +6150,7 @@
                 </a14:hiddenLine>
               </a:ext>
               <a:ext uri="{AF507438-7753-43e0-B8FC-AC1667EBCBE1}">
-                <a14:hiddenEffects xmlns:a14="http://schemas.microsoft.com/office/drawing/2010/main" xmlns="">
+                <a14:hiddenEffects xmlns="" xmlns:a14="http://schemas.microsoft.com/office/drawing/2010/main">
                   <a:effectLst>
                     <a:outerShdw blurRad="63500" dist="38099" dir="2700000" algn="ctr" rotWithShape="0">
                       <a:schemeClr val="bg2">
@@ -6194,7 +6195,7 @@
             <a:effectLst/>
             <a:extLst>
               <a:ext uri="{91240B29-F687-4f45-9708-019B960494DF}">
-                <a14:hiddenLine xmlns:a14="http://schemas.microsoft.com/office/drawing/2010/main" xmlns="" w="9525">
+                <a14:hiddenLine xmlns="" xmlns:a14="http://schemas.microsoft.com/office/drawing/2010/main" w="9525">
                   <a:solidFill>
                     <a:schemeClr val="tx1"/>
                   </a:solidFill>
@@ -6204,7 +6205,7 @@
                 </a14:hiddenLine>
               </a:ext>
               <a:ext uri="{AF507438-7753-43e0-B8FC-AC1667EBCBE1}">
-                <a14:hiddenEffects xmlns:a14="http://schemas.microsoft.com/office/drawing/2010/main" xmlns="">
+                <a14:hiddenEffects xmlns="" xmlns:a14="http://schemas.microsoft.com/office/drawing/2010/main">
                   <a:effectLst>
                     <a:outerShdw blurRad="63500" dist="38099" dir="2700000" algn="ctr" rotWithShape="0">
                       <a:schemeClr val="bg2">
@@ -6249,7 +6250,7 @@
             <a:effectLst/>
             <a:extLst>
               <a:ext uri="{91240B29-F687-4f45-9708-019B960494DF}">
-                <a14:hiddenLine xmlns:a14="http://schemas.microsoft.com/office/drawing/2010/main" xmlns="" w="9525">
+                <a14:hiddenLine xmlns="" xmlns:a14="http://schemas.microsoft.com/office/drawing/2010/main" w="9525">
                   <a:solidFill>
                     <a:schemeClr val="tx1"/>
                   </a:solidFill>
@@ -6259,7 +6260,7 @@
                 </a14:hiddenLine>
               </a:ext>
               <a:ext uri="{AF507438-7753-43e0-B8FC-AC1667EBCBE1}">
-                <a14:hiddenEffects xmlns:a14="http://schemas.microsoft.com/office/drawing/2010/main" xmlns="">
+                <a14:hiddenEffects xmlns="" xmlns:a14="http://schemas.microsoft.com/office/drawing/2010/main">
                   <a:effectLst>
                     <a:outerShdw blurRad="63500" dist="38099" dir="2700000" algn="ctr" rotWithShape="0">
                       <a:schemeClr val="bg2">
@@ -6304,7 +6305,7 @@
             <a:effectLst/>
             <a:extLst>
               <a:ext uri="{91240B29-F687-4f45-9708-019B960494DF}">
-                <a14:hiddenLine xmlns:a14="http://schemas.microsoft.com/office/drawing/2010/main" xmlns="" w="9525">
+                <a14:hiddenLine xmlns="" xmlns:a14="http://schemas.microsoft.com/office/drawing/2010/main" w="9525">
                   <a:solidFill>
                     <a:schemeClr val="tx1"/>
                   </a:solidFill>
@@ -6314,7 +6315,7 @@
                 </a14:hiddenLine>
               </a:ext>
               <a:ext uri="{AF507438-7753-43e0-B8FC-AC1667EBCBE1}">
-                <a14:hiddenEffects xmlns:a14="http://schemas.microsoft.com/office/drawing/2010/main" xmlns="">
+                <a14:hiddenEffects xmlns="" xmlns:a14="http://schemas.microsoft.com/office/drawing/2010/main">
                   <a:effectLst>
                     <a:outerShdw blurRad="63500" dist="38099" dir="2700000" algn="ctr" rotWithShape="0">
                       <a:schemeClr val="bg2">
@@ -6359,7 +6360,7 @@
             <a:effectLst/>
             <a:extLst>
               <a:ext uri="{91240B29-F687-4f45-9708-019B960494DF}">
-                <a14:hiddenLine xmlns:a14="http://schemas.microsoft.com/office/drawing/2010/main" xmlns="" w="9525">
+                <a14:hiddenLine xmlns="" xmlns:a14="http://schemas.microsoft.com/office/drawing/2010/main" w="9525">
                   <a:solidFill>
                     <a:schemeClr val="tx1"/>
                   </a:solidFill>
@@ -6369,7 +6370,7 @@
                 </a14:hiddenLine>
               </a:ext>
               <a:ext uri="{AF507438-7753-43e0-B8FC-AC1667EBCBE1}">
-                <a14:hiddenEffects xmlns:a14="http://schemas.microsoft.com/office/drawing/2010/main" xmlns="">
+                <a14:hiddenEffects xmlns="" xmlns:a14="http://schemas.microsoft.com/office/drawing/2010/main">
                   <a:effectLst>
                     <a:outerShdw blurRad="63500" dist="38099" dir="2700000" algn="ctr" rotWithShape="0">
                       <a:schemeClr val="bg2">
@@ -6414,7 +6415,7 @@
             <a:effectLst/>
             <a:extLst>
               <a:ext uri="{91240B29-F687-4f45-9708-019B960494DF}">
-                <a14:hiddenLine xmlns:a14="http://schemas.microsoft.com/office/drawing/2010/main" xmlns="" w="9525">
+                <a14:hiddenLine xmlns="" xmlns:a14="http://schemas.microsoft.com/office/drawing/2010/main" w="9525">
                   <a:solidFill>
                     <a:schemeClr val="tx1"/>
                   </a:solidFill>
@@ -6424,7 +6425,7 @@
                 </a14:hiddenLine>
               </a:ext>
               <a:ext uri="{AF507438-7753-43e0-B8FC-AC1667EBCBE1}">
-                <a14:hiddenEffects xmlns:a14="http://schemas.microsoft.com/office/drawing/2010/main" xmlns="">
+                <a14:hiddenEffects xmlns="" xmlns:a14="http://schemas.microsoft.com/office/drawing/2010/main">
                   <a:effectLst>
                     <a:outerShdw blurRad="63500" dist="38099" dir="2700000" algn="ctr" rotWithShape="0">
                       <a:schemeClr val="bg2">
@@ -6469,7 +6470,7 @@
             <a:effectLst/>
             <a:extLst>
               <a:ext uri="{91240B29-F687-4f45-9708-019B960494DF}">
-                <a14:hiddenLine xmlns:a14="http://schemas.microsoft.com/office/drawing/2010/main" xmlns="" w="9525">
+                <a14:hiddenLine xmlns="" xmlns:a14="http://schemas.microsoft.com/office/drawing/2010/main" w="9525">
                   <a:solidFill>
                     <a:schemeClr val="tx1"/>
                   </a:solidFill>
@@ -6479,7 +6480,7 @@
                 </a14:hiddenLine>
               </a:ext>
               <a:ext uri="{AF507438-7753-43e0-B8FC-AC1667EBCBE1}">
-                <a14:hiddenEffects xmlns:a14="http://schemas.microsoft.com/office/drawing/2010/main" xmlns="">
+                <a14:hiddenEffects xmlns="" xmlns:a14="http://schemas.microsoft.com/office/drawing/2010/main">
                   <a:effectLst>
                     <a:outerShdw blurRad="63500" dist="38099" dir="2700000" algn="ctr" rotWithShape="0">
                       <a:schemeClr val="bg2">
@@ -6524,7 +6525,7 @@
             <a:effectLst/>
             <a:extLst>
               <a:ext uri="{91240B29-F687-4f45-9708-019B960494DF}">
-                <a14:hiddenLine xmlns:a14="http://schemas.microsoft.com/office/drawing/2010/main" xmlns="" w="9525">
+                <a14:hiddenLine xmlns="" xmlns:a14="http://schemas.microsoft.com/office/drawing/2010/main" w="9525">
                   <a:solidFill>
                     <a:schemeClr val="tx1"/>
                   </a:solidFill>
@@ -6534,7 +6535,7 @@
                 </a14:hiddenLine>
               </a:ext>
               <a:ext uri="{AF507438-7753-43e0-B8FC-AC1667EBCBE1}">
-                <a14:hiddenEffects xmlns:a14="http://schemas.microsoft.com/office/drawing/2010/main" xmlns="">
+                <a14:hiddenEffects xmlns="" xmlns:a14="http://schemas.microsoft.com/office/drawing/2010/main">
                   <a:effectLst>
                     <a:outerShdw blurRad="63500" dist="38099" dir="2700000" algn="ctr" rotWithShape="0">
                       <a:schemeClr val="bg2">
@@ -6579,7 +6580,7 @@
             <a:effectLst/>
             <a:extLst>
               <a:ext uri="{91240B29-F687-4f45-9708-019B960494DF}">
-                <a14:hiddenLine xmlns:a14="http://schemas.microsoft.com/office/drawing/2010/main" xmlns="" w="9525">
+                <a14:hiddenLine xmlns="" xmlns:a14="http://schemas.microsoft.com/office/drawing/2010/main" w="9525">
                   <a:solidFill>
                     <a:schemeClr val="tx1"/>
                   </a:solidFill>
@@ -6589,7 +6590,7 @@
                 </a14:hiddenLine>
               </a:ext>
               <a:ext uri="{AF507438-7753-43e0-B8FC-AC1667EBCBE1}">
-                <a14:hiddenEffects xmlns:a14="http://schemas.microsoft.com/office/drawing/2010/main" xmlns="">
+                <a14:hiddenEffects xmlns="" xmlns:a14="http://schemas.microsoft.com/office/drawing/2010/main">
                   <a:effectLst>
                     <a:outerShdw blurRad="63500" dist="38099" dir="2700000" algn="ctr" rotWithShape="0">
                       <a:schemeClr val="bg2">
@@ -6634,7 +6635,7 @@
             <a:effectLst/>
             <a:extLst>
               <a:ext uri="{91240B29-F687-4f45-9708-019B960494DF}">
-                <a14:hiddenLine xmlns:a14="http://schemas.microsoft.com/office/drawing/2010/main" xmlns="" w="9525">
+                <a14:hiddenLine xmlns="" xmlns:a14="http://schemas.microsoft.com/office/drawing/2010/main" w="9525">
                   <a:solidFill>
                     <a:schemeClr val="tx1"/>
                   </a:solidFill>
@@ -6644,7 +6645,7 @@
                 </a14:hiddenLine>
               </a:ext>
               <a:ext uri="{AF507438-7753-43e0-B8FC-AC1667EBCBE1}">
-                <a14:hiddenEffects xmlns:a14="http://schemas.microsoft.com/office/drawing/2010/main" xmlns="">
+                <a14:hiddenEffects xmlns="" xmlns:a14="http://schemas.microsoft.com/office/drawing/2010/main">
                   <a:effectLst>
                     <a:outerShdw blurRad="63500" dist="38099" dir="2700000" algn="ctr" rotWithShape="0">
                       <a:schemeClr val="bg2">
@@ -6689,7 +6690,7 @@
             <a:effectLst/>
             <a:extLst>
               <a:ext uri="{91240B29-F687-4f45-9708-019B960494DF}">
-                <a14:hiddenLine xmlns:a14="http://schemas.microsoft.com/office/drawing/2010/main" xmlns="" w="9525">
+                <a14:hiddenLine xmlns="" xmlns:a14="http://schemas.microsoft.com/office/drawing/2010/main" w="9525">
                   <a:solidFill>
                     <a:schemeClr val="tx1"/>
                   </a:solidFill>
@@ -6699,7 +6700,7 @@
                 </a14:hiddenLine>
               </a:ext>
               <a:ext uri="{AF507438-7753-43e0-B8FC-AC1667EBCBE1}">
-                <a14:hiddenEffects xmlns:a14="http://schemas.microsoft.com/office/drawing/2010/main" xmlns="">
+                <a14:hiddenEffects xmlns="" xmlns:a14="http://schemas.microsoft.com/office/drawing/2010/main">
                   <a:effectLst>
                     <a:outerShdw blurRad="63500" dist="38099" dir="2700000" algn="ctr" rotWithShape="0">
                       <a:schemeClr val="bg2">
@@ -6744,7 +6745,7 @@
             <a:effectLst/>
             <a:extLst>
               <a:ext uri="{91240B29-F687-4f45-9708-019B960494DF}">
-                <a14:hiddenLine xmlns:a14="http://schemas.microsoft.com/office/drawing/2010/main" xmlns="" w="9525">
+                <a14:hiddenLine xmlns="" xmlns:a14="http://schemas.microsoft.com/office/drawing/2010/main" w="9525">
                   <a:solidFill>
                     <a:schemeClr val="tx1"/>
                   </a:solidFill>
@@ -6754,7 +6755,7 @@
                 </a14:hiddenLine>
               </a:ext>
               <a:ext uri="{AF507438-7753-43e0-B8FC-AC1667EBCBE1}">
-                <a14:hiddenEffects xmlns:a14="http://schemas.microsoft.com/office/drawing/2010/main" xmlns="">
+                <a14:hiddenEffects xmlns="" xmlns:a14="http://schemas.microsoft.com/office/drawing/2010/main">
                   <a:effectLst>
                     <a:outerShdw blurRad="63500" dist="38099" dir="2700000" algn="ctr" rotWithShape="0">
                       <a:schemeClr val="bg2">
@@ -6799,7 +6800,7 @@
             <a:effectLst/>
             <a:extLst>
               <a:ext uri="{91240B29-F687-4f45-9708-019B960494DF}">
-                <a14:hiddenLine xmlns:a14="http://schemas.microsoft.com/office/drawing/2010/main" xmlns="" w="9525">
+                <a14:hiddenLine xmlns="" xmlns:a14="http://schemas.microsoft.com/office/drawing/2010/main" w="9525">
                   <a:solidFill>
                     <a:schemeClr val="tx1"/>
                   </a:solidFill>
@@ -6809,7 +6810,7 @@
                 </a14:hiddenLine>
               </a:ext>
               <a:ext uri="{AF507438-7753-43e0-B8FC-AC1667EBCBE1}">
-                <a14:hiddenEffects xmlns:a14="http://schemas.microsoft.com/office/drawing/2010/main" xmlns="">
+                <a14:hiddenEffects xmlns="" xmlns:a14="http://schemas.microsoft.com/office/drawing/2010/main">
                   <a:effectLst>
                     <a:outerShdw blurRad="63500" dist="38099" dir="2700000" algn="ctr" rotWithShape="0">
                       <a:schemeClr val="bg2">
@@ -6854,7 +6855,7 @@
             <a:effectLst/>
             <a:extLst>
               <a:ext uri="{91240B29-F687-4f45-9708-019B960494DF}">
-                <a14:hiddenLine xmlns:a14="http://schemas.microsoft.com/office/drawing/2010/main" xmlns="" w="9525">
+                <a14:hiddenLine xmlns="" xmlns:a14="http://schemas.microsoft.com/office/drawing/2010/main" w="9525">
                   <a:solidFill>
                     <a:schemeClr val="tx1"/>
                   </a:solidFill>
@@ -6864,7 +6865,7 @@
                 </a14:hiddenLine>
               </a:ext>
               <a:ext uri="{AF507438-7753-43e0-B8FC-AC1667EBCBE1}">
-                <a14:hiddenEffects xmlns:a14="http://schemas.microsoft.com/office/drawing/2010/main" xmlns="">
+                <a14:hiddenEffects xmlns="" xmlns:a14="http://schemas.microsoft.com/office/drawing/2010/main">
                   <a:effectLst>
                     <a:outerShdw blurRad="63500" dist="38099" dir="2700000" algn="ctr" rotWithShape="0">
                       <a:schemeClr val="bg2">
@@ -6909,7 +6910,7 @@
             <a:effectLst/>
             <a:extLst>
               <a:ext uri="{91240B29-F687-4f45-9708-019B960494DF}">
-                <a14:hiddenLine xmlns:a14="http://schemas.microsoft.com/office/drawing/2010/main" xmlns="" w="9525">
+                <a14:hiddenLine xmlns="" xmlns:a14="http://schemas.microsoft.com/office/drawing/2010/main" w="9525">
                   <a:solidFill>
                     <a:schemeClr val="tx1"/>
                   </a:solidFill>
@@ -6919,7 +6920,7 @@
                 </a14:hiddenLine>
               </a:ext>
               <a:ext uri="{AF507438-7753-43e0-B8FC-AC1667EBCBE1}">
-                <a14:hiddenEffects xmlns:a14="http://schemas.microsoft.com/office/drawing/2010/main" xmlns="">
+                <a14:hiddenEffects xmlns="" xmlns:a14="http://schemas.microsoft.com/office/drawing/2010/main">
                   <a:effectLst>
                     <a:outerShdw blurRad="63500" dist="38099" dir="2700000" algn="ctr" rotWithShape="0">
                       <a:schemeClr val="bg2">
@@ -6964,7 +6965,7 @@
             <a:effectLst/>
             <a:extLst>
               <a:ext uri="{91240B29-F687-4f45-9708-019B960494DF}">
-                <a14:hiddenLine xmlns:a14="http://schemas.microsoft.com/office/drawing/2010/main" xmlns="" w="9525">
+                <a14:hiddenLine xmlns="" xmlns:a14="http://schemas.microsoft.com/office/drawing/2010/main" w="9525">
                   <a:solidFill>
                     <a:schemeClr val="tx1"/>
                   </a:solidFill>
@@ -6974,7 +6975,7 @@
                 </a14:hiddenLine>
               </a:ext>
               <a:ext uri="{AF507438-7753-43e0-B8FC-AC1667EBCBE1}">
-                <a14:hiddenEffects xmlns:a14="http://schemas.microsoft.com/office/drawing/2010/main" xmlns="">
+                <a14:hiddenEffects xmlns="" xmlns:a14="http://schemas.microsoft.com/office/drawing/2010/main">
                   <a:effectLst>
                     <a:outerShdw blurRad="63500" dist="38099" dir="2700000" algn="ctr" rotWithShape="0">
                       <a:schemeClr val="bg2">
@@ -7019,7 +7020,7 @@
             <a:effectLst/>
             <a:extLst>
               <a:ext uri="{91240B29-F687-4f45-9708-019B960494DF}">
-                <a14:hiddenLine xmlns:a14="http://schemas.microsoft.com/office/drawing/2010/main" xmlns="" w="9525">
+                <a14:hiddenLine xmlns="" xmlns:a14="http://schemas.microsoft.com/office/drawing/2010/main" w="9525">
                   <a:solidFill>
                     <a:schemeClr val="tx1"/>
                   </a:solidFill>
@@ -7029,7 +7030,7 @@
                 </a14:hiddenLine>
               </a:ext>
               <a:ext uri="{AF507438-7753-43e0-B8FC-AC1667EBCBE1}">
-                <a14:hiddenEffects xmlns:a14="http://schemas.microsoft.com/office/drawing/2010/main" xmlns="">
+                <a14:hiddenEffects xmlns="" xmlns:a14="http://schemas.microsoft.com/office/drawing/2010/main">
                   <a:effectLst>
                     <a:outerShdw blurRad="63500" dist="38099" dir="2700000" algn="ctr" rotWithShape="0">
                       <a:schemeClr val="bg2">
@@ -7074,7 +7075,7 @@
             <a:effectLst/>
             <a:extLst>
               <a:ext uri="{91240B29-F687-4f45-9708-019B960494DF}">
-                <a14:hiddenLine xmlns:a14="http://schemas.microsoft.com/office/drawing/2010/main" xmlns="" w="9525">
+                <a14:hiddenLine xmlns="" xmlns:a14="http://schemas.microsoft.com/office/drawing/2010/main" w="9525">
                   <a:solidFill>
                     <a:schemeClr val="tx1"/>
                   </a:solidFill>
@@ -7084,7 +7085,7 @@
                 </a14:hiddenLine>
               </a:ext>
               <a:ext uri="{AF507438-7753-43e0-B8FC-AC1667EBCBE1}">
-                <a14:hiddenEffects xmlns:a14="http://schemas.microsoft.com/office/drawing/2010/main" xmlns="">
+                <a14:hiddenEffects xmlns="" xmlns:a14="http://schemas.microsoft.com/office/drawing/2010/main">
                   <a:effectLst>
                     <a:outerShdw blurRad="63500" dist="38099" dir="2700000" algn="ctr" rotWithShape="0">
                       <a:schemeClr val="bg2">
@@ -7129,7 +7130,7 @@
             <a:effectLst/>
             <a:extLst>
               <a:ext uri="{91240B29-F687-4f45-9708-019B960494DF}">
-                <a14:hiddenLine xmlns:a14="http://schemas.microsoft.com/office/drawing/2010/main" xmlns="" w="9525">
+                <a14:hiddenLine xmlns="" xmlns:a14="http://schemas.microsoft.com/office/drawing/2010/main" w="9525">
                   <a:solidFill>
                     <a:schemeClr val="tx1"/>
                   </a:solidFill>
@@ -7139,7 +7140,7 @@
                 </a14:hiddenLine>
               </a:ext>
               <a:ext uri="{AF507438-7753-43e0-B8FC-AC1667EBCBE1}">
-                <a14:hiddenEffects xmlns:a14="http://schemas.microsoft.com/office/drawing/2010/main" xmlns="">
+                <a14:hiddenEffects xmlns="" xmlns:a14="http://schemas.microsoft.com/office/drawing/2010/main">
                   <a:effectLst>
                     <a:outerShdw blurRad="63500" dist="38099" dir="2700000" algn="ctr" rotWithShape="0">
                       <a:schemeClr val="bg2">
@@ -7184,7 +7185,7 @@
             <a:effectLst/>
             <a:extLst>
               <a:ext uri="{91240B29-F687-4f45-9708-019B960494DF}">
-                <a14:hiddenLine xmlns:a14="http://schemas.microsoft.com/office/drawing/2010/main" xmlns="" w="9525">
+                <a14:hiddenLine xmlns="" xmlns:a14="http://schemas.microsoft.com/office/drawing/2010/main" w="9525">
                   <a:solidFill>
                     <a:schemeClr val="tx1"/>
                   </a:solidFill>
@@ -7194,7 +7195,7 @@
                 </a14:hiddenLine>
               </a:ext>
               <a:ext uri="{AF507438-7753-43e0-B8FC-AC1667EBCBE1}">
-                <a14:hiddenEffects xmlns:a14="http://schemas.microsoft.com/office/drawing/2010/main" xmlns="">
+                <a14:hiddenEffects xmlns="" xmlns:a14="http://schemas.microsoft.com/office/drawing/2010/main">
                   <a:effectLst>
                     <a:outerShdw blurRad="63500" dist="38099" dir="2700000" algn="ctr" rotWithShape="0">
                       <a:schemeClr val="bg2">
@@ -7239,7 +7240,7 @@
             <a:effectLst/>
             <a:extLst>
               <a:ext uri="{91240B29-F687-4f45-9708-019B960494DF}">
-                <a14:hiddenLine xmlns:a14="http://schemas.microsoft.com/office/drawing/2010/main" xmlns="" w="9525">
+                <a14:hiddenLine xmlns="" xmlns:a14="http://schemas.microsoft.com/office/drawing/2010/main" w="9525">
                   <a:solidFill>
                     <a:schemeClr val="tx1"/>
                   </a:solidFill>
@@ -7249,7 +7250,7 @@
                 </a14:hiddenLine>
               </a:ext>
               <a:ext uri="{AF507438-7753-43e0-B8FC-AC1667EBCBE1}">
-                <a14:hiddenEffects xmlns:a14="http://schemas.microsoft.com/office/drawing/2010/main" xmlns="">
+                <a14:hiddenEffects xmlns="" xmlns:a14="http://schemas.microsoft.com/office/drawing/2010/main">
                   <a:effectLst>
                     <a:outerShdw blurRad="63500" dist="38099" dir="2700000" algn="ctr" rotWithShape="0">
                       <a:schemeClr val="bg2">
@@ -7294,7 +7295,7 @@
             <a:effectLst/>
             <a:extLst>
               <a:ext uri="{91240B29-F687-4f45-9708-019B960494DF}">
-                <a14:hiddenLine xmlns:a14="http://schemas.microsoft.com/office/drawing/2010/main" xmlns="" w="9525">
+                <a14:hiddenLine xmlns="" xmlns:a14="http://schemas.microsoft.com/office/drawing/2010/main" w="9525">
                   <a:solidFill>
                     <a:schemeClr val="tx1"/>
                   </a:solidFill>
@@ -7304,7 +7305,7 @@
                 </a14:hiddenLine>
               </a:ext>
               <a:ext uri="{AF507438-7753-43e0-B8FC-AC1667EBCBE1}">
-                <a14:hiddenEffects xmlns:a14="http://schemas.microsoft.com/office/drawing/2010/main" xmlns="">
+                <a14:hiddenEffects xmlns="" xmlns:a14="http://schemas.microsoft.com/office/drawing/2010/main">
                   <a:effectLst>
                     <a:outerShdw blurRad="63500" dist="38099" dir="2700000" algn="ctr" rotWithShape="0">
                       <a:schemeClr val="bg2">
@@ -7349,7 +7350,7 @@
             <a:effectLst/>
             <a:extLst>
               <a:ext uri="{91240B29-F687-4f45-9708-019B960494DF}">
-                <a14:hiddenLine xmlns:a14="http://schemas.microsoft.com/office/drawing/2010/main" xmlns="" w="9525">
+                <a14:hiddenLine xmlns="" xmlns:a14="http://schemas.microsoft.com/office/drawing/2010/main" w="9525">
                   <a:solidFill>
                     <a:schemeClr val="tx1"/>
                   </a:solidFill>
@@ -7359,7 +7360,7 @@
                 </a14:hiddenLine>
               </a:ext>
               <a:ext uri="{AF507438-7753-43e0-B8FC-AC1667EBCBE1}">
-                <a14:hiddenEffects xmlns:a14="http://schemas.microsoft.com/office/drawing/2010/main" xmlns="">
+                <a14:hiddenEffects xmlns="" xmlns:a14="http://schemas.microsoft.com/office/drawing/2010/main">
                   <a:effectLst>
                     <a:outerShdw blurRad="63500" dist="38099" dir="2700000" algn="ctr" rotWithShape="0">
                       <a:schemeClr val="bg2">
@@ -7404,7 +7405,7 @@
             <a:effectLst/>
             <a:extLst>
               <a:ext uri="{91240B29-F687-4f45-9708-019B960494DF}">
-                <a14:hiddenLine xmlns:a14="http://schemas.microsoft.com/office/drawing/2010/main" xmlns="" w="9525">
+                <a14:hiddenLine xmlns="" xmlns:a14="http://schemas.microsoft.com/office/drawing/2010/main" w="9525">
                   <a:solidFill>
                     <a:schemeClr val="tx1"/>
                   </a:solidFill>
@@ -7414,7 +7415,7 @@
                 </a14:hiddenLine>
               </a:ext>
               <a:ext uri="{AF507438-7753-43e0-B8FC-AC1667EBCBE1}">
-                <a14:hiddenEffects xmlns:a14="http://schemas.microsoft.com/office/drawing/2010/main" xmlns="">
+                <a14:hiddenEffects xmlns="" xmlns:a14="http://schemas.microsoft.com/office/drawing/2010/main">
                   <a:effectLst>
                     <a:outerShdw blurRad="63500" dist="38099" dir="2700000" algn="ctr" rotWithShape="0">
                       <a:schemeClr val="bg2">
@@ -7459,7 +7460,7 @@
             <a:effectLst/>
             <a:extLst>
               <a:ext uri="{91240B29-F687-4f45-9708-019B960494DF}">
-                <a14:hiddenLine xmlns:a14="http://schemas.microsoft.com/office/drawing/2010/main" xmlns="" w="9525">
+                <a14:hiddenLine xmlns="" xmlns:a14="http://schemas.microsoft.com/office/drawing/2010/main" w="9525">
                   <a:solidFill>
                     <a:schemeClr val="tx1"/>
                   </a:solidFill>
@@ -7469,7 +7470,7 @@
                 </a14:hiddenLine>
               </a:ext>
               <a:ext uri="{AF507438-7753-43e0-B8FC-AC1667EBCBE1}">
-                <a14:hiddenEffects xmlns:a14="http://schemas.microsoft.com/office/drawing/2010/main" xmlns="">
+                <a14:hiddenEffects xmlns="" xmlns:a14="http://schemas.microsoft.com/office/drawing/2010/main">
                   <a:effectLst>
                     <a:outerShdw blurRad="63500" dist="38099" dir="2700000" algn="ctr" rotWithShape="0">
                       <a:schemeClr val="bg2">
@@ -7514,7 +7515,7 @@
             <a:effectLst/>
             <a:extLst>
               <a:ext uri="{91240B29-F687-4f45-9708-019B960494DF}">
-                <a14:hiddenLine xmlns:a14="http://schemas.microsoft.com/office/drawing/2010/main" xmlns="" w="9525">
+                <a14:hiddenLine xmlns="" xmlns:a14="http://schemas.microsoft.com/office/drawing/2010/main" w="9525">
                   <a:solidFill>
                     <a:schemeClr val="tx1"/>
                   </a:solidFill>
@@ -7524,7 +7525,7 @@
                 </a14:hiddenLine>
               </a:ext>
               <a:ext uri="{AF507438-7753-43e0-B8FC-AC1667EBCBE1}">
-                <a14:hiddenEffects xmlns:a14="http://schemas.microsoft.com/office/drawing/2010/main" xmlns="">
+                <a14:hiddenEffects xmlns="" xmlns:a14="http://schemas.microsoft.com/office/drawing/2010/main">
                   <a:effectLst>
                     <a:outerShdw blurRad="63500" dist="38099" dir="2700000" algn="ctr" rotWithShape="0">
                       <a:schemeClr val="bg2">
@@ -7569,7 +7570,7 @@
             <a:effectLst/>
             <a:extLst>
               <a:ext uri="{91240B29-F687-4f45-9708-019B960494DF}">
-                <a14:hiddenLine xmlns:a14="http://schemas.microsoft.com/office/drawing/2010/main" xmlns="" w="9525">
+                <a14:hiddenLine xmlns="" xmlns:a14="http://schemas.microsoft.com/office/drawing/2010/main" w="9525">
                   <a:solidFill>
                     <a:schemeClr val="tx1"/>
                   </a:solidFill>
@@ -7579,7 +7580,7 @@
                 </a14:hiddenLine>
               </a:ext>
               <a:ext uri="{AF507438-7753-43e0-B8FC-AC1667EBCBE1}">
-                <a14:hiddenEffects xmlns:a14="http://schemas.microsoft.com/office/drawing/2010/main" xmlns="">
+                <a14:hiddenEffects xmlns="" xmlns:a14="http://schemas.microsoft.com/office/drawing/2010/main">
                   <a:effectLst>
                     <a:outerShdw blurRad="63500" dist="38099" dir="2700000" algn="ctr" rotWithShape="0">
                       <a:schemeClr val="bg2">
@@ -8243,6 +8244,352 @@
           <a:chExt cx="0" cy="0"/>
         </a:xfrm>
       </p:grpSpPr>
+      <p:pic>
+        <p:nvPicPr>
+          <p:cNvPr id="12" name="Picture 11">
+            <a:extLst>
+              <a:ext uri="{FF2B5EF4-FFF2-40B4-BE49-F238E27FC236}">
+                <a16:creationId xmlns:a16="http://schemas.microsoft.com/office/drawing/2014/main" id="{550D1BFA-5A20-1F4D-9927-62D87EE9816C}"/>
+              </a:ext>
+            </a:extLst>
+          </p:cNvPr>
+          <p:cNvPicPr>
+            <a:picLocks noChangeAspect="1"/>
+          </p:cNvPicPr>
+          <p:nvPr/>
+        </p:nvPicPr>
+        <p:blipFill>
+          <a:blip r:embed="rId2"/>
+          <a:stretch>
+            <a:fillRect/>
+          </a:stretch>
+        </p:blipFill>
+        <p:spPr>
+          <a:xfrm>
+            <a:off x="762000" y="4361969"/>
+            <a:ext cx="3133957" cy="1803400"/>
+          </a:xfrm>
+          <a:prstGeom prst="rect">
+            <a:avLst/>
+          </a:prstGeom>
+          <a:ln>
+            <a:solidFill>
+              <a:schemeClr val="tx1"/>
+            </a:solidFill>
+          </a:ln>
+        </p:spPr>
+      </p:pic>
+      <p:pic>
+        <p:nvPicPr>
+          <p:cNvPr id="7" name="Picture 6">
+            <a:extLst>
+              <a:ext uri="{FF2B5EF4-FFF2-40B4-BE49-F238E27FC236}">
+                <a16:creationId xmlns:a16="http://schemas.microsoft.com/office/drawing/2014/main" id="{646E0670-4684-3741-9613-62634D131CA3}"/>
+              </a:ext>
+            </a:extLst>
+          </p:cNvPr>
+          <p:cNvPicPr>
+            <a:picLocks noChangeAspect="1"/>
+          </p:cNvPicPr>
+          <p:nvPr/>
+        </p:nvPicPr>
+        <p:blipFill>
+          <a:blip r:embed="rId3"/>
+          <a:stretch>
+            <a:fillRect/>
+          </a:stretch>
+        </p:blipFill>
+        <p:spPr>
+          <a:xfrm>
+            <a:off x="4483100" y="4042884"/>
+            <a:ext cx="3517900" cy="1519566"/>
+          </a:xfrm>
+          <a:prstGeom prst="rect">
+            <a:avLst/>
+          </a:prstGeom>
+          <a:ln>
+            <a:solidFill>
+              <a:schemeClr val="tx1"/>
+            </a:solidFill>
+          </a:ln>
+        </p:spPr>
+      </p:pic>
+      <p:sp>
+        <p:nvSpPr>
+          <p:cNvPr id="2" name="Title 1"/>
+          <p:cNvSpPr>
+            <a:spLocks noGrp="1"/>
+          </p:cNvSpPr>
+          <p:nvPr>
+            <p:ph type="title"/>
+          </p:nvPr>
+        </p:nvSpPr>
+        <p:spPr/>
+        <p:txBody>
+          <a:bodyPr/>
+          <a:lstStyle/>
+          <a:p>
+            <a:r>
+              <a:rPr lang="en-US" dirty="0"/>
+              <a:t>Constant Folding Walker</a:t>
+            </a:r>
+          </a:p>
+        </p:txBody>
+      </p:sp>
+      <p:sp>
+        <p:nvSpPr>
+          <p:cNvPr id="8" name="TextBox 7"/>
+          <p:cNvSpPr txBox="1"/>
+          <p:nvPr/>
+        </p:nvSpPr>
+        <p:spPr>
+          <a:xfrm>
+            <a:off x="6386945" y="2092036"/>
+            <a:ext cx="1398140" cy="307777"/>
+          </a:xfrm>
+          <a:prstGeom prst="rect">
+            <a:avLst/>
+          </a:prstGeom>
+          <a:noFill/>
+        </p:spPr>
+        <p:txBody>
+          <a:bodyPr wrap="none" rtlCol="0">
+            <a:spAutoFit/>
+          </a:bodyPr>
+          <a:lstStyle/>
+          <a:p>
+            <a:r>
+              <a:rPr lang="en-US" dirty="0"/>
+              <a:t>cuppa1_fold.py</a:t>
+            </a:r>
+          </a:p>
+        </p:txBody>
+      </p:sp>
+      <p:sp>
+        <p:nvSpPr>
+          <p:cNvPr id="9" name="Right Arrow 8"/>
+          <p:cNvSpPr/>
+          <p:nvPr/>
+        </p:nvSpPr>
+        <p:spPr bwMode="auto">
+          <a:xfrm>
+            <a:off x="533400" y="5867400"/>
+            <a:ext cx="457200" cy="228600"/>
+          </a:xfrm>
+          <a:prstGeom prst="rightArrow">
+            <a:avLst/>
+          </a:prstGeom>
+          <a:solidFill>
+            <a:srgbClr val="FF0000"/>
+          </a:solidFill>
+          <a:ln w="9525" cap="flat" cmpd="sng" algn="ctr">
+            <a:solidFill>
+              <a:schemeClr val="tx1"/>
+            </a:solidFill>
+            <a:prstDash val="solid"/>
+            <a:round/>
+            <a:headEnd type="none" w="med" len="med"/>
+            <a:tailEnd type="none" w="med" len="med"/>
+          </a:ln>
+          <a:effectLst/>
+          <a:extLst>
+            <a:ext uri="{AF507438-7753-43e0-B8FC-AC1667EBCBE1}">
+              <a14:hiddenEffects xmlns="" xmlns:a14="http://schemas.microsoft.com/office/drawing/2010/main">
+                <a:effectLst>
+                  <a:outerShdw blurRad="63500" dist="38099" dir="2700000" algn="ctr" rotWithShape="0">
+                    <a:schemeClr val="bg2">
+                      <a:alpha val="74998"/>
+                    </a:schemeClr>
+                  </a:outerShdw>
+                </a:effectLst>
+              </a14:hiddenEffects>
+            </a:ext>
+          </a:extLst>
+        </p:spPr>
+        <p:txBody>
+          <a:bodyPr vert="horz" wrap="square" lIns="91440" tIns="45720" rIns="91440" bIns="45720" numCol="1" rtlCol="0" anchor="t" anchorCtr="0" compatLnSpc="1">
+            <a:prstTxWarp prst="textNoShape">
+              <a:avLst/>
+            </a:prstTxWarp>
+          </a:bodyPr>
+          <a:lstStyle/>
+          <a:p>
+            <a:pPr marL="0" marR="0" indent="0" algn="l" defTabSz="914400" rtl="0" eaLnBrk="0" fontAlgn="base" latinLnBrk="0" hangingPunct="0">
+              <a:lnSpc>
+                <a:spcPct val="100000"/>
+              </a:lnSpc>
+              <a:spcBef>
+                <a:spcPct val="0"/>
+              </a:spcBef>
+              <a:spcAft>
+                <a:spcPct val="0"/>
+              </a:spcAft>
+              <a:buClrTx/>
+              <a:buSzTx/>
+              <a:buFontTx/>
+              <a:buNone/>
+              <a:tabLst/>
+            </a:pPr>
+            <a:endParaRPr kumimoji="0" lang="en-US" sz="2400" b="0" i="0" u="none" strike="noStrike" cap="none" normalizeH="0" baseline="0">
+              <a:ln>
+                <a:noFill/>
+              </a:ln>
+              <a:solidFill>
+                <a:srgbClr val="000000"/>
+              </a:solidFill>
+              <a:effectLst/>
+              <a:latin typeface="Arial" charset="0"/>
+              <a:ea typeface="ＭＳ Ｐゴシック" charset="0"/>
+              <a:cs typeface="ＭＳ Ｐゴシック" charset="0"/>
+            </a:endParaRPr>
+          </a:p>
+        </p:txBody>
+      </p:sp>
+      <p:sp>
+        <p:nvSpPr>
+          <p:cNvPr id="11" name="Right Arrow 10"/>
+          <p:cNvSpPr/>
+          <p:nvPr/>
+        </p:nvSpPr>
+        <p:spPr bwMode="auto">
+          <a:xfrm>
+            <a:off x="4229100" y="5263669"/>
+            <a:ext cx="457200" cy="228600"/>
+          </a:xfrm>
+          <a:prstGeom prst="rightArrow">
+            <a:avLst/>
+          </a:prstGeom>
+          <a:solidFill>
+            <a:srgbClr val="FF0000"/>
+          </a:solidFill>
+          <a:ln w="9525" cap="flat" cmpd="sng" algn="ctr">
+            <a:solidFill>
+              <a:schemeClr val="tx1"/>
+            </a:solidFill>
+            <a:prstDash val="solid"/>
+            <a:round/>
+            <a:headEnd type="none" w="med" len="med"/>
+            <a:tailEnd type="none" w="med" len="med"/>
+          </a:ln>
+          <a:effectLst/>
+          <a:extLst>
+            <a:ext uri="{AF507438-7753-43e0-B8FC-AC1667EBCBE1}">
+              <a14:hiddenEffects xmlns="" xmlns:a14="http://schemas.microsoft.com/office/drawing/2010/main">
+                <a:effectLst>
+                  <a:outerShdw blurRad="63500" dist="38099" dir="2700000" algn="ctr" rotWithShape="0">
+                    <a:schemeClr val="bg2">
+                      <a:alpha val="74998"/>
+                    </a:schemeClr>
+                  </a:outerShdw>
+                </a:effectLst>
+              </a14:hiddenEffects>
+            </a:ext>
+          </a:extLst>
+        </p:spPr>
+        <p:txBody>
+          <a:bodyPr vert="horz" wrap="square" lIns="91440" tIns="45720" rIns="91440" bIns="45720" numCol="1" rtlCol="0" anchor="t" anchorCtr="0" compatLnSpc="1">
+            <a:prstTxWarp prst="textNoShape">
+              <a:avLst/>
+            </a:prstTxWarp>
+          </a:bodyPr>
+          <a:lstStyle/>
+          <a:p>
+            <a:pPr marL="0" marR="0" indent="0" algn="l" defTabSz="914400" rtl="0" eaLnBrk="0" fontAlgn="base" latinLnBrk="0" hangingPunct="0">
+              <a:lnSpc>
+                <a:spcPct val="100000"/>
+              </a:lnSpc>
+              <a:spcBef>
+                <a:spcPct val="0"/>
+              </a:spcBef>
+              <a:spcAft>
+                <a:spcPct val="0"/>
+              </a:spcAft>
+              <a:buClrTx/>
+              <a:buSzTx/>
+              <a:buFontTx/>
+              <a:buNone/>
+              <a:tabLst/>
+            </a:pPr>
+            <a:endParaRPr kumimoji="0" lang="en-US" sz="2400" b="0" i="0" u="none" strike="noStrike" cap="none" normalizeH="0" baseline="0">
+              <a:ln>
+                <a:noFill/>
+              </a:ln>
+              <a:solidFill>
+                <a:srgbClr val="000000"/>
+              </a:solidFill>
+              <a:effectLst/>
+              <a:latin typeface="Arial" charset="0"/>
+              <a:ea typeface="ＭＳ Ｐゴシック" charset="0"/>
+              <a:cs typeface="ＭＳ Ｐゴシック" charset="0"/>
+            </a:endParaRPr>
+          </a:p>
+        </p:txBody>
+      </p:sp>
+      <p:pic>
+        <p:nvPicPr>
+          <p:cNvPr id="5" name="Picture 4">
+            <a:extLst>
+              <a:ext uri="{FF2B5EF4-FFF2-40B4-BE49-F238E27FC236}">
+                <a16:creationId xmlns:a16="http://schemas.microsoft.com/office/drawing/2014/main" id="{D2616F74-C11C-DB42-95F4-CC0B8EA691C8}"/>
+              </a:ext>
+            </a:extLst>
+          </p:cNvPr>
+          <p:cNvPicPr>
+            <a:picLocks noChangeAspect="1"/>
+          </p:cNvPicPr>
+          <p:nvPr/>
+        </p:nvPicPr>
+        <p:blipFill>
+          <a:blip r:embed="rId4"/>
+          <a:stretch>
+            <a:fillRect/>
+          </a:stretch>
+        </p:blipFill>
+        <p:spPr>
+          <a:xfrm>
+            <a:off x="533400" y="1502903"/>
+            <a:ext cx="4901045" cy="2420269"/>
+          </a:xfrm>
+          <a:prstGeom prst="rect">
+            <a:avLst/>
+          </a:prstGeom>
+          <a:ln>
+            <a:solidFill>
+              <a:schemeClr val="tx1"/>
+            </a:solidFill>
+          </a:ln>
+        </p:spPr>
+      </p:pic>
+    </p:spTree>
+    <p:extLst>
+      <p:ext uri="{BB962C8B-B14F-4D97-AF65-F5344CB8AC3E}">
+        <p14:creationId xmlns:p14="http://schemas.microsoft.com/office/powerpoint/2010/main" val="1180357299"/>
+      </p:ext>
+    </p:extLst>
+  </p:cSld>
+  <p:clrMapOvr>
+    <a:masterClrMapping/>
+  </p:clrMapOvr>
+</p:sld>
+</file>
+
+<file path=ppt/slides/slide11.xml><?xml version="1.0" encoding="utf-8"?>
+<p:sld xmlns:a="http://schemas.openxmlformats.org/drawingml/2006/main" xmlns:r="http://schemas.openxmlformats.org/officeDocument/2006/relationships" xmlns:p="http://schemas.openxmlformats.org/presentationml/2006/main">
+  <p:cSld>
+    <p:spTree>
+      <p:nvGrpSpPr>
+        <p:cNvPr id="1" name=""/>
+        <p:cNvGrpSpPr/>
+        <p:nvPr/>
+      </p:nvGrpSpPr>
+      <p:grpSpPr>
+        <a:xfrm>
+          <a:off x="0" y="0"/>
+          <a:ext cx="0" cy="0"/>
+          <a:chOff x="0" y="0"/>
+          <a:chExt cx="0" cy="0"/>
+        </a:xfrm>
+      </p:grpSpPr>
       <p:sp>
         <p:nvSpPr>
           <p:cNvPr id="2" name="Title 1"/>
@@ -8337,7 +8684,7 @@
 </p:sld>
 </file>
 
-<file path=ppt/slides/slide11.xml><?xml version="1.0" encoding="utf-8"?>
+<file path=ppt/slides/slide12.xml><?xml version="1.0" encoding="utf-8"?>
 <p:sld xmlns:a="http://schemas.openxmlformats.org/drawingml/2006/main" xmlns:r="http://schemas.openxmlformats.org/officeDocument/2006/relationships" xmlns:p="http://schemas.openxmlformats.org/presentationml/2006/main">
   <p:cSld>
     <p:spTree>
@@ -8451,7 +8798,7 @@
             </a:ln>
             <a:extLst>
               <a:ext uri="{909E8E84-426E-40dd-AFC4-6F175D3DCCD1}">
-                <a14:hiddenFill xmlns:a14="http://schemas.microsoft.com/office/drawing/2010/main" xmlns="">
+                <a14:hiddenFill xmlns="" xmlns:a14="http://schemas.microsoft.com/office/drawing/2010/main">
                   <a:solidFill>
                     <a:schemeClr val="accent1"/>
                   </a:solidFill>
@@ -8489,14 +8836,14 @@
             </a:ln>
             <a:extLst>
               <a:ext uri="{909E8E84-426E-40dd-AFC4-6F175D3DCCD1}">
-                <a14:hiddenFill xmlns:a14="http://schemas.microsoft.com/office/drawing/2010/main" xmlns="">
+                <a14:hiddenFill xmlns="" xmlns:a14="http://schemas.microsoft.com/office/drawing/2010/main">
                   <a:solidFill>
                     <a:schemeClr val="accent1"/>
                   </a:solidFill>
                 </a14:hiddenFill>
               </a:ext>
               <a:ext uri="{91240B29-F687-4f45-9708-019B960494DF}">
-                <a14:hiddenLine xmlns:a14="http://schemas.microsoft.com/office/drawing/2010/main" xmlns="" w="9525">
+                <a14:hiddenLine xmlns="" xmlns:a14="http://schemas.microsoft.com/office/drawing/2010/main" w="9525">
                   <a:solidFill>
                     <a:schemeClr val="tx1"/>
                   </a:solidFill>
@@ -8548,7 +8895,7 @@
           </a:ln>
           <a:extLst>
             <a:ext uri="{909E8E84-426E-40dd-AFC4-6F175D3DCCD1}">
-              <a14:hiddenFill xmlns:a14="http://schemas.microsoft.com/office/drawing/2010/main" xmlns="">
+              <a14:hiddenFill xmlns="" xmlns:a14="http://schemas.microsoft.com/office/drawing/2010/main">
                 <a:noFill/>
               </a14:hiddenFill>
             </a:ext>
@@ -8582,7 +8929,7 @@
           </a:ln>
           <a:extLst>
             <a:ext uri="{909E8E84-426E-40dd-AFC4-6F175D3DCCD1}">
-              <a14:hiddenFill xmlns:a14="http://schemas.microsoft.com/office/drawing/2010/main" xmlns="">
+              <a14:hiddenFill xmlns="" xmlns:a14="http://schemas.microsoft.com/office/drawing/2010/main">
                 <a:noFill/>
               </a14:hiddenFill>
             </a:ext>
@@ -8700,7 +9047,7 @@
           </a:ln>
           <a:extLst>
             <a:ext uri="{909E8E84-426E-40dd-AFC4-6F175D3DCCD1}">
-              <a14:hiddenFill xmlns:a14="http://schemas.microsoft.com/office/drawing/2010/main" xmlns="">
+              <a14:hiddenFill xmlns="" xmlns:a14="http://schemas.microsoft.com/office/drawing/2010/main">
                 <a:noFill/>
               </a14:hiddenFill>
             </a:ext>
@@ -8729,14 +9076,14 @@
           </a:ln>
           <a:extLst>
             <a:ext uri="{909E8E84-426E-40dd-AFC4-6F175D3DCCD1}">
-              <a14:hiddenFill xmlns:a14="http://schemas.microsoft.com/office/drawing/2010/main" xmlns="">
+              <a14:hiddenFill xmlns="" xmlns:a14="http://schemas.microsoft.com/office/drawing/2010/main">
                 <a:solidFill>
                   <a:schemeClr val="accent1"/>
                 </a:solidFill>
               </a14:hiddenFill>
             </a:ext>
             <a:ext uri="{91240B29-F687-4f45-9708-019B960494DF}">
-              <a14:hiddenLine xmlns:a14="http://schemas.microsoft.com/office/drawing/2010/main" xmlns="" w="9525">
+              <a14:hiddenLine xmlns="" xmlns:a14="http://schemas.microsoft.com/office/drawing/2010/main" w="9525">
                 <a:solidFill>
                   <a:schemeClr val="tx1"/>
                 </a:solidFill>
@@ -8790,7 +9137,7 @@
           </a:ln>
           <a:extLst>
             <a:ext uri="{909E8E84-426E-40dd-AFC4-6F175D3DCCD1}">
-              <a14:hiddenFill xmlns:a14="http://schemas.microsoft.com/office/drawing/2010/main" xmlns="">
+              <a14:hiddenFill xmlns="" xmlns:a14="http://schemas.microsoft.com/office/drawing/2010/main">
                 <a:solidFill>
                   <a:schemeClr val="accent1"/>
                 </a:solidFill>
@@ -8835,7 +9182,7 @@
           </a:ln>
           <a:extLst>
             <a:ext uri="{909E8E84-426E-40dd-AFC4-6F175D3DCCD1}">
-              <a14:hiddenFill xmlns:a14="http://schemas.microsoft.com/office/drawing/2010/main" xmlns="">
+              <a14:hiddenFill xmlns="" xmlns:a14="http://schemas.microsoft.com/office/drawing/2010/main">
                 <a:noFill/>
               </a14:hiddenFill>
             </a:ext>
@@ -8864,14 +9211,14 @@
           </a:ln>
           <a:extLst>
             <a:ext uri="{909E8E84-426E-40dd-AFC4-6F175D3DCCD1}">
-              <a14:hiddenFill xmlns:a14="http://schemas.microsoft.com/office/drawing/2010/main" xmlns="">
+              <a14:hiddenFill xmlns="" xmlns:a14="http://schemas.microsoft.com/office/drawing/2010/main">
                 <a:solidFill>
                   <a:schemeClr val="accent1"/>
                 </a:solidFill>
               </a14:hiddenFill>
             </a:ext>
             <a:ext uri="{91240B29-F687-4f45-9708-019B960494DF}">
-              <a14:hiddenLine xmlns:a14="http://schemas.microsoft.com/office/drawing/2010/main" xmlns="" w="9525">
+              <a14:hiddenLine xmlns="" xmlns:a14="http://schemas.microsoft.com/office/drawing/2010/main" w="9525">
                 <a:solidFill>
                   <a:schemeClr val="tx1"/>
                 </a:solidFill>
@@ -8917,14 +9264,14 @@
           </a:ln>
           <a:extLst>
             <a:ext uri="{909E8E84-426E-40dd-AFC4-6F175D3DCCD1}">
-              <a14:hiddenFill xmlns:a14="http://schemas.microsoft.com/office/drawing/2010/main" xmlns="">
+              <a14:hiddenFill xmlns="" xmlns:a14="http://schemas.microsoft.com/office/drawing/2010/main">
                 <a:solidFill>
                   <a:schemeClr val="accent1"/>
                 </a:solidFill>
               </a14:hiddenFill>
             </a:ext>
             <a:ext uri="{91240B29-F687-4f45-9708-019B960494DF}">
-              <a14:hiddenLine xmlns:a14="http://schemas.microsoft.com/office/drawing/2010/main" xmlns="" w="9525">
+              <a14:hiddenLine xmlns="" xmlns:a14="http://schemas.microsoft.com/office/drawing/2010/main" w="9525">
                 <a:solidFill>
                   <a:schemeClr val="tx1"/>
                 </a:solidFill>
@@ -8978,14 +9325,14 @@
           </a:ln>
           <a:extLst>
             <a:ext uri="{909E8E84-426E-40dd-AFC4-6F175D3DCCD1}">
-              <a14:hiddenFill xmlns:a14="http://schemas.microsoft.com/office/drawing/2010/main" xmlns="">
+              <a14:hiddenFill xmlns="" xmlns:a14="http://schemas.microsoft.com/office/drawing/2010/main">
                 <a:solidFill>
                   <a:schemeClr val="accent1"/>
                 </a:solidFill>
               </a14:hiddenFill>
             </a:ext>
             <a:ext uri="{91240B29-F687-4f45-9708-019B960494DF}">
-              <a14:hiddenLine xmlns:a14="http://schemas.microsoft.com/office/drawing/2010/main" xmlns="" w="9525">
+              <a14:hiddenLine xmlns="" xmlns:a14="http://schemas.microsoft.com/office/drawing/2010/main" w="9525">
                 <a:solidFill>
                   <a:schemeClr val="tx1"/>
                 </a:solidFill>
@@ -9194,7 +9541,7 @@
             <a:effectLst/>
             <a:extLst>
               <a:ext uri="{AF507438-7753-43e0-B8FC-AC1667EBCBE1}">
-                <a14:hiddenEffects xmlns:a14="http://schemas.microsoft.com/office/drawing/2010/main" xmlns="">
+                <a14:hiddenEffects xmlns="" xmlns:a14="http://schemas.microsoft.com/office/drawing/2010/main">
                   <a:effectLst>
                     <a:outerShdw blurRad="63500" dist="38099" dir="2700000" algn="ctr" rotWithShape="0">
                       <a:schemeClr val="bg2">
@@ -9236,7 +9583,7 @@
             <a:effectLst/>
             <a:extLst>
               <a:ext uri="{AF507438-7753-43e0-B8FC-AC1667EBCBE1}">
-                <a14:hiddenEffects xmlns:a14="http://schemas.microsoft.com/office/drawing/2010/main" xmlns="">
+                <a14:hiddenEffects xmlns="" xmlns:a14="http://schemas.microsoft.com/office/drawing/2010/main">
                   <a:effectLst>
                     <a:outerShdw blurRad="63500" dist="38099" dir="2700000" algn="ctr" rotWithShape="0">
                       <a:schemeClr val="bg2">
@@ -9278,7 +9625,7 @@
             <a:effectLst/>
             <a:extLst>
               <a:ext uri="{AF507438-7753-43e0-B8FC-AC1667EBCBE1}">
-                <a14:hiddenEffects xmlns:a14="http://schemas.microsoft.com/office/drawing/2010/main" xmlns="">
+                <a14:hiddenEffects xmlns="" xmlns:a14="http://schemas.microsoft.com/office/drawing/2010/main">
                   <a:effectLst>
                     <a:outerShdw blurRad="63500" dist="38099" dir="2700000" algn="ctr" rotWithShape="0">
                       <a:schemeClr val="bg2">
@@ -9320,7 +9667,7 @@
             <a:effectLst/>
             <a:extLst>
               <a:ext uri="{AF507438-7753-43e0-B8FC-AC1667EBCBE1}">
-                <a14:hiddenEffects xmlns:a14="http://schemas.microsoft.com/office/drawing/2010/main" xmlns="">
+                <a14:hiddenEffects xmlns="" xmlns:a14="http://schemas.microsoft.com/office/drawing/2010/main">
                   <a:effectLst>
                     <a:outerShdw blurRad="63500" dist="38099" dir="2700000" algn="ctr" rotWithShape="0">
                       <a:schemeClr val="bg2">
@@ -9362,7 +9709,7 @@
             <a:effectLst/>
             <a:extLst>
               <a:ext uri="{AF507438-7753-43e0-B8FC-AC1667EBCBE1}">
-                <a14:hiddenEffects xmlns:a14="http://schemas.microsoft.com/office/drawing/2010/main" xmlns="">
+                <a14:hiddenEffects xmlns="" xmlns:a14="http://schemas.microsoft.com/office/drawing/2010/main">
                   <a:effectLst>
                     <a:outerShdw blurRad="63500" dist="38099" dir="2700000" algn="ctr" rotWithShape="0">
                       <a:schemeClr val="bg2">
@@ -9404,7 +9751,7 @@
             <a:effectLst/>
             <a:extLst>
               <a:ext uri="{AF507438-7753-43e0-B8FC-AC1667EBCBE1}">
-                <a14:hiddenEffects xmlns:a14="http://schemas.microsoft.com/office/drawing/2010/main" xmlns="">
+                <a14:hiddenEffects xmlns="" xmlns:a14="http://schemas.microsoft.com/office/drawing/2010/main">
                   <a:effectLst>
                     <a:outerShdw blurRad="63500" dist="38099" dir="2700000" algn="ctr" rotWithShape="0">
                       <a:schemeClr val="bg2">
@@ -9446,7 +9793,7 @@
             <a:effectLst/>
             <a:extLst>
               <a:ext uri="{AF507438-7753-43e0-B8FC-AC1667EBCBE1}">
-                <a14:hiddenEffects xmlns:a14="http://schemas.microsoft.com/office/drawing/2010/main" xmlns="">
+                <a14:hiddenEffects xmlns="" xmlns:a14="http://schemas.microsoft.com/office/drawing/2010/main">
                   <a:effectLst>
                     <a:outerShdw blurRad="63500" dist="38099" dir="2700000" algn="ctr" rotWithShape="0">
                       <a:schemeClr val="bg2">
@@ -9488,7 +9835,7 @@
             <a:effectLst/>
             <a:extLst>
               <a:ext uri="{AF507438-7753-43e0-B8FC-AC1667EBCBE1}">
-                <a14:hiddenEffects xmlns:a14="http://schemas.microsoft.com/office/drawing/2010/main" xmlns="">
+                <a14:hiddenEffects xmlns="" xmlns:a14="http://schemas.microsoft.com/office/drawing/2010/main">
                   <a:effectLst>
                     <a:outerShdw blurRad="63500" dist="38099" dir="2700000" algn="ctr" rotWithShape="0">
                       <a:schemeClr val="bg2">
@@ -9680,7 +10027,7 @@
             <a:effectLst/>
             <a:extLst>
               <a:ext uri="{AF507438-7753-43e0-B8FC-AC1667EBCBE1}">
-                <a14:hiddenEffects xmlns:a14="http://schemas.microsoft.com/office/drawing/2010/main" xmlns="">
+                <a14:hiddenEffects xmlns="" xmlns:a14="http://schemas.microsoft.com/office/drawing/2010/main">
                   <a:effectLst>
                     <a:outerShdw blurRad="63500" dist="38099" dir="2700000" algn="ctr" rotWithShape="0">
                       <a:schemeClr val="bg2">
@@ -9722,7 +10069,7 @@
             <a:effectLst/>
             <a:extLst>
               <a:ext uri="{AF507438-7753-43e0-B8FC-AC1667EBCBE1}">
-                <a14:hiddenEffects xmlns:a14="http://schemas.microsoft.com/office/drawing/2010/main" xmlns="">
+                <a14:hiddenEffects xmlns="" xmlns:a14="http://schemas.microsoft.com/office/drawing/2010/main">
                   <a:effectLst>
                     <a:outerShdw blurRad="63500" dist="38099" dir="2700000" algn="ctr" rotWithShape="0">
                       <a:schemeClr val="bg2">
@@ -9764,7 +10111,7 @@
             <a:effectLst/>
             <a:extLst>
               <a:ext uri="{AF507438-7753-43e0-B8FC-AC1667EBCBE1}">
-                <a14:hiddenEffects xmlns:a14="http://schemas.microsoft.com/office/drawing/2010/main" xmlns="">
+                <a14:hiddenEffects xmlns="" xmlns:a14="http://schemas.microsoft.com/office/drawing/2010/main">
                   <a:effectLst>
                     <a:outerShdw blurRad="63500" dist="38099" dir="2700000" algn="ctr" rotWithShape="0">
                       <a:schemeClr val="bg2">
@@ -9806,7 +10153,7 @@
             <a:effectLst/>
             <a:extLst>
               <a:ext uri="{AF507438-7753-43e0-B8FC-AC1667EBCBE1}">
-                <a14:hiddenEffects xmlns:a14="http://schemas.microsoft.com/office/drawing/2010/main" xmlns="">
+                <a14:hiddenEffects xmlns="" xmlns:a14="http://schemas.microsoft.com/office/drawing/2010/main">
                   <a:effectLst>
                     <a:outerShdw blurRad="63500" dist="38099" dir="2700000" algn="ctr" rotWithShape="0">
                       <a:schemeClr val="bg2">
@@ -9848,7 +10195,7 @@
             <a:effectLst/>
             <a:extLst>
               <a:ext uri="{AF507438-7753-43e0-B8FC-AC1667EBCBE1}">
-                <a14:hiddenEffects xmlns:a14="http://schemas.microsoft.com/office/drawing/2010/main" xmlns="">
+                <a14:hiddenEffects xmlns="" xmlns:a14="http://schemas.microsoft.com/office/drawing/2010/main">
                   <a:effectLst>
                     <a:outerShdw blurRad="63500" dist="38099" dir="2700000" algn="ctr" rotWithShape="0">
                       <a:schemeClr val="bg2">
@@ -9890,7 +10237,7 @@
             <a:effectLst/>
             <a:extLst>
               <a:ext uri="{AF507438-7753-43e0-B8FC-AC1667EBCBE1}">
-                <a14:hiddenEffects xmlns:a14="http://schemas.microsoft.com/office/drawing/2010/main" xmlns="">
+                <a14:hiddenEffects xmlns="" xmlns:a14="http://schemas.microsoft.com/office/drawing/2010/main">
                   <a:effectLst>
                     <a:outerShdw blurRad="63500" dist="38099" dir="2700000" algn="ctr" rotWithShape="0">
                       <a:schemeClr val="bg2">
@@ -9932,7 +10279,7 @@
             <a:effectLst/>
             <a:extLst>
               <a:ext uri="{AF507438-7753-43e0-B8FC-AC1667EBCBE1}">
-                <a14:hiddenEffects xmlns:a14="http://schemas.microsoft.com/office/drawing/2010/main" xmlns="">
+                <a14:hiddenEffects xmlns="" xmlns:a14="http://schemas.microsoft.com/office/drawing/2010/main">
                   <a:effectLst>
                     <a:outerShdw blurRad="63500" dist="38099" dir="2700000" algn="ctr" rotWithShape="0">
                       <a:schemeClr val="bg2">
@@ -9974,7 +10321,7 @@
             <a:effectLst/>
             <a:extLst>
               <a:ext uri="{AF507438-7753-43e0-B8FC-AC1667EBCBE1}">
-                <a14:hiddenEffects xmlns:a14="http://schemas.microsoft.com/office/drawing/2010/main" xmlns="">
+                <a14:hiddenEffects xmlns="" xmlns:a14="http://schemas.microsoft.com/office/drawing/2010/main">
                   <a:effectLst>
                     <a:outerShdw blurRad="63500" dist="38099" dir="2700000" algn="ctr" rotWithShape="0">
                       <a:schemeClr val="bg2">
@@ -10025,7 +10372,7 @@
 </p:sld>
 </file>
 
-<file path=ppt/slides/slide12.xml><?xml version="1.0" encoding="utf-8"?>
+<file path=ppt/slides/slide13.xml><?xml version="1.0" encoding="utf-8"?>
 <p:sld xmlns:a="http://schemas.openxmlformats.org/drawingml/2006/main" xmlns:r="http://schemas.openxmlformats.org/officeDocument/2006/relationships" xmlns:p="http://schemas.openxmlformats.org/presentationml/2006/main">
   <p:cSld>
     <p:spTree>
@@ -10111,7 +10458,7 @@
 </p:sld>
 </file>
 
-<file path=ppt/slides/slide13.xml><?xml version="1.0" encoding="utf-8"?>
+<file path=ppt/slides/slide14.xml><?xml version="1.0" encoding="utf-8"?>
 <p:sld xmlns:a="http://schemas.openxmlformats.org/drawingml/2006/main" xmlns:r="http://schemas.openxmlformats.org/officeDocument/2006/relationships" xmlns:p="http://schemas.openxmlformats.org/presentationml/2006/main">
   <p:cSld>
     <p:spTree>
@@ -10264,7 +10611,7 @@
           <a:effectLst/>
           <a:extLst>
             <a:ext uri="{AF507438-7753-43e0-B8FC-AC1667EBCBE1}">
-              <a14:hiddenEffects xmlns:a14="http://schemas.microsoft.com/office/drawing/2010/main" xmlns="">
+              <a14:hiddenEffects xmlns="" xmlns:a14="http://schemas.microsoft.com/office/drawing/2010/main">
                 <a:effectLst>
                   <a:outerShdw blurRad="63500" dist="38099" dir="2700000" algn="ctr" rotWithShape="0">
                     <a:schemeClr val="bg2">
@@ -10357,7 +10704,7 @@
 </p:sld>
 </file>
 
-<file path=ppt/slides/slide14.xml><?xml version="1.0" encoding="utf-8"?>
+<file path=ppt/slides/slide15.xml><?xml version="1.0" encoding="utf-8"?>
 <p:sld xmlns:a="http://schemas.openxmlformats.org/drawingml/2006/main" xmlns:r="http://schemas.openxmlformats.org/officeDocument/2006/relationships" xmlns:p="http://schemas.openxmlformats.org/presentationml/2006/main">
   <p:cSld>
     <p:spTree>
@@ -10481,7 +10828,7 @@
           <a:effectLst/>
           <a:extLst>
             <a:ext uri="{AF507438-7753-43e0-B8FC-AC1667EBCBE1}">
-              <a14:hiddenEffects xmlns:a14="http://schemas.microsoft.com/office/drawing/2010/main" xmlns="">
+              <a14:hiddenEffects xmlns="" xmlns:a14="http://schemas.microsoft.com/office/drawing/2010/main">
                 <a:effectLst>
                   <a:outerShdw blurRad="63500" dist="38099" dir="2700000" algn="ctr" rotWithShape="0">
                     <a:schemeClr val="bg2">
@@ -10613,7 +10960,7 @@
 </p:sld>
 </file>
 
-<file path=ppt/slides/slide15.xml><?xml version="1.0" encoding="utf-8"?>
+<file path=ppt/slides/slide16.xml><?xml version="1.0" encoding="utf-8"?>
 <p:sld xmlns:a="http://schemas.openxmlformats.org/drawingml/2006/main" xmlns:r="http://schemas.openxmlformats.org/officeDocument/2006/relationships" xmlns:p="http://schemas.openxmlformats.org/presentationml/2006/main">
   <p:cSld>
     <p:spTree>
@@ -10737,7 +11084,7 @@
           <a:effectLst/>
           <a:extLst>
             <a:ext uri="{AF507438-7753-43e0-B8FC-AC1667EBCBE1}">
-              <a14:hiddenEffects xmlns:a14="http://schemas.microsoft.com/office/drawing/2010/main" xmlns="">
+              <a14:hiddenEffects xmlns="" xmlns:a14="http://schemas.microsoft.com/office/drawing/2010/main">
                 <a:effectLst>
                   <a:outerShdw blurRad="63500" dist="38099" dir="2700000" algn="ctr" rotWithShape="0">
                     <a:schemeClr val="bg2">
@@ -10881,7 +11228,7 @@
           <a:effectLst/>
           <a:extLst>
             <a:ext uri="{AF507438-7753-43e0-B8FC-AC1667EBCBE1}">
-              <a14:hiddenEffects xmlns:a14="http://schemas.microsoft.com/office/drawing/2010/main" xmlns="">
+              <a14:hiddenEffects xmlns="" xmlns:a14="http://schemas.microsoft.com/office/drawing/2010/main">
                 <a:effectLst>
                   <a:outerShdw blurRad="63500" dist="38099" dir="2700000" algn="ctr" rotWithShape="0">
                     <a:schemeClr val="bg2">
@@ -10945,7 +11292,7 @@
 </p:sld>
 </file>
 
-<file path=ppt/slides/slide16.xml><?xml version="1.0" encoding="utf-8"?>
+<file path=ppt/slides/slide17.xml><?xml version="1.0" encoding="utf-8"?>
 <p:sld xmlns:a="http://schemas.openxmlformats.org/drawingml/2006/main" xmlns:r="http://schemas.openxmlformats.org/officeDocument/2006/relationships" xmlns:p="http://schemas.openxmlformats.org/presentationml/2006/main">
   <p:cSld>
     <p:spTree>
@@ -11013,7 +11360,7 @@
           <a:effectLst/>
           <a:extLst>
             <a:ext uri="{AF507438-7753-43e0-B8FC-AC1667EBCBE1}">
-              <a14:hiddenEffects xmlns:a14="http://schemas.microsoft.com/office/drawing/2010/main" xmlns="">
+              <a14:hiddenEffects xmlns="" xmlns:a14="http://schemas.microsoft.com/office/drawing/2010/main">
                 <a:effectLst>
                   <a:outerShdw blurRad="63500" dist="38099" dir="2700000" algn="ctr" rotWithShape="0">
                     <a:schemeClr val="bg2">
@@ -11198,7 +11545,7 @@
 </p:sld>
 </file>
 
-<file path=ppt/slides/slide17.xml><?xml version="1.0" encoding="utf-8"?>
+<file path=ppt/slides/slide18.xml><?xml version="1.0" encoding="utf-8"?>
 <p:sld xmlns:a="http://schemas.openxmlformats.org/drawingml/2006/main" xmlns:r="http://schemas.openxmlformats.org/officeDocument/2006/relationships" xmlns:p="http://schemas.openxmlformats.org/presentationml/2006/main">
   <p:cSld>
     <p:spTree>
@@ -11290,7 +11637,7 @@
           <a:p>
             <a:r>
               <a:rPr lang="en-US" dirty="0"/>
-              <a:t>So we need to keep sliding the window across the instructions until no further rewrites are possible.</a:t>
+              <a:t>So, we need to keep sliding the window across the instructions until no further rewrites are possible.</a:t>
             </a:r>
           </a:p>
         </p:txBody>
@@ -11308,7 +11655,7 @@
 </p:sld>
 </file>
 
-<file path=ppt/slides/slide18.xml><?xml version="1.0" encoding="utf-8"?>
+<file path=ppt/slides/slide19.xml><?xml version="1.0" encoding="utf-8"?>
 <p:sld xmlns:a="http://schemas.openxmlformats.org/drawingml/2006/main" xmlns:r="http://schemas.openxmlformats.org/officeDocument/2006/relationships" xmlns:p="http://schemas.openxmlformats.org/presentationml/2006/main">
   <p:cSld>
     <p:spTree>
@@ -11384,7 +11731,93 @@
 </p:sld>
 </file>
 
-<file path=ppt/slides/slide19.xml><?xml version="1.0" encoding="utf-8"?>
+<file path=ppt/slides/slide2.xml><?xml version="1.0" encoding="utf-8"?>
+<p:sld xmlns:a="http://schemas.openxmlformats.org/drawingml/2006/main" xmlns:r="http://schemas.openxmlformats.org/officeDocument/2006/relationships" xmlns:p="http://schemas.openxmlformats.org/presentationml/2006/main">
+  <p:cSld>
+    <p:spTree>
+      <p:nvGrpSpPr>
+        <p:cNvPr id="1" name=""/>
+        <p:cNvGrpSpPr/>
+        <p:nvPr/>
+      </p:nvGrpSpPr>
+      <p:grpSpPr>
+        <a:xfrm>
+          <a:off x="0" y="0"/>
+          <a:ext cx="0" cy="0"/>
+          <a:chOff x="0" y="0"/>
+          <a:chExt cx="0" cy="0"/>
+        </a:xfrm>
+      </p:grpSpPr>
+      <p:sp>
+        <p:nvSpPr>
+          <p:cNvPr id="2" name="Title 1">
+            <a:extLst>
+              <a:ext uri="{FF2B5EF4-FFF2-40B4-BE49-F238E27FC236}">
+                <a16:creationId xmlns:a16="http://schemas.microsoft.com/office/drawing/2014/main" id="{0FE0BEE1-A57A-7C4B-99E2-1BC910667067}"/>
+              </a:ext>
+            </a:extLst>
+          </p:cNvPr>
+          <p:cNvSpPr>
+            <a:spLocks noGrp="1"/>
+          </p:cNvSpPr>
+          <p:nvPr>
+            <p:ph type="title"/>
+          </p:nvPr>
+        </p:nvSpPr>
+        <p:spPr/>
+        <p:txBody>
+          <a:bodyPr/>
+          <a:lstStyle/>
+          <a:p>
+            <a:r>
+              <a:rPr lang="en-US" dirty="0"/>
+              <a:t>Reading</a:t>
+            </a:r>
+          </a:p>
+        </p:txBody>
+      </p:sp>
+      <p:sp>
+        <p:nvSpPr>
+          <p:cNvPr id="3" name="Content Placeholder 2">
+            <a:extLst>
+              <a:ext uri="{FF2B5EF4-FFF2-40B4-BE49-F238E27FC236}">
+                <a16:creationId xmlns:a16="http://schemas.microsoft.com/office/drawing/2014/main" id="{58C75EC5-DB8B-734A-BFC2-ED4ED14A1603}"/>
+              </a:ext>
+            </a:extLst>
+          </p:cNvPr>
+          <p:cNvSpPr>
+            <a:spLocks noGrp="1"/>
+          </p:cNvSpPr>
+          <p:nvPr>
+            <p:ph idx="1"/>
+          </p:nvPr>
+        </p:nvSpPr>
+        <p:spPr/>
+        <p:txBody>
+          <a:bodyPr/>
+          <a:lstStyle/>
+          <a:p>
+            <a:r>
+              <a:rPr lang="en-US" dirty="0"/>
+              <a:t>Chap 6</a:t>
+            </a:r>
+          </a:p>
+        </p:txBody>
+      </p:sp>
+    </p:spTree>
+    <p:extLst>
+      <p:ext uri="{BB962C8B-B14F-4D97-AF65-F5344CB8AC3E}">
+        <p14:creationId xmlns:p14="http://schemas.microsoft.com/office/powerpoint/2010/main" val="140766306"/>
+      </p:ext>
+    </p:extLst>
+  </p:cSld>
+  <p:clrMapOvr>
+    <a:masterClrMapping/>
+  </p:clrMapOvr>
+</p:sld>
+</file>
+
+<file path=ppt/slides/slide20.xml><?xml version="1.0" encoding="utf-8"?>
 <p:sld xmlns:a="http://schemas.openxmlformats.org/drawingml/2006/main" xmlns:r="http://schemas.openxmlformats.org/officeDocument/2006/relationships" xmlns:p="http://schemas.openxmlformats.org/presentationml/2006/main">
   <p:cSld>
     <p:spTree>
@@ -11564,115 +11997,7 @@
 </p:sld>
 </file>
 
-<file path=ppt/slides/slide2.xml><?xml version="1.0" encoding="utf-8"?>
-<p:sld xmlns:a="http://schemas.openxmlformats.org/drawingml/2006/main" xmlns:r="http://schemas.openxmlformats.org/officeDocument/2006/relationships" xmlns:p="http://schemas.openxmlformats.org/presentationml/2006/main">
-  <p:cSld>
-    <p:spTree>
-      <p:nvGrpSpPr>
-        <p:cNvPr id="1" name=""/>
-        <p:cNvGrpSpPr/>
-        <p:nvPr/>
-      </p:nvGrpSpPr>
-      <p:grpSpPr>
-        <a:xfrm>
-          <a:off x="0" y="0"/>
-          <a:ext cx="0" cy="0"/>
-          <a:chOff x="0" y="0"/>
-          <a:chExt cx="0" cy="0"/>
-        </a:xfrm>
-      </p:grpSpPr>
-      <p:sp>
-        <p:nvSpPr>
-          <p:cNvPr id="2" name="Title 1"/>
-          <p:cNvSpPr>
-            <a:spLocks noGrp="1"/>
-          </p:cNvSpPr>
-          <p:nvPr>
-            <p:ph type="title"/>
-          </p:nvPr>
-        </p:nvSpPr>
-        <p:spPr/>
-        <p:txBody>
-          <a:bodyPr/>
-          <a:lstStyle/>
-          <a:p>
-            <a:r>
-              <a:rPr lang="en-US" dirty="0"/>
-              <a:t>An Optimizing Compiler</a:t>
-            </a:r>
-          </a:p>
-        </p:txBody>
-      </p:sp>
-      <p:sp>
-        <p:nvSpPr>
-          <p:cNvPr id="3" name="Content Placeholder 2"/>
-          <p:cNvSpPr>
-            <a:spLocks noGrp="1"/>
-          </p:cNvSpPr>
-          <p:nvPr>
-            <p:ph idx="1"/>
-          </p:nvPr>
-        </p:nvSpPr>
-        <p:spPr/>
-        <p:txBody>
-          <a:bodyPr/>
-          <a:lstStyle/>
-          <a:p>
-            <a:r>
-              <a:rPr lang="en-US" dirty="0"/>
-              <a:t>In our optimizing compiler we study:</a:t>
-            </a:r>
-          </a:p>
-          <a:p>
-            <a:pPr lvl="1"/>
-            <a:r>
-              <a:rPr lang="en-US" dirty="0"/>
-              <a:t>Tree rewriting in the context of </a:t>
-            </a:r>
-            <a:r>
-              <a:rPr lang="en-US" i="1" dirty="0"/>
-              <a:t>constant folding, </a:t>
-            </a:r>
-            <a:r>
-              <a:rPr lang="en-US" dirty="0"/>
-              <a:t>and</a:t>
-            </a:r>
-          </a:p>
-          <a:p>
-            <a:pPr lvl="1"/>
-            <a:r>
-              <a:rPr lang="en-US" dirty="0"/>
-              <a:t>Target code optimization in the context of </a:t>
-            </a:r>
-            <a:r>
-              <a:rPr lang="en-US" i="1" dirty="0"/>
-              <a:t>peephole optimization</a:t>
-            </a:r>
-            <a:r>
-              <a:rPr lang="en-US" dirty="0"/>
-              <a:t>.</a:t>
-            </a:r>
-          </a:p>
-          <a:p>
-            <a:pPr lvl="1"/>
-            <a:endParaRPr lang="en-US" i="1" dirty="0"/>
-          </a:p>
-        </p:txBody>
-      </p:sp>
-    </p:spTree>
-    <p:extLst>
-      <p:ext uri="{BB962C8B-B14F-4D97-AF65-F5344CB8AC3E}">
-        <p14:creationId xmlns:p14="http://schemas.microsoft.com/office/powerpoint/2010/main" val="1433415321"/>
-      </p:ext>
-    </p:extLst>
-  </p:cSld>
-  <p:clrMapOvr>
-    <a:masterClrMapping/>
-  </p:clrMapOvr>
-</p:sld>
-</file>
-
-<file path=ppt/slides/slide20.xml><?xml version="1.0" encoding="utf-8"?>
+<file path=ppt/slides/slide21.xml><?xml version="1.0" encoding="utf-8"?>
 <p:sld xmlns:a="http://schemas.openxmlformats.org/drawingml/2006/main" xmlns:r="http://schemas.openxmlformats.org/officeDocument/2006/relationships" xmlns:p="http://schemas.openxmlformats.org/presentationml/2006/main">
   <p:cSld>
     <p:spTree>
@@ -12946,7 +13271,7 @@
 </p:sld>
 </file>
 
-<file path=ppt/slides/slide21.xml><?xml version="1.0" encoding="utf-8"?>
+<file path=ppt/slides/slide22.xml><?xml version="1.0" encoding="utf-8"?>
 <p:sld xmlns:a="http://schemas.openxmlformats.org/drawingml/2006/main" xmlns:r="http://schemas.openxmlformats.org/officeDocument/2006/relationships" xmlns:p="http://schemas.openxmlformats.org/presentationml/2006/main">
   <p:cSld>
     <p:spTree>
@@ -13060,7 +13385,7 @@
             </a:ln>
             <a:extLst>
               <a:ext uri="{909E8E84-426E-40dd-AFC4-6F175D3DCCD1}">
-                <a14:hiddenFill xmlns:a14="http://schemas.microsoft.com/office/drawing/2010/main" xmlns="">
+                <a14:hiddenFill xmlns="" xmlns:a14="http://schemas.microsoft.com/office/drawing/2010/main">
                   <a:solidFill>
                     <a:schemeClr val="accent1"/>
                   </a:solidFill>
@@ -13098,14 +13423,14 @@
             </a:ln>
             <a:extLst>
               <a:ext uri="{909E8E84-426E-40dd-AFC4-6F175D3DCCD1}">
-                <a14:hiddenFill xmlns:a14="http://schemas.microsoft.com/office/drawing/2010/main" xmlns="">
+                <a14:hiddenFill xmlns="" xmlns:a14="http://schemas.microsoft.com/office/drawing/2010/main">
                   <a:solidFill>
                     <a:schemeClr val="accent1"/>
                   </a:solidFill>
                 </a14:hiddenFill>
               </a:ext>
               <a:ext uri="{91240B29-F687-4f45-9708-019B960494DF}">
-                <a14:hiddenLine xmlns:a14="http://schemas.microsoft.com/office/drawing/2010/main" xmlns="" w="9525">
+                <a14:hiddenLine xmlns="" xmlns:a14="http://schemas.microsoft.com/office/drawing/2010/main" w="9525">
                   <a:solidFill>
                     <a:schemeClr val="tx1"/>
                   </a:solidFill>
@@ -13157,7 +13482,7 @@
           </a:ln>
           <a:extLst>
             <a:ext uri="{909E8E84-426E-40dd-AFC4-6F175D3DCCD1}">
-              <a14:hiddenFill xmlns:a14="http://schemas.microsoft.com/office/drawing/2010/main" xmlns="">
+              <a14:hiddenFill xmlns="" xmlns:a14="http://schemas.microsoft.com/office/drawing/2010/main">
                 <a:noFill/>
               </a14:hiddenFill>
             </a:ext>
@@ -13191,7 +13516,7 @@
           </a:ln>
           <a:extLst>
             <a:ext uri="{909E8E84-426E-40dd-AFC4-6F175D3DCCD1}">
-              <a14:hiddenFill xmlns:a14="http://schemas.microsoft.com/office/drawing/2010/main" xmlns="">
+              <a14:hiddenFill xmlns="" xmlns:a14="http://schemas.microsoft.com/office/drawing/2010/main">
                 <a:noFill/>
               </a14:hiddenFill>
             </a:ext>
@@ -13315,7 +13640,7 @@
           </a:ln>
           <a:extLst>
             <a:ext uri="{909E8E84-426E-40dd-AFC4-6F175D3DCCD1}">
-              <a14:hiddenFill xmlns:a14="http://schemas.microsoft.com/office/drawing/2010/main" xmlns="">
+              <a14:hiddenFill xmlns="" xmlns:a14="http://schemas.microsoft.com/office/drawing/2010/main">
                 <a:noFill/>
               </a14:hiddenFill>
             </a:ext>
@@ -13344,14 +13669,14 @@
           </a:ln>
           <a:extLst>
             <a:ext uri="{909E8E84-426E-40dd-AFC4-6F175D3DCCD1}">
-              <a14:hiddenFill xmlns:a14="http://schemas.microsoft.com/office/drawing/2010/main" xmlns="">
+              <a14:hiddenFill xmlns="" xmlns:a14="http://schemas.microsoft.com/office/drawing/2010/main">
                 <a:solidFill>
                   <a:schemeClr val="accent1"/>
                 </a:solidFill>
               </a14:hiddenFill>
             </a:ext>
             <a:ext uri="{91240B29-F687-4f45-9708-019B960494DF}">
-              <a14:hiddenLine xmlns:a14="http://schemas.microsoft.com/office/drawing/2010/main" xmlns="" w="9525">
+              <a14:hiddenLine xmlns="" xmlns:a14="http://schemas.microsoft.com/office/drawing/2010/main" w="9525">
                 <a:solidFill>
                   <a:schemeClr val="tx1"/>
                 </a:solidFill>
@@ -13405,7 +13730,7 @@
           </a:ln>
           <a:extLst>
             <a:ext uri="{909E8E84-426E-40dd-AFC4-6F175D3DCCD1}">
-              <a14:hiddenFill xmlns:a14="http://schemas.microsoft.com/office/drawing/2010/main" xmlns="">
+              <a14:hiddenFill xmlns="" xmlns:a14="http://schemas.microsoft.com/office/drawing/2010/main">
                 <a:solidFill>
                   <a:schemeClr val="accent1"/>
                 </a:solidFill>
@@ -13450,7 +13775,7 @@
           </a:ln>
           <a:extLst>
             <a:ext uri="{909E8E84-426E-40dd-AFC4-6F175D3DCCD1}">
-              <a14:hiddenFill xmlns:a14="http://schemas.microsoft.com/office/drawing/2010/main" xmlns="">
+              <a14:hiddenFill xmlns="" xmlns:a14="http://schemas.microsoft.com/office/drawing/2010/main">
                 <a:noFill/>
               </a14:hiddenFill>
             </a:ext>
@@ -13479,14 +13804,14 @@
           </a:ln>
           <a:extLst>
             <a:ext uri="{909E8E84-426E-40dd-AFC4-6F175D3DCCD1}">
-              <a14:hiddenFill xmlns:a14="http://schemas.microsoft.com/office/drawing/2010/main" xmlns="">
+              <a14:hiddenFill xmlns="" xmlns:a14="http://schemas.microsoft.com/office/drawing/2010/main">
                 <a:solidFill>
                   <a:schemeClr val="accent1"/>
                 </a:solidFill>
               </a14:hiddenFill>
             </a:ext>
             <a:ext uri="{91240B29-F687-4f45-9708-019B960494DF}">
-              <a14:hiddenLine xmlns:a14="http://schemas.microsoft.com/office/drawing/2010/main" xmlns="" w="9525">
+              <a14:hiddenLine xmlns="" xmlns:a14="http://schemas.microsoft.com/office/drawing/2010/main" w="9525">
                 <a:solidFill>
                   <a:schemeClr val="tx1"/>
                 </a:solidFill>
@@ -13540,14 +13865,14 @@
           </a:ln>
           <a:extLst>
             <a:ext uri="{909E8E84-426E-40dd-AFC4-6F175D3DCCD1}">
-              <a14:hiddenFill xmlns:a14="http://schemas.microsoft.com/office/drawing/2010/main" xmlns="">
+              <a14:hiddenFill xmlns="" xmlns:a14="http://schemas.microsoft.com/office/drawing/2010/main">
                 <a:solidFill>
                   <a:schemeClr val="accent1"/>
                 </a:solidFill>
               </a14:hiddenFill>
             </a:ext>
             <a:ext uri="{91240B29-F687-4f45-9708-019B960494DF}">
-              <a14:hiddenLine xmlns:a14="http://schemas.microsoft.com/office/drawing/2010/main" xmlns="" w="9525">
+              <a14:hiddenLine xmlns="" xmlns:a14="http://schemas.microsoft.com/office/drawing/2010/main" w="9525">
                 <a:solidFill>
                   <a:schemeClr val="tx1"/>
                 </a:solidFill>
@@ -13756,7 +14081,7 @@
             <a:effectLst/>
             <a:extLst>
               <a:ext uri="{AF507438-7753-43e0-B8FC-AC1667EBCBE1}">
-                <a14:hiddenEffects xmlns:a14="http://schemas.microsoft.com/office/drawing/2010/main" xmlns="">
+                <a14:hiddenEffects xmlns="" xmlns:a14="http://schemas.microsoft.com/office/drawing/2010/main">
                   <a:effectLst>
                     <a:outerShdw blurRad="63500" dist="38099" dir="2700000" algn="ctr" rotWithShape="0">
                       <a:schemeClr val="bg2">
@@ -13798,7 +14123,7 @@
             <a:effectLst/>
             <a:extLst>
               <a:ext uri="{AF507438-7753-43e0-B8FC-AC1667EBCBE1}">
-                <a14:hiddenEffects xmlns:a14="http://schemas.microsoft.com/office/drawing/2010/main" xmlns="">
+                <a14:hiddenEffects xmlns="" xmlns:a14="http://schemas.microsoft.com/office/drawing/2010/main">
                   <a:effectLst>
                     <a:outerShdw blurRad="63500" dist="38099" dir="2700000" algn="ctr" rotWithShape="0">
                       <a:schemeClr val="bg2">
@@ -13840,7 +14165,7 @@
             <a:effectLst/>
             <a:extLst>
               <a:ext uri="{AF507438-7753-43e0-B8FC-AC1667EBCBE1}">
-                <a14:hiddenEffects xmlns:a14="http://schemas.microsoft.com/office/drawing/2010/main" xmlns="">
+                <a14:hiddenEffects xmlns="" xmlns:a14="http://schemas.microsoft.com/office/drawing/2010/main">
                   <a:effectLst>
                     <a:outerShdw blurRad="63500" dist="38099" dir="2700000" algn="ctr" rotWithShape="0">
                       <a:schemeClr val="bg2">
@@ -13882,7 +14207,7 @@
             <a:effectLst/>
             <a:extLst>
               <a:ext uri="{AF507438-7753-43e0-B8FC-AC1667EBCBE1}">
-                <a14:hiddenEffects xmlns:a14="http://schemas.microsoft.com/office/drawing/2010/main" xmlns="">
+                <a14:hiddenEffects xmlns="" xmlns:a14="http://schemas.microsoft.com/office/drawing/2010/main">
                   <a:effectLst>
                     <a:outerShdw blurRad="63500" dist="38099" dir="2700000" algn="ctr" rotWithShape="0">
                       <a:schemeClr val="bg2">
@@ -13924,7 +14249,7 @@
             <a:effectLst/>
             <a:extLst>
               <a:ext uri="{AF507438-7753-43e0-B8FC-AC1667EBCBE1}">
-                <a14:hiddenEffects xmlns:a14="http://schemas.microsoft.com/office/drawing/2010/main" xmlns="">
+                <a14:hiddenEffects xmlns="" xmlns:a14="http://schemas.microsoft.com/office/drawing/2010/main">
                   <a:effectLst>
                     <a:outerShdw blurRad="63500" dist="38099" dir="2700000" algn="ctr" rotWithShape="0">
                       <a:schemeClr val="bg2">
@@ -13966,7 +14291,7 @@
             <a:effectLst/>
             <a:extLst>
               <a:ext uri="{AF507438-7753-43e0-B8FC-AC1667EBCBE1}">
-                <a14:hiddenEffects xmlns:a14="http://schemas.microsoft.com/office/drawing/2010/main" xmlns="">
+                <a14:hiddenEffects xmlns="" xmlns:a14="http://schemas.microsoft.com/office/drawing/2010/main">
                   <a:effectLst>
                     <a:outerShdw blurRad="63500" dist="38099" dir="2700000" algn="ctr" rotWithShape="0">
                       <a:schemeClr val="bg2">
@@ -14008,7 +14333,7 @@
             <a:effectLst/>
             <a:extLst>
               <a:ext uri="{AF507438-7753-43e0-B8FC-AC1667EBCBE1}">
-                <a14:hiddenEffects xmlns:a14="http://schemas.microsoft.com/office/drawing/2010/main" xmlns="">
+                <a14:hiddenEffects xmlns="" xmlns:a14="http://schemas.microsoft.com/office/drawing/2010/main">
                   <a:effectLst>
                     <a:outerShdw blurRad="63500" dist="38099" dir="2700000" algn="ctr" rotWithShape="0">
                       <a:schemeClr val="bg2">
@@ -14050,7 +14375,7 @@
             <a:effectLst/>
             <a:extLst>
               <a:ext uri="{AF507438-7753-43e0-B8FC-AC1667EBCBE1}">
-                <a14:hiddenEffects xmlns:a14="http://schemas.microsoft.com/office/drawing/2010/main" xmlns="">
+                <a14:hiddenEffects xmlns="" xmlns:a14="http://schemas.microsoft.com/office/drawing/2010/main">
                   <a:effectLst>
                     <a:outerShdw blurRad="63500" dist="38099" dir="2700000" algn="ctr" rotWithShape="0">
                       <a:schemeClr val="bg2">
@@ -14242,7 +14567,7 @@
             <a:effectLst/>
             <a:extLst>
               <a:ext uri="{AF507438-7753-43e0-B8FC-AC1667EBCBE1}">
-                <a14:hiddenEffects xmlns:a14="http://schemas.microsoft.com/office/drawing/2010/main" xmlns="">
+                <a14:hiddenEffects xmlns="" xmlns:a14="http://schemas.microsoft.com/office/drawing/2010/main">
                   <a:effectLst>
                     <a:outerShdw blurRad="63500" dist="38099" dir="2700000" algn="ctr" rotWithShape="0">
                       <a:schemeClr val="bg2">
@@ -14284,7 +14609,7 @@
             <a:effectLst/>
             <a:extLst>
               <a:ext uri="{AF507438-7753-43e0-B8FC-AC1667EBCBE1}">
-                <a14:hiddenEffects xmlns:a14="http://schemas.microsoft.com/office/drawing/2010/main" xmlns="">
+                <a14:hiddenEffects xmlns="" xmlns:a14="http://schemas.microsoft.com/office/drawing/2010/main">
                   <a:effectLst>
                     <a:outerShdw blurRad="63500" dist="38099" dir="2700000" algn="ctr" rotWithShape="0">
                       <a:schemeClr val="bg2">
@@ -14326,7 +14651,7 @@
             <a:effectLst/>
             <a:extLst>
               <a:ext uri="{AF507438-7753-43e0-B8FC-AC1667EBCBE1}">
-                <a14:hiddenEffects xmlns:a14="http://schemas.microsoft.com/office/drawing/2010/main" xmlns="">
+                <a14:hiddenEffects xmlns="" xmlns:a14="http://schemas.microsoft.com/office/drawing/2010/main">
                   <a:effectLst>
                     <a:outerShdw blurRad="63500" dist="38099" dir="2700000" algn="ctr" rotWithShape="0">
                       <a:schemeClr val="bg2">
@@ -14368,7 +14693,7 @@
             <a:effectLst/>
             <a:extLst>
               <a:ext uri="{AF507438-7753-43e0-B8FC-AC1667EBCBE1}">
-                <a14:hiddenEffects xmlns:a14="http://schemas.microsoft.com/office/drawing/2010/main" xmlns="">
+                <a14:hiddenEffects xmlns="" xmlns:a14="http://schemas.microsoft.com/office/drawing/2010/main">
                   <a:effectLst>
                     <a:outerShdw blurRad="63500" dist="38099" dir="2700000" algn="ctr" rotWithShape="0">
                       <a:schemeClr val="bg2">
@@ -14410,7 +14735,7 @@
             <a:effectLst/>
             <a:extLst>
               <a:ext uri="{AF507438-7753-43e0-B8FC-AC1667EBCBE1}">
-                <a14:hiddenEffects xmlns:a14="http://schemas.microsoft.com/office/drawing/2010/main" xmlns="">
+                <a14:hiddenEffects xmlns="" xmlns:a14="http://schemas.microsoft.com/office/drawing/2010/main">
                   <a:effectLst>
                     <a:outerShdw blurRad="63500" dist="38099" dir="2700000" algn="ctr" rotWithShape="0">
                       <a:schemeClr val="bg2">
@@ -14452,7 +14777,7 @@
             <a:effectLst/>
             <a:extLst>
               <a:ext uri="{AF507438-7753-43e0-B8FC-AC1667EBCBE1}">
-                <a14:hiddenEffects xmlns:a14="http://schemas.microsoft.com/office/drawing/2010/main" xmlns="">
+                <a14:hiddenEffects xmlns="" xmlns:a14="http://schemas.microsoft.com/office/drawing/2010/main">
                   <a:effectLst>
                     <a:outerShdw blurRad="63500" dist="38099" dir="2700000" algn="ctr" rotWithShape="0">
                       <a:schemeClr val="bg2">
@@ -14494,7 +14819,7 @@
             <a:effectLst/>
             <a:extLst>
               <a:ext uri="{AF507438-7753-43e0-B8FC-AC1667EBCBE1}">
-                <a14:hiddenEffects xmlns:a14="http://schemas.microsoft.com/office/drawing/2010/main" xmlns="">
+                <a14:hiddenEffects xmlns="" xmlns:a14="http://schemas.microsoft.com/office/drawing/2010/main">
                   <a:effectLst>
                     <a:outerShdw blurRad="63500" dist="38099" dir="2700000" algn="ctr" rotWithShape="0">
                       <a:schemeClr val="bg2">
@@ -14536,7 +14861,7 @@
             <a:effectLst/>
             <a:extLst>
               <a:ext uri="{AF507438-7753-43e0-B8FC-AC1667EBCBE1}">
-                <a14:hiddenEffects xmlns:a14="http://schemas.microsoft.com/office/drawing/2010/main" xmlns="">
+                <a14:hiddenEffects xmlns="" xmlns:a14="http://schemas.microsoft.com/office/drawing/2010/main">
                   <a:effectLst>
                     <a:outerShdw blurRad="63500" dist="38099" dir="2700000" algn="ctr" rotWithShape="0">
                       <a:schemeClr val="bg2">
@@ -14652,7 +14977,7 @@
           <a:effectLst/>
           <a:extLst>
             <a:ext uri="{AF507438-7753-43e0-B8FC-AC1667EBCBE1}">
-              <a14:hiddenEffects xmlns:a14="http://schemas.microsoft.com/office/drawing/2010/main" xmlns="">
+              <a14:hiddenEffects xmlns="" xmlns:a14="http://schemas.microsoft.com/office/drawing/2010/main">
                 <a:effectLst>
                   <a:outerShdw blurRad="63500" dist="38099" dir="2700000" algn="ctr" rotWithShape="0">
                     <a:schemeClr val="bg2">
@@ -14678,7 +15003,7 @@
 </p:sld>
 </file>
 
-<file path=ppt/slides/slide22.xml><?xml version="1.0" encoding="utf-8"?>
+<file path=ppt/slides/slide23.xml><?xml version="1.0" encoding="utf-8"?>
 <p:sld xmlns:a="http://schemas.openxmlformats.org/drawingml/2006/main" xmlns:r="http://schemas.openxmlformats.org/officeDocument/2006/relationships" xmlns:p="http://schemas.openxmlformats.org/presentationml/2006/main">
   <p:cSld>
     <p:spTree>
@@ -14823,7 +15148,7 @@
 </p:sld>
 </file>
 
-<file path=ppt/slides/slide23.xml><?xml version="1.0" encoding="utf-8"?>
+<file path=ppt/slides/slide24.xml><?xml version="1.0" encoding="utf-8"?>
 <p:sld xmlns:a="http://schemas.openxmlformats.org/drawingml/2006/main" xmlns:r="http://schemas.openxmlformats.org/officeDocument/2006/relationships" xmlns:p="http://schemas.openxmlformats.org/presentationml/2006/main">
   <p:cSld>
     <p:spTree>
@@ -14935,6 +15260,114 @@
       </p:grpSpPr>
       <p:sp>
         <p:nvSpPr>
+          <p:cNvPr id="2" name="Title 1"/>
+          <p:cNvSpPr>
+            <a:spLocks noGrp="1"/>
+          </p:cNvSpPr>
+          <p:nvPr>
+            <p:ph type="title"/>
+          </p:nvPr>
+        </p:nvSpPr>
+        <p:spPr/>
+        <p:txBody>
+          <a:bodyPr/>
+          <a:lstStyle/>
+          <a:p>
+            <a:r>
+              <a:rPr lang="en-US" dirty="0"/>
+              <a:t>An Optimizing Compiler</a:t>
+            </a:r>
+          </a:p>
+        </p:txBody>
+      </p:sp>
+      <p:sp>
+        <p:nvSpPr>
+          <p:cNvPr id="3" name="Content Placeholder 2"/>
+          <p:cNvSpPr>
+            <a:spLocks noGrp="1"/>
+          </p:cNvSpPr>
+          <p:nvPr>
+            <p:ph idx="1"/>
+          </p:nvPr>
+        </p:nvSpPr>
+        <p:spPr/>
+        <p:txBody>
+          <a:bodyPr/>
+          <a:lstStyle/>
+          <a:p>
+            <a:r>
+              <a:rPr lang="en-US" dirty="0"/>
+              <a:t>In our optimizing compiler we study:</a:t>
+            </a:r>
+          </a:p>
+          <a:p>
+            <a:pPr lvl="1"/>
+            <a:r>
+              <a:rPr lang="en-US" dirty="0"/>
+              <a:t>Tree rewriting in the context of </a:t>
+            </a:r>
+            <a:r>
+              <a:rPr lang="en-US" i="1" dirty="0"/>
+              <a:t>constant folding, </a:t>
+            </a:r>
+            <a:r>
+              <a:rPr lang="en-US" dirty="0"/>
+              <a:t>and</a:t>
+            </a:r>
+          </a:p>
+          <a:p>
+            <a:pPr lvl="1"/>
+            <a:r>
+              <a:rPr lang="en-US" dirty="0"/>
+              <a:t>Target code optimization in the context of </a:t>
+            </a:r>
+            <a:r>
+              <a:rPr lang="en-US" i="1" dirty="0"/>
+              <a:t>peephole optimization</a:t>
+            </a:r>
+            <a:r>
+              <a:rPr lang="en-US" dirty="0"/>
+              <a:t>.</a:t>
+            </a:r>
+          </a:p>
+          <a:p>
+            <a:pPr lvl="1"/>
+            <a:endParaRPr lang="en-US" i="1" dirty="0"/>
+          </a:p>
+        </p:txBody>
+      </p:sp>
+    </p:spTree>
+    <p:extLst>
+      <p:ext uri="{BB962C8B-B14F-4D97-AF65-F5344CB8AC3E}">
+        <p14:creationId xmlns:p14="http://schemas.microsoft.com/office/powerpoint/2010/main" val="1433415321"/>
+      </p:ext>
+    </p:extLst>
+  </p:cSld>
+  <p:clrMapOvr>
+    <a:masterClrMapping/>
+  </p:clrMapOvr>
+</p:sld>
+</file>
+
+<file path=ppt/slides/slide4.xml><?xml version="1.0" encoding="utf-8"?>
+<p:sld xmlns:a="http://schemas.openxmlformats.org/drawingml/2006/main" xmlns:r="http://schemas.openxmlformats.org/officeDocument/2006/relationships" xmlns:p="http://schemas.openxmlformats.org/presentationml/2006/main">
+  <p:cSld>
+    <p:spTree>
+      <p:nvGrpSpPr>
+        <p:cNvPr id="1" name=""/>
+        <p:cNvGrpSpPr/>
+        <p:nvPr/>
+      </p:nvGrpSpPr>
+      <p:grpSpPr>
+        <a:xfrm>
+          <a:off x="0" y="0"/>
+          <a:ext cx="0" cy="0"/>
+          <a:chOff x="0" y="0"/>
+          <a:chExt cx="0" cy="0"/>
+        </a:xfrm>
+      </p:grpSpPr>
+      <p:sp>
+        <p:nvSpPr>
           <p:cNvPr id="2050" name="Rectangle 2"/>
           <p:cNvSpPr>
             <a:spLocks noGrp="1" noChangeArrowheads="1"/>
@@ -14968,24 +15401,13 @@
         <p:spPr/>
         <p:txBody>
           <a:bodyPr>
-            <a:normAutofit lnSpcReduction="10000"/>
+            <a:normAutofit/>
           </a:bodyPr>
           <a:lstStyle/>
           <a:p>
             <a:r>
               <a:rPr lang="en-US" dirty="0"/>
-              <a:t>So far our applications only have looked at the AST as an immutable data structure</a:t>
-            </a:r>
-          </a:p>
-          <a:p>
-            <a:pPr lvl="1"/>
-            <a:r>
-              <a:rPr lang="en-US" dirty="0" err="1"/>
-              <a:t>Bytecode</a:t>
-            </a:r>
-            <a:r>
-              <a:rPr lang="en-US" dirty="0"/>
-              <a:t> interpreter used it to execute instructions</a:t>
+              <a:t>So far our applications only have looked at the AST as an immutable data structure, e.g.</a:t>
             </a:r>
           </a:p>
           <a:p>
@@ -15034,7 +15456,7 @@
 </p:sld>
 </file>
 
-<file path=ppt/slides/slide4.xml><?xml version="1.0" encoding="utf-8"?>
+<file path=ppt/slides/slide5.xml><?xml version="1.0" encoding="utf-8"?>
 <p:sld xmlns:a="http://schemas.openxmlformats.org/drawingml/2006/main" xmlns:r="http://schemas.openxmlformats.org/officeDocument/2006/relationships" xmlns:p="http://schemas.openxmlformats.org/presentationml/2006/main">
   <p:cSld>
     <p:spTree>
@@ -15119,7 +15541,7 @@
 </p:sld>
 </file>
 
-<file path=ppt/slides/slide5.xml><?xml version="1.0" encoding="utf-8"?>
+<file path=ppt/slides/slide6.xml><?xml version="1.0" encoding="utf-8"?>
 <p:sld xmlns:a="http://schemas.openxmlformats.org/drawingml/2006/main" xmlns:r="http://schemas.openxmlformats.org/officeDocument/2006/relationships" xmlns:p="http://schemas.openxmlformats.org/presentationml/2006/main">
   <p:cSld>
     <p:spTree>
@@ -15267,14 +15689,14 @@
             </a:ln>
             <a:extLst>
               <a:ext uri="{909E8E84-426E-40dd-AFC4-6F175D3DCCD1}">
-                <a14:hiddenFill xmlns:a14="http://schemas.microsoft.com/office/drawing/2010/main" xmlns="">
+                <a14:hiddenFill xmlns="" xmlns:a14="http://schemas.microsoft.com/office/drawing/2010/main">
                   <a:solidFill>
                     <a:schemeClr val="accent1"/>
                   </a:solidFill>
                 </a14:hiddenFill>
               </a:ext>
               <a:ext uri="{91240B29-F687-4f45-9708-019B960494DF}">
-                <a14:hiddenLine xmlns:a14="http://schemas.microsoft.com/office/drawing/2010/main" xmlns="" w="9525">
+                <a14:hiddenLine xmlns="" xmlns:a14="http://schemas.microsoft.com/office/drawing/2010/main" w="9525">
                   <a:solidFill>
                     <a:schemeClr val="tx1"/>
                   </a:solidFill>
@@ -15320,14 +15742,14 @@
             </a:ln>
             <a:extLst>
               <a:ext uri="{909E8E84-426E-40dd-AFC4-6F175D3DCCD1}">
-                <a14:hiddenFill xmlns:a14="http://schemas.microsoft.com/office/drawing/2010/main" xmlns="">
+                <a14:hiddenFill xmlns="" xmlns:a14="http://schemas.microsoft.com/office/drawing/2010/main">
                   <a:solidFill>
                     <a:schemeClr val="accent1"/>
                   </a:solidFill>
                 </a14:hiddenFill>
               </a:ext>
               <a:ext uri="{91240B29-F687-4f45-9708-019B960494DF}">
-                <a14:hiddenLine xmlns:a14="http://schemas.microsoft.com/office/drawing/2010/main" xmlns="" w="9525">
+                <a14:hiddenLine xmlns="" xmlns:a14="http://schemas.microsoft.com/office/drawing/2010/main" w="9525">
                   <a:solidFill>
                     <a:schemeClr val="tx1"/>
                   </a:solidFill>
@@ -15373,14 +15795,14 @@
             </a:ln>
             <a:extLst>
               <a:ext uri="{909E8E84-426E-40dd-AFC4-6F175D3DCCD1}">
-                <a14:hiddenFill xmlns:a14="http://schemas.microsoft.com/office/drawing/2010/main" xmlns="">
+                <a14:hiddenFill xmlns="" xmlns:a14="http://schemas.microsoft.com/office/drawing/2010/main">
                   <a:solidFill>
                     <a:schemeClr val="accent1"/>
                   </a:solidFill>
                 </a14:hiddenFill>
               </a:ext>
               <a:ext uri="{91240B29-F687-4f45-9708-019B960494DF}">
-                <a14:hiddenLine xmlns:a14="http://schemas.microsoft.com/office/drawing/2010/main" xmlns="" w="9525">
+                <a14:hiddenLine xmlns="" xmlns:a14="http://schemas.microsoft.com/office/drawing/2010/main" w="9525">
                   <a:solidFill>
                     <a:schemeClr val="tx1"/>
                   </a:solidFill>
@@ -15426,14 +15848,14 @@
             </a:ln>
             <a:extLst>
               <a:ext uri="{909E8E84-426E-40dd-AFC4-6F175D3DCCD1}">
-                <a14:hiddenFill xmlns:a14="http://schemas.microsoft.com/office/drawing/2010/main" xmlns="">
+                <a14:hiddenFill xmlns="" xmlns:a14="http://schemas.microsoft.com/office/drawing/2010/main">
                   <a:solidFill>
                     <a:schemeClr val="accent1"/>
                   </a:solidFill>
                 </a14:hiddenFill>
               </a:ext>
               <a:ext uri="{91240B29-F687-4f45-9708-019B960494DF}">
-                <a14:hiddenLine xmlns:a14="http://schemas.microsoft.com/office/drawing/2010/main" xmlns="" w="9525">
+                <a14:hiddenLine xmlns="" xmlns:a14="http://schemas.microsoft.com/office/drawing/2010/main" w="9525">
                   <a:solidFill>
                     <a:schemeClr val="tx1"/>
                   </a:solidFill>
@@ -15479,14 +15901,14 @@
             </a:ln>
             <a:extLst>
               <a:ext uri="{909E8E84-426E-40dd-AFC4-6F175D3DCCD1}">
-                <a14:hiddenFill xmlns:a14="http://schemas.microsoft.com/office/drawing/2010/main" xmlns="">
+                <a14:hiddenFill xmlns="" xmlns:a14="http://schemas.microsoft.com/office/drawing/2010/main">
                   <a:solidFill>
                     <a:schemeClr val="accent1"/>
                   </a:solidFill>
                 </a14:hiddenFill>
               </a:ext>
               <a:ext uri="{91240B29-F687-4f45-9708-019B960494DF}">
-                <a14:hiddenLine xmlns:a14="http://schemas.microsoft.com/office/drawing/2010/main" xmlns="" w="9525">
+                <a14:hiddenLine xmlns="" xmlns:a14="http://schemas.microsoft.com/office/drawing/2010/main" w="9525">
                   <a:solidFill>
                     <a:schemeClr val="tx1"/>
                   </a:solidFill>
@@ -15532,14 +15954,14 @@
             </a:ln>
             <a:extLst>
               <a:ext uri="{909E8E84-426E-40dd-AFC4-6F175D3DCCD1}">
-                <a14:hiddenFill xmlns:a14="http://schemas.microsoft.com/office/drawing/2010/main" xmlns="">
+                <a14:hiddenFill xmlns="" xmlns:a14="http://schemas.microsoft.com/office/drawing/2010/main">
                   <a:solidFill>
                     <a:schemeClr val="accent1"/>
                   </a:solidFill>
                 </a14:hiddenFill>
               </a:ext>
               <a:ext uri="{91240B29-F687-4f45-9708-019B960494DF}">
-                <a14:hiddenLine xmlns:a14="http://schemas.microsoft.com/office/drawing/2010/main" xmlns="" w="9525">
+                <a14:hiddenLine xmlns="" xmlns:a14="http://schemas.microsoft.com/office/drawing/2010/main" w="9525">
                   <a:solidFill>
                     <a:schemeClr val="tx1"/>
                   </a:solidFill>
@@ -15585,14 +16007,14 @@
             </a:ln>
             <a:extLst>
               <a:ext uri="{909E8E84-426E-40dd-AFC4-6F175D3DCCD1}">
-                <a14:hiddenFill xmlns:a14="http://schemas.microsoft.com/office/drawing/2010/main" xmlns="">
+                <a14:hiddenFill xmlns="" xmlns:a14="http://schemas.microsoft.com/office/drawing/2010/main">
                   <a:solidFill>
                     <a:schemeClr val="accent1"/>
                   </a:solidFill>
                 </a14:hiddenFill>
               </a:ext>
               <a:ext uri="{91240B29-F687-4f45-9708-019B960494DF}">
-                <a14:hiddenLine xmlns:a14="http://schemas.microsoft.com/office/drawing/2010/main" xmlns="" w="9525">
+                <a14:hiddenLine xmlns="" xmlns:a14="http://schemas.microsoft.com/office/drawing/2010/main" w="9525">
                   <a:solidFill>
                     <a:schemeClr val="tx1"/>
                   </a:solidFill>
@@ -15638,14 +16060,14 @@
             </a:ln>
             <a:extLst>
               <a:ext uri="{909E8E84-426E-40dd-AFC4-6F175D3DCCD1}">
-                <a14:hiddenFill xmlns:a14="http://schemas.microsoft.com/office/drawing/2010/main" xmlns="">
+                <a14:hiddenFill xmlns="" xmlns:a14="http://schemas.microsoft.com/office/drawing/2010/main">
                   <a:solidFill>
                     <a:schemeClr val="accent1"/>
                   </a:solidFill>
                 </a14:hiddenFill>
               </a:ext>
               <a:ext uri="{91240B29-F687-4f45-9708-019B960494DF}">
-                <a14:hiddenLine xmlns:a14="http://schemas.microsoft.com/office/drawing/2010/main" xmlns="" w="9525">
+                <a14:hiddenLine xmlns="" xmlns:a14="http://schemas.microsoft.com/office/drawing/2010/main" w="9525">
                   <a:solidFill>
                     <a:schemeClr val="tx1"/>
                   </a:solidFill>
@@ -15698,7 +16120,7 @@
             </a:ln>
             <a:extLst>
               <a:ext uri="{909E8E84-426E-40dd-AFC4-6F175D3DCCD1}">
-                <a14:hiddenFill xmlns:a14="http://schemas.microsoft.com/office/drawing/2010/main" xmlns="">
+                <a14:hiddenFill xmlns="" xmlns:a14="http://schemas.microsoft.com/office/drawing/2010/main">
                   <a:noFill/>
                 </a14:hiddenFill>
               </a:ext>
@@ -15734,7 +16156,7 @@
             </a:ln>
             <a:extLst>
               <a:ext uri="{909E8E84-426E-40dd-AFC4-6F175D3DCCD1}">
-                <a14:hiddenFill xmlns:a14="http://schemas.microsoft.com/office/drawing/2010/main" xmlns="">
+                <a14:hiddenFill xmlns="" xmlns:a14="http://schemas.microsoft.com/office/drawing/2010/main">
                   <a:noFill/>
                 </a14:hiddenFill>
               </a:ext>
@@ -15770,7 +16192,7 @@
             </a:ln>
             <a:extLst>
               <a:ext uri="{909E8E84-426E-40dd-AFC4-6F175D3DCCD1}">
-                <a14:hiddenFill xmlns:a14="http://schemas.microsoft.com/office/drawing/2010/main" xmlns="">
+                <a14:hiddenFill xmlns="" xmlns:a14="http://schemas.microsoft.com/office/drawing/2010/main">
                   <a:noFill/>
                 </a14:hiddenFill>
               </a:ext>
@@ -15806,7 +16228,7 @@
             </a:ln>
             <a:extLst>
               <a:ext uri="{909E8E84-426E-40dd-AFC4-6F175D3DCCD1}">
-                <a14:hiddenFill xmlns:a14="http://schemas.microsoft.com/office/drawing/2010/main" xmlns="">
+                <a14:hiddenFill xmlns="" xmlns:a14="http://schemas.microsoft.com/office/drawing/2010/main">
                   <a:noFill/>
                 </a14:hiddenFill>
               </a:ext>
@@ -15842,7 +16264,7 @@
             </a:ln>
             <a:extLst>
               <a:ext uri="{909E8E84-426E-40dd-AFC4-6F175D3DCCD1}">
-                <a14:hiddenFill xmlns:a14="http://schemas.microsoft.com/office/drawing/2010/main" xmlns="">
+                <a14:hiddenFill xmlns="" xmlns:a14="http://schemas.microsoft.com/office/drawing/2010/main">
                   <a:noFill/>
                 </a14:hiddenFill>
               </a:ext>
@@ -15878,7 +16300,7 @@
             </a:ln>
             <a:extLst>
               <a:ext uri="{909E8E84-426E-40dd-AFC4-6F175D3DCCD1}">
-                <a14:hiddenFill xmlns:a14="http://schemas.microsoft.com/office/drawing/2010/main" xmlns="">
+                <a14:hiddenFill xmlns="" xmlns:a14="http://schemas.microsoft.com/office/drawing/2010/main">
                   <a:noFill/>
                 </a14:hiddenFill>
               </a:ext>
@@ -15914,7 +16336,7 @@
             </a:ln>
             <a:extLst>
               <a:ext uri="{909E8E84-426E-40dd-AFC4-6F175D3DCCD1}">
-                <a14:hiddenFill xmlns:a14="http://schemas.microsoft.com/office/drawing/2010/main" xmlns="">
+                <a14:hiddenFill xmlns="" xmlns:a14="http://schemas.microsoft.com/office/drawing/2010/main">
                   <a:solidFill>
                     <a:schemeClr val="accent1"/>
                   </a:solidFill>
@@ -15959,7 +16381,7 @@
             </a:ln>
             <a:extLst>
               <a:ext uri="{909E8E84-426E-40dd-AFC4-6F175D3DCCD1}">
-                <a14:hiddenFill xmlns:a14="http://schemas.microsoft.com/office/drawing/2010/main" xmlns="">
+                <a14:hiddenFill xmlns="" xmlns:a14="http://schemas.microsoft.com/office/drawing/2010/main">
                   <a:solidFill>
                     <a:schemeClr val="accent1"/>
                   </a:solidFill>
@@ -16007,7 +16429,7 @@
             </a:ln>
             <a:extLst>
               <a:ext uri="{909E8E84-426E-40dd-AFC4-6F175D3DCCD1}">
-                <a14:hiddenFill xmlns:a14="http://schemas.microsoft.com/office/drawing/2010/main" xmlns="">
+                <a14:hiddenFill xmlns="" xmlns:a14="http://schemas.microsoft.com/office/drawing/2010/main">
                   <a:noFill/>
                 </a14:hiddenFill>
               </a:ext>
@@ -16053,14 +16475,14 @@
             </a:ln>
             <a:extLst>
               <a:ext uri="{909E8E84-426E-40dd-AFC4-6F175D3DCCD1}">
-                <a14:hiddenFill xmlns:a14="http://schemas.microsoft.com/office/drawing/2010/main" xmlns="">
+                <a14:hiddenFill xmlns="" xmlns:a14="http://schemas.microsoft.com/office/drawing/2010/main">
                   <a:solidFill>
                     <a:schemeClr val="accent1"/>
                   </a:solidFill>
                 </a14:hiddenFill>
               </a:ext>
               <a:ext uri="{91240B29-F687-4f45-9708-019B960494DF}">
-                <a14:hiddenLine xmlns:a14="http://schemas.microsoft.com/office/drawing/2010/main" xmlns="" w="9525">
+                <a14:hiddenLine xmlns="" xmlns:a14="http://schemas.microsoft.com/office/drawing/2010/main" w="9525">
                   <a:solidFill>
                     <a:schemeClr val="tx1"/>
                   </a:solidFill>
@@ -16106,14 +16528,14 @@
             </a:ln>
             <a:extLst>
               <a:ext uri="{909E8E84-426E-40dd-AFC4-6F175D3DCCD1}">
-                <a14:hiddenFill xmlns:a14="http://schemas.microsoft.com/office/drawing/2010/main" xmlns="">
+                <a14:hiddenFill xmlns="" xmlns:a14="http://schemas.microsoft.com/office/drawing/2010/main">
                   <a:solidFill>
                     <a:schemeClr val="accent1"/>
                   </a:solidFill>
                 </a14:hiddenFill>
               </a:ext>
               <a:ext uri="{91240B29-F687-4f45-9708-019B960494DF}">
-                <a14:hiddenLine xmlns:a14="http://schemas.microsoft.com/office/drawing/2010/main" xmlns="" w="9525">
+                <a14:hiddenLine xmlns="" xmlns:a14="http://schemas.microsoft.com/office/drawing/2010/main" w="9525">
                   <a:solidFill>
                     <a:schemeClr val="tx1"/>
                   </a:solidFill>
@@ -16397,7 +16819,7 @@
 </p:sld>
 </file>
 
-<file path=ppt/slides/slide6.xml><?xml version="1.0" encoding="utf-8"?>
+<file path=ppt/slides/slide7.xml><?xml version="1.0" encoding="utf-8"?>
 <p:sld xmlns:a="http://schemas.openxmlformats.org/drawingml/2006/main" xmlns:r="http://schemas.openxmlformats.org/officeDocument/2006/relationships" xmlns:p="http://schemas.openxmlformats.org/presentationml/2006/main">
   <p:cSld>
     <p:spTree>
@@ -16455,7 +16877,7 @@
           <a:p>
             <a:r>
               <a:rPr lang="en-US" dirty="0"/>
-              <a:t>One way to view constant folding is as a AST rewriting. </a:t>
+              <a:t>One way to view constant folding is as an AST rewriting. </a:t>
             </a:r>
           </a:p>
           <a:p>
@@ -16467,7 +16889,7 @@
           <a:p>
             <a:r>
               <a:rPr lang="en-US" dirty="0"/>
-              <a:t> In order to accomplish this we need to walk the AST for a Cuppa1 program and look for patterns that allow us to rewrite the tree. </a:t>
+              <a:t> In order to accomplish this, we need to walk the AST for a program and look for patterns that allow us to rewrite the tree. </a:t>
             </a:r>
           </a:p>
           <a:p>
@@ -16505,7 +16927,7 @@
 </p:sld>
 </file>
 
-<file path=ppt/slides/slide7.xml><?xml version="1.0" encoding="utf-8"?>
+<file path=ppt/slides/slide8.xml><?xml version="1.0" encoding="utf-8"?>
 <p:sld xmlns:a="http://schemas.openxmlformats.org/drawingml/2006/main" xmlns:r="http://schemas.openxmlformats.org/officeDocument/2006/relationships" xmlns:p="http://schemas.openxmlformats.org/presentationml/2006/main">
   <p:cSld>
     <p:spTree>
@@ -16621,7 +17043,7 @@
 </p:sld>
 </file>
 
-<file path=ppt/slides/slide8.xml><?xml version="1.0" encoding="utf-8"?>
+<file path=ppt/slides/slide9.xml><?xml version="1.0" encoding="utf-8"?>
 <p:sld xmlns:a="http://schemas.openxmlformats.org/drawingml/2006/main" xmlns:r="http://schemas.openxmlformats.org/officeDocument/2006/relationships" xmlns:p="http://schemas.openxmlformats.org/presentationml/2006/main">
   <p:cSld>
     <p:spTree>
@@ -16758,352 +17180,6 @@
     <p:extLst>
       <p:ext uri="{BB962C8B-B14F-4D97-AF65-F5344CB8AC3E}">
         <p14:creationId xmlns:p14="http://schemas.microsoft.com/office/powerpoint/2010/main" val="1284441755"/>
-      </p:ext>
-    </p:extLst>
-  </p:cSld>
-  <p:clrMapOvr>
-    <a:masterClrMapping/>
-  </p:clrMapOvr>
-</p:sld>
-</file>
-
-<file path=ppt/slides/slide9.xml><?xml version="1.0" encoding="utf-8"?>
-<p:sld xmlns:a="http://schemas.openxmlformats.org/drawingml/2006/main" xmlns:r="http://schemas.openxmlformats.org/officeDocument/2006/relationships" xmlns:p="http://schemas.openxmlformats.org/presentationml/2006/main">
-  <p:cSld>
-    <p:spTree>
-      <p:nvGrpSpPr>
-        <p:cNvPr id="1" name=""/>
-        <p:cNvGrpSpPr/>
-        <p:nvPr/>
-      </p:nvGrpSpPr>
-      <p:grpSpPr>
-        <a:xfrm>
-          <a:off x="0" y="0"/>
-          <a:ext cx="0" cy="0"/>
-          <a:chOff x="0" y="0"/>
-          <a:chExt cx="0" cy="0"/>
-        </a:xfrm>
-      </p:grpSpPr>
-      <p:pic>
-        <p:nvPicPr>
-          <p:cNvPr id="12" name="Picture 11">
-            <a:extLst>
-              <a:ext uri="{FF2B5EF4-FFF2-40B4-BE49-F238E27FC236}">
-                <a16:creationId xmlns:a16="http://schemas.microsoft.com/office/drawing/2014/main" id="{550D1BFA-5A20-1F4D-9927-62D87EE9816C}"/>
-              </a:ext>
-            </a:extLst>
-          </p:cNvPr>
-          <p:cNvPicPr>
-            <a:picLocks noChangeAspect="1"/>
-          </p:cNvPicPr>
-          <p:nvPr/>
-        </p:nvPicPr>
-        <p:blipFill>
-          <a:blip r:embed="rId2"/>
-          <a:stretch>
-            <a:fillRect/>
-          </a:stretch>
-        </p:blipFill>
-        <p:spPr>
-          <a:xfrm>
-            <a:off x="762000" y="4361969"/>
-            <a:ext cx="3133957" cy="1803400"/>
-          </a:xfrm>
-          <a:prstGeom prst="rect">
-            <a:avLst/>
-          </a:prstGeom>
-          <a:ln>
-            <a:solidFill>
-              <a:schemeClr val="tx1"/>
-            </a:solidFill>
-          </a:ln>
-        </p:spPr>
-      </p:pic>
-      <p:pic>
-        <p:nvPicPr>
-          <p:cNvPr id="7" name="Picture 6">
-            <a:extLst>
-              <a:ext uri="{FF2B5EF4-FFF2-40B4-BE49-F238E27FC236}">
-                <a16:creationId xmlns:a16="http://schemas.microsoft.com/office/drawing/2014/main" id="{646E0670-4684-3741-9613-62634D131CA3}"/>
-              </a:ext>
-            </a:extLst>
-          </p:cNvPr>
-          <p:cNvPicPr>
-            <a:picLocks noChangeAspect="1"/>
-          </p:cNvPicPr>
-          <p:nvPr/>
-        </p:nvPicPr>
-        <p:blipFill>
-          <a:blip r:embed="rId3"/>
-          <a:stretch>
-            <a:fillRect/>
-          </a:stretch>
-        </p:blipFill>
-        <p:spPr>
-          <a:xfrm>
-            <a:off x="4483100" y="4042884"/>
-            <a:ext cx="3517900" cy="1519566"/>
-          </a:xfrm>
-          <a:prstGeom prst="rect">
-            <a:avLst/>
-          </a:prstGeom>
-          <a:ln>
-            <a:solidFill>
-              <a:schemeClr val="tx1"/>
-            </a:solidFill>
-          </a:ln>
-        </p:spPr>
-      </p:pic>
-      <p:sp>
-        <p:nvSpPr>
-          <p:cNvPr id="2" name="Title 1"/>
-          <p:cNvSpPr>
-            <a:spLocks noGrp="1"/>
-          </p:cNvSpPr>
-          <p:nvPr>
-            <p:ph type="title"/>
-          </p:nvPr>
-        </p:nvSpPr>
-        <p:spPr/>
-        <p:txBody>
-          <a:bodyPr/>
-          <a:lstStyle/>
-          <a:p>
-            <a:r>
-              <a:rPr lang="en-US" dirty="0"/>
-              <a:t>Constant Folding Walker</a:t>
-            </a:r>
-          </a:p>
-        </p:txBody>
-      </p:sp>
-      <p:sp>
-        <p:nvSpPr>
-          <p:cNvPr id="8" name="TextBox 7"/>
-          <p:cNvSpPr txBox="1"/>
-          <p:nvPr/>
-        </p:nvSpPr>
-        <p:spPr>
-          <a:xfrm>
-            <a:off x="6386945" y="2092036"/>
-            <a:ext cx="1398140" cy="307777"/>
-          </a:xfrm>
-          <a:prstGeom prst="rect">
-            <a:avLst/>
-          </a:prstGeom>
-          <a:noFill/>
-        </p:spPr>
-        <p:txBody>
-          <a:bodyPr wrap="none" rtlCol="0">
-            <a:spAutoFit/>
-          </a:bodyPr>
-          <a:lstStyle/>
-          <a:p>
-            <a:r>
-              <a:rPr lang="en-US" dirty="0"/>
-              <a:t>cuppa1_fold.py</a:t>
-            </a:r>
-          </a:p>
-        </p:txBody>
-      </p:sp>
-      <p:sp>
-        <p:nvSpPr>
-          <p:cNvPr id="9" name="Right Arrow 8"/>
-          <p:cNvSpPr/>
-          <p:nvPr/>
-        </p:nvSpPr>
-        <p:spPr bwMode="auto">
-          <a:xfrm>
-            <a:off x="533400" y="5867400"/>
-            <a:ext cx="457200" cy="228600"/>
-          </a:xfrm>
-          <a:prstGeom prst="rightArrow">
-            <a:avLst/>
-          </a:prstGeom>
-          <a:solidFill>
-            <a:srgbClr val="FF0000"/>
-          </a:solidFill>
-          <a:ln w="9525" cap="flat" cmpd="sng" algn="ctr">
-            <a:solidFill>
-              <a:schemeClr val="tx1"/>
-            </a:solidFill>
-            <a:prstDash val="solid"/>
-            <a:round/>
-            <a:headEnd type="none" w="med" len="med"/>
-            <a:tailEnd type="none" w="med" len="med"/>
-          </a:ln>
-          <a:effectLst/>
-          <a:extLst>
-            <a:ext uri="{AF507438-7753-43e0-B8FC-AC1667EBCBE1}">
-              <a14:hiddenEffects xmlns:a14="http://schemas.microsoft.com/office/drawing/2010/main" xmlns="">
-                <a:effectLst>
-                  <a:outerShdw blurRad="63500" dist="38099" dir="2700000" algn="ctr" rotWithShape="0">
-                    <a:schemeClr val="bg2">
-                      <a:alpha val="74998"/>
-                    </a:schemeClr>
-                  </a:outerShdw>
-                </a:effectLst>
-              </a14:hiddenEffects>
-            </a:ext>
-          </a:extLst>
-        </p:spPr>
-        <p:txBody>
-          <a:bodyPr vert="horz" wrap="square" lIns="91440" tIns="45720" rIns="91440" bIns="45720" numCol="1" rtlCol="0" anchor="t" anchorCtr="0" compatLnSpc="1">
-            <a:prstTxWarp prst="textNoShape">
-              <a:avLst/>
-            </a:prstTxWarp>
-          </a:bodyPr>
-          <a:lstStyle/>
-          <a:p>
-            <a:pPr marL="0" marR="0" indent="0" algn="l" defTabSz="914400" rtl="0" eaLnBrk="0" fontAlgn="base" latinLnBrk="0" hangingPunct="0">
-              <a:lnSpc>
-                <a:spcPct val="100000"/>
-              </a:lnSpc>
-              <a:spcBef>
-                <a:spcPct val="0"/>
-              </a:spcBef>
-              <a:spcAft>
-                <a:spcPct val="0"/>
-              </a:spcAft>
-              <a:buClrTx/>
-              <a:buSzTx/>
-              <a:buFontTx/>
-              <a:buNone/>
-              <a:tabLst/>
-            </a:pPr>
-            <a:endParaRPr kumimoji="0" lang="en-US" sz="2400" b="0" i="0" u="none" strike="noStrike" cap="none" normalizeH="0" baseline="0">
-              <a:ln>
-                <a:noFill/>
-              </a:ln>
-              <a:solidFill>
-                <a:srgbClr val="000000"/>
-              </a:solidFill>
-              <a:effectLst/>
-              <a:latin typeface="Arial" charset="0"/>
-              <a:ea typeface="ＭＳ Ｐゴシック" charset="0"/>
-              <a:cs typeface="ＭＳ Ｐゴシック" charset="0"/>
-            </a:endParaRPr>
-          </a:p>
-        </p:txBody>
-      </p:sp>
-      <p:sp>
-        <p:nvSpPr>
-          <p:cNvPr id="11" name="Right Arrow 10"/>
-          <p:cNvSpPr/>
-          <p:nvPr/>
-        </p:nvSpPr>
-        <p:spPr bwMode="auto">
-          <a:xfrm>
-            <a:off x="4229100" y="5263669"/>
-            <a:ext cx="457200" cy="228600"/>
-          </a:xfrm>
-          <a:prstGeom prst="rightArrow">
-            <a:avLst/>
-          </a:prstGeom>
-          <a:solidFill>
-            <a:srgbClr val="FF0000"/>
-          </a:solidFill>
-          <a:ln w="9525" cap="flat" cmpd="sng" algn="ctr">
-            <a:solidFill>
-              <a:schemeClr val="tx1"/>
-            </a:solidFill>
-            <a:prstDash val="solid"/>
-            <a:round/>
-            <a:headEnd type="none" w="med" len="med"/>
-            <a:tailEnd type="none" w="med" len="med"/>
-          </a:ln>
-          <a:effectLst/>
-          <a:extLst>
-            <a:ext uri="{AF507438-7753-43e0-B8FC-AC1667EBCBE1}">
-              <a14:hiddenEffects xmlns:a14="http://schemas.microsoft.com/office/drawing/2010/main" xmlns="">
-                <a:effectLst>
-                  <a:outerShdw blurRad="63500" dist="38099" dir="2700000" algn="ctr" rotWithShape="0">
-                    <a:schemeClr val="bg2">
-                      <a:alpha val="74998"/>
-                    </a:schemeClr>
-                  </a:outerShdw>
-                </a:effectLst>
-              </a14:hiddenEffects>
-            </a:ext>
-          </a:extLst>
-        </p:spPr>
-        <p:txBody>
-          <a:bodyPr vert="horz" wrap="square" lIns="91440" tIns="45720" rIns="91440" bIns="45720" numCol="1" rtlCol="0" anchor="t" anchorCtr="0" compatLnSpc="1">
-            <a:prstTxWarp prst="textNoShape">
-              <a:avLst/>
-            </a:prstTxWarp>
-          </a:bodyPr>
-          <a:lstStyle/>
-          <a:p>
-            <a:pPr marL="0" marR="0" indent="0" algn="l" defTabSz="914400" rtl="0" eaLnBrk="0" fontAlgn="base" latinLnBrk="0" hangingPunct="0">
-              <a:lnSpc>
-                <a:spcPct val="100000"/>
-              </a:lnSpc>
-              <a:spcBef>
-                <a:spcPct val="0"/>
-              </a:spcBef>
-              <a:spcAft>
-                <a:spcPct val="0"/>
-              </a:spcAft>
-              <a:buClrTx/>
-              <a:buSzTx/>
-              <a:buFontTx/>
-              <a:buNone/>
-              <a:tabLst/>
-            </a:pPr>
-            <a:endParaRPr kumimoji="0" lang="en-US" sz="2400" b="0" i="0" u="none" strike="noStrike" cap="none" normalizeH="0" baseline="0">
-              <a:ln>
-                <a:noFill/>
-              </a:ln>
-              <a:solidFill>
-                <a:srgbClr val="000000"/>
-              </a:solidFill>
-              <a:effectLst/>
-              <a:latin typeface="Arial" charset="0"/>
-              <a:ea typeface="ＭＳ Ｐゴシック" charset="0"/>
-              <a:cs typeface="ＭＳ Ｐゴシック" charset="0"/>
-            </a:endParaRPr>
-          </a:p>
-        </p:txBody>
-      </p:sp>
-      <p:pic>
-        <p:nvPicPr>
-          <p:cNvPr id="5" name="Picture 4">
-            <a:extLst>
-              <a:ext uri="{FF2B5EF4-FFF2-40B4-BE49-F238E27FC236}">
-                <a16:creationId xmlns:a16="http://schemas.microsoft.com/office/drawing/2014/main" id="{D2616F74-C11C-DB42-95F4-CC0B8EA691C8}"/>
-              </a:ext>
-            </a:extLst>
-          </p:cNvPr>
-          <p:cNvPicPr>
-            <a:picLocks noChangeAspect="1"/>
-          </p:cNvPicPr>
-          <p:nvPr/>
-        </p:nvPicPr>
-        <p:blipFill>
-          <a:blip r:embed="rId4"/>
-          <a:stretch>
-            <a:fillRect/>
-          </a:stretch>
-        </p:blipFill>
-        <p:spPr>
-          <a:xfrm>
-            <a:off x="533400" y="1502903"/>
-            <a:ext cx="4901045" cy="2420269"/>
-          </a:xfrm>
-          <a:prstGeom prst="rect">
-            <a:avLst/>
-          </a:prstGeom>
-          <a:ln>
-            <a:solidFill>
-              <a:schemeClr val="tx1"/>
-            </a:solidFill>
-          </a:ln>
-        </p:spPr>
-      </p:pic>
-    </p:spTree>
-    <p:extLst>
-      <p:ext uri="{BB962C8B-B14F-4D97-AF65-F5344CB8AC3E}">
-        <p14:creationId xmlns:p14="http://schemas.microsoft.com/office/powerpoint/2010/main" val="1180357299"/>
       </p:ext>
     </p:extLst>
   </p:cSld>
@@ -17359,7 +17435,7 @@
         <a:effectLst/>
         <a:extLst>
           <a:ext uri="{AF507438-7753-43e0-B8FC-AC1667EBCBE1}">
-            <a14:hiddenEffects xmlns:a14="http://schemas.microsoft.com/office/drawing/2010/main" xmlns="">
+            <a14:hiddenEffects xmlns="" xmlns:a14="http://schemas.microsoft.com/office/drawing/2010/main">
               <a:effectLst>
                 <a:outerShdw blurRad="63500" dist="38099" dir="2700000" algn="ctr" rotWithShape="0">
                   <a:schemeClr val="bg2">
@@ -17436,7 +17512,7 @@
         <a:effectLst/>
         <a:extLst>
           <a:ext uri="{AF507438-7753-43e0-B8FC-AC1667EBCBE1}">
-            <a14:hiddenEffects xmlns:a14="http://schemas.microsoft.com/office/drawing/2010/main" xmlns="">
+            <a14:hiddenEffects xmlns="" xmlns:a14="http://schemas.microsoft.com/office/drawing/2010/main">
               <a:effectLst>
                 <a:outerShdw blurRad="63500" dist="38099" dir="2700000" algn="ctr" rotWithShape="0">
                   <a:schemeClr val="bg2">
